--- a/Asp-net-core PeakIT.pptx
+++ b/Asp-net-core PeakIT.pptx
@@ -16,14 +16,14 @@
     <p:sldId id="1701" r:id="rId7"/>
     <p:sldId id="1671" r:id="rId8"/>
     <p:sldId id="269" r:id="rId9"/>
-    <p:sldId id="270" r:id="rId10"/>
-    <p:sldId id="1668" r:id="rId11"/>
-    <p:sldId id="1670" r:id="rId12"/>
-    <p:sldId id="1666" r:id="rId13"/>
-    <p:sldId id="1667" r:id="rId14"/>
-    <p:sldId id="1661" r:id="rId15"/>
-    <p:sldId id="1662" r:id="rId16"/>
-    <p:sldId id="1663" r:id="rId17"/>
+    <p:sldId id="1703" r:id="rId10"/>
+    <p:sldId id="270" r:id="rId11"/>
+    <p:sldId id="1668" r:id="rId12"/>
+    <p:sldId id="1670" r:id="rId13"/>
+    <p:sldId id="1666" r:id="rId14"/>
+    <p:sldId id="1667" r:id="rId15"/>
+    <p:sldId id="1661" r:id="rId16"/>
+    <p:sldId id="1662" r:id="rId17"/>
     <p:sldId id="1672" r:id="rId18"/>
     <p:sldId id="1678" r:id="rId19"/>
     <p:sldId id="1677" r:id="rId20"/>
@@ -152,6 +152,18 @@
     </p:ext>
   </p:extLst>
 </p:presentation>
+</file>
+
+<file path=ppt/commentAuthors.xml><?xml version="1.0" encoding="utf-8"?>
+<p:cmAuthorLst xmlns:a="http://schemas.openxmlformats.org/drawingml/2006/main" xmlns:r="http://schemas.openxmlformats.org/officeDocument/2006/relationships" xmlns:p="http://schemas.openxmlformats.org/presentationml/2006/main">
+  <p:cmAuthor id="1" name="Igor Jigan" initials="IJ" lastIdx="1" clrIdx="0">
+    <p:extLst>
+      <p:ext uri="{19B8F6BF-5375-455C-9EA6-DF929625EA0E}">
+        <p15:presenceInfo xmlns:p15="http://schemas.microsoft.com/office/powerpoint/2012/main" userId="5c1deafbbca2f211" providerId="Windows Live"/>
+      </p:ext>
+    </p:extLst>
+  </p:cmAuthor>
+</p:cmAuthorLst>
 </file>
 
 <file path=ppt/diagrams/colors1.xml><?xml version="1.0" encoding="utf-8"?>
@@ -2934,10 +2946,30 @@
           <a:bodyPr/>
           <a:lstStyle/>
           <a:p>
+            <a:pPr marL="0" marR="0" lvl="0" indent="0" algn="l" defTabSz="914400" rtl="0" eaLnBrk="1" fontAlgn="auto" latinLnBrk="0" hangingPunct="1">
+              <a:lnSpc>
+                <a:spcPct val="100000"/>
+              </a:lnSpc>
+              <a:spcBef>
+                <a:spcPts val="0"/>
+              </a:spcBef>
+              <a:spcAft>
+                <a:spcPts val="0"/>
+              </a:spcAft>
+              <a:buClrTx/>
+              <a:buSzTx/>
+              <a:buFontTx/>
+              <a:buNone/>
+              <a:tabLst/>
+              <a:defRPr/>
+            </a:pPr>
             <a:r>
               <a:rPr lang="en-US" dirty="0"/>
-              <a:t>Each source with specific provider</a:t>
-            </a:r>
+              <a:t>https://github.com/dotnet/cli</a:t>
+            </a:r>
+          </a:p>
+          <a:p>
+            <a:endParaRPr lang="en-US" dirty="0"/>
           </a:p>
         </p:txBody>
       </p:sp>
@@ -2958,7 +2990,7 @@
           <a:p>
             <a:fld id="{4DB2BA24-A594-42FE-968E-B893334C608F}" type="slidenum">
               <a:rPr lang="en-US" smtClean="0"/>
-              <a:t>21</a:t>
+              <a:t>16</a:t>
             </a:fld>
             <a:endParaRPr lang="en-US"/>
           </a:p>
@@ -2967,7 +2999,7 @@
     </p:spTree>
     <p:extLst>
       <p:ext uri="{BB962C8B-B14F-4D97-AF65-F5344CB8AC3E}">
-        <p14:creationId xmlns:p14="http://schemas.microsoft.com/office/powerpoint/2010/main" val="2716460805"/>
+        <p14:creationId xmlns:p14="http://schemas.microsoft.com/office/powerpoint/2010/main" val="387626510"/>
       </p:ext>
     </p:extLst>
   </p:cSld>
@@ -3023,8 +3055,11 @@
           <a:p>
             <a:r>
               <a:rPr lang="en-US" dirty="0"/>
-              <a:t>Each source with specific provider</a:t>
-            </a:r>
+              <a:t>ordering is important</a:t>
+            </a:r>
+          </a:p>
+          <a:p>
+            <a:endParaRPr lang="en-US" dirty="0"/>
           </a:p>
         </p:txBody>
       </p:sp>
@@ -3045,7 +3080,7 @@
           <a:p>
             <a:fld id="{4DB2BA24-A594-42FE-968E-B893334C608F}" type="slidenum">
               <a:rPr lang="en-US" smtClean="0"/>
-              <a:t>22</a:t>
+              <a:t>20</a:t>
             </a:fld>
             <a:endParaRPr lang="en-US"/>
           </a:p>
@@ -3054,7 +3089,7 @@
     </p:spTree>
     <p:extLst>
       <p:ext uri="{BB962C8B-B14F-4D97-AF65-F5344CB8AC3E}">
-        <p14:creationId xmlns:p14="http://schemas.microsoft.com/office/powerpoint/2010/main" val="3086540312"/>
+        <p14:creationId xmlns:p14="http://schemas.microsoft.com/office/powerpoint/2010/main" val="3348467157"/>
       </p:ext>
     </p:extLst>
   </p:cSld>
@@ -3108,7 +3143,10 @@
           <a:bodyPr/>
           <a:lstStyle/>
           <a:p>
-            <a:endParaRPr lang="en-US" dirty="0"/>
+            <a:r>
+              <a:rPr lang="en-US" dirty="0"/>
+              <a:t>Each source with specific provider</a:t>
+            </a:r>
           </a:p>
         </p:txBody>
       </p:sp>
@@ -3129,7 +3167,7 @@
           <a:p>
             <a:fld id="{4DB2BA24-A594-42FE-968E-B893334C608F}" type="slidenum">
               <a:rPr lang="en-US" smtClean="0"/>
-              <a:t>23</a:t>
+              <a:t>21</a:t>
             </a:fld>
             <a:endParaRPr lang="en-US"/>
           </a:p>
@@ -3138,7 +3176,7 @@
     </p:spTree>
     <p:extLst>
       <p:ext uri="{BB962C8B-B14F-4D97-AF65-F5344CB8AC3E}">
-        <p14:creationId xmlns:p14="http://schemas.microsoft.com/office/powerpoint/2010/main" val="636001811"/>
+        <p14:creationId xmlns:p14="http://schemas.microsoft.com/office/powerpoint/2010/main" val="2716460805"/>
       </p:ext>
     </p:extLst>
   </p:cSld>
@@ -3192,7 +3230,10 @@
           <a:bodyPr/>
           <a:lstStyle/>
           <a:p>
-            <a:endParaRPr lang="en-US" dirty="0"/>
+            <a:r>
+              <a:rPr lang="en-US" dirty="0"/>
+              <a:t>Each source with specific provider</a:t>
+            </a:r>
           </a:p>
         </p:txBody>
       </p:sp>
@@ -3213,7 +3254,7 @@
           <a:p>
             <a:fld id="{4DB2BA24-A594-42FE-968E-B893334C608F}" type="slidenum">
               <a:rPr lang="en-US" smtClean="0"/>
-              <a:t>24</a:t>
+              <a:t>22</a:t>
             </a:fld>
             <a:endParaRPr lang="en-US"/>
           </a:p>
@@ -3222,7 +3263,7 @@
     </p:spTree>
     <p:extLst>
       <p:ext uri="{BB962C8B-B14F-4D97-AF65-F5344CB8AC3E}">
-        <p14:creationId xmlns:p14="http://schemas.microsoft.com/office/powerpoint/2010/main" val="2333512939"/>
+        <p14:creationId xmlns:p14="http://schemas.microsoft.com/office/powerpoint/2010/main" val="3086540312"/>
       </p:ext>
     </p:extLst>
   </p:cSld>
@@ -3297,7 +3338,7 @@
           <a:p>
             <a:fld id="{4DB2BA24-A594-42FE-968E-B893334C608F}" type="slidenum">
               <a:rPr lang="en-US" smtClean="0"/>
-              <a:t>25</a:t>
+              <a:t>23</a:t>
             </a:fld>
             <a:endParaRPr lang="en-US"/>
           </a:p>
@@ -3306,7 +3347,7 @@
     </p:spTree>
     <p:extLst>
       <p:ext uri="{BB962C8B-B14F-4D97-AF65-F5344CB8AC3E}">
-        <p14:creationId xmlns:p14="http://schemas.microsoft.com/office/powerpoint/2010/main" val="1962030772"/>
+        <p14:creationId xmlns:p14="http://schemas.microsoft.com/office/powerpoint/2010/main" val="636001811"/>
       </p:ext>
     </p:extLst>
   </p:cSld>
@@ -3381,7 +3422,7 @@
           <a:p>
             <a:fld id="{4DB2BA24-A594-42FE-968E-B893334C608F}" type="slidenum">
               <a:rPr lang="en-US" smtClean="0"/>
-              <a:t>26</a:t>
+              <a:t>24</a:t>
             </a:fld>
             <a:endParaRPr lang="en-US"/>
           </a:p>
@@ -3390,7 +3431,7 @@
     </p:spTree>
     <p:extLst>
       <p:ext uri="{BB962C8B-B14F-4D97-AF65-F5344CB8AC3E}">
-        <p14:creationId xmlns:p14="http://schemas.microsoft.com/office/powerpoint/2010/main" val="2465997791"/>
+        <p14:creationId xmlns:p14="http://schemas.microsoft.com/office/powerpoint/2010/main" val="2333512939"/>
       </p:ext>
     </p:extLst>
   </p:cSld>
@@ -3465,7 +3506,7 @@
           <a:p>
             <a:fld id="{4DB2BA24-A594-42FE-968E-B893334C608F}" type="slidenum">
               <a:rPr lang="en-US" smtClean="0"/>
-              <a:t>27</a:t>
+              <a:t>25</a:t>
             </a:fld>
             <a:endParaRPr lang="en-US"/>
           </a:p>
@@ -3474,7 +3515,7 @@
     </p:spTree>
     <p:extLst>
       <p:ext uri="{BB962C8B-B14F-4D97-AF65-F5344CB8AC3E}">
-        <p14:creationId xmlns:p14="http://schemas.microsoft.com/office/powerpoint/2010/main" val="4134873798"/>
+        <p14:creationId xmlns:p14="http://schemas.microsoft.com/office/powerpoint/2010/main" val="1962030772"/>
       </p:ext>
     </p:extLst>
   </p:cSld>
@@ -3528,10 +3569,7 @@
           <a:bodyPr/>
           <a:lstStyle/>
           <a:p>
-            <a:r>
-              <a:rPr lang="en-US" dirty="0"/>
-              <a:t>Separate package and can be used in other type of application</a:t>
-            </a:r>
+            <a:endParaRPr lang="en-US" dirty="0"/>
           </a:p>
         </p:txBody>
       </p:sp>
@@ -3552,7 +3590,7 @@
           <a:p>
             <a:fld id="{4DB2BA24-A594-42FE-968E-B893334C608F}" type="slidenum">
               <a:rPr lang="en-US" smtClean="0"/>
-              <a:t>28</a:t>
+              <a:t>26</a:t>
             </a:fld>
             <a:endParaRPr lang="en-US"/>
           </a:p>
@@ -3561,7 +3599,7 @@
     </p:spTree>
     <p:extLst>
       <p:ext uri="{BB962C8B-B14F-4D97-AF65-F5344CB8AC3E}">
-        <p14:creationId xmlns:p14="http://schemas.microsoft.com/office/powerpoint/2010/main" val="4268821624"/>
+        <p14:creationId xmlns:p14="http://schemas.microsoft.com/office/powerpoint/2010/main" val="2465997791"/>
       </p:ext>
     </p:extLst>
   </p:cSld>
@@ -3615,43 +3653,6 @@
           <a:bodyPr/>
           <a:lstStyle/>
           <a:p>
-            <a:r>
-              <a:rPr lang="en-US" dirty="0"/>
-              <a:t>ASP.NET Core apps configure and launch a </a:t>
-            </a:r>
-            <a:r>
-              <a:rPr lang="en-US" i="1" dirty="0"/>
-              <a:t>host</a:t>
-            </a:r>
-            <a:r>
-              <a:rPr lang="en-US" dirty="0"/>
-              <a:t>. The host is responsible for app startup and lifetime management. At a minimum, the host configures a server and a request processing pipeline.</a:t>
-            </a:r>
-          </a:p>
-          <a:p>
-            <a:pPr marL="0" marR="0" lvl="0" indent="0" algn="l" defTabSz="914400" rtl="0" eaLnBrk="1" fontAlgn="auto" latinLnBrk="0" hangingPunct="1">
-              <a:lnSpc>
-                <a:spcPct val="100000"/>
-              </a:lnSpc>
-              <a:spcBef>
-                <a:spcPts val="0"/>
-              </a:spcBef>
-              <a:spcAft>
-                <a:spcPts val="0"/>
-              </a:spcAft>
-              <a:buClrTx/>
-              <a:buSzTx/>
-              <a:buFontTx/>
-              <a:buNone/>
-              <a:tabLst/>
-              <a:defRPr/>
-            </a:pPr>
-            <a:r>
-              <a:rPr lang="en-US" dirty="0"/>
-              <a:t>The Generic Host will eventually replace the Web Host.</a:t>
-            </a:r>
-          </a:p>
-          <a:p>
             <a:endParaRPr lang="en-US" dirty="0"/>
           </a:p>
         </p:txBody>
@@ -3673,7 +3674,7 @@
           <a:p>
             <a:fld id="{4DB2BA24-A594-42FE-968E-B893334C608F}" type="slidenum">
               <a:rPr lang="en-US" smtClean="0"/>
-              <a:t>29</a:t>
+              <a:t>27</a:t>
             </a:fld>
             <a:endParaRPr lang="en-US"/>
           </a:p>
@@ -3682,7 +3683,7 @@
     </p:spTree>
     <p:extLst>
       <p:ext uri="{BB962C8B-B14F-4D97-AF65-F5344CB8AC3E}">
-        <p14:creationId xmlns:p14="http://schemas.microsoft.com/office/powerpoint/2010/main" val="2491721671"/>
+        <p14:creationId xmlns:p14="http://schemas.microsoft.com/office/powerpoint/2010/main" val="4134873798"/>
       </p:ext>
     </p:extLst>
   </p:cSld>
@@ -3736,7 +3737,10 @@
           <a:bodyPr/>
           <a:lstStyle/>
           <a:p>
-            <a:endParaRPr lang="en-US" dirty="0"/>
+            <a:r>
+              <a:rPr lang="en-US" dirty="0"/>
+              <a:t>Separate package and can be used in other type of application</a:t>
+            </a:r>
           </a:p>
         </p:txBody>
       </p:sp>
@@ -3757,7 +3761,7 @@
           <a:p>
             <a:fld id="{4DB2BA24-A594-42FE-968E-B893334C608F}" type="slidenum">
               <a:rPr lang="en-US" smtClean="0"/>
-              <a:t>30</a:t>
+              <a:t>28</a:t>
             </a:fld>
             <a:endParaRPr lang="en-US"/>
           </a:p>
@@ -3766,7 +3770,7 @@
     </p:spTree>
     <p:extLst>
       <p:ext uri="{BB962C8B-B14F-4D97-AF65-F5344CB8AC3E}">
-        <p14:creationId xmlns:p14="http://schemas.microsoft.com/office/powerpoint/2010/main" val="4203467806"/>
+        <p14:creationId xmlns:p14="http://schemas.microsoft.com/office/powerpoint/2010/main" val="4268821624"/>
       </p:ext>
     </p:extLst>
   </p:cSld>
@@ -3906,8 +3910,42 @@
           <a:p>
             <a:r>
               <a:rPr lang="en-US" dirty="0"/>
-              <a:t>The goal of the Generic Host is to decouple the HTTP pipeline from the Web Host API to enable a wider array of host scenarios.</a:t>
-            </a:r>
+              <a:t>ASP.NET Core apps configure and launch a </a:t>
+            </a:r>
+            <a:r>
+              <a:rPr lang="en-US" i="1" dirty="0"/>
+              <a:t>host</a:t>
+            </a:r>
+            <a:r>
+              <a:rPr lang="en-US" dirty="0"/>
+              <a:t>. The host is responsible for app startup and lifetime management. At a minimum, the host configures a server and a request processing pipeline.</a:t>
+            </a:r>
+          </a:p>
+          <a:p>
+            <a:pPr marL="0" marR="0" lvl="0" indent="0" algn="l" defTabSz="914400" rtl="0" eaLnBrk="1" fontAlgn="auto" latinLnBrk="0" hangingPunct="1">
+              <a:lnSpc>
+                <a:spcPct val="100000"/>
+              </a:lnSpc>
+              <a:spcBef>
+                <a:spcPts val="0"/>
+              </a:spcBef>
+              <a:spcAft>
+                <a:spcPts val="0"/>
+              </a:spcAft>
+              <a:buClrTx/>
+              <a:buSzTx/>
+              <a:buFontTx/>
+              <a:buNone/>
+              <a:tabLst/>
+              <a:defRPr/>
+            </a:pPr>
+            <a:r>
+              <a:rPr lang="en-US" dirty="0"/>
+              <a:t>The Generic Host will eventually replace the Web Host.</a:t>
+            </a:r>
+          </a:p>
+          <a:p>
+            <a:endParaRPr lang="en-US" dirty="0"/>
           </a:p>
         </p:txBody>
       </p:sp>
@@ -3928,7 +3966,7 @@
           <a:p>
             <a:fld id="{4DB2BA24-A594-42FE-968E-B893334C608F}" type="slidenum">
               <a:rPr lang="en-US" smtClean="0"/>
-              <a:t>31</a:t>
+              <a:t>29</a:t>
             </a:fld>
             <a:endParaRPr lang="en-US"/>
           </a:p>
@@ -3937,7 +3975,7 @@
     </p:spTree>
     <p:extLst>
       <p:ext uri="{BB962C8B-B14F-4D97-AF65-F5344CB8AC3E}">
-        <p14:creationId xmlns:p14="http://schemas.microsoft.com/office/powerpoint/2010/main" val="3419258454"/>
+        <p14:creationId xmlns:p14="http://schemas.microsoft.com/office/powerpoint/2010/main" val="2491721671"/>
       </p:ext>
     </p:extLst>
   </p:cSld>
@@ -4012,7 +4050,7 @@
           <a:p>
             <a:fld id="{4DB2BA24-A594-42FE-968E-B893334C608F}" type="slidenum">
               <a:rPr lang="en-US" smtClean="0"/>
-              <a:t>32</a:t>
+              <a:t>30</a:t>
             </a:fld>
             <a:endParaRPr lang="en-US"/>
           </a:p>
@@ -4021,7 +4059,7 @@
     </p:spTree>
     <p:extLst>
       <p:ext uri="{BB962C8B-B14F-4D97-AF65-F5344CB8AC3E}">
-        <p14:creationId xmlns:p14="http://schemas.microsoft.com/office/powerpoint/2010/main" val="251865418"/>
+        <p14:creationId xmlns:p14="http://schemas.microsoft.com/office/powerpoint/2010/main" val="4203467806"/>
       </p:ext>
     </p:extLst>
   </p:cSld>
@@ -4077,8 +4115,11 @@
           <a:p>
             <a:r>
               <a:rPr lang="en-US" dirty="0"/>
-              <a:t>Kestrel is generally recommended for best performance.</a:t>
-            </a:r>
+              <a:t>The goal of the Generic Host is to decouple the HTTP pipeline from the Web Host API to enable a wider array of host scenarios.</a:t>
+            </a:r>
+          </a:p>
+          <a:p>
+            <a:endParaRPr lang="en-US" dirty="0"/>
           </a:p>
         </p:txBody>
       </p:sp>
@@ -4099,7 +4140,7 @@
           <a:p>
             <a:fld id="{4DB2BA24-A594-42FE-968E-B893334C608F}" type="slidenum">
               <a:rPr lang="en-US" smtClean="0"/>
-              <a:t>33</a:t>
+              <a:t>31</a:t>
             </a:fld>
             <a:endParaRPr lang="en-US"/>
           </a:p>
@@ -4108,7 +4149,7 @@
     </p:spTree>
     <p:extLst>
       <p:ext uri="{BB962C8B-B14F-4D97-AF65-F5344CB8AC3E}">
-        <p14:creationId xmlns:p14="http://schemas.microsoft.com/office/powerpoint/2010/main" val="889370938"/>
+        <p14:creationId xmlns:p14="http://schemas.microsoft.com/office/powerpoint/2010/main" val="3419258454"/>
       </p:ext>
     </p:extLst>
   </p:cSld>
@@ -4183,7 +4224,7 @@
           <a:p>
             <a:fld id="{4DB2BA24-A594-42FE-968E-B893334C608F}" type="slidenum">
               <a:rPr lang="en-US" smtClean="0"/>
-              <a:t>34</a:t>
+              <a:t>32</a:t>
             </a:fld>
             <a:endParaRPr lang="en-US"/>
           </a:p>
@@ -4192,7 +4233,7 @@
     </p:spTree>
     <p:extLst>
       <p:ext uri="{BB962C8B-B14F-4D97-AF65-F5344CB8AC3E}">
-        <p14:creationId xmlns:p14="http://schemas.microsoft.com/office/powerpoint/2010/main" val="2651881530"/>
+        <p14:creationId xmlns:p14="http://schemas.microsoft.com/office/powerpoint/2010/main" val="251865418"/>
       </p:ext>
     </p:extLst>
   </p:cSld>
@@ -4246,7 +4287,10 @@
           <a:bodyPr/>
           <a:lstStyle/>
           <a:p>
-            <a:endParaRPr lang="en-US" dirty="0"/>
+            <a:r>
+              <a:rPr lang="en-US" dirty="0"/>
+              <a:t>Kestrel is generally recommended for best performance.</a:t>
+            </a:r>
           </a:p>
         </p:txBody>
       </p:sp>
@@ -4257,7 +4301,7 @@
             <a:spLocks noGrp="1"/>
           </p:cNvSpPr>
           <p:nvPr>
-            <p:ph type="sldNum" sz="quarter" idx="10"/>
+            <p:ph type="sldNum" sz="quarter" idx="5"/>
           </p:nvPr>
         </p:nvSpPr>
         <p:spPr/>
@@ -4267,7 +4311,7 @@
           <a:p>
             <a:fld id="{4DB2BA24-A594-42FE-968E-B893334C608F}" type="slidenum">
               <a:rPr lang="en-US" smtClean="0"/>
-              <a:t>36</a:t>
+              <a:t>33</a:t>
             </a:fld>
             <a:endParaRPr lang="en-US"/>
           </a:p>
@@ -4276,7 +4320,7 @@
     </p:spTree>
     <p:extLst>
       <p:ext uri="{BB962C8B-B14F-4D97-AF65-F5344CB8AC3E}">
-        <p14:creationId xmlns:p14="http://schemas.microsoft.com/office/powerpoint/2010/main" val="2560513446"/>
+        <p14:creationId xmlns:p14="http://schemas.microsoft.com/office/powerpoint/2010/main" val="889370938"/>
       </p:ext>
     </p:extLst>
   </p:cSld>
@@ -4341,7 +4385,7 @@
             <a:spLocks noGrp="1"/>
           </p:cNvSpPr>
           <p:nvPr>
-            <p:ph type="sldNum" sz="quarter" idx="10"/>
+            <p:ph type="sldNum" sz="quarter" idx="5"/>
           </p:nvPr>
         </p:nvSpPr>
         <p:spPr/>
@@ -4351,7 +4395,7 @@
           <a:p>
             <a:fld id="{4DB2BA24-A594-42FE-968E-B893334C608F}" type="slidenum">
               <a:rPr lang="en-US" smtClean="0"/>
-              <a:t>38</a:t>
+              <a:t>34</a:t>
             </a:fld>
             <a:endParaRPr lang="en-US"/>
           </a:p>
@@ -4360,7 +4404,7 @@
     </p:spTree>
     <p:extLst>
       <p:ext uri="{BB962C8B-B14F-4D97-AF65-F5344CB8AC3E}">
-        <p14:creationId xmlns:p14="http://schemas.microsoft.com/office/powerpoint/2010/main" val="639055866"/>
+        <p14:creationId xmlns:p14="http://schemas.microsoft.com/office/powerpoint/2010/main" val="2651881530"/>
       </p:ext>
     </p:extLst>
   </p:cSld>
@@ -4414,10 +4458,7 @@
           <a:bodyPr/>
           <a:lstStyle/>
           <a:p>
-            <a:r>
-              <a:rPr lang="en-US" dirty="0"/>
-              <a:t>Example with dependency injection into view</a:t>
-            </a:r>
+            <a:endParaRPr lang="en-US" dirty="0"/>
           </a:p>
         </p:txBody>
       </p:sp>
@@ -4438,6 +4479,177 @@
           <a:p>
             <a:fld id="{4DB2BA24-A594-42FE-968E-B893334C608F}" type="slidenum">
               <a:rPr lang="en-US" smtClean="0"/>
+              <a:t>36</a:t>
+            </a:fld>
+            <a:endParaRPr lang="en-US"/>
+          </a:p>
+        </p:txBody>
+      </p:sp>
+    </p:spTree>
+    <p:extLst>
+      <p:ext uri="{BB962C8B-B14F-4D97-AF65-F5344CB8AC3E}">
+        <p14:creationId xmlns:p14="http://schemas.microsoft.com/office/powerpoint/2010/main" val="2560513446"/>
+      </p:ext>
+    </p:extLst>
+  </p:cSld>
+  <p:clrMapOvr>
+    <a:masterClrMapping/>
+  </p:clrMapOvr>
+</p:notes>
+</file>
+
+<file path=ppt/notesSlides/notesSlide27.xml><?xml version="1.0" encoding="utf-8"?>
+<p:notes xmlns:a="http://schemas.openxmlformats.org/drawingml/2006/main" xmlns:r="http://schemas.openxmlformats.org/officeDocument/2006/relationships" xmlns:p="http://schemas.openxmlformats.org/presentationml/2006/main">
+  <p:cSld>
+    <p:spTree>
+      <p:nvGrpSpPr>
+        <p:cNvPr id="1" name=""/>
+        <p:cNvGrpSpPr/>
+        <p:nvPr/>
+      </p:nvGrpSpPr>
+      <p:grpSpPr>
+        <a:xfrm>
+          <a:off x="0" y="0"/>
+          <a:ext cx="0" cy="0"/>
+          <a:chOff x="0" y="0"/>
+          <a:chExt cx="0" cy="0"/>
+        </a:xfrm>
+      </p:grpSpPr>
+      <p:sp>
+        <p:nvSpPr>
+          <p:cNvPr id="2" name="Slide Image Placeholder 1"/>
+          <p:cNvSpPr>
+            <a:spLocks noGrp="1" noRot="1" noChangeAspect="1"/>
+          </p:cNvSpPr>
+          <p:nvPr>
+            <p:ph type="sldImg"/>
+          </p:nvPr>
+        </p:nvSpPr>
+        <p:spPr/>
+      </p:sp>
+      <p:sp>
+        <p:nvSpPr>
+          <p:cNvPr id="3" name="Notes Placeholder 2"/>
+          <p:cNvSpPr>
+            <a:spLocks noGrp="1"/>
+          </p:cNvSpPr>
+          <p:nvPr>
+            <p:ph type="body" idx="1"/>
+          </p:nvPr>
+        </p:nvSpPr>
+        <p:spPr/>
+        <p:txBody>
+          <a:bodyPr/>
+          <a:lstStyle/>
+          <a:p>
+            <a:endParaRPr lang="en-US" dirty="0"/>
+          </a:p>
+        </p:txBody>
+      </p:sp>
+      <p:sp>
+        <p:nvSpPr>
+          <p:cNvPr id="4" name="Slide Number Placeholder 3"/>
+          <p:cNvSpPr>
+            <a:spLocks noGrp="1"/>
+          </p:cNvSpPr>
+          <p:nvPr>
+            <p:ph type="sldNum" sz="quarter" idx="10"/>
+          </p:nvPr>
+        </p:nvSpPr>
+        <p:spPr/>
+        <p:txBody>
+          <a:bodyPr/>
+          <a:lstStyle/>
+          <a:p>
+            <a:fld id="{4DB2BA24-A594-42FE-968E-B893334C608F}" type="slidenum">
+              <a:rPr lang="en-US" smtClean="0"/>
+              <a:t>38</a:t>
+            </a:fld>
+            <a:endParaRPr lang="en-US"/>
+          </a:p>
+        </p:txBody>
+      </p:sp>
+    </p:spTree>
+    <p:extLst>
+      <p:ext uri="{BB962C8B-B14F-4D97-AF65-F5344CB8AC3E}">
+        <p14:creationId xmlns:p14="http://schemas.microsoft.com/office/powerpoint/2010/main" val="639055866"/>
+      </p:ext>
+    </p:extLst>
+  </p:cSld>
+  <p:clrMapOvr>
+    <a:masterClrMapping/>
+  </p:clrMapOvr>
+</p:notes>
+</file>
+
+<file path=ppt/notesSlides/notesSlide28.xml><?xml version="1.0" encoding="utf-8"?>
+<p:notes xmlns:a="http://schemas.openxmlformats.org/drawingml/2006/main" xmlns:r="http://schemas.openxmlformats.org/officeDocument/2006/relationships" xmlns:p="http://schemas.openxmlformats.org/presentationml/2006/main">
+  <p:cSld>
+    <p:spTree>
+      <p:nvGrpSpPr>
+        <p:cNvPr id="1" name=""/>
+        <p:cNvGrpSpPr/>
+        <p:nvPr/>
+      </p:nvGrpSpPr>
+      <p:grpSpPr>
+        <a:xfrm>
+          <a:off x="0" y="0"/>
+          <a:ext cx="0" cy="0"/>
+          <a:chOff x="0" y="0"/>
+          <a:chExt cx="0" cy="0"/>
+        </a:xfrm>
+      </p:grpSpPr>
+      <p:sp>
+        <p:nvSpPr>
+          <p:cNvPr id="2" name="Slide Image Placeholder 1"/>
+          <p:cNvSpPr>
+            <a:spLocks noGrp="1" noRot="1" noChangeAspect="1"/>
+          </p:cNvSpPr>
+          <p:nvPr>
+            <p:ph type="sldImg"/>
+          </p:nvPr>
+        </p:nvSpPr>
+        <p:spPr/>
+      </p:sp>
+      <p:sp>
+        <p:nvSpPr>
+          <p:cNvPr id="3" name="Notes Placeholder 2"/>
+          <p:cNvSpPr>
+            <a:spLocks noGrp="1"/>
+          </p:cNvSpPr>
+          <p:nvPr>
+            <p:ph type="body" idx="1"/>
+          </p:nvPr>
+        </p:nvSpPr>
+        <p:spPr/>
+        <p:txBody>
+          <a:bodyPr/>
+          <a:lstStyle/>
+          <a:p>
+            <a:r>
+              <a:rPr lang="en-US" dirty="0"/>
+              <a:t>Example with dependency injection into view</a:t>
+            </a:r>
+          </a:p>
+        </p:txBody>
+      </p:sp>
+      <p:sp>
+        <p:nvSpPr>
+          <p:cNvPr id="4" name="Slide Number Placeholder 3"/>
+          <p:cNvSpPr>
+            <a:spLocks noGrp="1"/>
+          </p:cNvSpPr>
+          <p:nvPr>
+            <p:ph type="sldNum" sz="quarter" idx="10"/>
+          </p:nvPr>
+        </p:nvSpPr>
+        <p:spPr/>
+        <p:txBody>
+          <a:bodyPr/>
+          <a:lstStyle/>
+          <a:p>
+            <a:fld id="{4DB2BA24-A594-42FE-968E-B893334C608F}" type="slidenum">
+              <a:rPr lang="en-US" smtClean="0"/>
               <a:t>39</a:t>
             </a:fld>
             <a:endParaRPr lang="en-US"/>
@@ -4457,7 +4669,7 @@
 </p:notes>
 </file>
 
-<file path=ppt/notesSlides/notesSlide27.xml><?xml version="1.0" encoding="utf-8"?>
+<file path=ppt/notesSlides/notesSlide29.xml><?xml version="1.0" encoding="utf-8"?>
 <p:notes xmlns:a="http://schemas.openxmlformats.org/drawingml/2006/main" xmlns:r="http://schemas.openxmlformats.org/officeDocument/2006/relationships" xmlns:p="http://schemas.openxmlformats.org/presentationml/2006/main">
   <p:cSld>
     <p:spTree>
@@ -4837,7 +5049,24 @@
           <a:bodyPr/>
           <a:lstStyle/>
           <a:p>
-            <a:endParaRPr lang="en-US" dirty="0"/>
+            <a:pPr marL="0" marR="0" lvl="0" indent="0" algn="l" defTabSz="914400" rtl="0" eaLnBrk="1" fontAlgn="auto" latinLnBrk="0" hangingPunct="1">
+              <a:lnSpc>
+                <a:spcPct val="100000"/>
+              </a:lnSpc>
+              <a:spcBef>
+                <a:spcPts val="0"/>
+              </a:spcBef>
+              <a:spcAft>
+                <a:spcPts val="0"/>
+              </a:spcAft>
+              <a:buClrTx/>
+              <a:buSzTx/>
+              <a:buFontTx/>
+              <a:buNone/>
+              <a:tabLst/>
+              <a:defRPr/>
+            </a:pPr>
+            <a:endParaRPr lang="en-US" sz="1200" dirty="0"/>
           </a:p>
         </p:txBody>
       </p:sp>
@@ -4921,29 +5150,6 @@
           <a:bodyPr/>
           <a:lstStyle/>
           <a:p>
-            <a:pPr marL="0" marR="0" lvl="0" indent="0" algn="l" defTabSz="914400" rtl="0" eaLnBrk="1" fontAlgn="auto" latinLnBrk="0" hangingPunct="1">
-              <a:lnSpc>
-                <a:spcPct val="100000"/>
-              </a:lnSpc>
-              <a:spcBef>
-                <a:spcPts val="0"/>
-              </a:spcBef>
-              <a:spcAft>
-                <a:spcPts val="0"/>
-              </a:spcAft>
-              <a:buClrTx/>
-              <a:buSzTx/>
-              <a:buFontTx/>
-              <a:buNone/>
-              <a:tabLst/>
-              <a:defRPr/>
-            </a:pPr>
-            <a:r>
-              <a:rPr lang="en-US" dirty="0"/>
-              <a:t>https://github.com/dotnet/cli Command Line Interface</a:t>
-            </a:r>
-          </a:p>
-          <a:p>
             <a:endParaRPr lang="en-US" dirty="0"/>
           </a:p>
         </p:txBody>
@@ -4955,7 +5161,7 @@
             <a:spLocks noGrp="1"/>
           </p:cNvSpPr>
           <p:nvPr>
-            <p:ph type="sldNum" sz="quarter" idx="5"/>
+            <p:ph type="sldNum" sz="quarter" idx="10"/>
           </p:nvPr>
         </p:nvSpPr>
         <p:spPr/>
@@ -4965,7 +5171,7 @@
           <a:p>
             <a:fld id="{4DB2BA24-A594-42FE-968E-B893334C608F}" type="slidenum">
               <a:rPr lang="en-US" smtClean="0"/>
-              <a:t>14</a:t>
+              <a:t>9</a:t>
             </a:fld>
             <a:endParaRPr lang="en-US"/>
           </a:p>
@@ -4974,7 +5180,7 @@
     </p:spTree>
     <p:extLst>
       <p:ext uri="{BB962C8B-B14F-4D97-AF65-F5344CB8AC3E}">
-        <p14:creationId xmlns:p14="http://schemas.microsoft.com/office/powerpoint/2010/main" val="1736990485"/>
+        <p14:creationId xmlns:p14="http://schemas.microsoft.com/office/powerpoint/2010/main" val="1866717846"/>
       </p:ext>
     </p:extLst>
   </p:cSld>
@@ -5028,29 +5234,6 @@
           <a:bodyPr/>
           <a:lstStyle/>
           <a:p>
-            <a:pPr marL="0" marR="0" lvl="0" indent="0" algn="l" defTabSz="914400" rtl="0" eaLnBrk="1" fontAlgn="auto" latinLnBrk="0" hangingPunct="1">
-              <a:lnSpc>
-                <a:spcPct val="100000"/>
-              </a:lnSpc>
-              <a:spcBef>
-                <a:spcPts val="0"/>
-              </a:spcBef>
-              <a:spcAft>
-                <a:spcPts val="0"/>
-              </a:spcAft>
-              <a:buClrTx/>
-              <a:buSzTx/>
-              <a:buFontTx/>
-              <a:buNone/>
-              <a:tabLst/>
-              <a:defRPr/>
-            </a:pPr>
-            <a:r>
-              <a:rPr lang="en-US" dirty="0"/>
-              <a:t>https://github.com/dotnet/cli</a:t>
-            </a:r>
-          </a:p>
-          <a:p>
             <a:endParaRPr lang="en-US" dirty="0"/>
           </a:p>
         </p:txBody>
@@ -5072,7 +5255,7 @@
           <a:p>
             <a:fld id="{4DB2BA24-A594-42FE-968E-B893334C608F}" type="slidenum">
               <a:rPr lang="en-US" smtClean="0"/>
-              <a:t>15</a:t>
+              <a:t>12</a:t>
             </a:fld>
             <a:endParaRPr lang="en-US"/>
           </a:p>
@@ -5081,7 +5264,7 @@
     </p:spTree>
     <p:extLst>
       <p:ext uri="{BB962C8B-B14F-4D97-AF65-F5344CB8AC3E}">
-        <p14:creationId xmlns:p14="http://schemas.microsoft.com/office/powerpoint/2010/main" val="387626510"/>
+        <p14:creationId xmlns:p14="http://schemas.microsoft.com/office/powerpoint/2010/main" val="4033055360"/>
       </p:ext>
     </p:extLst>
   </p:cSld>
@@ -5135,9 +5318,26 @@
           <a:bodyPr/>
           <a:lstStyle/>
           <a:p>
+            <a:pPr marL="0" marR="0" lvl="0" indent="0" algn="l" defTabSz="914400" rtl="0" eaLnBrk="1" fontAlgn="auto" latinLnBrk="0" hangingPunct="1">
+              <a:lnSpc>
+                <a:spcPct val="100000"/>
+              </a:lnSpc>
+              <a:spcBef>
+                <a:spcPts val="0"/>
+              </a:spcBef>
+              <a:spcAft>
+                <a:spcPts val="0"/>
+              </a:spcAft>
+              <a:buClrTx/>
+              <a:buSzTx/>
+              <a:buFontTx/>
+              <a:buNone/>
+              <a:tabLst/>
+              <a:defRPr/>
+            </a:pPr>
             <a:r>
               <a:rPr lang="en-US" dirty="0"/>
-              <a:t>ordering is important</a:t>
+              <a:t>https://github.com/dotnet/cli Command Line Interface</a:t>
             </a:r>
           </a:p>
           <a:p>
@@ -5162,7 +5362,7 @@
           <a:p>
             <a:fld id="{4DB2BA24-A594-42FE-968E-B893334C608F}" type="slidenum">
               <a:rPr lang="en-US" smtClean="0"/>
-              <a:t>20</a:t>
+              <a:t>15</a:t>
             </a:fld>
             <a:endParaRPr lang="en-US"/>
           </a:p>
@@ -5171,7 +5371,7 @@
     </p:spTree>
     <p:extLst>
       <p:ext uri="{BB962C8B-B14F-4D97-AF65-F5344CB8AC3E}">
-        <p14:creationId xmlns:p14="http://schemas.microsoft.com/office/powerpoint/2010/main" val="3348467157"/>
+        <p14:creationId xmlns:p14="http://schemas.microsoft.com/office/powerpoint/2010/main" val="1736990485"/>
       </p:ext>
     </p:extLst>
   </p:cSld>
@@ -10512,6 +10712,1677 @@
       </p:grpSpPr>
       <p:sp>
         <p:nvSpPr>
+          <p:cNvPr id="3" name="Text Placeholder 2">
+            <a:extLst>
+              <a:ext uri="{FF2B5EF4-FFF2-40B4-BE49-F238E27FC236}">
+                <a16:creationId xmlns:a16="http://schemas.microsoft.com/office/drawing/2014/main" id="{DDD5A4F8-EF84-4DA4-AE9C-DF74D5C363D3}"/>
+              </a:ext>
+            </a:extLst>
+          </p:cNvPr>
+          <p:cNvSpPr>
+            <a:spLocks noGrp="1"/>
+          </p:cNvSpPr>
+          <p:nvPr>
+            <p:ph type="body" idx="1"/>
+          </p:nvPr>
+        </p:nvSpPr>
+        <p:spPr>
+          <a:xfrm>
+            <a:off x="460119" y="5169881"/>
+            <a:ext cx="8535990" cy="860400"/>
+          </a:xfrm>
+        </p:spPr>
+        <p:txBody>
+          <a:bodyPr/>
+          <a:lstStyle/>
+          <a:p>
+            <a:endParaRPr lang="en-US"/>
+          </a:p>
+        </p:txBody>
+      </p:sp>
+      <p:sp>
+        <p:nvSpPr>
+          <p:cNvPr id="4" name="Rectangle 3">
+            <a:extLst>
+              <a:ext uri="{FF2B5EF4-FFF2-40B4-BE49-F238E27FC236}">
+                <a16:creationId xmlns:a16="http://schemas.microsoft.com/office/drawing/2014/main" id="{D408B5ED-24FD-4E25-909F-248AB7809FAE}"/>
+              </a:ext>
+            </a:extLst>
+          </p:cNvPr>
+          <p:cNvSpPr/>
+          <p:nvPr/>
+        </p:nvSpPr>
+        <p:spPr bwMode="auto">
+          <a:xfrm>
+            <a:off x="6408918" y="1404147"/>
+            <a:ext cx="2912968" cy="2086084"/>
+          </a:xfrm>
+          <a:prstGeom prst="rect">
+            <a:avLst/>
+          </a:prstGeom>
+          <a:solidFill>
+            <a:srgbClr val="505050"/>
+          </a:solidFill>
+          <a:ln w="25400" cap="flat" cmpd="sng" algn="ctr">
+            <a:noFill/>
+            <a:prstDash val="solid"/>
+            <a:headEnd type="none" w="med" len="med"/>
+            <a:tailEnd type="none" w="med" len="med"/>
+          </a:ln>
+          <a:effectLst/>
+        </p:spPr>
+        <p:txBody>
+          <a:bodyPr vert="horz" wrap="square" lIns="179259" tIns="143407" rIns="179259" bIns="143407" numCol="1" rtlCol="0" anchor="ctr" anchorCtr="0" compatLnSpc="1">
+            <a:prstTxWarp prst="textNoShape">
+              <a:avLst/>
+            </a:prstTxWarp>
+          </a:bodyPr>
+          <a:lstStyle/>
+          <a:p>
+            <a:pPr algn="ctr" defTabSz="894448">
+              <a:lnSpc>
+                <a:spcPct val="90000"/>
+              </a:lnSpc>
+            </a:pPr>
+            <a:endParaRPr lang="en-US" sz="1961" kern="0" dirty="0">
+              <a:gradFill>
+                <a:gsLst>
+                  <a:gs pos="0">
+                    <a:srgbClr val="FFFFFF"/>
+                  </a:gs>
+                  <a:gs pos="100000">
+                    <a:srgbClr val="FFFFFF"/>
+                  </a:gs>
+                </a:gsLst>
+                <a:lin ang="5400000" scaled="1"/>
+              </a:gradFill>
+              <a:latin typeface="Segoe UI Semibold" panose="020B0702040204020203" pitchFamily="34" charset="0"/>
+              <a:cs typeface="Segoe UI Semibold" panose="020B0702040204020203" pitchFamily="34" charset="0"/>
+            </a:endParaRPr>
+          </a:p>
+          <a:p>
+            <a:pPr algn="ctr" defTabSz="894448">
+              <a:lnSpc>
+                <a:spcPct val="90000"/>
+              </a:lnSpc>
+            </a:pPr>
+            <a:r>
+              <a:rPr lang="en-US" sz="1961" kern="0" dirty="0">
+                <a:gradFill>
+                  <a:gsLst>
+                    <a:gs pos="0">
+                      <a:srgbClr val="FFFFFF"/>
+                    </a:gs>
+                    <a:gs pos="100000">
+                      <a:srgbClr val="FFFFFF"/>
+                    </a:gs>
+                  </a:gsLst>
+                  <a:lin ang="5400000" scaled="1"/>
+                </a:gradFill>
+                <a:latin typeface="Segoe UI Semibold" panose="020B0702040204020203" pitchFamily="34" charset="0"/>
+                <a:cs typeface="Segoe UI Semibold" panose="020B0702040204020203" pitchFamily="34" charset="0"/>
+              </a:rPr>
+              <a:t>XAMARIN</a:t>
+            </a:r>
+          </a:p>
+        </p:txBody>
+      </p:sp>
+      <p:sp>
+        <p:nvSpPr>
+          <p:cNvPr id="5" name="Rectangle 4">
+            <a:extLst>
+              <a:ext uri="{FF2B5EF4-FFF2-40B4-BE49-F238E27FC236}">
+                <a16:creationId xmlns:a16="http://schemas.microsoft.com/office/drawing/2014/main" id="{22ED789D-9DE5-4C90-B80E-A2D998F3C741}"/>
+              </a:ext>
+            </a:extLst>
+          </p:cNvPr>
+          <p:cNvSpPr/>
+          <p:nvPr/>
+        </p:nvSpPr>
+        <p:spPr bwMode="auto">
+          <a:xfrm>
+            <a:off x="493418" y="1404146"/>
+            <a:ext cx="2912968" cy="2086084"/>
+          </a:xfrm>
+          <a:prstGeom prst="rect">
+            <a:avLst/>
+          </a:prstGeom>
+          <a:solidFill>
+            <a:srgbClr val="D83B01"/>
+          </a:solidFill>
+          <a:ln w="25400" cap="flat" cmpd="sng" algn="ctr">
+            <a:noFill/>
+            <a:prstDash val="solid"/>
+            <a:headEnd type="none" w="med" len="med"/>
+            <a:tailEnd type="none" w="med" len="med"/>
+          </a:ln>
+          <a:effectLst/>
+        </p:spPr>
+        <p:txBody>
+          <a:bodyPr vert="horz" wrap="square" lIns="179259" tIns="143407" rIns="179259" bIns="143407" numCol="1" rtlCol="0" anchor="ctr" anchorCtr="0" compatLnSpc="1">
+            <a:prstTxWarp prst="textNoShape">
+              <a:avLst/>
+            </a:prstTxWarp>
+          </a:bodyPr>
+          <a:lstStyle/>
+          <a:p>
+            <a:pPr algn="ctr" defTabSz="894448">
+              <a:lnSpc>
+                <a:spcPct val="90000"/>
+              </a:lnSpc>
+            </a:pPr>
+            <a:endParaRPr lang="en-US" sz="1961" kern="0" dirty="0">
+              <a:gradFill>
+                <a:gsLst>
+                  <a:gs pos="0">
+                    <a:srgbClr val="FFFFFF"/>
+                  </a:gs>
+                  <a:gs pos="100000">
+                    <a:srgbClr val="FFFFFF"/>
+                  </a:gs>
+                </a:gsLst>
+                <a:lin ang="5400000" scaled="1"/>
+              </a:gradFill>
+              <a:latin typeface="Segoe UI Semibold" panose="020B0702040204020203" pitchFamily="34" charset="0"/>
+              <a:cs typeface="Segoe UI Semibold" panose="020B0702040204020203" pitchFamily="34" charset="0"/>
+            </a:endParaRPr>
+          </a:p>
+          <a:p>
+            <a:pPr algn="ctr" defTabSz="894448">
+              <a:lnSpc>
+                <a:spcPct val="90000"/>
+              </a:lnSpc>
+            </a:pPr>
+            <a:endParaRPr lang="en-US" sz="1961" kern="0" dirty="0">
+              <a:gradFill>
+                <a:gsLst>
+                  <a:gs pos="0">
+                    <a:srgbClr val="FFFFFF"/>
+                  </a:gs>
+                  <a:gs pos="100000">
+                    <a:srgbClr val="FFFFFF"/>
+                  </a:gs>
+                </a:gsLst>
+                <a:lin ang="5400000" scaled="1"/>
+              </a:gradFill>
+              <a:latin typeface="Segoe UI Semibold" panose="020B0702040204020203" pitchFamily="34" charset="0"/>
+              <a:cs typeface="Segoe UI Semibold" panose="020B0702040204020203" pitchFamily="34" charset="0"/>
+            </a:endParaRPr>
+          </a:p>
+          <a:p>
+            <a:pPr algn="ctr" defTabSz="894448">
+              <a:lnSpc>
+                <a:spcPct val="90000"/>
+              </a:lnSpc>
+            </a:pPr>
+            <a:r>
+              <a:rPr lang="en-US" sz="1961" kern="0" dirty="0">
+                <a:gradFill>
+                  <a:gsLst>
+                    <a:gs pos="0">
+                      <a:srgbClr val="FFFFFF"/>
+                    </a:gs>
+                    <a:gs pos="100000">
+                      <a:srgbClr val="FFFFFF"/>
+                    </a:gs>
+                  </a:gsLst>
+                  <a:lin ang="5400000" scaled="1"/>
+                </a:gradFill>
+                <a:latin typeface="Segoe UI Semibold" panose="020B0702040204020203" pitchFamily="34" charset="0"/>
+                <a:cs typeface="Segoe UI Semibold" panose="020B0702040204020203" pitchFamily="34" charset="0"/>
+              </a:rPr>
+              <a:t>.NET FRAMEWORK</a:t>
+            </a:r>
+          </a:p>
+          <a:p>
+            <a:pPr algn="ctr" defTabSz="894448">
+              <a:lnSpc>
+                <a:spcPct val="90000"/>
+              </a:lnSpc>
+            </a:pPr>
+            <a:r>
+              <a:rPr lang="en-US" sz="1961" kern="0" dirty="0">
+                <a:gradFill>
+                  <a:gsLst>
+                    <a:gs pos="0">
+                      <a:srgbClr val="FFFFFF"/>
+                    </a:gs>
+                    <a:gs pos="100000">
+                      <a:srgbClr val="FFFFFF"/>
+                    </a:gs>
+                  </a:gsLst>
+                  <a:lin ang="5400000" scaled="1"/>
+                </a:gradFill>
+                <a:latin typeface="Segoe UI Semibold" panose="020B0702040204020203" pitchFamily="34" charset="0"/>
+                <a:cs typeface="Segoe UI Semibold" panose="020B0702040204020203" pitchFamily="34" charset="0"/>
+              </a:rPr>
+              <a:t>WINDOWS UWP</a:t>
+            </a:r>
+          </a:p>
+          <a:p>
+            <a:pPr algn="ctr" defTabSz="894448">
+              <a:lnSpc>
+                <a:spcPct val="90000"/>
+              </a:lnSpc>
+            </a:pPr>
+            <a:endParaRPr lang="en-US" sz="1961" kern="0" dirty="0">
+              <a:gradFill>
+                <a:gsLst>
+                  <a:gs pos="0">
+                    <a:srgbClr val="FFFFFF"/>
+                  </a:gs>
+                  <a:gs pos="100000">
+                    <a:srgbClr val="FFFFFF"/>
+                  </a:gs>
+                </a:gsLst>
+                <a:lin ang="5400000" scaled="1"/>
+              </a:gradFill>
+              <a:latin typeface="Segoe UI Semibold" panose="020B0702040204020203" pitchFamily="34" charset="0"/>
+              <a:cs typeface="Segoe UI Semibold" panose="020B0702040204020203" pitchFamily="34" charset="0"/>
+            </a:endParaRPr>
+          </a:p>
+        </p:txBody>
+      </p:sp>
+      <p:sp>
+        <p:nvSpPr>
+          <p:cNvPr id="6" name="Rectangle 5">
+            <a:extLst>
+              <a:ext uri="{FF2B5EF4-FFF2-40B4-BE49-F238E27FC236}">
+                <a16:creationId xmlns:a16="http://schemas.microsoft.com/office/drawing/2014/main" id="{2F528411-F8F1-450D-93A7-F78162FFC2A0}"/>
+              </a:ext>
+            </a:extLst>
+          </p:cNvPr>
+          <p:cNvSpPr/>
+          <p:nvPr/>
+        </p:nvSpPr>
+        <p:spPr bwMode="auto">
+          <a:xfrm>
+            <a:off x="3451167" y="1404146"/>
+            <a:ext cx="2912968" cy="2086084"/>
+          </a:xfrm>
+          <a:prstGeom prst="rect">
+            <a:avLst/>
+          </a:prstGeom>
+          <a:solidFill>
+            <a:srgbClr val="0078D7"/>
+          </a:solidFill>
+          <a:ln w="25400" cap="flat" cmpd="sng" algn="ctr">
+            <a:noFill/>
+            <a:prstDash val="solid"/>
+            <a:headEnd type="none" w="med" len="med"/>
+            <a:tailEnd type="none" w="med" len="med"/>
+          </a:ln>
+          <a:effectLst/>
+        </p:spPr>
+        <p:txBody>
+          <a:bodyPr vert="horz" wrap="square" lIns="179259" tIns="143407" rIns="179259" bIns="143407" numCol="1" rtlCol="0" anchor="ctr" anchorCtr="0" compatLnSpc="1">
+            <a:prstTxWarp prst="textNoShape">
+              <a:avLst/>
+            </a:prstTxWarp>
+          </a:bodyPr>
+          <a:lstStyle/>
+          <a:p>
+            <a:pPr algn="ctr" defTabSz="894448">
+              <a:lnSpc>
+                <a:spcPct val="90000"/>
+              </a:lnSpc>
+            </a:pPr>
+            <a:endParaRPr lang="en-US" sz="1961" kern="0" dirty="0">
+              <a:gradFill>
+                <a:gsLst>
+                  <a:gs pos="0">
+                    <a:srgbClr val="FFFFFF"/>
+                  </a:gs>
+                  <a:gs pos="100000">
+                    <a:srgbClr val="FFFFFF"/>
+                  </a:gs>
+                </a:gsLst>
+                <a:lin ang="5400000" scaled="1"/>
+              </a:gradFill>
+              <a:latin typeface="Segoe UI Semibold" panose="020B0702040204020203" pitchFamily="34" charset="0"/>
+              <a:cs typeface="Segoe UI Semibold" panose="020B0702040204020203" pitchFamily="34" charset="0"/>
+            </a:endParaRPr>
+          </a:p>
+          <a:p>
+            <a:pPr algn="ctr" defTabSz="894448">
+              <a:lnSpc>
+                <a:spcPct val="90000"/>
+              </a:lnSpc>
+            </a:pPr>
+            <a:r>
+              <a:rPr lang="en-US" sz="1961" kern="0" dirty="0">
+                <a:gradFill>
+                  <a:gsLst>
+                    <a:gs pos="0">
+                      <a:srgbClr val="FFFFFF"/>
+                    </a:gs>
+                    <a:gs pos="100000">
+                      <a:srgbClr val="FFFFFF"/>
+                    </a:gs>
+                  </a:gsLst>
+                  <a:lin ang="5400000" scaled="1"/>
+                </a:gradFill>
+                <a:latin typeface="Segoe UI Semibold" panose="020B0702040204020203" pitchFamily="34" charset="0"/>
+                <a:cs typeface="Segoe UI Semibold" panose="020B0702040204020203" pitchFamily="34" charset="0"/>
+              </a:rPr>
+              <a:t>.NET CORE</a:t>
+            </a:r>
+          </a:p>
+          <a:p>
+            <a:pPr algn="ctr" defTabSz="894448">
+              <a:lnSpc>
+                <a:spcPct val="90000"/>
+              </a:lnSpc>
+            </a:pPr>
+            <a:r>
+              <a:rPr lang="en-US" sz="1961" kern="0" dirty="0">
+                <a:gradFill>
+                  <a:gsLst>
+                    <a:gs pos="0">
+                      <a:srgbClr val="FFFFFF"/>
+                    </a:gs>
+                    <a:gs pos="100000">
+                      <a:srgbClr val="FFFFFF"/>
+                    </a:gs>
+                  </a:gsLst>
+                  <a:lin ang="5400000" scaled="1"/>
+                </a:gradFill>
+                <a:latin typeface="Segoe UI Semibold" panose="020B0702040204020203" pitchFamily="34" charset="0"/>
+                <a:cs typeface="Segoe UI Semibold" panose="020B0702040204020203" pitchFamily="34" charset="0"/>
+              </a:rPr>
+              <a:t>ASP.NET</a:t>
+            </a:r>
+          </a:p>
+        </p:txBody>
+      </p:sp>
+      <p:sp>
+        <p:nvSpPr>
+          <p:cNvPr id="8" name="TextBox 7">
+            <a:extLst>
+              <a:ext uri="{FF2B5EF4-FFF2-40B4-BE49-F238E27FC236}">
+                <a16:creationId xmlns:a16="http://schemas.microsoft.com/office/drawing/2014/main" id="{E404023E-46EB-42FF-864F-A91CE8CF7BDD}"/>
+              </a:ext>
+            </a:extLst>
+          </p:cNvPr>
+          <p:cNvSpPr txBox="1"/>
+          <p:nvPr/>
+        </p:nvSpPr>
+        <p:spPr>
+          <a:xfrm>
+            <a:off x="493354" y="5099526"/>
+            <a:ext cx="8828532" cy="1503126"/>
+          </a:xfrm>
+          <a:prstGeom prst="rect">
+            <a:avLst/>
+          </a:prstGeom>
+          <a:solidFill>
+            <a:srgbClr val="D2D2D2"/>
+          </a:solidFill>
+        </p:spPr>
+        <p:txBody>
+          <a:bodyPr wrap="square" lIns="179259" tIns="143407" rIns="179259" bIns="143407" rtlCol="0" anchor="ctr">
+            <a:noAutofit/>
+          </a:bodyPr>
+          <a:lstStyle/>
+          <a:p>
+            <a:pPr algn="ctr" defTabSz="896042">
+              <a:lnSpc>
+                <a:spcPct val="90000"/>
+              </a:lnSpc>
+              <a:defRPr/>
+            </a:pPr>
+            <a:endParaRPr lang="en-US" sz="1567" kern="0" dirty="0">
+              <a:solidFill>
+                <a:sysClr val="windowText" lastClr="000000"/>
+              </a:solidFill>
+              <a:latin typeface="Segoe UI Semilight" panose="020B0402040204020203" pitchFamily="34" charset="0"/>
+              <a:cs typeface="Segoe UI Semilight" panose="020B0402040204020203" pitchFamily="34" charset="0"/>
+            </a:endParaRPr>
+          </a:p>
+        </p:txBody>
+      </p:sp>
+      <p:sp>
+        <p:nvSpPr>
+          <p:cNvPr id="9" name="TextBox 8">
+            <a:extLst>
+              <a:ext uri="{FF2B5EF4-FFF2-40B4-BE49-F238E27FC236}">
+                <a16:creationId xmlns:a16="http://schemas.microsoft.com/office/drawing/2014/main" id="{BE5EEA4F-CB17-4E88-8EB8-7571C603CAB0}"/>
+              </a:ext>
+            </a:extLst>
+          </p:cNvPr>
+          <p:cNvSpPr txBox="1"/>
+          <p:nvPr/>
+        </p:nvSpPr>
+        <p:spPr>
+          <a:xfrm>
+            <a:off x="582619" y="5796335"/>
+            <a:ext cx="2733708" cy="537778"/>
+          </a:xfrm>
+          <a:prstGeom prst="rect">
+            <a:avLst/>
+          </a:prstGeom>
+          <a:solidFill>
+            <a:srgbClr val="000000">
+              <a:alpha val="10196"/>
+            </a:srgbClr>
+          </a:solidFill>
+        </p:spPr>
+        <p:txBody>
+          <a:bodyPr wrap="square" lIns="179259" tIns="143407" rIns="179259" bIns="143407" rtlCol="0" anchor="ctr">
+            <a:noAutofit/>
+          </a:bodyPr>
+          <a:lstStyle>
+            <a:defPPr>
+              <a:defRPr lang="en-US"/>
+            </a:defPPr>
+            <a:lvl1pPr algn="ctr" defTabSz="914224">
+              <a:lnSpc>
+                <a:spcPct val="90000"/>
+              </a:lnSpc>
+              <a:defRPr sz="1600" kern="0">
+                <a:solidFill>
+                  <a:sysClr val="windowText" lastClr="000000"/>
+                </a:solidFill>
+                <a:latin typeface="Segoe UI Semibold" panose="020B0702040204020203" pitchFamily="34" charset="0"/>
+                <a:cs typeface="Segoe UI Semibold" panose="020B0702040204020203" pitchFamily="34" charset="0"/>
+              </a:defRPr>
+            </a:lvl1pPr>
+          </a:lstStyle>
+          <a:p>
+            <a:pPr defTabSz="914048">
+              <a:defRPr/>
+            </a:pPr>
+            <a:r>
+              <a:rPr lang="en-US" sz="1567" b="1" dirty="0">
+                <a:gradFill>
+                  <a:gsLst>
+                    <a:gs pos="2804">
+                      <a:srgbClr val="505050"/>
+                    </a:gs>
+                    <a:gs pos="26000">
+                      <a:srgbClr val="505050"/>
+                    </a:gs>
+                  </a:gsLst>
+                  <a:lin ang="5400000" scaled="1"/>
+                </a:gradFill>
+                <a:latin typeface="Segoe UI"/>
+                <a:cs typeface="Segoe UI Semilight" panose="020B0402040204020203" pitchFamily="34" charset="0"/>
+              </a:rPr>
+              <a:t>Compilers</a:t>
+            </a:r>
+          </a:p>
+        </p:txBody>
+      </p:sp>
+      <p:sp>
+        <p:nvSpPr>
+          <p:cNvPr id="10" name="TextBox 9">
+            <a:extLst>
+              <a:ext uri="{FF2B5EF4-FFF2-40B4-BE49-F238E27FC236}">
+                <a16:creationId xmlns:a16="http://schemas.microsoft.com/office/drawing/2014/main" id="{1A45DAFF-FDF8-464D-BB52-8AF7644784C4}"/>
+              </a:ext>
+            </a:extLst>
+          </p:cNvPr>
+          <p:cNvSpPr txBox="1"/>
+          <p:nvPr/>
+        </p:nvSpPr>
+        <p:spPr>
+          <a:xfrm>
+            <a:off x="3540401" y="5796335"/>
+            <a:ext cx="2733708" cy="537778"/>
+          </a:xfrm>
+          <a:prstGeom prst="rect">
+            <a:avLst/>
+          </a:prstGeom>
+          <a:solidFill>
+            <a:srgbClr val="000000">
+              <a:alpha val="10196"/>
+            </a:srgbClr>
+          </a:solidFill>
+        </p:spPr>
+        <p:txBody>
+          <a:bodyPr wrap="square" lIns="179259" tIns="143407" rIns="179259" bIns="143407" rtlCol="0" anchor="ctr">
+            <a:noAutofit/>
+          </a:bodyPr>
+          <a:lstStyle>
+            <a:defPPr>
+              <a:defRPr lang="en-US"/>
+            </a:defPPr>
+            <a:lvl1pPr algn="ctr" defTabSz="914224">
+              <a:lnSpc>
+                <a:spcPct val="90000"/>
+              </a:lnSpc>
+              <a:defRPr sz="1600" b="1" kern="0">
+                <a:gradFill>
+                  <a:gsLst>
+                    <a:gs pos="2804">
+                      <a:srgbClr val="505050"/>
+                    </a:gs>
+                    <a:gs pos="26000">
+                      <a:srgbClr val="505050"/>
+                    </a:gs>
+                  </a:gsLst>
+                  <a:lin ang="5400000" scaled="1"/>
+                </a:gradFill>
+                <a:cs typeface="Segoe UI Semilight" panose="020B0402040204020203" pitchFamily="34" charset="0"/>
+              </a:defRPr>
+            </a:lvl1pPr>
+          </a:lstStyle>
+          <a:p>
+            <a:pPr defTabSz="914048">
+              <a:defRPr/>
+            </a:pPr>
+            <a:r>
+              <a:rPr lang="en-US" sz="1567" dirty="0"/>
+              <a:t>Languages</a:t>
+            </a:r>
+          </a:p>
+        </p:txBody>
+      </p:sp>
+      <p:sp>
+        <p:nvSpPr>
+          <p:cNvPr id="11" name="TextBox 10">
+            <a:extLst>
+              <a:ext uri="{FF2B5EF4-FFF2-40B4-BE49-F238E27FC236}">
+                <a16:creationId xmlns:a16="http://schemas.microsoft.com/office/drawing/2014/main" id="{EAFC3CC7-FECD-44CC-ABB1-025B98FBE8ED}"/>
+              </a:ext>
+            </a:extLst>
+          </p:cNvPr>
+          <p:cNvSpPr txBox="1"/>
+          <p:nvPr/>
+        </p:nvSpPr>
+        <p:spPr>
+          <a:xfrm>
+            <a:off x="6498184" y="5796335"/>
+            <a:ext cx="2733708" cy="537778"/>
+          </a:xfrm>
+          <a:prstGeom prst="rect">
+            <a:avLst/>
+          </a:prstGeom>
+          <a:solidFill>
+            <a:srgbClr val="000000">
+              <a:alpha val="10196"/>
+            </a:srgbClr>
+          </a:solidFill>
+        </p:spPr>
+        <p:txBody>
+          <a:bodyPr wrap="square" lIns="179259" tIns="143407" rIns="179259" bIns="143407" rtlCol="0" anchor="ctr">
+            <a:noAutofit/>
+          </a:bodyPr>
+          <a:lstStyle>
+            <a:defPPr>
+              <a:defRPr lang="en-US"/>
+            </a:defPPr>
+            <a:lvl1pPr algn="ctr" defTabSz="914224">
+              <a:lnSpc>
+                <a:spcPct val="90000"/>
+              </a:lnSpc>
+              <a:defRPr sz="1600" b="1" kern="0">
+                <a:gradFill>
+                  <a:gsLst>
+                    <a:gs pos="2804">
+                      <a:srgbClr val="505050"/>
+                    </a:gs>
+                    <a:gs pos="26000">
+                      <a:srgbClr val="505050"/>
+                    </a:gs>
+                  </a:gsLst>
+                  <a:lin ang="5400000" scaled="1"/>
+                </a:gradFill>
+                <a:cs typeface="Segoe UI Semilight" panose="020B0402040204020203" pitchFamily="34" charset="0"/>
+              </a:defRPr>
+            </a:lvl1pPr>
+          </a:lstStyle>
+          <a:p>
+            <a:pPr defTabSz="914048">
+              <a:defRPr/>
+            </a:pPr>
+            <a:r>
+              <a:rPr lang="en-US" sz="1567" dirty="0"/>
+              <a:t>Runtime components</a:t>
+            </a:r>
+          </a:p>
+        </p:txBody>
+      </p:sp>
+      <p:sp>
+        <p:nvSpPr>
+          <p:cNvPr id="12" name="TextBox 11">
+            <a:extLst>
+              <a:ext uri="{FF2B5EF4-FFF2-40B4-BE49-F238E27FC236}">
+                <a16:creationId xmlns:a16="http://schemas.microsoft.com/office/drawing/2014/main" id="{5311A7B0-B938-4BBC-AD55-5BA7330C529B}"/>
+              </a:ext>
+            </a:extLst>
+          </p:cNvPr>
+          <p:cNvSpPr txBox="1"/>
+          <p:nvPr/>
+        </p:nvSpPr>
+        <p:spPr>
+          <a:xfrm>
+            <a:off x="493354" y="5075813"/>
+            <a:ext cx="8828532" cy="403334"/>
+          </a:xfrm>
+          <a:prstGeom prst="rect">
+            <a:avLst/>
+          </a:prstGeom>
+          <a:solidFill>
+            <a:srgbClr val="000000">
+              <a:alpha val="10196"/>
+            </a:srgbClr>
+          </a:solidFill>
+        </p:spPr>
+        <p:txBody>
+          <a:bodyPr wrap="square" lIns="179259" tIns="143407" rIns="179259" bIns="143407" rtlCol="0" anchor="ctr">
+            <a:noAutofit/>
+          </a:bodyPr>
+          <a:lstStyle>
+            <a:defPPr>
+              <a:defRPr lang="en-US"/>
+            </a:defPPr>
+            <a:lvl1pPr algn="ctr" defTabSz="914224">
+              <a:lnSpc>
+                <a:spcPct val="90000"/>
+              </a:lnSpc>
+              <a:defRPr sz="1600" b="1" kern="0">
+                <a:gradFill>
+                  <a:gsLst>
+                    <a:gs pos="2804">
+                      <a:srgbClr val="505050"/>
+                    </a:gs>
+                    <a:gs pos="26000">
+                      <a:srgbClr val="505050"/>
+                    </a:gs>
+                  </a:gsLst>
+                  <a:lin ang="5400000" scaled="1"/>
+                </a:gradFill>
+                <a:cs typeface="Segoe UI Semilight" panose="020B0402040204020203" pitchFamily="34" charset="0"/>
+              </a:defRPr>
+            </a:lvl1pPr>
+          </a:lstStyle>
+          <a:p>
+            <a:pPr defTabSz="914048">
+              <a:defRPr/>
+            </a:pPr>
+            <a:r>
+              <a:rPr lang="en-US" sz="1567" dirty="0"/>
+              <a:t>COMMON INFRASTRUCTURE</a:t>
+            </a:r>
+          </a:p>
+        </p:txBody>
+      </p:sp>
+      <p:sp>
+        <p:nvSpPr>
+          <p:cNvPr id="13" name="TextBox 12">
+            <a:extLst>
+              <a:ext uri="{FF2B5EF4-FFF2-40B4-BE49-F238E27FC236}">
+                <a16:creationId xmlns:a16="http://schemas.microsoft.com/office/drawing/2014/main" id="{B064E4EC-34D1-49CD-B705-4F9897D25DB5}"/>
+              </a:ext>
+            </a:extLst>
+          </p:cNvPr>
+          <p:cNvSpPr txBox="1"/>
+          <p:nvPr/>
+        </p:nvSpPr>
+        <p:spPr>
+          <a:xfrm>
+            <a:off x="493355" y="3600265"/>
+            <a:ext cx="8828532" cy="1389227"/>
+          </a:xfrm>
+          <a:prstGeom prst="rect">
+            <a:avLst/>
+          </a:prstGeom>
+          <a:solidFill>
+            <a:srgbClr val="FF8C00"/>
+          </a:solidFill>
+        </p:spPr>
+        <p:txBody>
+          <a:bodyPr wrap="square" lIns="179259" tIns="143407" rIns="179259" bIns="143407" rtlCol="0" anchor="ctr">
+            <a:noAutofit/>
+          </a:bodyPr>
+          <a:lstStyle>
+            <a:defPPr>
+              <a:defRPr lang="en-US"/>
+            </a:defPPr>
+            <a:lvl1pPr algn="ctr" defTabSz="914224">
+              <a:lnSpc>
+                <a:spcPct val="90000"/>
+              </a:lnSpc>
+              <a:defRPr sz="2000" kern="0">
+                <a:gradFill>
+                  <a:gsLst>
+                    <a:gs pos="1250">
+                      <a:srgbClr val="FFFFFF"/>
+                    </a:gs>
+                    <a:gs pos="100000">
+                      <a:srgbClr val="FFFFFF"/>
+                    </a:gs>
+                  </a:gsLst>
+                  <a:lin ang="5400000" scaled="0"/>
+                </a:gradFill>
+                <a:latin typeface="Segoe UI Semibold" panose="020B0702040204020203" pitchFamily="34" charset="0"/>
+                <a:cs typeface="Segoe UI Semibold" panose="020B0702040204020203" pitchFamily="34" charset="0"/>
+              </a:defRPr>
+            </a:lvl1pPr>
+          </a:lstStyle>
+          <a:p>
+            <a:pPr defTabSz="914048">
+              <a:defRPr/>
+            </a:pPr>
+            <a:r>
+              <a:rPr lang="en-US" sz="1961" b="1" dirty="0">
+                <a:solidFill>
+                  <a:schemeClr val="bg1"/>
+                </a:solidFill>
+                <a:latin typeface="Segoe UI"/>
+              </a:rPr>
+              <a:t>.NET STANDARD LIBRARY</a:t>
+            </a:r>
+          </a:p>
+        </p:txBody>
+      </p:sp>
+      <p:grpSp>
+        <p:nvGrpSpPr>
+          <p:cNvPr id="14" name="Group 13">
+            <a:extLst>
+              <a:ext uri="{FF2B5EF4-FFF2-40B4-BE49-F238E27FC236}">
+                <a16:creationId xmlns:a16="http://schemas.microsoft.com/office/drawing/2014/main" id="{7BFC6E8D-43B5-43AB-A701-B42B9AC1CB3D}"/>
+              </a:ext>
+            </a:extLst>
+          </p:cNvPr>
+          <p:cNvGrpSpPr/>
+          <p:nvPr/>
+        </p:nvGrpSpPr>
+        <p:grpSpPr>
+          <a:xfrm>
+            <a:off x="9411153" y="1404147"/>
+            <a:ext cx="1927041" cy="5195531"/>
+            <a:chOff x="7489548" y="1582077"/>
+            <a:chExt cx="1929967" cy="5197742"/>
+          </a:xfrm>
+          <a:solidFill>
+            <a:srgbClr val="FFFFFF">
+              <a:lumMod val="85000"/>
+            </a:srgbClr>
+          </a:solidFill>
+        </p:grpSpPr>
+        <p:sp>
+          <p:nvSpPr>
+            <p:cNvPr id="15" name="Rectangle 14">
+              <a:extLst>
+                <a:ext uri="{FF2B5EF4-FFF2-40B4-BE49-F238E27FC236}">
+                  <a16:creationId xmlns:a16="http://schemas.microsoft.com/office/drawing/2014/main" id="{3D9C6A5F-48E5-43A9-AC82-8B54A9E19562}"/>
+                </a:ext>
+              </a:extLst>
+            </p:cNvPr>
+            <p:cNvSpPr/>
+            <p:nvPr/>
+          </p:nvSpPr>
+          <p:spPr bwMode="auto">
+            <a:xfrm>
+              <a:off x="7489549" y="1582078"/>
+              <a:ext cx="1929966" cy="5197741"/>
+            </a:xfrm>
+            <a:prstGeom prst="rect">
+              <a:avLst/>
+            </a:prstGeom>
+            <a:grpFill/>
+            <a:ln w="25400" cap="flat" cmpd="sng" algn="ctr">
+              <a:noFill/>
+              <a:prstDash val="solid"/>
+              <a:headEnd type="none" w="med" len="med"/>
+              <a:tailEnd type="none" w="med" len="med"/>
+            </a:ln>
+            <a:effectLst/>
+          </p:spPr>
+          <p:txBody>
+            <a:bodyPr vert="horz" wrap="square" lIns="179259" tIns="143407" rIns="179259" bIns="143407" numCol="1" rtlCol="0" anchor="t" anchorCtr="0" compatLnSpc="1">
+              <a:prstTxWarp prst="textNoShape">
+                <a:avLst/>
+              </a:prstTxWarp>
+            </a:bodyPr>
+            <a:lstStyle/>
+            <a:p>
+              <a:pPr defTabSz="894448">
+                <a:defRPr/>
+              </a:pPr>
+              <a:r>
+                <a:rPr lang="en-US" sz="2742" kern="0" dirty="0">
+                  <a:gradFill>
+                    <a:gsLst>
+                      <a:gs pos="14679">
+                        <a:srgbClr val="FFFFFF"/>
+                      </a:gs>
+                      <a:gs pos="38000">
+                        <a:srgbClr val="FFFFFF"/>
+                      </a:gs>
+                    </a:gsLst>
+                    <a:lin ang="5400000" scaled="1"/>
+                  </a:gradFill>
+                  <a:latin typeface="Segoe UI Light"/>
+                </a:rPr>
+                <a:t> </a:t>
+              </a:r>
+            </a:p>
+          </p:txBody>
+        </p:sp>
+        <p:sp>
+          <p:nvSpPr>
+            <p:cNvPr id="16" name="TextBox 15">
+              <a:extLst>
+                <a:ext uri="{FF2B5EF4-FFF2-40B4-BE49-F238E27FC236}">
+                  <a16:creationId xmlns:a16="http://schemas.microsoft.com/office/drawing/2014/main" id="{58910EB5-DBEE-45D6-8632-049675C7875D}"/>
+                </a:ext>
+              </a:extLst>
+            </p:cNvPr>
+            <p:cNvSpPr txBox="1"/>
+            <p:nvPr/>
+          </p:nvSpPr>
+          <p:spPr>
+            <a:xfrm>
+              <a:off x="7489548" y="1582077"/>
+              <a:ext cx="1929965" cy="627675"/>
+            </a:xfrm>
+            <a:prstGeom prst="rect">
+              <a:avLst/>
+            </a:prstGeom>
+            <a:solidFill>
+              <a:srgbClr val="000000">
+                <a:alpha val="10196"/>
+              </a:srgbClr>
+            </a:solidFill>
+          </p:spPr>
+          <p:txBody>
+            <a:bodyPr wrap="square" lIns="179259" tIns="143407" rIns="179259" bIns="143407" rtlCol="0" anchor="ctr">
+              <a:noAutofit/>
+            </a:bodyPr>
+            <a:lstStyle>
+              <a:defPPr>
+                <a:defRPr lang="en-US"/>
+              </a:defPPr>
+              <a:lvl1pPr algn="ctr" defTabSz="914224">
+                <a:lnSpc>
+                  <a:spcPct val="90000"/>
+                </a:lnSpc>
+                <a:defRPr sz="1600" b="1" kern="0">
+                  <a:gradFill>
+                    <a:gsLst>
+                      <a:gs pos="2804">
+                        <a:srgbClr val="505050"/>
+                      </a:gs>
+                      <a:gs pos="26000">
+                        <a:srgbClr val="505050"/>
+                      </a:gs>
+                    </a:gsLst>
+                    <a:lin ang="5400000" scaled="1"/>
+                  </a:gradFill>
+                  <a:cs typeface="Segoe UI Semilight" panose="020B0402040204020203" pitchFamily="34" charset="0"/>
+                </a:defRPr>
+              </a:lvl1pPr>
+            </a:lstStyle>
+            <a:p>
+              <a:pPr algn="l" defTabSz="914048">
+                <a:defRPr/>
+              </a:pPr>
+              <a:r>
+                <a:rPr lang="en-US" sz="1961" dirty="0"/>
+                <a:t>TOOLS</a:t>
+              </a:r>
+            </a:p>
+          </p:txBody>
+        </p:sp>
+      </p:grpSp>
+      <p:grpSp>
+        <p:nvGrpSpPr>
+          <p:cNvPr id="17" name="Group 16">
+            <a:extLst>
+              <a:ext uri="{FF2B5EF4-FFF2-40B4-BE49-F238E27FC236}">
+                <a16:creationId xmlns:a16="http://schemas.microsoft.com/office/drawing/2014/main" id="{45FA9423-899F-4C11-8200-2C47C3B8BDD7}"/>
+              </a:ext>
+            </a:extLst>
+          </p:cNvPr>
+          <p:cNvGrpSpPr/>
+          <p:nvPr/>
+        </p:nvGrpSpPr>
+        <p:grpSpPr>
+          <a:xfrm>
+            <a:off x="9615802" y="2165977"/>
+            <a:ext cx="1517743" cy="1324254"/>
+            <a:chOff x="10404342" y="1920240"/>
+            <a:chExt cx="1548397" cy="1351000"/>
+          </a:xfrm>
+        </p:grpSpPr>
+        <p:pic>
+          <p:nvPicPr>
+            <p:cNvPr id="18" name="Picture 17">
+              <a:extLst>
+                <a:ext uri="{FF2B5EF4-FFF2-40B4-BE49-F238E27FC236}">
+                  <a16:creationId xmlns:a16="http://schemas.microsoft.com/office/drawing/2014/main" id="{6FC8DEAE-5304-4EFF-A997-C0C0ABCAC975}"/>
+                </a:ext>
+              </a:extLst>
+            </p:cNvPr>
+            <p:cNvPicPr>
+              <a:picLocks noChangeAspect="1" noChangeArrowheads="1"/>
+            </p:cNvPicPr>
+            <p:nvPr/>
+          </p:nvPicPr>
+          <p:blipFill rotWithShape="1">
+            <a:blip r:embed="rId2" cstate="print">
+              <a:extLst>
+                <a:ext uri="{28A0092B-C50C-407E-A947-70E740481C1C}">
+                  <a14:useLocalDpi xmlns:a14="http://schemas.microsoft.com/office/drawing/2010/main"/>
+                </a:ext>
+              </a:extLst>
+            </a:blip>
+            <a:srcRect l="24267" r="9586"/>
+            <a:stretch/>
+          </p:blipFill>
+          <p:spPr bwMode="auto">
+            <a:xfrm>
+              <a:off x="10831921" y="1920240"/>
+              <a:ext cx="693238" cy="1174557"/>
+            </a:xfrm>
+            <a:prstGeom prst="rect">
+              <a:avLst/>
+            </a:prstGeom>
+            <a:solidFill>
+              <a:srgbClr val="FFFFFF">
+                <a:lumMod val="85000"/>
+              </a:srgbClr>
+            </a:solidFill>
+            <a:ln>
+              <a:noFill/>
+            </a:ln>
+            <a:extLst/>
+          </p:spPr>
+        </p:pic>
+        <p:sp>
+          <p:nvSpPr>
+            <p:cNvPr id="19" name="TextBox 18">
+              <a:extLst>
+                <a:ext uri="{FF2B5EF4-FFF2-40B4-BE49-F238E27FC236}">
+                  <a16:creationId xmlns:a16="http://schemas.microsoft.com/office/drawing/2014/main" id="{9DE8176E-2D05-4D7E-A419-60B144EF3CFE}"/>
+                </a:ext>
+              </a:extLst>
+            </p:cNvPr>
+            <p:cNvSpPr txBox="1"/>
+            <p:nvPr/>
+          </p:nvSpPr>
+          <p:spPr>
+            <a:xfrm>
+              <a:off x="10404342" y="2763859"/>
+              <a:ext cx="1548397" cy="507381"/>
+            </a:xfrm>
+            <a:prstGeom prst="rect">
+              <a:avLst/>
+            </a:prstGeom>
+            <a:solidFill>
+              <a:srgbClr val="FFFFFF">
+                <a:lumMod val="85000"/>
+              </a:srgbClr>
+            </a:solidFill>
+          </p:spPr>
+          <p:txBody>
+            <a:bodyPr wrap="square" lIns="91427" tIns="143407" rIns="91427" bIns="143407" rtlCol="0">
+              <a:spAutoFit/>
+            </a:bodyPr>
+            <a:lstStyle/>
+            <a:p>
+              <a:pPr algn="ctr" defTabSz="896042">
+                <a:lnSpc>
+                  <a:spcPct val="90000"/>
+                </a:lnSpc>
+                <a:defRPr/>
+              </a:pPr>
+              <a:r>
+                <a:rPr lang="en-US" sz="1500" kern="0" dirty="0">
+                  <a:gradFill>
+                    <a:gsLst>
+                      <a:gs pos="2804">
+                        <a:srgbClr val="505050"/>
+                      </a:gs>
+                      <a:gs pos="26000">
+                        <a:srgbClr val="505050"/>
+                      </a:gs>
+                    </a:gsLst>
+                    <a:lin ang="5400000" scaled="1"/>
+                  </a:gradFill>
+                  <a:cs typeface="Segoe UI Semilight" panose="020B0402040204020203" pitchFamily="34" charset="0"/>
+                </a:rPr>
+                <a:t>Visual Studio</a:t>
+              </a:r>
+            </a:p>
+          </p:txBody>
+        </p:sp>
+      </p:grpSp>
+      <p:grpSp>
+        <p:nvGrpSpPr>
+          <p:cNvPr id="20" name="Group 19">
+            <a:extLst>
+              <a:ext uri="{FF2B5EF4-FFF2-40B4-BE49-F238E27FC236}">
+                <a16:creationId xmlns:a16="http://schemas.microsoft.com/office/drawing/2014/main" id="{972EDA69-48F8-40E3-8DA0-C13972F1AF58}"/>
+              </a:ext>
+            </a:extLst>
+          </p:cNvPr>
+          <p:cNvGrpSpPr/>
+          <p:nvPr/>
+        </p:nvGrpSpPr>
+        <p:grpSpPr>
+          <a:xfrm>
+            <a:off x="9413000" y="4830893"/>
+            <a:ext cx="1927040" cy="1324253"/>
+            <a:chOff x="10195561" y="3458117"/>
+            <a:chExt cx="1965960" cy="1350999"/>
+          </a:xfrm>
+        </p:grpSpPr>
+        <p:sp>
+          <p:nvSpPr>
+            <p:cNvPr id="21" name="TextBox 20">
+              <a:extLst>
+                <a:ext uri="{FF2B5EF4-FFF2-40B4-BE49-F238E27FC236}">
+                  <a16:creationId xmlns:a16="http://schemas.microsoft.com/office/drawing/2014/main" id="{20159464-8C1A-4A17-BC29-A56C9A645CF2}"/>
+                </a:ext>
+              </a:extLst>
+            </p:cNvPr>
+            <p:cNvSpPr txBox="1"/>
+            <p:nvPr/>
+          </p:nvSpPr>
+          <p:spPr>
+            <a:xfrm>
+              <a:off x="10195561" y="4301735"/>
+              <a:ext cx="1965960" cy="507381"/>
+            </a:xfrm>
+            <a:prstGeom prst="rect">
+              <a:avLst/>
+            </a:prstGeom>
+            <a:solidFill>
+              <a:srgbClr val="FFFFFF">
+                <a:lumMod val="85000"/>
+              </a:srgbClr>
+            </a:solidFill>
+          </p:spPr>
+          <p:txBody>
+            <a:bodyPr wrap="square" lIns="91427" tIns="143407" rIns="91427" bIns="143407" rtlCol="0">
+              <a:spAutoFit/>
+            </a:bodyPr>
+            <a:lstStyle/>
+            <a:p>
+              <a:pPr algn="ctr" defTabSz="896042">
+                <a:lnSpc>
+                  <a:spcPct val="90000"/>
+                </a:lnSpc>
+                <a:defRPr/>
+              </a:pPr>
+              <a:r>
+                <a:rPr lang="en-US" sz="1500" kern="0" dirty="0">
+                  <a:gradFill>
+                    <a:gsLst>
+                      <a:gs pos="2804">
+                        <a:srgbClr val="505050"/>
+                      </a:gs>
+                      <a:gs pos="26000">
+                        <a:srgbClr val="505050"/>
+                      </a:gs>
+                    </a:gsLst>
+                    <a:lin ang="5400000" scaled="1"/>
+                  </a:gradFill>
+                  <a:cs typeface="Segoe UI Semilight" panose="020B0402040204020203" pitchFamily="34" charset="0"/>
+                </a:rPr>
+                <a:t>Visual Studio Code</a:t>
+              </a:r>
+            </a:p>
+          </p:txBody>
+        </p:sp>
+        <p:pic>
+          <p:nvPicPr>
+            <p:cNvPr id="22" name="Picture 21">
+              <a:extLst>
+                <a:ext uri="{FF2B5EF4-FFF2-40B4-BE49-F238E27FC236}">
+                  <a16:creationId xmlns:a16="http://schemas.microsoft.com/office/drawing/2014/main" id="{BF34EAF3-25BC-4F65-B618-DF83CAEF4BB9}"/>
+                </a:ext>
+              </a:extLst>
+            </p:cNvPr>
+            <p:cNvPicPr>
+              <a:picLocks noChangeAspect="1" noChangeArrowheads="1"/>
+            </p:cNvPicPr>
+            <p:nvPr/>
+          </p:nvPicPr>
+          <p:blipFill rotWithShape="1">
+            <a:blip r:embed="rId2" cstate="print">
+              <a:duotone>
+                <a:srgbClr val="0078D7">
+                  <a:shade val="45000"/>
+                  <a:satMod val="135000"/>
+                </a:srgbClr>
+                <a:prstClr val="white"/>
+              </a:duotone>
+              <a:extLst>
+                <a:ext uri="{28A0092B-C50C-407E-A947-70E740481C1C}">
+                  <a14:useLocalDpi xmlns:a14="http://schemas.microsoft.com/office/drawing/2010/main"/>
+                </a:ext>
+              </a:extLst>
+            </a:blip>
+            <a:srcRect l="25414" r="11806"/>
+            <a:stretch/>
+          </p:blipFill>
+          <p:spPr bwMode="auto">
+            <a:xfrm>
+              <a:off x="10852015" y="3458117"/>
+              <a:ext cx="653051" cy="1174558"/>
+            </a:xfrm>
+            <a:prstGeom prst="rect">
+              <a:avLst/>
+            </a:prstGeom>
+            <a:noFill/>
+            <a:ln>
+              <a:noFill/>
+            </a:ln>
+            <a:extLst>
+              <a:ext uri="{909E8E84-426E-40DD-AFC4-6F175D3DCCD1}">
+                <a14:hiddenFill xmlns:a14="http://schemas.microsoft.com/office/drawing/2010/main">
+                  <a:solidFill>
+                    <a:srgbClr val="FFFFFF"/>
+                  </a:solidFill>
+                </a14:hiddenFill>
+              </a:ext>
+            </a:extLst>
+          </p:spPr>
+        </p:pic>
+      </p:grpSp>
+      <p:sp>
+        <p:nvSpPr>
+          <p:cNvPr id="23" name="TextBox 22">
+            <a:extLst>
+              <a:ext uri="{FF2B5EF4-FFF2-40B4-BE49-F238E27FC236}">
+                <a16:creationId xmlns:a16="http://schemas.microsoft.com/office/drawing/2014/main" id="{4B98FDFD-E78A-4228-9DBB-4D2921D5DF37}"/>
+              </a:ext>
+            </a:extLst>
+          </p:cNvPr>
+          <p:cNvSpPr txBox="1"/>
+          <p:nvPr/>
+        </p:nvSpPr>
+        <p:spPr>
+          <a:xfrm>
+            <a:off x="9408527" y="4491695"/>
+            <a:ext cx="1927040" cy="705113"/>
+          </a:xfrm>
+          <a:prstGeom prst="rect">
+            <a:avLst/>
+          </a:prstGeom>
+          <a:solidFill>
+            <a:srgbClr val="FFFFFF">
+              <a:lumMod val="85000"/>
+            </a:srgbClr>
+          </a:solidFill>
+        </p:spPr>
+        <p:txBody>
+          <a:bodyPr wrap="square" lIns="91427" tIns="143407" rIns="91427" bIns="143407" rtlCol="0">
+            <a:spAutoFit/>
+          </a:bodyPr>
+          <a:lstStyle/>
+          <a:p>
+            <a:pPr algn="ctr" defTabSz="896042">
+              <a:lnSpc>
+                <a:spcPct val="90000"/>
+              </a:lnSpc>
+              <a:defRPr/>
+            </a:pPr>
+            <a:r>
+              <a:rPr lang="en-US" sz="1500" kern="0" dirty="0">
+                <a:gradFill>
+                  <a:gsLst>
+                    <a:gs pos="2804">
+                      <a:srgbClr val="505050"/>
+                    </a:gs>
+                    <a:gs pos="26000">
+                      <a:srgbClr val="505050"/>
+                    </a:gs>
+                  </a:gsLst>
+                  <a:lin ang="5400000" scaled="1"/>
+                </a:gradFill>
+                <a:cs typeface="Segoe UI Semilight" panose="020B0402040204020203" pitchFamily="34" charset="0"/>
+              </a:rPr>
+              <a:t>Visual Studio for Mac</a:t>
+            </a:r>
+          </a:p>
+        </p:txBody>
+      </p:sp>
+      <p:sp>
+        <p:nvSpPr>
+          <p:cNvPr id="24" name="TextBox 2">
+            <a:extLst>
+              <a:ext uri="{FF2B5EF4-FFF2-40B4-BE49-F238E27FC236}">
+                <a16:creationId xmlns:a16="http://schemas.microsoft.com/office/drawing/2014/main" id="{AD21D891-D0CC-49DC-A17B-FC22CD3DCEE2}"/>
+              </a:ext>
+            </a:extLst>
+          </p:cNvPr>
+          <p:cNvSpPr txBox="1"/>
+          <p:nvPr/>
+        </p:nvSpPr>
+        <p:spPr>
+          <a:xfrm>
+            <a:off x="493357" y="1404147"/>
+            <a:ext cx="2913030" cy="718662"/>
+          </a:xfrm>
+          <a:prstGeom prst="rect">
+            <a:avLst/>
+          </a:prstGeom>
+          <a:solidFill>
+            <a:srgbClr val="000000">
+              <a:alpha val="40000"/>
+            </a:srgbClr>
+          </a:solidFill>
+        </p:spPr>
+        <p:txBody>
+          <a:bodyPr wrap="square" lIns="179259" tIns="143407" rIns="179259" bIns="143407" rtlCol="0" anchor="ctr">
+            <a:noAutofit/>
+          </a:bodyPr>
+          <a:lstStyle/>
+          <a:p>
+            <a:pPr algn="ctr" defTabSz="896042">
+              <a:defRPr/>
+            </a:pPr>
+            <a:r>
+              <a:rPr lang="en-US" sz="1961" b="1" kern="0" dirty="0">
+                <a:gradFill>
+                  <a:gsLst>
+                    <a:gs pos="1250">
+                      <a:srgbClr val="FFFFFF"/>
+                    </a:gs>
+                    <a:gs pos="100000">
+                      <a:srgbClr val="FFFFFF"/>
+                    </a:gs>
+                  </a:gsLst>
+                  <a:lin ang="5400000" scaled="0"/>
+                </a:gradFill>
+                <a:latin typeface="Segoe UI"/>
+                <a:cs typeface="Segoe UI Semibold" panose="020B0702040204020203" pitchFamily="34" charset="0"/>
+              </a:rPr>
+              <a:t>DESKTOP</a:t>
+            </a:r>
+          </a:p>
+        </p:txBody>
+      </p:sp>
+      <p:sp>
+        <p:nvSpPr>
+          <p:cNvPr id="25" name="TextBox 2">
+            <a:extLst>
+              <a:ext uri="{FF2B5EF4-FFF2-40B4-BE49-F238E27FC236}">
+                <a16:creationId xmlns:a16="http://schemas.microsoft.com/office/drawing/2014/main" id="{87028DF4-6A29-4A29-915B-4C5FD6DEC607}"/>
+              </a:ext>
+            </a:extLst>
+          </p:cNvPr>
+          <p:cNvSpPr txBox="1"/>
+          <p:nvPr/>
+        </p:nvSpPr>
+        <p:spPr>
+          <a:xfrm>
+            <a:off x="3451169" y="1406820"/>
+            <a:ext cx="2912968" cy="718662"/>
+          </a:xfrm>
+          <a:prstGeom prst="rect">
+            <a:avLst/>
+          </a:prstGeom>
+          <a:solidFill>
+            <a:srgbClr val="000000">
+              <a:alpha val="40000"/>
+            </a:srgbClr>
+          </a:solidFill>
+        </p:spPr>
+        <p:txBody>
+          <a:bodyPr wrap="square" lIns="179259" tIns="143407" rIns="179259" bIns="143407" rtlCol="0" anchor="ctr">
+            <a:noAutofit/>
+          </a:bodyPr>
+          <a:lstStyle/>
+          <a:p>
+            <a:pPr algn="ctr" defTabSz="896042">
+              <a:defRPr/>
+            </a:pPr>
+            <a:r>
+              <a:rPr lang="en-US" sz="1961" b="1" kern="0" dirty="0">
+                <a:gradFill>
+                  <a:gsLst>
+                    <a:gs pos="1250">
+                      <a:srgbClr val="FFFFFF"/>
+                    </a:gs>
+                    <a:gs pos="100000">
+                      <a:srgbClr val="FFFFFF"/>
+                    </a:gs>
+                  </a:gsLst>
+                  <a:lin ang="5400000" scaled="0"/>
+                </a:gradFill>
+                <a:latin typeface="Segoe UI"/>
+                <a:cs typeface="Segoe UI Semibold" panose="020B0702040204020203" pitchFamily="34" charset="0"/>
+              </a:rPr>
+              <a:t>CLOUD</a:t>
+            </a:r>
+          </a:p>
+        </p:txBody>
+      </p:sp>
+      <p:sp>
+        <p:nvSpPr>
+          <p:cNvPr id="26" name="TextBox 2">
+            <a:extLst>
+              <a:ext uri="{FF2B5EF4-FFF2-40B4-BE49-F238E27FC236}">
+                <a16:creationId xmlns:a16="http://schemas.microsoft.com/office/drawing/2014/main" id="{AA93D4FC-0457-4317-88BC-DEDFF936FEE8}"/>
+              </a:ext>
+            </a:extLst>
+          </p:cNvPr>
+          <p:cNvSpPr txBox="1"/>
+          <p:nvPr/>
+        </p:nvSpPr>
+        <p:spPr>
+          <a:xfrm>
+            <a:off x="6408918" y="1404147"/>
+            <a:ext cx="2912970" cy="718662"/>
+          </a:xfrm>
+          <a:prstGeom prst="rect">
+            <a:avLst/>
+          </a:prstGeom>
+          <a:solidFill>
+            <a:srgbClr val="000000">
+              <a:alpha val="40000"/>
+            </a:srgbClr>
+          </a:solidFill>
+        </p:spPr>
+        <p:txBody>
+          <a:bodyPr wrap="square" lIns="179259" tIns="143407" rIns="179259" bIns="143407" rtlCol="0" anchor="ctr">
+            <a:noAutofit/>
+          </a:bodyPr>
+          <a:lstStyle/>
+          <a:p>
+            <a:pPr algn="ctr" defTabSz="896042">
+              <a:defRPr/>
+            </a:pPr>
+            <a:r>
+              <a:rPr lang="en-US" sz="1961" b="1" kern="0" dirty="0">
+                <a:gradFill>
+                  <a:gsLst>
+                    <a:gs pos="1250">
+                      <a:srgbClr val="FFFFFF"/>
+                    </a:gs>
+                    <a:gs pos="100000">
+                      <a:srgbClr val="FFFFFF"/>
+                    </a:gs>
+                  </a:gsLst>
+                  <a:lin ang="5400000" scaled="0"/>
+                </a:gradFill>
+                <a:latin typeface="Segoe UI"/>
+                <a:cs typeface="Segoe UI Semibold" panose="020B0702040204020203" pitchFamily="34" charset="0"/>
+              </a:rPr>
+              <a:t>MOBILE</a:t>
+            </a:r>
+          </a:p>
+        </p:txBody>
+      </p:sp>
+      <p:pic>
+        <p:nvPicPr>
+          <p:cNvPr id="27" name="Picture 26">
+            <a:extLst>
+              <a:ext uri="{FF2B5EF4-FFF2-40B4-BE49-F238E27FC236}">
+                <a16:creationId xmlns:a16="http://schemas.microsoft.com/office/drawing/2014/main" id="{98153220-4C60-4E2F-A138-D309BD969464}"/>
+              </a:ext>
+            </a:extLst>
+          </p:cNvPr>
+          <p:cNvPicPr>
+            <a:picLocks noChangeAspect="1"/>
+          </p:cNvPicPr>
+          <p:nvPr/>
+        </p:nvPicPr>
+        <p:blipFill>
+          <a:blip r:embed="rId3"/>
+          <a:stretch>
+            <a:fillRect/>
+          </a:stretch>
+        </p:blipFill>
+        <p:spPr>
+          <a:xfrm>
+            <a:off x="9916738" y="3555542"/>
+            <a:ext cx="910616" cy="910616"/>
+          </a:xfrm>
+          <a:prstGeom prst="rect">
+            <a:avLst/>
+          </a:prstGeom>
+        </p:spPr>
+      </p:pic>
+      <p:sp>
+        <p:nvSpPr>
+          <p:cNvPr id="28" name="CasetăText 4">
+            <a:extLst>
+              <a:ext uri="{FF2B5EF4-FFF2-40B4-BE49-F238E27FC236}">
+                <a16:creationId xmlns:a16="http://schemas.microsoft.com/office/drawing/2014/main" id="{F0D295F1-C3F5-4D31-BBA9-28B9BA5F35AC}"/>
+              </a:ext>
+            </a:extLst>
+          </p:cNvPr>
+          <p:cNvSpPr txBox="1"/>
+          <p:nvPr/>
+        </p:nvSpPr>
+        <p:spPr>
+          <a:xfrm>
+            <a:off x="460119" y="255348"/>
+            <a:ext cx="11594592" cy="707886"/>
+          </a:xfrm>
+          <a:prstGeom prst="rect">
+            <a:avLst/>
+          </a:prstGeom>
+          <a:noFill/>
+        </p:spPr>
+        <p:txBody>
+          <a:bodyPr wrap="square" rtlCol="0">
+            <a:spAutoFit/>
+          </a:bodyPr>
+          <a:lstStyle/>
+          <a:p>
+            <a:r>
+              <a:rPr lang="ro-RO" sz="4000" dirty="0">
+                <a:solidFill>
+                  <a:srgbClr val="002060"/>
+                </a:solidFill>
+                <a:latin typeface="+mj-lt"/>
+              </a:rPr>
+              <a:t>What is .Net Core</a:t>
+            </a:r>
+          </a:p>
+        </p:txBody>
+      </p:sp>
+      <p:cxnSp>
+        <p:nvCxnSpPr>
+          <p:cNvPr id="29" name="Conector drept 18">
+            <a:extLst>
+              <a:ext uri="{FF2B5EF4-FFF2-40B4-BE49-F238E27FC236}">
+                <a16:creationId xmlns:a16="http://schemas.microsoft.com/office/drawing/2014/main" id="{E3C0092C-361F-45C3-ACF6-DA70DE644C98}"/>
+              </a:ext>
+            </a:extLst>
+          </p:cNvPr>
+          <p:cNvCxnSpPr/>
+          <p:nvPr/>
+        </p:nvCxnSpPr>
+        <p:spPr>
+          <a:xfrm flipV="1">
+            <a:off x="574740" y="1097280"/>
+            <a:ext cx="3430332" cy="36576"/>
+          </a:xfrm>
+          <a:prstGeom prst="line">
+            <a:avLst/>
+          </a:prstGeom>
+          <a:ln>
+            <a:solidFill>
+              <a:schemeClr val="tx1">
+                <a:alpha val="60000"/>
+              </a:schemeClr>
+            </a:solidFill>
+          </a:ln>
+        </p:spPr>
+        <p:style>
+          <a:lnRef idx="1">
+            <a:schemeClr val="accent1"/>
+          </a:lnRef>
+          <a:fillRef idx="0">
+            <a:schemeClr val="accent1"/>
+          </a:fillRef>
+          <a:effectRef idx="0">
+            <a:schemeClr val="accent1"/>
+          </a:effectRef>
+          <a:fontRef idx="minor">
+            <a:schemeClr val="tx1"/>
+          </a:fontRef>
+        </p:style>
+      </p:cxnSp>
+      <p:cxnSp>
+        <p:nvCxnSpPr>
+          <p:cNvPr id="30" name="Conector drept 19">
+            <a:extLst>
+              <a:ext uri="{FF2B5EF4-FFF2-40B4-BE49-F238E27FC236}">
+                <a16:creationId xmlns:a16="http://schemas.microsoft.com/office/drawing/2014/main" id="{DA6BA47A-7D66-4C5F-850B-CD2A306E58CF}"/>
+              </a:ext>
+            </a:extLst>
+          </p:cNvPr>
+          <p:cNvCxnSpPr/>
+          <p:nvPr/>
+        </p:nvCxnSpPr>
+        <p:spPr>
+          <a:xfrm flipV="1">
+            <a:off x="836868" y="1163200"/>
+            <a:ext cx="3430332" cy="36576"/>
+          </a:xfrm>
+          <a:prstGeom prst="line">
+            <a:avLst/>
+          </a:prstGeom>
+          <a:ln>
+            <a:solidFill>
+              <a:schemeClr val="tx1">
+                <a:alpha val="60000"/>
+              </a:schemeClr>
+            </a:solidFill>
+          </a:ln>
+        </p:spPr>
+        <p:style>
+          <a:lnRef idx="1">
+            <a:schemeClr val="accent1"/>
+          </a:lnRef>
+          <a:fillRef idx="0">
+            <a:schemeClr val="accent1"/>
+          </a:fillRef>
+          <a:effectRef idx="0">
+            <a:schemeClr val="accent1"/>
+          </a:effectRef>
+          <a:fontRef idx="minor">
+            <a:schemeClr val="tx1"/>
+          </a:fontRef>
+        </p:style>
+      </p:cxnSp>
+      <p:cxnSp>
+        <p:nvCxnSpPr>
+          <p:cNvPr id="31" name="Conector drept 20">
+            <a:extLst>
+              <a:ext uri="{FF2B5EF4-FFF2-40B4-BE49-F238E27FC236}">
+                <a16:creationId xmlns:a16="http://schemas.microsoft.com/office/drawing/2014/main" id="{F5E31AEA-EC59-45D5-92EC-362DE2001D27}"/>
+              </a:ext>
+            </a:extLst>
+          </p:cNvPr>
+          <p:cNvCxnSpPr/>
+          <p:nvPr/>
+        </p:nvCxnSpPr>
+        <p:spPr>
+          <a:xfrm flipV="1">
+            <a:off x="449129" y="1078992"/>
+            <a:ext cx="3430332" cy="36576"/>
+          </a:xfrm>
+          <a:prstGeom prst="line">
+            <a:avLst/>
+          </a:prstGeom>
+          <a:ln>
+            <a:solidFill>
+              <a:schemeClr val="tx1"/>
+            </a:solidFill>
+          </a:ln>
+        </p:spPr>
+        <p:style>
+          <a:lnRef idx="3">
+            <a:schemeClr val="dk1"/>
+          </a:lnRef>
+          <a:fillRef idx="0">
+            <a:schemeClr val="dk1"/>
+          </a:fillRef>
+          <a:effectRef idx="2">
+            <a:schemeClr val="dk1"/>
+          </a:effectRef>
+          <a:fontRef idx="minor">
+            <a:schemeClr val="tx1"/>
+          </a:fontRef>
+        </p:style>
+      </p:cxnSp>
+      <p:cxnSp>
+        <p:nvCxnSpPr>
+          <p:cNvPr id="32" name="Conector drept 21">
+            <a:extLst>
+              <a:ext uri="{FF2B5EF4-FFF2-40B4-BE49-F238E27FC236}">
+                <a16:creationId xmlns:a16="http://schemas.microsoft.com/office/drawing/2014/main" id="{895BFC64-586B-400D-A626-F022D38F3D9F}"/>
+              </a:ext>
+            </a:extLst>
+          </p:cNvPr>
+          <p:cNvCxnSpPr/>
+          <p:nvPr/>
+        </p:nvCxnSpPr>
+        <p:spPr>
+          <a:xfrm flipV="1">
+            <a:off x="836868" y="1011969"/>
+            <a:ext cx="3430332" cy="36576"/>
+          </a:xfrm>
+          <a:prstGeom prst="line">
+            <a:avLst/>
+          </a:prstGeom>
+          <a:ln>
+            <a:solidFill>
+              <a:schemeClr val="tx1">
+                <a:alpha val="60000"/>
+              </a:schemeClr>
+            </a:solidFill>
+          </a:ln>
+        </p:spPr>
+        <p:style>
+          <a:lnRef idx="1">
+            <a:schemeClr val="accent1"/>
+          </a:lnRef>
+          <a:fillRef idx="0">
+            <a:schemeClr val="accent1"/>
+          </a:fillRef>
+          <a:effectRef idx="0">
+            <a:schemeClr val="accent1"/>
+          </a:effectRef>
+          <a:fontRef idx="minor">
+            <a:schemeClr val="tx1"/>
+          </a:fontRef>
+        </p:style>
+      </p:cxnSp>
+    </p:spTree>
+    <p:extLst>
+      <p:ext uri="{BB962C8B-B14F-4D97-AF65-F5344CB8AC3E}">
+        <p14:creationId xmlns:p14="http://schemas.microsoft.com/office/powerpoint/2010/main" val="1422998421"/>
+      </p:ext>
+    </p:extLst>
+  </p:cSld>
+  <p:clrMapOvr>
+    <a:masterClrMapping/>
+  </p:clrMapOvr>
+</p:sld>
+</file>
+
+<file path=ppt/slides/slide11.xml><?xml version="1.0" encoding="utf-8"?>
+<p:sld xmlns:a="http://schemas.openxmlformats.org/drawingml/2006/main" xmlns:r="http://schemas.openxmlformats.org/officeDocument/2006/relationships" xmlns:p="http://schemas.openxmlformats.org/presentationml/2006/main">
+  <p:cSld>
+    <p:spTree>
+      <p:nvGrpSpPr>
+        <p:cNvPr id="1" name=""/>
+        <p:cNvGrpSpPr/>
+        <p:nvPr/>
+      </p:nvGrpSpPr>
+      <p:grpSpPr>
+        <a:xfrm>
+          <a:off x="0" y="0"/>
+          <a:ext cx="0" cy="0"/>
+          <a:chOff x="0" y="0"/>
+          <a:chExt cx="0" cy="0"/>
+        </a:xfrm>
+      </p:grpSpPr>
+      <p:sp>
+        <p:nvSpPr>
           <p:cNvPr id="28" name="CasetăText 4">
             <a:extLst>
               <a:ext uri="{FF2B5EF4-FFF2-40B4-BE49-F238E27FC236}">
@@ -11158,7 +13029,7 @@
 </p:sld>
 </file>
 
-<file path=ppt/slides/slide11.xml><?xml version="1.0" encoding="utf-8"?>
+<file path=ppt/slides/slide12.xml><?xml version="1.0" encoding="utf-8"?>
 <p:sld xmlns:a="http://schemas.openxmlformats.org/drawingml/2006/main" xmlns:r="http://schemas.openxmlformats.org/officeDocument/2006/relationships" xmlns:p="http://schemas.openxmlformats.org/presentationml/2006/main">
   <p:cSld>
     <p:spTree>
@@ -11404,7 +13275,7 @@
         <p:spPr>
           <a:xfrm>
             <a:off x="460119" y="1741542"/>
-            <a:ext cx="8535990" cy="3374915"/>
+            <a:ext cx="8535990" cy="4336932"/>
           </a:xfrm>
         </p:spPr>
         <p:txBody>
@@ -11419,7 +13290,7 @@
             </a:pPr>
             <a:r>
               <a:rPr lang="en-US" dirty="0">
-                <a:hlinkClick r:id="rId2"/>
+                <a:hlinkClick r:id="rId3"/>
               </a:rPr>
               <a:t>https://github.com/dotnet/standard/blob/master/docs/faq.md</a:t>
             </a:r>
@@ -11432,9 +13303,74 @@
             </a:pPr>
             <a:r>
               <a:rPr lang="en-US" dirty="0">
-                <a:hlinkClick r:id="rId3"/>
+                <a:hlinkClick r:id="rId4"/>
               </a:rPr>
               <a:t>https://github.com/dotnet/standard/blob/master/docs/metaphor.md</a:t>
+            </a:r>
+            <a:endParaRPr lang="en-US" dirty="0"/>
+          </a:p>
+          <a:p>
+            <a:pPr marL="342900" indent="-342900">
+              <a:buFont typeface="Arial" panose="020B0604020202020204" pitchFamily="34" charset="0"/>
+              <a:buChar char="•"/>
+            </a:pPr>
+            <a:r>
+              <a:rPr lang="en-US" dirty="0">
+                <a:hlinkClick r:id="rId5"/>
+              </a:rPr>
+              <a:t>https://apiof.net</a:t>
+            </a:r>
+            <a:endParaRPr lang="en-US" dirty="0"/>
+          </a:p>
+          <a:p>
+            <a:pPr marL="342900" indent="-342900">
+              <a:buFont typeface="Arial" panose="020B0604020202020204" pitchFamily="34" charset="0"/>
+              <a:buChar char="•"/>
+            </a:pPr>
+            <a:r>
+              <a:rPr lang="en-US" dirty="0">
+                <a:hlinkClick r:id="rId6"/>
+              </a:rPr>
+              <a:t>https://github/dotnet/standard</a:t>
+            </a:r>
+            <a:endParaRPr lang="en-US" dirty="0"/>
+          </a:p>
+          <a:p>
+            <a:pPr marL="342900" indent="-342900">
+              <a:buFont typeface="Arial" panose="020B0604020202020204" pitchFamily="34" charset="0"/>
+              <a:buChar char="•"/>
+            </a:pPr>
+            <a:r>
+              <a:rPr lang="en-US" dirty="0">
+                <a:hlinkClick r:id="rId7"/>
+              </a:rPr>
+              <a:t>https://icanhasdot.net</a:t>
+            </a:r>
+            <a:endParaRPr lang="en-US" dirty="0"/>
+          </a:p>
+          <a:p>
+            <a:pPr marL="342900" indent="-342900">
+              <a:buFont typeface="Arial" panose="020B0604020202020204" pitchFamily="34" charset="0"/>
+              <a:buChar char="•"/>
+            </a:pPr>
+            <a:r>
+              <a:rPr lang="en-US" dirty="0">
+                <a:hlinkClick r:id="rId8"/>
+              </a:rPr>
+              <a:t>https://packagesearch.azurewebsites.net</a:t>
+            </a:r>
+            <a:endParaRPr lang="en-US" dirty="0"/>
+          </a:p>
+          <a:p>
+            <a:pPr marL="342900" indent="-342900">
+              <a:buFont typeface="Arial" panose="020B0604020202020204" pitchFamily="34" charset="0"/>
+              <a:buChar char="•"/>
+            </a:pPr>
+            <a:r>
+              <a:rPr lang="en-US" dirty="0">
+                <a:hlinkClick r:id="rId9"/>
+              </a:rPr>
+              <a:t>https://github.com/dotnet/standard/blob/master/docs/versions.md</a:t>
             </a:r>
             <a:endParaRPr lang="en-US" dirty="0"/>
           </a:p>
@@ -11444,442 +13380,6 @@
     <p:extLst>
       <p:ext uri="{BB962C8B-B14F-4D97-AF65-F5344CB8AC3E}">
         <p14:creationId xmlns:p14="http://schemas.microsoft.com/office/powerpoint/2010/main" val="3805659927"/>
-      </p:ext>
-    </p:extLst>
-  </p:cSld>
-  <p:clrMapOvr>
-    <a:masterClrMapping/>
-  </p:clrMapOvr>
-</p:sld>
-</file>
-
-<file path=ppt/slides/slide12.xml><?xml version="1.0" encoding="utf-8"?>
-<p:sld xmlns:a="http://schemas.openxmlformats.org/drawingml/2006/main" xmlns:r="http://schemas.openxmlformats.org/officeDocument/2006/relationships" xmlns:p="http://schemas.openxmlformats.org/presentationml/2006/main">
-  <p:cSld>
-    <p:spTree>
-      <p:nvGrpSpPr>
-        <p:cNvPr id="1" name=""/>
-        <p:cNvGrpSpPr/>
-        <p:nvPr/>
-      </p:nvGrpSpPr>
-      <p:grpSpPr>
-        <a:xfrm>
-          <a:off x="0" y="0"/>
-          <a:ext cx="0" cy="0"/>
-          <a:chOff x="0" y="0"/>
-          <a:chExt cx="0" cy="0"/>
-        </a:xfrm>
-      </p:grpSpPr>
-      <p:sp>
-        <p:nvSpPr>
-          <p:cNvPr id="28" name="CasetăText 4">
-            <a:extLst>
-              <a:ext uri="{FF2B5EF4-FFF2-40B4-BE49-F238E27FC236}">
-                <a16:creationId xmlns:a16="http://schemas.microsoft.com/office/drawing/2014/main" id="{F0D295F1-C3F5-4D31-BBA9-28B9BA5F35AC}"/>
-              </a:ext>
-            </a:extLst>
-          </p:cNvPr>
-          <p:cNvSpPr txBox="1"/>
-          <p:nvPr/>
-        </p:nvSpPr>
-        <p:spPr>
-          <a:xfrm>
-            <a:off x="460119" y="255348"/>
-            <a:ext cx="11594592" cy="707886"/>
-          </a:xfrm>
-          <a:prstGeom prst="rect">
-            <a:avLst/>
-          </a:prstGeom>
-          <a:noFill/>
-        </p:spPr>
-        <p:txBody>
-          <a:bodyPr wrap="square" rtlCol="0">
-            <a:spAutoFit/>
-          </a:bodyPr>
-          <a:lstStyle/>
-          <a:p>
-            <a:r>
-              <a:rPr lang="nl-NL" sz="4000" dirty="0">
-                <a:solidFill>
-                  <a:srgbClr val="002060"/>
-                </a:solidFill>
-                <a:latin typeface="+mj-lt"/>
-              </a:rPr>
-              <a:t>.NET Core vs .NET Framework</a:t>
-            </a:r>
-          </a:p>
-        </p:txBody>
-      </p:sp>
-      <p:sp>
-        <p:nvSpPr>
-          <p:cNvPr id="29" name="TextBox 28">
-            <a:extLst>
-              <a:ext uri="{FF2B5EF4-FFF2-40B4-BE49-F238E27FC236}">
-                <a16:creationId xmlns:a16="http://schemas.microsoft.com/office/drawing/2014/main" id="{D21765EA-1771-4444-8437-ACA236F2EFB4}"/>
-              </a:ext>
-            </a:extLst>
-          </p:cNvPr>
-          <p:cNvSpPr txBox="1"/>
-          <p:nvPr/>
-        </p:nvSpPr>
-        <p:spPr>
-          <a:xfrm>
-            <a:off x="2700787" y="2161999"/>
-            <a:ext cx="788733" cy="4033868"/>
-          </a:xfrm>
-          <a:prstGeom prst="rect">
-            <a:avLst/>
-          </a:prstGeom>
-          <a:solidFill>
-            <a:srgbClr val="000000">
-              <a:alpha val="12941"/>
-            </a:srgbClr>
-          </a:solidFill>
-        </p:spPr>
-        <p:txBody>
-          <a:bodyPr wrap="square" lIns="365708" rIns="182854" rtlCol="0" anchor="ctr">
-            <a:noAutofit/>
-          </a:bodyPr>
-          <a:lstStyle/>
-          <a:p>
-            <a:pPr marL="342834" indent="-342834">
-              <a:buFont typeface="Arial" panose="020B0604020202020204" pitchFamily="34" charset="0"/>
-              <a:buChar char="•"/>
-            </a:pPr>
-            <a:endParaRPr lang="en-US" sz="2000" dirty="0">
-              <a:latin typeface="Segoe UI Light" panose="020B0502040204020203" pitchFamily="34" charset="0"/>
-              <a:cs typeface="Segoe UI Light" panose="020B0502040204020203" pitchFamily="34" charset="0"/>
-            </a:endParaRPr>
-          </a:p>
-        </p:txBody>
-      </p:sp>
-      <p:sp>
-        <p:nvSpPr>
-          <p:cNvPr id="30" name="TextBox 29">
-            <a:extLst>
-              <a:ext uri="{FF2B5EF4-FFF2-40B4-BE49-F238E27FC236}">
-                <a16:creationId xmlns:a16="http://schemas.microsoft.com/office/drawing/2014/main" id="{B1920B75-D0A3-461A-B5C7-640F1DC1798D}"/>
-              </a:ext>
-            </a:extLst>
-          </p:cNvPr>
-          <p:cNvSpPr txBox="1"/>
-          <p:nvPr/>
-        </p:nvSpPr>
-        <p:spPr>
-          <a:xfrm>
-            <a:off x="460119" y="2161999"/>
-            <a:ext cx="2984824" cy="4033868"/>
-          </a:xfrm>
-          <a:prstGeom prst="homePlate">
-            <a:avLst>
-              <a:gd name="adj" fmla="val 20154"/>
-            </a:avLst>
-          </a:prstGeom>
-          <a:solidFill>
-            <a:srgbClr val="0078D7"/>
-          </a:solidFill>
-        </p:spPr>
-        <p:txBody>
-          <a:bodyPr wrap="square" rtlCol="0" anchor="ctr">
-            <a:noAutofit/>
-          </a:bodyPr>
-          <a:lstStyle/>
-          <a:p>
-            <a:pPr algn="ctr"/>
-            <a:r>
-              <a:rPr lang="en-US" sz="3921" dirty="0">
-                <a:solidFill>
-                  <a:schemeClr val="tx2"/>
-                </a:solidFill>
-                <a:latin typeface="Segoe UI Semibold" panose="020B0702040204020203" pitchFamily="34" charset="0"/>
-                <a:cs typeface="Segoe UI Semibold" panose="020B0702040204020203" pitchFamily="34" charset="0"/>
-              </a:rPr>
-              <a:t>Similarities</a:t>
-            </a:r>
-          </a:p>
-        </p:txBody>
-      </p:sp>
-      <p:sp>
-        <p:nvSpPr>
-          <p:cNvPr id="31" name="TextBox 30">
-            <a:extLst>
-              <a:ext uri="{FF2B5EF4-FFF2-40B4-BE49-F238E27FC236}">
-                <a16:creationId xmlns:a16="http://schemas.microsoft.com/office/drawing/2014/main" id="{9BF30787-E425-40F9-A032-605C5E17D93D}"/>
-              </a:ext>
-            </a:extLst>
-          </p:cNvPr>
-          <p:cNvSpPr txBox="1"/>
-          <p:nvPr/>
-        </p:nvSpPr>
-        <p:spPr>
-          <a:xfrm>
-            <a:off x="3489519" y="2161999"/>
-            <a:ext cx="8086524" cy="4033868"/>
-          </a:xfrm>
-          <a:prstGeom prst="rect">
-            <a:avLst/>
-          </a:prstGeom>
-          <a:solidFill>
-            <a:srgbClr val="000000">
-              <a:alpha val="12941"/>
-            </a:srgbClr>
-          </a:solidFill>
-        </p:spPr>
-        <p:txBody>
-          <a:bodyPr wrap="square" lIns="365708" rIns="182854" rtlCol="0" anchor="ctr">
-            <a:noAutofit/>
-          </a:bodyPr>
-          <a:lstStyle/>
-          <a:p>
-            <a:pPr marL="342834" indent="-342834">
-              <a:buFont typeface="Arial" charset="0"/>
-              <a:buChar char="•"/>
-            </a:pPr>
-            <a:endParaRPr lang="en-US" sz="3137" dirty="0"/>
-          </a:p>
-          <a:p>
-            <a:pPr marL="342834" indent="-342834">
-              <a:buFont typeface="Arial" charset="0"/>
-              <a:buChar char="•"/>
-            </a:pPr>
-            <a:r>
-              <a:rPr lang="en-US" sz="3137" dirty="0"/>
-              <a:t>Support the latest C#, VB.NET, F#</a:t>
-            </a:r>
-          </a:p>
-          <a:p>
-            <a:pPr marL="342834" indent="-342834">
-              <a:buFont typeface="Arial" charset="0"/>
-              <a:buChar char="•"/>
-            </a:pPr>
-            <a:r>
-              <a:rPr lang="en-US" sz="3137" dirty="0"/>
-              <a:t>Implements .NET Standard API</a:t>
-            </a:r>
-          </a:p>
-          <a:p>
-            <a:pPr marL="342834" indent="-342834">
-              <a:buFont typeface="Arial" charset="0"/>
-              <a:buChar char="•"/>
-            </a:pPr>
-            <a:r>
-              <a:rPr lang="en-US" sz="3137" dirty="0"/>
-              <a:t>Supports ASP.NET Core and EF Core</a:t>
-            </a:r>
-          </a:p>
-          <a:p>
-            <a:pPr marL="342834" indent="-342834">
-              <a:buFont typeface="Arial" charset="0"/>
-              <a:buChar char="•"/>
-            </a:pPr>
-            <a:r>
-              <a:rPr lang="en-US" sz="3137" dirty="0"/>
-              <a:t>Best experience in Visual Studio </a:t>
-            </a:r>
-          </a:p>
-          <a:p>
-            <a:pPr marL="342834" indent="-342834">
-              <a:buFont typeface="Arial" charset="0"/>
-              <a:buChar char="•"/>
-            </a:pPr>
-            <a:r>
-              <a:rPr lang="en-US" sz="3137" dirty="0"/>
-              <a:t>Great experience in Visual Studio Code</a:t>
-            </a:r>
-          </a:p>
-          <a:p>
-            <a:pPr marL="342834" indent="-342834">
-              <a:buFont typeface="Arial" charset="0"/>
-              <a:buChar char="•"/>
-            </a:pPr>
-            <a:r>
-              <a:rPr lang="en-US" sz="3137" dirty="0"/>
-              <a:t>Can be used in/with Docker</a:t>
-            </a:r>
-          </a:p>
-          <a:p>
-            <a:pPr marL="342834" indent="-342834">
-              <a:buFont typeface="Arial" charset="0"/>
-              <a:buChar char="•"/>
-            </a:pPr>
-            <a:endParaRPr lang="en-US" sz="3137" dirty="0"/>
-          </a:p>
-        </p:txBody>
-      </p:sp>
-      <p:cxnSp>
-        <p:nvCxnSpPr>
-          <p:cNvPr id="32" name="Conector drept 18">
-            <a:extLst>
-              <a:ext uri="{FF2B5EF4-FFF2-40B4-BE49-F238E27FC236}">
-                <a16:creationId xmlns:a16="http://schemas.microsoft.com/office/drawing/2014/main" id="{8F75CB96-42C4-43C3-BDA7-2F4F724460E1}"/>
-              </a:ext>
-            </a:extLst>
-          </p:cNvPr>
-          <p:cNvCxnSpPr/>
-          <p:nvPr/>
-        </p:nvCxnSpPr>
-        <p:spPr>
-          <a:xfrm flipV="1">
-            <a:off x="574740" y="1097280"/>
-            <a:ext cx="3430332" cy="36576"/>
-          </a:xfrm>
-          <a:prstGeom prst="line">
-            <a:avLst/>
-          </a:prstGeom>
-          <a:ln>
-            <a:solidFill>
-              <a:schemeClr val="tx1">
-                <a:alpha val="60000"/>
-              </a:schemeClr>
-            </a:solidFill>
-          </a:ln>
-        </p:spPr>
-        <p:style>
-          <a:lnRef idx="1">
-            <a:schemeClr val="accent1"/>
-          </a:lnRef>
-          <a:fillRef idx="0">
-            <a:schemeClr val="accent1"/>
-          </a:fillRef>
-          <a:effectRef idx="0">
-            <a:schemeClr val="accent1"/>
-          </a:effectRef>
-          <a:fontRef idx="minor">
-            <a:schemeClr val="tx1"/>
-          </a:fontRef>
-        </p:style>
-      </p:cxnSp>
-      <p:cxnSp>
-        <p:nvCxnSpPr>
-          <p:cNvPr id="33" name="Conector drept 19">
-            <a:extLst>
-              <a:ext uri="{FF2B5EF4-FFF2-40B4-BE49-F238E27FC236}">
-                <a16:creationId xmlns:a16="http://schemas.microsoft.com/office/drawing/2014/main" id="{C9ED08BF-1EF8-47ED-A6E6-2167AD34A577}"/>
-              </a:ext>
-            </a:extLst>
-          </p:cNvPr>
-          <p:cNvCxnSpPr/>
-          <p:nvPr/>
-        </p:nvCxnSpPr>
-        <p:spPr>
-          <a:xfrm flipV="1">
-            <a:off x="836868" y="1163200"/>
-            <a:ext cx="3430332" cy="36576"/>
-          </a:xfrm>
-          <a:prstGeom prst="line">
-            <a:avLst/>
-          </a:prstGeom>
-          <a:ln>
-            <a:solidFill>
-              <a:schemeClr val="tx1">
-                <a:alpha val="60000"/>
-              </a:schemeClr>
-            </a:solidFill>
-          </a:ln>
-        </p:spPr>
-        <p:style>
-          <a:lnRef idx="1">
-            <a:schemeClr val="accent1"/>
-          </a:lnRef>
-          <a:fillRef idx="0">
-            <a:schemeClr val="accent1"/>
-          </a:fillRef>
-          <a:effectRef idx="0">
-            <a:schemeClr val="accent1"/>
-          </a:effectRef>
-          <a:fontRef idx="minor">
-            <a:schemeClr val="tx1"/>
-          </a:fontRef>
-        </p:style>
-      </p:cxnSp>
-      <p:cxnSp>
-        <p:nvCxnSpPr>
-          <p:cNvPr id="34" name="Conector drept 20">
-            <a:extLst>
-              <a:ext uri="{FF2B5EF4-FFF2-40B4-BE49-F238E27FC236}">
-                <a16:creationId xmlns:a16="http://schemas.microsoft.com/office/drawing/2014/main" id="{B97C57D5-161D-482E-B532-358B92D401F2}"/>
-              </a:ext>
-            </a:extLst>
-          </p:cNvPr>
-          <p:cNvCxnSpPr/>
-          <p:nvPr/>
-        </p:nvCxnSpPr>
-        <p:spPr>
-          <a:xfrm flipV="1">
-            <a:off x="449129" y="1078992"/>
-            <a:ext cx="3430332" cy="36576"/>
-          </a:xfrm>
-          <a:prstGeom prst="line">
-            <a:avLst/>
-          </a:prstGeom>
-          <a:ln>
-            <a:solidFill>
-              <a:schemeClr val="tx1"/>
-            </a:solidFill>
-          </a:ln>
-        </p:spPr>
-        <p:style>
-          <a:lnRef idx="3">
-            <a:schemeClr val="dk1"/>
-          </a:lnRef>
-          <a:fillRef idx="0">
-            <a:schemeClr val="dk1"/>
-          </a:fillRef>
-          <a:effectRef idx="2">
-            <a:schemeClr val="dk1"/>
-          </a:effectRef>
-          <a:fontRef idx="minor">
-            <a:schemeClr val="tx1"/>
-          </a:fontRef>
-        </p:style>
-      </p:cxnSp>
-      <p:cxnSp>
-        <p:nvCxnSpPr>
-          <p:cNvPr id="35" name="Conector drept 21">
-            <a:extLst>
-              <a:ext uri="{FF2B5EF4-FFF2-40B4-BE49-F238E27FC236}">
-                <a16:creationId xmlns:a16="http://schemas.microsoft.com/office/drawing/2014/main" id="{48EBF365-1C55-4581-B795-531476451CCE}"/>
-              </a:ext>
-            </a:extLst>
-          </p:cNvPr>
-          <p:cNvCxnSpPr/>
-          <p:nvPr/>
-        </p:nvCxnSpPr>
-        <p:spPr>
-          <a:xfrm flipV="1">
-            <a:off x="836868" y="1011969"/>
-            <a:ext cx="3430332" cy="36576"/>
-          </a:xfrm>
-          <a:prstGeom prst="line">
-            <a:avLst/>
-          </a:prstGeom>
-          <a:ln>
-            <a:solidFill>
-              <a:schemeClr val="tx1">
-                <a:alpha val="60000"/>
-              </a:schemeClr>
-            </a:solidFill>
-          </a:ln>
-        </p:spPr>
-        <p:style>
-          <a:lnRef idx="1">
-            <a:schemeClr val="accent1"/>
-          </a:lnRef>
-          <a:fillRef idx="0">
-            <a:schemeClr val="accent1"/>
-          </a:fillRef>
-          <a:effectRef idx="0">
-            <a:schemeClr val="accent1"/>
-          </a:effectRef>
-          <a:fontRef idx="minor">
-            <a:schemeClr val="tx1"/>
-          </a:fontRef>
-        </p:style>
-      </p:cxnSp>
-    </p:spTree>
-    <p:extLst>
-      <p:ext uri="{BB962C8B-B14F-4D97-AF65-F5344CB8AC3E}">
-        <p14:creationId xmlns:p14="http://schemas.microsoft.com/office/powerpoint/2010/main" val="29989557"/>
       </p:ext>
     </p:extLst>
   </p:cSld>
@@ -11948,6 +13448,442 @@
       </p:sp>
       <p:sp>
         <p:nvSpPr>
+          <p:cNvPr id="29" name="TextBox 28">
+            <a:extLst>
+              <a:ext uri="{FF2B5EF4-FFF2-40B4-BE49-F238E27FC236}">
+                <a16:creationId xmlns:a16="http://schemas.microsoft.com/office/drawing/2014/main" id="{D21765EA-1771-4444-8437-ACA236F2EFB4}"/>
+              </a:ext>
+            </a:extLst>
+          </p:cNvPr>
+          <p:cNvSpPr txBox="1"/>
+          <p:nvPr/>
+        </p:nvSpPr>
+        <p:spPr>
+          <a:xfrm>
+            <a:off x="2700787" y="2161999"/>
+            <a:ext cx="788733" cy="4033868"/>
+          </a:xfrm>
+          <a:prstGeom prst="rect">
+            <a:avLst/>
+          </a:prstGeom>
+          <a:solidFill>
+            <a:srgbClr val="000000">
+              <a:alpha val="12941"/>
+            </a:srgbClr>
+          </a:solidFill>
+        </p:spPr>
+        <p:txBody>
+          <a:bodyPr wrap="square" lIns="365708" rIns="182854" rtlCol="0" anchor="ctr">
+            <a:noAutofit/>
+          </a:bodyPr>
+          <a:lstStyle/>
+          <a:p>
+            <a:pPr marL="342834" indent="-342834">
+              <a:buFont typeface="Arial" panose="020B0604020202020204" pitchFamily="34" charset="0"/>
+              <a:buChar char="•"/>
+            </a:pPr>
+            <a:endParaRPr lang="en-US" sz="2000" dirty="0">
+              <a:latin typeface="Segoe UI Light" panose="020B0502040204020203" pitchFamily="34" charset="0"/>
+              <a:cs typeface="Segoe UI Light" panose="020B0502040204020203" pitchFamily="34" charset="0"/>
+            </a:endParaRPr>
+          </a:p>
+        </p:txBody>
+      </p:sp>
+      <p:sp>
+        <p:nvSpPr>
+          <p:cNvPr id="30" name="TextBox 29">
+            <a:extLst>
+              <a:ext uri="{FF2B5EF4-FFF2-40B4-BE49-F238E27FC236}">
+                <a16:creationId xmlns:a16="http://schemas.microsoft.com/office/drawing/2014/main" id="{B1920B75-D0A3-461A-B5C7-640F1DC1798D}"/>
+              </a:ext>
+            </a:extLst>
+          </p:cNvPr>
+          <p:cNvSpPr txBox="1"/>
+          <p:nvPr/>
+        </p:nvSpPr>
+        <p:spPr>
+          <a:xfrm>
+            <a:off x="460119" y="2161999"/>
+            <a:ext cx="2984824" cy="4033868"/>
+          </a:xfrm>
+          <a:prstGeom prst="homePlate">
+            <a:avLst>
+              <a:gd name="adj" fmla="val 20154"/>
+            </a:avLst>
+          </a:prstGeom>
+          <a:solidFill>
+            <a:srgbClr val="0078D7"/>
+          </a:solidFill>
+        </p:spPr>
+        <p:txBody>
+          <a:bodyPr wrap="square" rtlCol="0" anchor="ctr">
+            <a:noAutofit/>
+          </a:bodyPr>
+          <a:lstStyle/>
+          <a:p>
+            <a:pPr algn="ctr"/>
+            <a:r>
+              <a:rPr lang="en-US" sz="3921" dirty="0">
+                <a:solidFill>
+                  <a:schemeClr val="tx2"/>
+                </a:solidFill>
+                <a:latin typeface="Segoe UI Semibold" panose="020B0702040204020203" pitchFamily="34" charset="0"/>
+                <a:cs typeface="Segoe UI Semibold" panose="020B0702040204020203" pitchFamily="34" charset="0"/>
+              </a:rPr>
+              <a:t>Similarities</a:t>
+            </a:r>
+          </a:p>
+        </p:txBody>
+      </p:sp>
+      <p:sp>
+        <p:nvSpPr>
+          <p:cNvPr id="31" name="TextBox 30">
+            <a:extLst>
+              <a:ext uri="{FF2B5EF4-FFF2-40B4-BE49-F238E27FC236}">
+                <a16:creationId xmlns:a16="http://schemas.microsoft.com/office/drawing/2014/main" id="{9BF30787-E425-40F9-A032-605C5E17D93D}"/>
+              </a:ext>
+            </a:extLst>
+          </p:cNvPr>
+          <p:cNvSpPr txBox="1"/>
+          <p:nvPr/>
+        </p:nvSpPr>
+        <p:spPr>
+          <a:xfrm>
+            <a:off x="3489519" y="2161999"/>
+            <a:ext cx="8086524" cy="4033868"/>
+          </a:xfrm>
+          <a:prstGeom prst="rect">
+            <a:avLst/>
+          </a:prstGeom>
+          <a:solidFill>
+            <a:srgbClr val="000000">
+              <a:alpha val="12941"/>
+            </a:srgbClr>
+          </a:solidFill>
+        </p:spPr>
+        <p:txBody>
+          <a:bodyPr wrap="square" lIns="365708" rIns="182854" rtlCol="0" anchor="ctr">
+            <a:noAutofit/>
+          </a:bodyPr>
+          <a:lstStyle/>
+          <a:p>
+            <a:pPr marL="342834" indent="-342834">
+              <a:buFont typeface="Arial" charset="0"/>
+              <a:buChar char="•"/>
+            </a:pPr>
+            <a:endParaRPr lang="en-US" sz="3137" dirty="0"/>
+          </a:p>
+          <a:p>
+            <a:pPr marL="342834" indent="-342834">
+              <a:buFont typeface="Arial" charset="0"/>
+              <a:buChar char="•"/>
+            </a:pPr>
+            <a:r>
+              <a:rPr lang="en-US" sz="3137" dirty="0"/>
+              <a:t>Support the latest C#, VB.NET, F#</a:t>
+            </a:r>
+          </a:p>
+          <a:p>
+            <a:pPr marL="342834" indent="-342834">
+              <a:buFont typeface="Arial" charset="0"/>
+              <a:buChar char="•"/>
+            </a:pPr>
+            <a:r>
+              <a:rPr lang="en-US" sz="3137" dirty="0"/>
+              <a:t>Implements .NET Standard API</a:t>
+            </a:r>
+          </a:p>
+          <a:p>
+            <a:pPr marL="342834" indent="-342834">
+              <a:buFont typeface="Arial" charset="0"/>
+              <a:buChar char="•"/>
+            </a:pPr>
+            <a:r>
+              <a:rPr lang="en-US" sz="3137" dirty="0"/>
+              <a:t>Supports ASP.NET Core and EF Core</a:t>
+            </a:r>
+          </a:p>
+          <a:p>
+            <a:pPr marL="342834" indent="-342834">
+              <a:buFont typeface="Arial" charset="0"/>
+              <a:buChar char="•"/>
+            </a:pPr>
+            <a:r>
+              <a:rPr lang="en-US" sz="3137" dirty="0"/>
+              <a:t>Best experience in Visual Studio </a:t>
+            </a:r>
+          </a:p>
+          <a:p>
+            <a:pPr marL="342834" indent="-342834">
+              <a:buFont typeface="Arial" charset="0"/>
+              <a:buChar char="•"/>
+            </a:pPr>
+            <a:r>
+              <a:rPr lang="en-US" sz="3137" dirty="0"/>
+              <a:t>Great experience in Visual Studio Code</a:t>
+            </a:r>
+          </a:p>
+          <a:p>
+            <a:pPr marL="342834" indent="-342834">
+              <a:buFont typeface="Arial" charset="0"/>
+              <a:buChar char="•"/>
+            </a:pPr>
+            <a:r>
+              <a:rPr lang="en-US" sz="3137" dirty="0"/>
+              <a:t>Can be used in/with Docker</a:t>
+            </a:r>
+          </a:p>
+          <a:p>
+            <a:pPr marL="342834" indent="-342834">
+              <a:buFont typeface="Arial" charset="0"/>
+              <a:buChar char="•"/>
+            </a:pPr>
+            <a:endParaRPr lang="en-US" sz="3137" dirty="0"/>
+          </a:p>
+        </p:txBody>
+      </p:sp>
+      <p:cxnSp>
+        <p:nvCxnSpPr>
+          <p:cNvPr id="32" name="Conector drept 18">
+            <a:extLst>
+              <a:ext uri="{FF2B5EF4-FFF2-40B4-BE49-F238E27FC236}">
+                <a16:creationId xmlns:a16="http://schemas.microsoft.com/office/drawing/2014/main" id="{8F75CB96-42C4-43C3-BDA7-2F4F724460E1}"/>
+              </a:ext>
+            </a:extLst>
+          </p:cNvPr>
+          <p:cNvCxnSpPr/>
+          <p:nvPr/>
+        </p:nvCxnSpPr>
+        <p:spPr>
+          <a:xfrm flipV="1">
+            <a:off x="574740" y="1097280"/>
+            <a:ext cx="3430332" cy="36576"/>
+          </a:xfrm>
+          <a:prstGeom prst="line">
+            <a:avLst/>
+          </a:prstGeom>
+          <a:ln>
+            <a:solidFill>
+              <a:schemeClr val="tx1">
+                <a:alpha val="60000"/>
+              </a:schemeClr>
+            </a:solidFill>
+          </a:ln>
+        </p:spPr>
+        <p:style>
+          <a:lnRef idx="1">
+            <a:schemeClr val="accent1"/>
+          </a:lnRef>
+          <a:fillRef idx="0">
+            <a:schemeClr val="accent1"/>
+          </a:fillRef>
+          <a:effectRef idx="0">
+            <a:schemeClr val="accent1"/>
+          </a:effectRef>
+          <a:fontRef idx="minor">
+            <a:schemeClr val="tx1"/>
+          </a:fontRef>
+        </p:style>
+      </p:cxnSp>
+      <p:cxnSp>
+        <p:nvCxnSpPr>
+          <p:cNvPr id="33" name="Conector drept 19">
+            <a:extLst>
+              <a:ext uri="{FF2B5EF4-FFF2-40B4-BE49-F238E27FC236}">
+                <a16:creationId xmlns:a16="http://schemas.microsoft.com/office/drawing/2014/main" id="{C9ED08BF-1EF8-47ED-A6E6-2167AD34A577}"/>
+              </a:ext>
+            </a:extLst>
+          </p:cNvPr>
+          <p:cNvCxnSpPr/>
+          <p:nvPr/>
+        </p:nvCxnSpPr>
+        <p:spPr>
+          <a:xfrm flipV="1">
+            <a:off x="836868" y="1163200"/>
+            <a:ext cx="3430332" cy="36576"/>
+          </a:xfrm>
+          <a:prstGeom prst="line">
+            <a:avLst/>
+          </a:prstGeom>
+          <a:ln>
+            <a:solidFill>
+              <a:schemeClr val="tx1">
+                <a:alpha val="60000"/>
+              </a:schemeClr>
+            </a:solidFill>
+          </a:ln>
+        </p:spPr>
+        <p:style>
+          <a:lnRef idx="1">
+            <a:schemeClr val="accent1"/>
+          </a:lnRef>
+          <a:fillRef idx="0">
+            <a:schemeClr val="accent1"/>
+          </a:fillRef>
+          <a:effectRef idx="0">
+            <a:schemeClr val="accent1"/>
+          </a:effectRef>
+          <a:fontRef idx="minor">
+            <a:schemeClr val="tx1"/>
+          </a:fontRef>
+        </p:style>
+      </p:cxnSp>
+      <p:cxnSp>
+        <p:nvCxnSpPr>
+          <p:cNvPr id="34" name="Conector drept 20">
+            <a:extLst>
+              <a:ext uri="{FF2B5EF4-FFF2-40B4-BE49-F238E27FC236}">
+                <a16:creationId xmlns:a16="http://schemas.microsoft.com/office/drawing/2014/main" id="{B97C57D5-161D-482E-B532-358B92D401F2}"/>
+              </a:ext>
+            </a:extLst>
+          </p:cNvPr>
+          <p:cNvCxnSpPr/>
+          <p:nvPr/>
+        </p:nvCxnSpPr>
+        <p:spPr>
+          <a:xfrm flipV="1">
+            <a:off x="449129" y="1078992"/>
+            <a:ext cx="3430332" cy="36576"/>
+          </a:xfrm>
+          <a:prstGeom prst="line">
+            <a:avLst/>
+          </a:prstGeom>
+          <a:ln>
+            <a:solidFill>
+              <a:schemeClr val="tx1"/>
+            </a:solidFill>
+          </a:ln>
+        </p:spPr>
+        <p:style>
+          <a:lnRef idx="3">
+            <a:schemeClr val="dk1"/>
+          </a:lnRef>
+          <a:fillRef idx="0">
+            <a:schemeClr val="dk1"/>
+          </a:fillRef>
+          <a:effectRef idx="2">
+            <a:schemeClr val="dk1"/>
+          </a:effectRef>
+          <a:fontRef idx="minor">
+            <a:schemeClr val="tx1"/>
+          </a:fontRef>
+        </p:style>
+      </p:cxnSp>
+      <p:cxnSp>
+        <p:nvCxnSpPr>
+          <p:cNvPr id="35" name="Conector drept 21">
+            <a:extLst>
+              <a:ext uri="{FF2B5EF4-FFF2-40B4-BE49-F238E27FC236}">
+                <a16:creationId xmlns:a16="http://schemas.microsoft.com/office/drawing/2014/main" id="{48EBF365-1C55-4581-B795-531476451CCE}"/>
+              </a:ext>
+            </a:extLst>
+          </p:cNvPr>
+          <p:cNvCxnSpPr/>
+          <p:nvPr/>
+        </p:nvCxnSpPr>
+        <p:spPr>
+          <a:xfrm flipV="1">
+            <a:off x="836868" y="1011969"/>
+            <a:ext cx="3430332" cy="36576"/>
+          </a:xfrm>
+          <a:prstGeom prst="line">
+            <a:avLst/>
+          </a:prstGeom>
+          <a:ln>
+            <a:solidFill>
+              <a:schemeClr val="tx1">
+                <a:alpha val="60000"/>
+              </a:schemeClr>
+            </a:solidFill>
+          </a:ln>
+        </p:spPr>
+        <p:style>
+          <a:lnRef idx="1">
+            <a:schemeClr val="accent1"/>
+          </a:lnRef>
+          <a:fillRef idx="0">
+            <a:schemeClr val="accent1"/>
+          </a:fillRef>
+          <a:effectRef idx="0">
+            <a:schemeClr val="accent1"/>
+          </a:effectRef>
+          <a:fontRef idx="minor">
+            <a:schemeClr val="tx1"/>
+          </a:fontRef>
+        </p:style>
+      </p:cxnSp>
+    </p:spTree>
+    <p:extLst>
+      <p:ext uri="{BB962C8B-B14F-4D97-AF65-F5344CB8AC3E}">
+        <p14:creationId xmlns:p14="http://schemas.microsoft.com/office/powerpoint/2010/main" val="29989557"/>
+      </p:ext>
+    </p:extLst>
+  </p:cSld>
+  <p:clrMapOvr>
+    <a:masterClrMapping/>
+  </p:clrMapOvr>
+</p:sld>
+</file>
+
+<file path=ppt/slides/slide14.xml><?xml version="1.0" encoding="utf-8"?>
+<p:sld xmlns:a="http://schemas.openxmlformats.org/drawingml/2006/main" xmlns:r="http://schemas.openxmlformats.org/officeDocument/2006/relationships" xmlns:p="http://schemas.openxmlformats.org/presentationml/2006/main">
+  <p:cSld>
+    <p:spTree>
+      <p:nvGrpSpPr>
+        <p:cNvPr id="1" name=""/>
+        <p:cNvGrpSpPr/>
+        <p:nvPr/>
+      </p:nvGrpSpPr>
+      <p:grpSpPr>
+        <a:xfrm>
+          <a:off x="0" y="0"/>
+          <a:ext cx="0" cy="0"/>
+          <a:chOff x="0" y="0"/>
+          <a:chExt cx="0" cy="0"/>
+        </a:xfrm>
+      </p:grpSpPr>
+      <p:sp>
+        <p:nvSpPr>
+          <p:cNvPr id="28" name="CasetăText 4">
+            <a:extLst>
+              <a:ext uri="{FF2B5EF4-FFF2-40B4-BE49-F238E27FC236}">
+                <a16:creationId xmlns:a16="http://schemas.microsoft.com/office/drawing/2014/main" id="{F0D295F1-C3F5-4D31-BBA9-28B9BA5F35AC}"/>
+              </a:ext>
+            </a:extLst>
+          </p:cNvPr>
+          <p:cNvSpPr txBox="1"/>
+          <p:nvPr/>
+        </p:nvSpPr>
+        <p:spPr>
+          <a:xfrm>
+            <a:off x="460119" y="255348"/>
+            <a:ext cx="11594592" cy="707886"/>
+          </a:xfrm>
+          <a:prstGeom prst="rect">
+            <a:avLst/>
+          </a:prstGeom>
+          <a:noFill/>
+        </p:spPr>
+        <p:txBody>
+          <a:bodyPr wrap="square" rtlCol="0">
+            <a:spAutoFit/>
+          </a:bodyPr>
+          <a:lstStyle/>
+          <a:p>
+            <a:r>
+              <a:rPr lang="nl-NL" sz="4000" dirty="0">
+                <a:solidFill>
+                  <a:srgbClr val="002060"/>
+                </a:solidFill>
+                <a:latin typeface="+mj-lt"/>
+              </a:rPr>
+              <a:t>.NET Core vs .NET Framework</a:t>
+            </a:r>
+          </a:p>
+        </p:txBody>
+      </p:sp>
+      <p:sp>
+        <p:nvSpPr>
           <p:cNvPr id="6" name="TextBox 5">
             <a:extLst>
               <a:ext uri="{FF2B5EF4-FFF2-40B4-BE49-F238E27FC236}">
@@ -12308,7 +14244,7 @@
 </p:sld>
 </file>
 
-<file path=ppt/slides/slide14.xml><?xml version="1.0" encoding="utf-8"?>
+<file path=ppt/slides/slide15.xml><?xml version="1.0" encoding="utf-8"?>
 <p:sld xmlns:a="http://schemas.openxmlformats.org/drawingml/2006/main" xmlns:r="http://schemas.openxmlformats.org/officeDocument/2006/relationships" xmlns:p="http://schemas.openxmlformats.org/presentationml/2006/main">
   <p:cSld>
     <p:spTree>
@@ -12889,7 +14825,7 @@
 </p:sld>
 </file>
 
-<file path=ppt/slides/slide15.xml><?xml version="1.0" encoding="utf-8"?>
+<file path=ppt/slides/slide16.xml><?xml version="1.0" encoding="utf-8"?>
 <p:sld xmlns:a="http://schemas.openxmlformats.org/drawingml/2006/main" xmlns:r="http://schemas.openxmlformats.org/officeDocument/2006/relationships" xmlns:p="http://schemas.openxmlformats.org/presentationml/2006/main">
   <p:cSld>
     <p:spTree>
@@ -13454,208 +15390,6 @@
 </p:sld>
 </file>
 
-<file path=ppt/slides/slide16.xml><?xml version="1.0" encoding="utf-8"?>
-<p:sld xmlns:a="http://schemas.openxmlformats.org/drawingml/2006/main" xmlns:r="http://schemas.openxmlformats.org/officeDocument/2006/relationships" xmlns:p="http://schemas.openxmlformats.org/presentationml/2006/main">
-  <p:cSld>
-    <p:spTree>
-      <p:nvGrpSpPr>
-        <p:cNvPr id="1" name=""/>
-        <p:cNvGrpSpPr/>
-        <p:nvPr/>
-      </p:nvGrpSpPr>
-      <p:grpSpPr>
-        <a:xfrm>
-          <a:off x="0" y="0"/>
-          <a:ext cx="0" cy="0"/>
-          <a:chOff x="0" y="0"/>
-          <a:chExt cx="0" cy="0"/>
-        </a:xfrm>
-      </p:grpSpPr>
-      <p:sp>
-        <p:nvSpPr>
-          <p:cNvPr id="4" name="Title 2">
-            <a:extLst>
-              <a:ext uri="{FF2B5EF4-FFF2-40B4-BE49-F238E27FC236}">
-                <a16:creationId xmlns:a16="http://schemas.microsoft.com/office/drawing/2014/main" id="{D04D207B-DBA5-438D-AACB-88C19072CC53}"/>
-              </a:ext>
-            </a:extLst>
-          </p:cNvPr>
-          <p:cNvSpPr>
-            <a:spLocks noGrp="1"/>
-          </p:cNvSpPr>
-          <p:nvPr>
-            <p:ph type="title"/>
-          </p:nvPr>
-        </p:nvSpPr>
-        <p:spPr>
-          <a:xfrm>
-            <a:off x="269239" y="2084186"/>
-            <a:ext cx="9859116" cy="1270797"/>
-          </a:xfrm>
-        </p:spPr>
-        <p:txBody>
-          <a:bodyPr/>
-          <a:lstStyle/>
-          <a:p>
-            <a:r>
-              <a:rPr lang="en-US" dirty="0"/>
-              <a:t>Demo</a:t>
-            </a:r>
-          </a:p>
-        </p:txBody>
-      </p:sp>
-      <p:sp>
-        <p:nvSpPr>
-          <p:cNvPr id="5" name="Text Placeholder 3">
-            <a:extLst>
-              <a:ext uri="{FF2B5EF4-FFF2-40B4-BE49-F238E27FC236}">
-                <a16:creationId xmlns:a16="http://schemas.microsoft.com/office/drawing/2014/main" id="{A1080AF1-9933-47D8-9D66-E8B55D8EDCDF}"/>
-              </a:ext>
-            </a:extLst>
-          </p:cNvPr>
-          <p:cNvSpPr txBox="1">
-            <a:spLocks/>
-          </p:cNvSpPr>
-          <p:nvPr/>
-        </p:nvSpPr>
-        <p:spPr>
-          <a:xfrm>
-            <a:off x="269240" y="3850287"/>
-            <a:ext cx="9860674" cy="778226"/>
-          </a:xfrm>
-          <a:prstGeom prst="rect">
-            <a:avLst/>
-          </a:prstGeom>
-        </p:spPr>
-        <p:txBody>
-          <a:bodyPr vert="horz" lIns="91440" tIns="45720" rIns="91440" bIns="45720" rtlCol="0" anchor="b"/>
-          <a:lstStyle>
-            <a:defPPr>
-              <a:defRPr lang="en-US"/>
-            </a:defPPr>
-            <a:lvl1pPr marL="0" algn="r" defTabSz="457200" rtl="0" eaLnBrk="1" latinLnBrk="0" hangingPunct="1">
-              <a:defRPr sz="3200" b="0" i="0" kern="1200">
-                <a:solidFill>
-                  <a:schemeClr val="bg2">
-                    <a:lumMod val="50000"/>
-                  </a:schemeClr>
-                </a:solidFill>
-                <a:effectLst/>
-                <a:latin typeface="+mn-lt"/>
-                <a:ea typeface="+mn-ea"/>
-                <a:cs typeface="+mn-cs"/>
-              </a:defRPr>
-            </a:lvl1pPr>
-            <a:lvl2pPr marL="457200" algn="l" defTabSz="457200" rtl="0" eaLnBrk="1" latinLnBrk="0" hangingPunct="1">
-              <a:defRPr sz="1800" kern="1200">
-                <a:solidFill>
-                  <a:schemeClr val="tx1"/>
-                </a:solidFill>
-                <a:latin typeface="+mn-lt"/>
-                <a:ea typeface="+mn-ea"/>
-                <a:cs typeface="+mn-cs"/>
-              </a:defRPr>
-            </a:lvl2pPr>
-            <a:lvl3pPr marL="914400" algn="l" defTabSz="457200" rtl="0" eaLnBrk="1" latinLnBrk="0" hangingPunct="1">
-              <a:defRPr sz="1800" kern="1200">
-                <a:solidFill>
-                  <a:schemeClr val="tx1"/>
-                </a:solidFill>
-                <a:latin typeface="+mn-lt"/>
-                <a:ea typeface="+mn-ea"/>
-                <a:cs typeface="+mn-cs"/>
-              </a:defRPr>
-            </a:lvl3pPr>
-            <a:lvl4pPr marL="1371600" algn="l" defTabSz="457200" rtl="0" eaLnBrk="1" latinLnBrk="0" hangingPunct="1">
-              <a:defRPr sz="1800" kern="1200">
-                <a:solidFill>
-                  <a:schemeClr val="tx1"/>
-                </a:solidFill>
-                <a:latin typeface="+mn-lt"/>
-                <a:ea typeface="+mn-ea"/>
-                <a:cs typeface="+mn-cs"/>
-              </a:defRPr>
-            </a:lvl4pPr>
-            <a:lvl5pPr marL="1828800" algn="l" defTabSz="457200" rtl="0" eaLnBrk="1" latinLnBrk="0" hangingPunct="1">
-              <a:defRPr sz="1800" kern="1200">
-                <a:solidFill>
-                  <a:schemeClr val="tx1"/>
-                </a:solidFill>
-                <a:latin typeface="+mn-lt"/>
-                <a:ea typeface="+mn-ea"/>
-                <a:cs typeface="+mn-cs"/>
-              </a:defRPr>
-            </a:lvl5pPr>
-            <a:lvl6pPr marL="2286000" algn="l" defTabSz="457200" rtl="0" eaLnBrk="1" latinLnBrk="0" hangingPunct="1">
-              <a:defRPr sz="1800" kern="1200">
-                <a:solidFill>
-                  <a:schemeClr val="tx1"/>
-                </a:solidFill>
-                <a:latin typeface="+mn-lt"/>
-                <a:ea typeface="+mn-ea"/>
-                <a:cs typeface="+mn-cs"/>
-              </a:defRPr>
-            </a:lvl6pPr>
-            <a:lvl7pPr marL="2743200" algn="l" defTabSz="457200" rtl="0" eaLnBrk="1" latinLnBrk="0" hangingPunct="1">
-              <a:defRPr sz="1800" kern="1200">
-                <a:solidFill>
-                  <a:schemeClr val="tx1"/>
-                </a:solidFill>
-                <a:latin typeface="+mn-lt"/>
-                <a:ea typeface="+mn-ea"/>
-                <a:cs typeface="+mn-cs"/>
-              </a:defRPr>
-            </a:lvl7pPr>
-            <a:lvl8pPr marL="3200400" algn="l" defTabSz="457200" rtl="0" eaLnBrk="1" latinLnBrk="0" hangingPunct="1">
-              <a:defRPr sz="1800" kern="1200">
-                <a:solidFill>
-                  <a:schemeClr val="tx1"/>
-                </a:solidFill>
-                <a:latin typeface="+mn-lt"/>
-                <a:ea typeface="+mn-ea"/>
-                <a:cs typeface="+mn-cs"/>
-              </a:defRPr>
-            </a:lvl8pPr>
-            <a:lvl9pPr marL="3657600" algn="l" defTabSz="457200" rtl="0" eaLnBrk="1" latinLnBrk="0" hangingPunct="1">
-              <a:defRPr sz="1800" kern="1200">
-                <a:solidFill>
-                  <a:schemeClr val="tx1"/>
-                </a:solidFill>
-                <a:latin typeface="+mn-lt"/>
-                <a:ea typeface="+mn-ea"/>
-                <a:cs typeface="+mn-cs"/>
-              </a:defRPr>
-            </a:lvl9pPr>
-          </a:lstStyle>
-          <a:p>
-            <a:r>
-              <a:rPr lang="en-US" dirty="0"/>
-              <a:t>Introduction to </a:t>
-            </a:r>
-            <a:r>
-              <a:rPr lang="en-US" dirty="0" err="1"/>
-              <a:t>.Net</a:t>
-            </a:r>
-            <a:r>
-              <a:rPr lang="en-US" dirty="0"/>
-              <a:t> Core</a:t>
-            </a:r>
-          </a:p>
-        </p:txBody>
-      </p:sp>
-    </p:spTree>
-    <p:extLst>
-      <p:ext uri="{BB962C8B-B14F-4D97-AF65-F5344CB8AC3E}">
-        <p14:creationId xmlns:p14="http://schemas.microsoft.com/office/powerpoint/2010/main" val="655968625"/>
-      </p:ext>
-    </p:extLst>
-  </p:cSld>
-  <p:clrMapOvr>
-    <a:masterClrMapping/>
-  </p:clrMapOvr>
-</p:sld>
-</file>
-
 <file path=ppt/slides/slide17.xml><?xml version="1.0" encoding="utf-8"?>
 <p:sld xmlns:a="http://schemas.openxmlformats.org/drawingml/2006/main" xmlns:r="http://schemas.openxmlformats.org/officeDocument/2006/relationships" xmlns:p="http://schemas.openxmlformats.org/presentationml/2006/main">
   <p:cSld>
@@ -22838,7 +24572,7 @@
 </file>
 
 <file path=ppt/slides/slide38.xml><?xml version="1.0" encoding="utf-8"?>
-<p:sld xmlns:a="http://schemas.openxmlformats.org/drawingml/2006/main" xmlns:r="http://schemas.openxmlformats.org/officeDocument/2006/relationships" xmlns:p="http://schemas.openxmlformats.org/presentationml/2006/main" show="0">
+<p:sld xmlns:a="http://schemas.openxmlformats.org/drawingml/2006/main" xmlns:r="http://schemas.openxmlformats.org/officeDocument/2006/relationships" xmlns:p="http://schemas.openxmlformats.org/presentationml/2006/main">
   <p:cSld>
     <p:spTree>
       <p:nvGrpSpPr>
@@ -23063,7 +24797,7 @@
 </file>
 
 <file path=ppt/slides/slide39.xml><?xml version="1.0" encoding="utf-8"?>
-<p:sld xmlns:a="http://schemas.openxmlformats.org/drawingml/2006/main" xmlns:r="http://schemas.openxmlformats.org/officeDocument/2006/relationships" xmlns:p="http://schemas.openxmlformats.org/presentationml/2006/main" show="0">
+<p:sld xmlns:a="http://schemas.openxmlformats.org/drawingml/2006/main" xmlns:r="http://schemas.openxmlformats.org/officeDocument/2006/relationships" xmlns:p="http://schemas.openxmlformats.org/presentationml/2006/main">
   <p:cSld>
     <p:spTree>
       <p:nvGrpSpPr>
@@ -23743,7 +25477,7 @@
             </a:pPr>
             <a:r>
               <a:rPr lang="en-US" dirty="0"/>
-              <a:t>Host</a:t>
+              <a:t>Startup and Middleware</a:t>
             </a:r>
           </a:p>
           <a:p>
@@ -23753,7 +25487,7 @@
             </a:pPr>
             <a:r>
               <a:rPr lang="en-US" dirty="0"/>
-              <a:t>Web servers</a:t>
+              <a:t>Dependency injection</a:t>
             </a:r>
           </a:p>
           <a:p>
@@ -23773,7 +25507,7 @@
             </a:pPr>
             <a:r>
               <a:rPr lang="en-US" dirty="0"/>
-              <a:t>Startup and Middleware</a:t>
+              <a:t>Host</a:t>
             </a:r>
           </a:p>
           <a:p>
@@ -23783,7 +25517,7 @@
             </a:pPr>
             <a:r>
               <a:rPr lang="en-US" dirty="0"/>
-              <a:t>Dependency injection</a:t>
+              <a:t>Web servers</a:t>
             </a:r>
           </a:p>
           <a:p>
@@ -23958,7 +25692,7 @@
 </file>
 
 <file path=ppt/slides/slide40.xml><?xml version="1.0" encoding="utf-8"?>
-<p:sld xmlns:a="http://schemas.openxmlformats.org/drawingml/2006/main" xmlns:r="http://schemas.openxmlformats.org/officeDocument/2006/relationships" xmlns:p="http://schemas.openxmlformats.org/presentationml/2006/main" show="0">
+<p:sld xmlns:a="http://schemas.openxmlformats.org/drawingml/2006/main" xmlns:r="http://schemas.openxmlformats.org/officeDocument/2006/relationships" xmlns:p="http://schemas.openxmlformats.org/presentationml/2006/main">
   <p:cSld>
     <p:spTree>
       <p:nvGrpSpPr>
@@ -25264,13 +26998,8 @@
             <a:pPr fontAlgn="base"/>
             <a:r>
               <a:rPr lang="en-US" dirty="0"/>
-              <a:t>Testing </a:t>
-            </a:r>
-            <a:r>
-              <a:rPr lang="en-US"/>
-              <a:t>MVC App</a:t>
-            </a:r>
-            <a:endParaRPr lang="en-US" dirty="0"/>
+              <a:t>Testing MVC App</a:t>
+            </a:r>
           </a:p>
         </p:txBody>
       </p:sp>
@@ -25508,15 +27237,7 @@
           <a:p>
             <a:r>
               <a:rPr lang="en-US" dirty="0"/>
-              <a:t>Introduction to </a:t>
-            </a:r>
-            <a:r>
-              <a:rPr lang="en-US" dirty="0" err="1"/>
-              <a:t>.Net</a:t>
-            </a:r>
-            <a:r>
-              <a:rPr lang="en-US" dirty="0"/>
-              <a:t> Core</a:t>
+              <a:t>Intro</a:t>
             </a:r>
           </a:p>
         </p:txBody>
@@ -25574,14 +27295,20 @@
           <a:lstStyle/>
           <a:p>
             <a:r>
-              <a:rPr lang="ro-RO" sz="4000" dirty="0">
+              <a:rPr lang="en-US" sz="4000" dirty="0">
                 <a:solidFill>
                   <a:srgbClr val="002060"/>
                 </a:solidFill>
                 <a:latin typeface="+mj-lt"/>
               </a:rPr>
-              <a:t>What is .Net Core</a:t>
-            </a:r>
+              <a:t>History</a:t>
+            </a:r>
+            <a:endParaRPr lang="ro-RO" sz="4000" dirty="0">
+              <a:solidFill>
+                <a:srgbClr val="002060"/>
+              </a:solidFill>
+              <a:latin typeface="+mj-lt"/>
+            </a:endParaRPr>
           </a:p>
         </p:txBody>
       </p:sp>
@@ -25755,117 +27482,55 @@
         </p:spPr>
         <p:txBody>
           <a:bodyPr>
-            <a:normAutofit lnSpcReduction="10000"/>
+            <a:normAutofit/>
           </a:bodyPr>
           <a:lstStyle/>
           <a:p>
-            <a:pPr marL="342900" indent="-342900">
+            <a:pPr marL="457200" indent="-457200">
               <a:buFont typeface="Arial" panose="020B0604020202020204" pitchFamily="34" charset="0"/>
               <a:buChar char="•"/>
             </a:pPr>
             <a:r>
               <a:rPr lang="en-US" sz="3200" dirty="0">
-                <a:solidFill>
-                  <a:schemeClr val="tx1"/>
-                </a:solidFill>
+                <a:hlinkClick r:id="rId3"/>
               </a:rPr>
-              <a:t>Open-Source</a:t>
-            </a:r>
-          </a:p>
-          <a:p>
-            <a:pPr marL="342900" indent="-342900">
+              <a:t>https://dotnetcore.gaprogman.com/2018/02/23/net-core-history/</a:t>
+            </a:r>
+            <a:endParaRPr lang="en-US" sz="3200" dirty="0"/>
+          </a:p>
+          <a:p>
+            <a:pPr marL="457200" indent="-457200">
               <a:buFont typeface="Arial" panose="020B0604020202020204" pitchFamily="34" charset="0"/>
               <a:buChar char="•"/>
             </a:pPr>
             <a:r>
               <a:rPr lang="en-US" sz="3200" dirty="0">
-                <a:solidFill>
-                  <a:schemeClr val="tx1"/>
-                </a:solidFill>
+                <a:hlinkClick r:id="rId4"/>
               </a:rPr>
-              <a:t>Cross-platform</a:t>
-            </a:r>
-          </a:p>
-          <a:p>
-            <a:pPr marL="342900" indent="-342900">
+              <a:t>https://dotnetcore.show/episode-1-a-brief-history-of-net-core/</a:t>
+            </a:r>
+            <a:endParaRPr lang="en-US" sz="3200" dirty="0"/>
+          </a:p>
+          <a:p>
+            <a:pPr marL="457200" indent="-457200">
               <a:buFont typeface="Arial" panose="020B0604020202020204" pitchFamily="34" charset="0"/>
               <a:buChar char="•"/>
             </a:pPr>
             <a:r>
               <a:rPr lang="en-US" sz="3200" dirty="0">
-                <a:solidFill>
-                  <a:schemeClr val="tx1"/>
-                </a:solidFill>
+                <a:hlinkClick r:id="rId5"/>
               </a:rPr>
-              <a:t>Web applications, IOT apps and mobile </a:t>
-            </a:r>
-            <a:r>
-              <a:rPr lang="en-US" sz="3200" dirty="0" err="1">
-                <a:solidFill>
-                  <a:schemeClr val="tx1"/>
-                </a:solidFill>
-              </a:rPr>
-              <a:t>backends</a:t>
-            </a:r>
-            <a:endParaRPr lang="en-US" sz="3200" dirty="0">
-              <a:solidFill>
-                <a:schemeClr val="tx1"/>
-              </a:solidFill>
-            </a:endParaRPr>
-          </a:p>
-          <a:p>
-            <a:pPr marL="342900" indent="-342900">
-              <a:buFont typeface="Arial" panose="020B0604020202020204" pitchFamily="34" charset="0"/>
-              <a:buChar char="•"/>
-            </a:pPr>
-            <a:r>
-              <a:rPr lang="en-US" sz="3200" dirty="0">
-                <a:solidFill>
-                  <a:schemeClr val="tx1"/>
-                </a:solidFill>
-              </a:rPr>
-              <a:t>Cloud ready </a:t>
-            </a:r>
-          </a:p>
-          <a:p>
-            <a:pPr marL="342900" indent="-342900">
-              <a:buFont typeface="Arial" panose="020B0604020202020204" pitchFamily="34" charset="0"/>
-              <a:buChar char="•"/>
-            </a:pPr>
-            <a:r>
-              <a:rPr lang="en-US" sz="3200" dirty="0">
-                <a:solidFill>
-                  <a:schemeClr val="tx1"/>
-                </a:solidFill>
-              </a:rPr>
-              <a:t>Performance</a:t>
-            </a:r>
-          </a:p>
-          <a:p>
-            <a:pPr marL="342900" indent="-342900">
-              <a:buFont typeface="Arial" panose="020B0604020202020204" pitchFamily="34" charset="0"/>
-              <a:buChar char="•"/>
-            </a:pPr>
-            <a:r>
-              <a:rPr lang="en-US" sz="3200" dirty="0">
-                <a:solidFill>
-                  <a:schemeClr val="tx1"/>
-                </a:solidFill>
-              </a:rPr>
-              <a:t>Built-In Dependency Injection</a:t>
-            </a:r>
-            <a:endParaRPr lang="en-US" sz="3200" dirty="0">
-              <a:solidFill>
-                <a:schemeClr val="tx1"/>
-              </a:solidFill>
-              <a:latin typeface="ADAM" pitchFamily="50" charset="0"/>
-            </a:endParaRPr>
-          </a:p>
-          <a:p>
-            <a:pPr marL="342900" indent="-342900">
-              <a:buFont typeface="Arial" panose="020B0604020202020204" pitchFamily="34" charset="0"/>
-              <a:buChar char="•"/>
-            </a:pPr>
+              <a:t>https://mattwarren.org/images/2018/10/History%20of%20.NET%20Runtimes%20-%20Timeline.png</a:t>
+            </a:r>
+            <a:endParaRPr lang="en-US" sz="3200" dirty="0"/>
+          </a:p>
+          <a:p>
+            <a:endParaRPr lang="en-US" sz="3200" dirty="0"/>
+          </a:p>
+          <a:p>
+            <a:endParaRPr lang="en-US" sz="3200" dirty="0"/>
+          </a:p>
+          <a:p>
             <a:endParaRPr lang="en-US" sz="3200" dirty="0"/>
           </a:p>
           <a:p>
@@ -25905,1444 +27570,7 @@
       </p:grpSpPr>
       <p:sp>
         <p:nvSpPr>
-          <p:cNvPr id="3" name="Text Placeholder 2">
-            <a:extLst>
-              <a:ext uri="{FF2B5EF4-FFF2-40B4-BE49-F238E27FC236}">
-                <a16:creationId xmlns:a16="http://schemas.microsoft.com/office/drawing/2014/main" id="{DDD5A4F8-EF84-4DA4-AE9C-DF74D5C363D3}"/>
-              </a:ext>
-            </a:extLst>
-          </p:cNvPr>
-          <p:cNvSpPr>
-            <a:spLocks noGrp="1"/>
-          </p:cNvSpPr>
-          <p:nvPr>
-            <p:ph type="body" idx="1"/>
-          </p:nvPr>
-        </p:nvSpPr>
-        <p:spPr>
-          <a:xfrm>
-            <a:off x="460119" y="5169881"/>
-            <a:ext cx="8535990" cy="860400"/>
-          </a:xfrm>
-        </p:spPr>
-        <p:txBody>
-          <a:bodyPr/>
-          <a:lstStyle/>
-          <a:p>
-            <a:endParaRPr lang="en-US"/>
-          </a:p>
-        </p:txBody>
-      </p:sp>
-      <p:sp>
-        <p:nvSpPr>
-          <p:cNvPr id="4" name="Rectangle 3">
-            <a:extLst>
-              <a:ext uri="{FF2B5EF4-FFF2-40B4-BE49-F238E27FC236}">
-                <a16:creationId xmlns:a16="http://schemas.microsoft.com/office/drawing/2014/main" id="{D408B5ED-24FD-4E25-909F-248AB7809FAE}"/>
-              </a:ext>
-            </a:extLst>
-          </p:cNvPr>
-          <p:cNvSpPr/>
-          <p:nvPr/>
-        </p:nvSpPr>
-        <p:spPr bwMode="auto">
-          <a:xfrm>
-            <a:off x="6408918" y="1404147"/>
-            <a:ext cx="2912968" cy="2086084"/>
-          </a:xfrm>
-          <a:prstGeom prst="rect">
-            <a:avLst/>
-          </a:prstGeom>
-          <a:solidFill>
-            <a:srgbClr val="505050"/>
-          </a:solidFill>
-          <a:ln w="25400" cap="flat" cmpd="sng" algn="ctr">
-            <a:noFill/>
-            <a:prstDash val="solid"/>
-            <a:headEnd type="none" w="med" len="med"/>
-            <a:tailEnd type="none" w="med" len="med"/>
-          </a:ln>
-          <a:effectLst/>
-        </p:spPr>
-        <p:txBody>
-          <a:bodyPr vert="horz" wrap="square" lIns="179259" tIns="143407" rIns="179259" bIns="143407" numCol="1" rtlCol="0" anchor="ctr" anchorCtr="0" compatLnSpc="1">
-            <a:prstTxWarp prst="textNoShape">
-              <a:avLst/>
-            </a:prstTxWarp>
-          </a:bodyPr>
-          <a:lstStyle/>
-          <a:p>
-            <a:pPr algn="ctr" defTabSz="894448">
-              <a:lnSpc>
-                <a:spcPct val="90000"/>
-              </a:lnSpc>
-            </a:pPr>
-            <a:endParaRPr lang="en-US" sz="1961" kern="0" dirty="0">
-              <a:gradFill>
-                <a:gsLst>
-                  <a:gs pos="0">
-                    <a:srgbClr val="FFFFFF"/>
-                  </a:gs>
-                  <a:gs pos="100000">
-                    <a:srgbClr val="FFFFFF"/>
-                  </a:gs>
-                </a:gsLst>
-                <a:lin ang="5400000" scaled="1"/>
-              </a:gradFill>
-              <a:latin typeface="Segoe UI Semibold" panose="020B0702040204020203" pitchFamily="34" charset="0"/>
-              <a:cs typeface="Segoe UI Semibold" panose="020B0702040204020203" pitchFamily="34" charset="0"/>
-            </a:endParaRPr>
-          </a:p>
-          <a:p>
-            <a:pPr algn="ctr" defTabSz="894448">
-              <a:lnSpc>
-                <a:spcPct val="90000"/>
-              </a:lnSpc>
-            </a:pPr>
-            <a:r>
-              <a:rPr lang="en-US" sz="1961" kern="0" dirty="0">
-                <a:gradFill>
-                  <a:gsLst>
-                    <a:gs pos="0">
-                      <a:srgbClr val="FFFFFF"/>
-                    </a:gs>
-                    <a:gs pos="100000">
-                      <a:srgbClr val="FFFFFF"/>
-                    </a:gs>
-                  </a:gsLst>
-                  <a:lin ang="5400000" scaled="1"/>
-                </a:gradFill>
-                <a:latin typeface="Segoe UI Semibold" panose="020B0702040204020203" pitchFamily="34" charset="0"/>
-                <a:cs typeface="Segoe UI Semibold" panose="020B0702040204020203" pitchFamily="34" charset="0"/>
-              </a:rPr>
-              <a:t>XAMARIN</a:t>
-            </a:r>
-          </a:p>
-        </p:txBody>
-      </p:sp>
-      <p:sp>
-        <p:nvSpPr>
-          <p:cNvPr id="5" name="Rectangle 4">
-            <a:extLst>
-              <a:ext uri="{FF2B5EF4-FFF2-40B4-BE49-F238E27FC236}">
-                <a16:creationId xmlns:a16="http://schemas.microsoft.com/office/drawing/2014/main" id="{22ED789D-9DE5-4C90-B80E-A2D998F3C741}"/>
-              </a:ext>
-            </a:extLst>
-          </p:cNvPr>
-          <p:cNvSpPr/>
-          <p:nvPr/>
-        </p:nvSpPr>
-        <p:spPr bwMode="auto">
-          <a:xfrm>
-            <a:off x="493418" y="1404146"/>
-            <a:ext cx="2912968" cy="2086084"/>
-          </a:xfrm>
-          <a:prstGeom prst="rect">
-            <a:avLst/>
-          </a:prstGeom>
-          <a:solidFill>
-            <a:srgbClr val="D83B01"/>
-          </a:solidFill>
-          <a:ln w="25400" cap="flat" cmpd="sng" algn="ctr">
-            <a:noFill/>
-            <a:prstDash val="solid"/>
-            <a:headEnd type="none" w="med" len="med"/>
-            <a:tailEnd type="none" w="med" len="med"/>
-          </a:ln>
-          <a:effectLst/>
-        </p:spPr>
-        <p:txBody>
-          <a:bodyPr vert="horz" wrap="square" lIns="179259" tIns="143407" rIns="179259" bIns="143407" numCol="1" rtlCol="0" anchor="ctr" anchorCtr="0" compatLnSpc="1">
-            <a:prstTxWarp prst="textNoShape">
-              <a:avLst/>
-            </a:prstTxWarp>
-          </a:bodyPr>
-          <a:lstStyle/>
-          <a:p>
-            <a:pPr algn="ctr" defTabSz="894448">
-              <a:lnSpc>
-                <a:spcPct val="90000"/>
-              </a:lnSpc>
-            </a:pPr>
-            <a:endParaRPr lang="en-US" sz="1961" kern="0" dirty="0">
-              <a:gradFill>
-                <a:gsLst>
-                  <a:gs pos="0">
-                    <a:srgbClr val="FFFFFF"/>
-                  </a:gs>
-                  <a:gs pos="100000">
-                    <a:srgbClr val="FFFFFF"/>
-                  </a:gs>
-                </a:gsLst>
-                <a:lin ang="5400000" scaled="1"/>
-              </a:gradFill>
-              <a:latin typeface="Segoe UI Semibold" panose="020B0702040204020203" pitchFamily="34" charset="0"/>
-              <a:cs typeface="Segoe UI Semibold" panose="020B0702040204020203" pitchFamily="34" charset="0"/>
-            </a:endParaRPr>
-          </a:p>
-          <a:p>
-            <a:pPr algn="ctr" defTabSz="894448">
-              <a:lnSpc>
-                <a:spcPct val="90000"/>
-              </a:lnSpc>
-            </a:pPr>
-            <a:endParaRPr lang="en-US" sz="1961" kern="0" dirty="0">
-              <a:gradFill>
-                <a:gsLst>
-                  <a:gs pos="0">
-                    <a:srgbClr val="FFFFFF"/>
-                  </a:gs>
-                  <a:gs pos="100000">
-                    <a:srgbClr val="FFFFFF"/>
-                  </a:gs>
-                </a:gsLst>
-                <a:lin ang="5400000" scaled="1"/>
-              </a:gradFill>
-              <a:latin typeface="Segoe UI Semibold" panose="020B0702040204020203" pitchFamily="34" charset="0"/>
-              <a:cs typeface="Segoe UI Semibold" panose="020B0702040204020203" pitchFamily="34" charset="0"/>
-            </a:endParaRPr>
-          </a:p>
-          <a:p>
-            <a:pPr algn="ctr" defTabSz="894448">
-              <a:lnSpc>
-                <a:spcPct val="90000"/>
-              </a:lnSpc>
-            </a:pPr>
-            <a:r>
-              <a:rPr lang="en-US" sz="1961" kern="0" dirty="0">
-                <a:gradFill>
-                  <a:gsLst>
-                    <a:gs pos="0">
-                      <a:srgbClr val="FFFFFF"/>
-                    </a:gs>
-                    <a:gs pos="100000">
-                      <a:srgbClr val="FFFFFF"/>
-                    </a:gs>
-                  </a:gsLst>
-                  <a:lin ang="5400000" scaled="1"/>
-                </a:gradFill>
-                <a:latin typeface="Segoe UI Semibold" panose="020B0702040204020203" pitchFamily="34" charset="0"/>
-                <a:cs typeface="Segoe UI Semibold" panose="020B0702040204020203" pitchFamily="34" charset="0"/>
-              </a:rPr>
-              <a:t>.NET FRAMEWORK</a:t>
-            </a:r>
-          </a:p>
-          <a:p>
-            <a:pPr algn="ctr" defTabSz="894448">
-              <a:lnSpc>
-                <a:spcPct val="90000"/>
-              </a:lnSpc>
-            </a:pPr>
-            <a:r>
-              <a:rPr lang="en-US" sz="1961" kern="0" dirty="0">
-                <a:gradFill>
-                  <a:gsLst>
-                    <a:gs pos="0">
-                      <a:srgbClr val="FFFFFF"/>
-                    </a:gs>
-                    <a:gs pos="100000">
-                      <a:srgbClr val="FFFFFF"/>
-                    </a:gs>
-                  </a:gsLst>
-                  <a:lin ang="5400000" scaled="1"/>
-                </a:gradFill>
-                <a:latin typeface="Segoe UI Semibold" panose="020B0702040204020203" pitchFamily="34" charset="0"/>
-                <a:cs typeface="Segoe UI Semibold" panose="020B0702040204020203" pitchFamily="34" charset="0"/>
-              </a:rPr>
-              <a:t>WINDOWS UWP</a:t>
-            </a:r>
-          </a:p>
-          <a:p>
-            <a:pPr algn="ctr" defTabSz="894448">
-              <a:lnSpc>
-                <a:spcPct val="90000"/>
-              </a:lnSpc>
-            </a:pPr>
-            <a:endParaRPr lang="en-US" sz="1961" kern="0" dirty="0">
-              <a:gradFill>
-                <a:gsLst>
-                  <a:gs pos="0">
-                    <a:srgbClr val="FFFFFF"/>
-                  </a:gs>
-                  <a:gs pos="100000">
-                    <a:srgbClr val="FFFFFF"/>
-                  </a:gs>
-                </a:gsLst>
-                <a:lin ang="5400000" scaled="1"/>
-              </a:gradFill>
-              <a:latin typeface="Segoe UI Semibold" panose="020B0702040204020203" pitchFamily="34" charset="0"/>
-              <a:cs typeface="Segoe UI Semibold" panose="020B0702040204020203" pitchFamily="34" charset="0"/>
-            </a:endParaRPr>
-          </a:p>
-        </p:txBody>
-      </p:sp>
-      <p:sp>
-        <p:nvSpPr>
-          <p:cNvPr id="6" name="Rectangle 5">
-            <a:extLst>
-              <a:ext uri="{FF2B5EF4-FFF2-40B4-BE49-F238E27FC236}">
-                <a16:creationId xmlns:a16="http://schemas.microsoft.com/office/drawing/2014/main" id="{2F528411-F8F1-450D-93A7-F78162FFC2A0}"/>
-              </a:ext>
-            </a:extLst>
-          </p:cNvPr>
-          <p:cNvSpPr/>
-          <p:nvPr/>
-        </p:nvSpPr>
-        <p:spPr bwMode="auto">
-          <a:xfrm>
-            <a:off x="3451167" y="1404146"/>
-            <a:ext cx="2912968" cy="2086084"/>
-          </a:xfrm>
-          <a:prstGeom prst="rect">
-            <a:avLst/>
-          </a:prstGeom>
-          <a:solidFill>
-            <a:srgbClr val="0078D7"/>
-          </a:solidFill>
-          <a:ln w="25400" cap="flat" cmpd="sng" algn="ctr">
-            <a:noFill/>
-            <a:prstDash val="solid"/>
-            <a:headEnd type="none" w="med" len="med"/>
-            <a:tailEnd type="none" w="med" len="med"/>
-          </a:ln>
-          <a:effectLst/>
-        </p:spPr>
-        <p:txBody>
-          <a:bodyPr vert="horz" wrap="square" lIns="179259" tIns="143407" rIns="179259" bIns="143407" numCol="1" rtlCol="0" anchor="ctr" anchorCtr="0" compatLnSpc="1">
-            <a:prstTxWarp prst="textNoShape">
-              <a:avLst/>
-            </a:prstTxWarp>
-          </a:bodyPr>
-          <a:lstStyle/>
-          <a:p>
-            <a:pPr algn="ctr" defTabSz="894448">
-              <a:lnSpc>
-                <a:spcPct val="90000"/>
-              </a:lnSpc>
-            </a:pPr>
-            <a:endParaRPr lang="en-US" sz="1961" kern="0" dirty="0">
-              <a:gradFill>
-                <a:gsLst>
-                  <a:gs pos="0">
-                    <a:srgbClr val="FFFFFF"/>
-                  </a:gs>
-                  <a:gs pos="100000">
-                    <a:srgbClr val="FFFFFF"/>
-                  </a:gs>
-                </a:gsLst>
-                <a:lin ang="5400000" scaled="1"/>
-              </a:gradFill>
-              <a:latin typeface="Segoe UI Semibold" panose="020B0702040204020203" pitchFamily="34" charset="0"/>
-              <a:cs typeface="Segoe UI Semibold" panose="020B0702040204020203" pitchFamily="34" charset="0"/>
-            </a:endParaRPr>
-          </a:p>
-          <a:p>
-            <a:pPr algn="ctr" defTabSz="894448">
-              <a:lnSpc>
-                <a:spcPct val="90000"/>
-              </a:lnSpc>
-            </a:pPr>
-            <a:r>
-              <a:rPr lang="en-US" sz="1961" kern="0" dirty="0">
-                <a:gradFill>
-                  <a:gsLst>
-                    <a:gs pos="0">
-                      <a:srgbClr val="FFFFFF"/>
-                    </a:gs>
-                    <a:gs pos="100000">
-                      <a:srgbClr val="FFFFFF"/>
-                    </a:gs>
-                  </a:gsLst>
-                  <a:lin ang="5400000" scaled="1"/>
-                </a:gradFill>
-                <a:latin typeface="Segoe UI Semibold" panose="020B0702040204020203" pitchFamily="34" charset="0"/>
-                <a:cs typeface="Segoe UI Semibold" panose="020B0702040204020203" pitchFamily="34" charset="0"/>
-              </a:rPr>
-              <a:t>.NET CORE</a:t>
-            </a:r>
-          </a:p>
-          <a:p>
-            <a:pPr algn="ctr" defTabSz="894448">
-              <a:lnSpc>
-                <a:spcPct val="90000"/>
-              </a:lnSpc>
-            </a:pPr>
-            <a:r>
-              <a:rPr lang="en-US" sz="1961" kern="0" dirty="0">
-                <a:gradFill>
-                  <a:gsLst>
-                    <a:gs pos="0">
-                      <a:srgbClr val="FFFFFF"/>
-                    </a:gs>
-                    <a:gs pos="100000">
-                      <a:srgbClr val="FFFFFF"/>
-                    </a:gs>
-                  </a:gsLst>
-                  <a:lin ang="5400000" scaled="1"/>
-                </a:gradFill>
-                <a:latin typeface="Segoe UI Semibold" panose="020B0702040204020203" pitchFamily="34" charset="0"/>
-                <a:cs typeface="Segoe UI Semibold" panose="020B0702040204020203" pitchFamily="34" charset="0"/>
-              </a:rPr>
-              <a:t>ASP.NET</a:t>
-            </a:r>
-          </a:p>
-        </p:txBody>
-      </p:sp>
-      <p:sp>
-        <p:nvSpPr>
-          <p:cNvPr id="8" name="TextBox 7">
-            <a:extLst>
-              <a:ext uri="{FF2B5EF4-FFF2-40B4-BE49-F238E27FC236}">
-                <a16:creationId xmlns:a16="http://schemas.microsoft.com/office/drawing/2014/main" id="{E404023E-46EB-42FF-864F-A91CE8CF7BDD}"/>
-              </a:ext>
-            </a:extLst>
-          </p:cNvPr>
-          <p:cNvSpPr txBox="1"/>
-          <p:nvPr/>
-        </p:nvSpPr>
-        <p:spPr>
-          <a:xfrm>
-            <a:off x="493354" y="5099526"/>
-            <a:ext cx="8828532" cy="1503126"/>
-          </a:xfrm>
-          <a:prstGeom prst="rect">
-            <a:avLst/>
-          </a:prstGeom>
-          <a:solidFill>
-            <a:srgbClr val="D2D2D2"/>
-          </a:solidFill>
-        </p:spPr>
-        <p:txBody>
-          <a:bodyPr wrap="square" lIns="179259" tIns="143407" rIns="179259" bIns="143407" rtlCol="0" anchor="ctr">
-            <a:noAutofit/>
-          </a:bodyPr>
-          <a:lstStyle/>
-          <a:p>
-            <a:pPr algn="ctr" defTabSz="896042">
-              <a:lnSpc>
-                <a:spcPct val="90000"/>
-              </a:lnSpc>
-              <a:defRPr/>
-            </a:pPr>
-            <a:endParaRPr lang="en-US" sz="1567" kern="0" dirty="0">
-              <a:solidFill>
-                <a:sysClr val="windowText" lastClr="000000"/>
-              </a:solidFill>
-              <a:latin typeface="Segoe UI Semilight" panose="020B0402040204020203" pitchFamily="34" charset="0"/>
-              <a:cs typeface="Segoe UI Semilight" panose="020B0402040204020203" pitchFamily="34" charset="0"/>
-            </a:endParaRPr>
-          </a:p>
-        </p:txBody>
-      </p:sp>
-      <p:sp>
-        <p:nvSpPr>
-          <p:cNvPr id="9" name="TextBox 8">
-            <a:extLst>
-              <a:ext uri="{FF2B5EF4-FFF2-40B4-BE49-F238E27FC236}">
-                <a16:creationId xmlns:a16="http://schemas.microsoft.com/office/drawing/2014/main" id="{BE5EEA4F-CB17-4E88-8EB8-7571C603CAB0}"/>
-              </a:ext>
-            </a:extLst>
-          </p:cNvPr>
-          <p:cNvSpPr txBox="1"/>
-          <p:nvPr/>
-        </p:nvSpPr>
-        <p:spPr>
-          <a:xfrm>
-            <a:off x="582619" y="5796335"/>
-            <a:ext cx="2733708" cy="537778"/>
-          </a:xfrm>
-          <a:prstGeom prst="rect">
-            <a:avLst/>
-          </a:prstGeom>
-          <a:solidFill>
-            <a:srgbClr val="000000">
-              <a:alpha val="10196"/>
-            </a:srgbClr>
-          </a:solidFill>
-        </p:spPr>
-        <p:txBody>
-          <a:bodyPr wrap="square" lIns="179259" tIns="143407" rIns="179259" bIns="143407" rtlCol="0" anchor="ctr">
-            <a:noAutofit/>
-          </a:bodyPr>
-          <a:lstStyle>
-            <a:defPPr>
-              <a:defRPr lang="en-US"/>
-            </a:defPPr>
-            <a:lvl1pPr algn="ctr" defTabSz="914224">
-              <a:lnSpc>
-                <a:spcPct val="90000"/>
-              </a:lnSpc>
-              <a:defRPr sz="1600" kern="0">
-                <a:solidFill>
-                  <a:sysClr val="windowText" lastClr="000000"/>
-                </a:solidFill>
-                <a:latin typeface="Segoe UI Semibold" panose="020B0702040204020203" pitchFamily="34" charset="0"/>
-                <a:cs typeface="Segoe UI Semibold" panose="020B0702040204020203" pitchFamily="34" charset="0"/>
-              </a:defRPr>
-            </a:lvl1pPr>
-          </a:lstStyle>
-          <a:p>
-            <a:pPr defTabSz="914048">
-              <a:defRPr/>
-            </a:pPr>
-            <a:r>
-              <a:rPr lang="en-US" sz="1567" b="1" dirty="0">
-                <a:gradFill>
-                  <a:gsLst>
-                    <a:gs pos="2804">
-                      <a:srgbClr val="505050"/>
-                    </a:gs>
-                    <a:gs pos="26000">
-                      <a:srgbClr val="505050"/>
-                    </a:gs>
-                  </a:gsLst>
-                  <a:lin ang="5400000" scaled="1"/>
-                </a:gradFill>
-                <a:latin typeface="Segoe UI"/>
-                <a:cs typeface="Segoe UI Semilight" panose="020B0402040204020203" pitchFamily="34" charset="0"/>
-              </a:rPr>
-              <a:t>Compilers</a:t>
-            </a:r>
-          </a:p>
-        </p:txBody>
-      </p:sp>
-      <p:sp>
-        <p:nvSpPr>
-          <p:cNvPr id="10" name="TextBox 9">
-            <a:extLst>
-              <a:ext uri="{FF2B5EF4-FFF2-40B4-BE49-F238E27FC236}">
-                <a16:creationId xmlns:a16="http://schemas.microsoft.com/office/drawing/2014/main" id="{1A45DAFF-FDF8-464D-BB52-8AF7644784C4}"/>
-              </a:ext>
-            </a:extLst>
-          </p:cNvPr>
-          <p:cNvSpPr txBox="1"/>
-          <p:nvPr/>
-        </p:nvSpPr>
-        <p:spPr>
-          <a:xfrm>
-            <a:off x="3540401" y="5796335"/>
-            <a:ext cx="2733708" cy="537778"/>
-          </a:xfrm>
-          <a:prstGeom prst="rect">
-            <a:avLst/>
-          </a:prstGeom>
-          <a:solidFill>
-            <a:srgbClr val="000000">
-              <a:alpha val="10196"/>
-            </a:srgbClr>
-          </a:solidFill>
-        </p:spPr>
-        <p:txBody>
-          <a:bodyPr wrap="square" lIns="179259" tIns="143407" rIns="179259" bIns="143407" rtlCol="0" anchor="ctr">
-            <a:noAutofit/>
-          </a:bodyPr>
-          <a:lstStyle>
-            <a:defPPr>
-              <a:defRPr lang="en-US"/>
-            </a:defPPr>
-            <a:lvl1pPr algn="ctr" defTabSz="914224">
-              <a:lnSpc>
-                <a:spcPct val="90000"/>
-              </a:lnSpc>
-              <a:defRPr sz="1600" b="1" kern="0">
-                <a:gradFill>
-                  <a:gsLst>
-                    <a:gs pos="2804">
-                      <a:srgbClr val="505050"/>
-                    </a:gs>
-                    <a:gs pos="26000">
-                      <a:srgbClr val="505050"/>
-                    </a:gs>
-                  </a:gsLst>
-                  <a:lin ang="5400000" scaled="1"/>
-                </a:gradFill>
-                <a:cs typeface="Segoe UI Semilight" panose="020B0402040204020203" pitchFamily="34" charset="0"/>
-              </a:defRPr>
-            </a:lvl1pPr>
-          </a:lstStyle>
-          <a:p>
-            <a:pPr defTabSz="914048">
-              <a:defRPr/>
-            </a:pPr>
-            <a:r>
-              <a:rPr lang="en-US" sz="1567" dirty="0"/>
-              <a:t>Languages</a:t>
-            </a:r>
-          </a:p>
-        </p:txBody>
-      </p:sp>
-      <p:sp>
-        <p:nvSpPr>
-          <p:cNvPr id="11" name="TextBox 10">
-            <a:extLst>
-              <a:ext uri="{FF2B5EF4-FFF2-40B4-BE49-F238E27FC236}">
-                <a16:creationId xmlns:a16="http://schemas.microsoft.com/office/drawing/2014/main" id="{EAFC3CC7-FECD-44CC-ABB1-025B98FBE8ED}"/>
-              </a:ext>
-            </a:extLst>
-          </p:cNvPr>
-          <p:cNvSpPr txBox="1"/>
-          <p:nvPr/>
-        </p:nvSpPr>
-        <p:spPr>
-          <a:xfrm>
-            <a:off x="6498184" y="5796335"/>
-            <a:ext cx="2733708" cy="537778"/>
-          </a:xfrm>
-          <a:prstGeom prst="rect">
-            <a:avLst/>
-          </a:prstGeom>
-          <a:solidFill>
-            <a:srgbClr val="000000">
-              <a:alpha val="10196"/>
-            </a:srgbClr>
-          </a:solidFill>
-        </p:spPr>
-        <p:txBody>
-          <a:bodyPr wrap="square" lIns="179259" tIns="143407" rIns="179259" bIns="143407" rtlCol="0" anchor="ctr">
-            <a:noAutofit/>
-          </a:bodyPr>
-          <a:lstStyle>
-            <a:defPPr>
-              <a:defRPr lang="en-US"/>
-            </a:defPPr>
-            <a:lvl1pPr algn="ctr" defTabSz="914224">
-              <a:lnSpc>
-                <a:spcPct val="90000"/>
-              </a:lnSpc>
-              <a:defRPr sz="1600" b="1" kern="0">
-                <a:gradFill>
-                  <a:gsLst>
-                    <a:gs pos="2804">
-                      <a:srgbClr val="505050"/>
-                    </a:gs>
-                    <a:gs pos="26000">
-                      <a:srgbClr val="505050"/>
-                    </a:gs>
-                  </a:gsLst>
-                  <a:lin ang="5400000" scaled="1"/>
-                </a:gradFill>
-                <a:cs typeface="Segoe UI Semilight" panose="020B0402040204020203" pitchFamily="34" charset="0"/>
-              </a:defRPr>
-            </a:lvl1pPr>
-          </a:lstStyle>
-          <a:p>
-            <a:pPr defTabSz="914048">
-              <a:defRPr/>
-            </a:pPr>
-            <a:r>
-              <a:rPr lang="en-US" sz="1567" dirty="0"/>
-              <a:t>Runtime components</a:t>
-            </a:r>
-          </a:p>
-        </p:txBody>
-      </p:sp>
-      <p:sp>
-        <p:nvSpPr>
-          <p:cNvPr id="12" name="TextBox 11">
-            <a:extLst>
-              <a:ext uri="{FF2B5EF4-FFF2-40B4-BE49-F238E27FC236}">
-                <a16:creationId xmlns:a16="http://schemas.microsoft.com/office/drawing/2014/main" id="{5311A7B0-B938-4BBC-AD55-5BA7330C529B}"/>
-              </a:ext>
-            </a:extLst>
-          </p:cNvPr>
-          <p:cNvSpPr txBox="1"/>
-          <p:nvPr/>
-        </p:nvSpPr>
-        <p:spPr>
-          <a:xfrm>
-            <a:off x="493354" y="5075813"/>
-            <a:ext cx="8828532" cy="403334"/>
-          </a:xfrm>
-          <a:prstGeom prst="rect">
-            <a:avLst/>
-          </a:prstGeom>
-          <a:solidFill>
-            <a:srgbClr val="000000">
-              <a:alpha val="10196"/>
-            </a:srgbClr>
-          </a:solidFill>
-        </p:spPr>
-        <p:txBody>
-          <a:bodyPr wrap="square" lIns="179259" tIns="143407" rIns="179259" bIns="143407" rtlCol="0" anchor="ctr">
-            <a:noAutofit/>
-          </a:bodyPr>
-          <a:lstStyle>
-            <a:defPPr>
-              <a:defRPr lang="en-US"/>
-            </a:defPPr>
-            <a:lvl1pPr algn="ctr" defTabSz="914224">
-              <a:lnSpc>
-                <a:spcPct val="90000"/>
-              </a:lnSpc>
-              <a:defRPr sz="1600" b="1" kern="0">
-                <a:gradFill>
-                  <a:gsLst>
-                    <a:gs pos="2804">
-                      <a:srgbClr val="505050"/>
-                    </a:gs>
-                    <a:gs pos="26000">
-                      <a:srgbClr val="505050"/>
-                    </a:gs>
-                  </a:gsLst>
-                  <a:lin ang="5400000" scaled="1"/>
-                </a:gradFill>
-                <a:cs typeface="Segoe UI Semilight" panose="020B0402040204020203" pitchFamily="34" charset="0"/>
-              </a:defRPr>
-            </a:lvl1pPr>
-          </a:lstStyle>
-          <a:p>
-            <a:pPr defTabSz="914048">
-              <a:defRPr/>
-            </a:pPr>
-            <a:r>
-              <a:rPr lang="en-US" sz="1567" dirty="0"/>
-              <a:t>COMMON INFRASTRUCTURE</a:t>
-            </a:r>
-          </a:p>
-        </p:txBody>
-      </p:sp>
-      <p:sp>
-        <p:nvSpPr>
-          <p:cNvPr id="13" name="TextBox 12">
-            <a:extLst>
-              <a:ext uri="{FF2B5EF4-FFF2-40B4-BE49-F238E27FC236}">
-                <a16:creationId xmlns:a16="http://schemas.microsoft.com/office/drawing/2014/main" id="{B064E4EC-34D1-49CD-B705-4F9897D25DB5}"/>
-              </a:ext>
-            </a:extLst>
-          </p:cNvPr>
-          <p:cNvSpPr txBox="1"/>
-          <p:nvPr/>
-        </p:nvSpPr>
-        <p:spPr>
-          <a:xfrm>
-            <a:off x="493355" y="3600265"/>
-            <a:ext cx="8828532" cy="1389227"/>
-          </a:xfrm>
-          <a:prstGeom prst="rect">
-            <a:avLst/>
-          </a:prstGeom>
-          <a:solidFill>
-            <a:srgbClr val="FF8C00"/>
-          </a:solidFill>
-        </p:spPr>
-        <p:txBody>
-          <a:bodyPr wrap="square" lIns="179259" tIns="143407" rIns="179259" bIns="143407" rtlCol="0" anchor="ctr">
-            <a:noAutofit/>
-          </a:bodyPr>
-          <a:lstStyle>
-            <a:defPPr>
-              <a:defRPr lang="en-US"/>
-            </a:defPPr>
-            <a:lvl1pPr algn="ctr" defTabSz="914224">
-              <a:lnSpc>
-                <a:spcPct val="90000"/>
-              </a:lnSpc>
-              <a:defRPr sz="2000" kern="0">
-                <a:gradFill>
-                  <a:gsLst>
-                    <a:gs pos="1250">
-                      <a:srgbClr val="FFFFFF"/>
-                    </a:gs>
-                    <a:gs pos="100000">
-                      <a:srgbClr val="FFFFFF"/>
-                    </a:gs>
-                  </a:gsLst>
-                  <a:lin ang="5400000" scaled="0"/>
-                </a:gradFill>
-                <a:latin typeface="Segoe UI Semibold" panose="020B0702040204020203" pitchFamily="34" charset="0"/>
-                <a:cs typeface="Segoe UI Semibold" panose="020B0702040204020203" pitchFamily="34" charset="0"/>
-              </a:defRPr>
-            </a:lvl1pPr>
-          </a:lstStyle>
-          <a:p>
-            <a:pPr defTabSz="914048">
-              <a:defRPr/>
-            </a:pPr>
-            <a:r>
-              <a:rPr lang="en-US" sz="1961" b="1" dirty="0">
-                <a:solidFill>
-                  <a:schemeClr val="bg1"/>
-                </a:solidFill>
-                <a:latin typeface="Segoe UI"/>
-              </a:rPr>
-              <a:t>.NET STANDARD LIBRARY</a:t>
-            </a:r>
-          </a:p>
-        </p:txBody>
-      </p:sp>
-      <p:grpSp>
-        <p:nvGrpSpPr>
-          <p:cNvPr id="14" name="Group 13">
-            <a:extLst>
-              <a:ext uri="{FF2B5EF4-FFF2-40B4-BE49-F238E27FC236}">
-                <a16:creationId xmlns:a16="http://schemas.microsoft.com/office/drawing/2014/main" id="{7BFC6E8D-43B5-43AB-A701-B42B9AC1CB3D}"/>
-              </a:ext>
-            </a:extLst>
-          </p:cNvPr>
-          <p:cNvGrpSpPr/>
-          <p:nvPr/>
-        </p:nvGrpSpPr>
-        <p:grpSpPr>
-          <a:xfrm>
-            <a:off x="9411153" y="1404147"/>
-            <a:ext cx="1927041" cy="5195531"/>
-            <a:chOff x="7489548" y="1582077"/>
-            <a:chExt cx="1929967" cy="5197742"/>
-          </a:xfrm>
-          <a:solidFill>
-            <a:srgbClr val="FFFFFF">
-              <a:lumMod val="85000"/>
-            </a:srgbClr>
-          </a:solidFill>
-        </p:grpSpPr>
-        <p:sp>
-          <p:nvSpPr>
-            <p:cNvPr id="15" name="Rectangle 14">
-              <a:extLst>
-                <a:ext uri="{FF2B5EF4-FFF2-40B4-BE49-F238E27FC236}">
-                  <a16:creationId xmlns:a16="http://schemas.microsoft.com/office/drawing/2014/main" id="{3D9C6A5F-48E5-43A9-AC82-8B54A9E19562}"/>
-                </a:ext>
-              </a:extLst>
-            </p:cNvPr>
-            <p:cNvSpPr/>
-            <p:nvPr/>
-          </p:nvSpPr>
-          <p:spPr bwMode="auto">
-            <a:xfrm>
-              <a:off x="7489549" y="1582078"/>
-              <a:ext cx="1929966" cy="5197741"/>
-            </a:xfrm>
-            <a:prstGeom prst="rect">
-              <a:avLst/>
-            </a:prstGeom>
-            <a:grpFill/>
-            <a:ln w="25400" cap="flat" cmpd="sng" algn="ctr">
-              <a:noFill/>
-              <a:prstDash val="solid"/>
-              <a:headEnd type="none" w="med" len="med"/>
-              <a:tailEnd type="none" w="med" len="med"/>
-            </a:ln>
-            <a:effectLst/>
-          </p:spPr>
-          <p:txBody>
-            <a:bodyPr vert="horz" wrap="square" lIns="179259" tIns="143407" rIns="179259" bIns="143407" numCol="1" rtlCol="0" anchor="t" anchorCtr="0" compatLnSpc="1">
-              <a:prstTxWarp prst="textNoShape">
-                <a:avLst/>
-              </a:prstTxWarp>
-            </a:bodyPr>
-            <a:lstStyle/>
-            <a:p>
-              <a:pPr defTabSz="894448">
-                <a:defRPr/>
-              </a:pPr>
-              <a:r>
-                <a:rPr lang="en-US" sz="2742" kern="0" dirty="0">
-                  <a:gradFill>
-                    <a:gsLst>
-                      <a:gs pos="14679">
-                        <a:srgbClr val="FFFFFF"/>
-                      </a:gs>
-                      <a:gs pos="38000">
-                        <a:srgbClr val="FFFFFF"/>
-                      </a:gs>
-                    </a:gsLst>
-                    <a:lin ang="5400000" scaled="1"/>
-                  </a:gradFill>
-                  <a:latin typeface="Segoe UI Light"/>
-                </a:rPr>
-                <a:t> </a:t>
-              </a:r>
-            </a:p>
-          </p:txBody>
-        </p:sp>
-        <p:sp>
-          <p:nvSpPr>
-            <p:cNvPr id="16" name="TextBox 15">
-              <a:extLst>
-                <a:ext uri="{FF2B5EF4-FFF2-40B4-BE49-F238E27FC236}">
-                  <a16:creationId xmlns:a16="http://schemas.microsoft.com/office/drawing/2014/main" id="{58910EB5-DBEE-45D6-8632-049675C7875D}"/>
-                </a:ext>
-              </a:extLst>
-            </p:cNvPr>
-            <p:cNvSpPr txBox="1"/>
-            <p:nvPr/>
-          </p:nvSpPr>
-          <p:spPr>
-            <a:xfrm>
-              <a:off x="7489548" y="1582077"/>
-              <a:ext cx="1929965" cy="627675"/>
-            </a:xfrm>
-            <a:prstGeom prst="rect">
-              <a:avLst/>
-            </a:prstGeom>
-            <a:solidFill>
-              <a:srgbClr val="000000">
-                <a:alpha val="10196"/>
-              </a:srgbClr>
-            </a:solidFill>
-          </p:spPr>
-          <p:txBody>
-            <a:bodyPr wrap="square" lIns="179259" tIns="143407" rIns="179259" bIns="143407" rtlCol="0" anchor="ctr">
-              <a:noAutofit/>
-            </a:bodyPr>
-            <a:lstStyle>
-              <a:defPPr>
-                <a:defRPr lang="en-US"/>
-              </a:defPPr>
-              <a:lvl1pPr algn="ctr" defTabSz="914224">
-                <a:lnSpc>
-                  <a:spcPct val="90000"/>
-                </a:lnSpc>
-                <a:defRPr sz="1600" b="1" kern="0">
-                  <a:gradFill>
-                    <a:gsLst>
-                      <a:gs pos="2804">
-                        <a:srgbClr val="505050"/>
-                      </a:gs>
-                      <a:gs pos="26000">
-                        <a:srgbClr val="505050"/>
-                      </a:gs>
-                    </a:gsLst>
-                    <a:lin ang="5400000" scaled="1"/>
-                  </a:gradFill>
-                  <a:cs typeface="Segoe UI Semilight" panose="020B0402040204020203" pitchFamily="34" charset="0"/>
-                </a:defRPr>
-              </a:lvl1pPr>
-            </a:lstStyle>
-            <a:p>
-              <a:pPr algn="l" defTabSz="914048">
-                <a:defRPr/>
-              </a:pPr>
-              <a:r>
-                <a:rPr lang="en-US" sz="1961" dirty="0"/>
-                <a:t>TOOLS</a:t>
-              </a:r>
-            </a:p>
-          </p:txBody>
-        </p:sp>
-      </p:grpSp>
-      <p:grpSp>
-        <p:nvGrpSpPr>
-          <p:cNvPr id="17" name="Group 16">
-            <a:extLst>
-              <a:ext uri="{FF2B5EF4-FFF2-40B4-BE49-F238E27FC236}">
-                <a16:creationId xmlns:a16="http://schemas.microsoft.com/office/drawing/2014/main" id="{45FA9423-899F-4C11-8200-2C47C3B8BDD7}"/>
-              </a:ext>
-            </a:extLst>
-          </p:cNvPr>
-          <p:cNvGrpSpPr/>
-          <p:nvPr/>
-        </p:nvGrpSpPr>
-        <p:grpSpPr>
-          <a:xfrm>
-            <a:off x="9615802" y="2165977"/>
-            <a:ext cx="1517743" cy="1324254"/>
-            <a:chOff x="10404342" y="1920240"/>
-            <a:chExt cx="1548397" cy="1351000"/>
-          </a:xfrm>
-        </p:grpSpPr>
-        <p:pic>
-          <p:nvPicPr>
-            <p:cNvPr id="18" name="Picture 17">
-              <a:extLst>
-                <a:ext uri="{FF2B5EF4-FFF2-40B4-BE49-F238E27FC236}">
-                  <a16:creationId xmlns:a16="http://schemas.microsoft.com/office/drawing/2014/main" id="{6FC8DEAE-5304-4EFF-A997-C0C0ABCAC975}"/>
-                </a:ext>
-              </a:extLst>
-            </p:cNvPr>
-            <p:cNvPicPr>
-              <a:picLocks noChangeAspect="1" noChangeArrowheads="1"/>
-            </p:cNvPicPr>
-            <p:nvPr/>
-          </p:nvPicPr>
-          <p:blipFill rotWithShape="1">
-            <a:blip r:embed="rId2" cstate="print">
-              <a:extLst>
-                <a:ext uri="{28A0092B-C50C-407E-A947-70E740481C1C}">
-                  <a14:useLocalDpi xmlns:a14="http://schemas.microsoft.com/office/drawing/2010/main"/>
-                </a:ext>
-              </a:extLst>
-            </a:blip>
-            <a:srcRect l="24267" r="9586"/>
-            <a:stretch/>
-          </p:blipFill>
-          <p:spPr bwMode="auto">
-            <a:xfrm>
-              <a:off x="10831921" y="1920240"/>
-              <a:ext cx="693238" cy="1174557"/>
-            </a:xfrm>
-            <a:prstGeom prst="rect">
-              <a:avLst/>
-            </a:prstGeom>
-            <a:solidFill>
-              <a:srgbClr val="FFFFFF">
-                <a:lumMod val="85000"/>
-              </a:srgbClr>
-            </a:solidFill>
-            <a:ln>
-              <a:noFill/>
-            </a:ln>
-            <a:extLst/>
-          </p:spPr>
-        </p:pic>
-        <p:sp>
-          <p:nvSpPr>
-            <p:cNvPr id="19" name="TextBox 18">
-              <a:extLst>
-                <a:ext uri="{FF2B5EF4-FFF2-40B4-BE49-F238E27FC236}">
-                  <a16:creationId xmlns:a16="http://schemas.microsoft.com/office/drawing/2014/main" id="{9DE8176E-2D05-4D7E-A419-60B144EF3CFE}"/>
-                </a:ext>
-              </a:extLst>
-            </p:cNvPr>
-            <p:cNvSpPr txBox="1"/>
-            <p:nvPr/>
-          </p:nvSpPr>
-          <p:spPr>
-            <a:xfrm>
-              <a:off x="10404342" y="2763859"/>
-              <a:ext cx="1548397" cy="507381"/>
-            </a:xfrm>
-            <a:prstGeom prst="rect">
-              <a:avLst/>
-            </a:prstGeom>
-            <a:solidFill>
-              <a:srgbClr val="FFFFFF">
-                <a:lumMod val="85000"/>
-              </a:srgbClr>
-            </a:solidFill>
-          </p:spPr>
-          <p:txBody>
-            <a:bodyPr wrap="square" lIns="91427" tIns="143407" rIns="91427" bIns="143407" rtlCol="0">
-              <a:spAutoFit/>
-            </a:bodyPr>
-            <a:lstStyle/>
-            <a:p>
-              <a:pPr algn="ctr" defTabSz="896042">
-                <a:lnSpc>
-                  <a:spcPct val="90000"/>
-                </a:lnSpc>
-                <a:defRPr/>
-              </a:pPr>
-              <a:r>
-                <a:rPr lang="en-US" sz="1500" kern="0" dirty="0">
-                  <a:gradFill>
-                    <a:gsLst>
-                      <a:gs pos="2804">
-                        <a:srgbClr val="505050"/>
-                      </a:gs>
-                      <a:gs pos="26000">
-                        <a:srgbClr val="505050"/>
-                      </a:gs>
-                    </a:gsLst>
-                    <a:lin ang="5400000" scaled="1"/>
-                  </a:gradFill>
-                  <a:cs typeface="Segoe UI Semilight" panose="020B0402040204020203" pitchFamily="34" charset="0"/>
-                </a:rPr>
-                <a:t>Visual Studio</a:t>
-              </a:r>
-            </a:p>
-          </p:txBody>
-        </p:sp>
-      </p:grpSp>
-      <p:grpSp>
-        <p:nvGrpSpPr>
-          <p:cNvPr id="20" name="Group 19">
-            <a:extLst>
-              <a:ext uri="{FF2B5EF4-FFF2-40B4-BE49-F238E27FC236}">
-                <a16:creationId xmlns:a16="http://schemas.microsoft.com/office/drawing/2014/main" id="{972EDA69-48F8-40E3-8DA0-C13972F1AF58}"/>
-              </a:ext>
-            </a:extLst>
-          </p:cNvPr>
-          <p:cNvGrpSpPr/>
-          <p:nvPr/>
-        </p:nvGrpSpPr>
-        <p:grpSpPr>
-          <a:xfrm>
-            <a:off x="9413000" y="4830893"/>
-            <a:ext cx="1927040" cy="1324253"/>
-            <a:chOff x="10195561" y="3458117"/>
-            <a:chExt cx="1965960" cy="1350999"/>
-          </a:xfrm>
-        </p:grpSpPr>
-        <p:sp>
-          <p:nvSpPr>
-            <p:cNvPr id="21" name="TextBox 20">
-              <a:extLst>
-                <a:ext uri="{FF2B5EF4-FFF2-40B4-BE49-F238E27FC236}">
-                  <a16:creationId xmlns:a16="http://schemas.microsoft.com/office/drawing/2014/main" id="{20159464-8C1A-4A17-BC29-A56C9A645CF2}"/>
-                </a:ext>
-              </a:extLst>
-            </p:cNvPr>
-            <p:cNvSpPr txBox="1"/>
-            <p:nvPr/>
-          </p:nvSpPr>
-          <p:spPr>
-            <a:xfrm>
-              <a:off x="10195561" y="4301735"/>
-              <a:ext cx="1965960" cy="507381"/>
-            </a:xfrm>
-            <a:prstGeom prst="rect">
-              <a:avLst/>
-            </a:prstGeom>
-            <a:solidFill>
-              <a:srgbClr val="FFFFFF">
-                <a:lumMod val="85000"/>
-              </a:srgbClr>
-            </a:solidFill>
-          </p:spPr>
-          <p:txBody>
-            <a:bodyPr wrap="square" lIns="91427" tIns="143407" rIns="91427" bIns="143407" rtlCol="0">
-              <a:spAutoFit/>
-            </a:bodyPr>
-            <a:lstStyle/>
-            <a:p>
-              <a:pPr algn="ctr" defTabSz="896042">
-                <a:lnSpc>
-                  <a:spcPct val="90000"/>
-                </a:lnSpc>
-                <a:defRPr/>
-              </a:pPr>
-              <a:r>
-                <a:rPr lang="en-US" sz="1500" kern="0" dirty="0">
-                  <a:gradFill>
-                    <a:gsLst>
-                      <a:gs pos="2804">
-                        <a:srgbClr val="505050"/>
-                      </a:gs>
-                      <a:gs pos="26000">
-                        <a:srgbClr val="505050"/>
-                      </a:gs>
-                    </a:gsLst>
-                    <a:lin ang="5400000" scaled="1"/>
-                  </a:gradFill>
-                  <a:cs typeface="Segoe UI Semilight" panose="020B0402040204020203" pitchFamily="34" charset="0"/>
-                </a:rPr>
-                <a:t>Visual Studio Code</a:t>
-              </a:r>
-            </a:p>
-          </p:txBody>
-        </p:sp>
-        <p:pic>
-          <p:nvPicPr>
-            <p:cNvPr id="22" name="Picture 21">
-              <a:extLst>
-                <a:ext uri="{FF2B5EF4-FFF2-40B4-BE49-F238E27FC236}">
-                  <a16:creationId xmlns:a16="http://schemas.microsoft.com/office/drawing/2014/main" id="{BF34EAF3-25BC-4F65-B618-DF83CAEF4BB9}"/>
-                </a:ext>
-              </a:extLst>
-            </p:cNvPr>
-            <p:cNvPicPr>
-              <a:picLocks noChangeAspect="1" noChangeArrowheads="1"/>
-            </p:cNvPicPr>
-            <p:nvPr/>
-          </p:nvPicPr>
-          <p:blipFill rotWithShape="1">
-            <a:blip r:embed="rId2" cstate="print">
-              <a:duotone>
-                <a:srgbClr val="0078D7">
-                  <a:shade val="45000"/>
-                  <a:satMod val="135000"/>
-                </a:srgbClr>
-                <a:prstClr val="white"/>
-              </a:duotone>
-              <a:extLst>
-                <a:ext uri="{28A0092B-C50C-407E-A947-70E740481C1C}">
-                  <a14:useLocalDpi xmlns:a14="http://schemas.microsoft.com/office/drawing/2010/main"/>
-                </a:ext>
-              </a:extLst>
-            </a:blip>
-            <a:srcRect l="25414" r="11806"/>
-            <a:stretch/>
-          </p:blipFill>
-          <p:spPr bwMode="auto">
-            <a:xfrm>
-              <a:off x="10852015" y="3458117"/>
-              <a:ext cx="653051" cy="1174558"/>
-            </a:xfrm>
-            <a:prstGeom prst="rect">
-              <a:avLst/>
-            </a:prstGeom>
-            <a:noFill/>
-            <a:ln>
-              <a:noFill/>
-            </a:ln>
-            <a:extLst>
-              <a:ext uri="{909E8E84-426E-40DD-AFC4-6F175D3DCCD1}">
-                <a14:hiddenFill xmlns:a14="http://schemas.microsoft.com/office/drawing/2010/main">
-                  <a:solidFill>
-                    <a:srgbClr val="FFFFFF"/>
-                  </a:solidFill>
-                </a14:hiddenFill>
-              </a:ext>
-            </a:extLst>
-          </p:spPr>
-        </p:pic>
-      </p:grpSp>
-      <p:sp>
-        <p:nvSpPr>
-          <p:cNvPr id="23" name="TextBox 22">
-            <a:extLst>
-              <a:ext uri="{FF2B5EF4-FFF2-40B4-BE49-F238E27FC236}">
-                <a16:creationId xmlns:a16="http://schemas.microsoft.com/office/drawing/2014/main" id="{4B98FDFD-E78A-4228-9DBB-4D2921D5DF37}"/>
-              </a:ext>
-            </a:extLst>
-          </p:cNvPr>
-          <p:cNvSpPr txBox="1"/>
-          <p:nvPr/>
-        </p:nvSpPr>
-        <p:spPr>
-          <a:xfrm>
-            <a:off x="9408527" y="4491695"/>
-            <a:ext cx="1927040" cy="705113"/>
-          </a:xfrm>
-          <a:prstGeom prst="rect">
-            <a:avLst/>
-          </a:prstGeom>
-          <a:solidFill>
-            <a:srgbClr val="FFFFFF">
-              <a:lumMod val="85000"/>
-            </a:srgbClr>
-          </a:solidFill>
-        </p:spPr>
-        <p:txBody>
-          <a:bodyPr wrap="square" lIns="91427" tIns="143407" rIns="91427" bIns="143407" rtlCol="0">
-            <a:spAutoFit/>
-          </a:bodyPr>
-          <a:lstStyle/>
-          <a:p>
-            <a:pPr algn="ctr" defTabSz="896042">
-              <a:lnSpc>
-                <a:spcPct val="90000"/>
-              </a:lnSpc>
-              <a:defRPr/>
-            </a:pPr>
-            <a:r>
-              <a:rPr lang="en-US" sz="1500" kern="0" dirty="0">
-                <a:gradFill>
-                  <a:gsLst>
-                    <a:gs pos="2804">
-                      <a:srgbClr val="505050"/>
-                    </a:gs>
-                    <a:gs pos="26000">
-                      <a:srgbClr val="505050"/>
-                    </a:gs>
-                  </a:gsLst>
-                  <a:lin ang="5400000" scaled="1"/>
-                </a:gradFill>
-                <a:cs typeface="Segoe UI Semilight" panose="020B0402040204020203" pitchFamily="34" charset="0"/>
-              </a:rPr>
-              <a:t>Visual Studio for Mac</a:t>
-            </a:r>
-          </a:p>
-        </p:txBody>
-      </p:sp>
-      <p:sp>
-        <p:nvSpPr>
-          <p:cNvPr id="24" name="TextBox 2">
-            <a:extLst>
-              <a:ext uri="{FF2B5EF4-FFF2-40B4-BE49-F238E27FC236}">
-                <a16:creationId xmlns:a16="http://schemas.microsoft.com/office/drawing/2014/main" id="{AD21D891-D0CC-49DC-A17B-FC22CD3DCEE2}"/>
-              </a:ext>
-            </a:extLst>
-          </p:cNvPr>
-          <p:cNvSpPr txBox="1"/>
-          <p:nvPr/>
-        </p:nvSpPr>
-        <p:spPr>
-          <a:xfrm>
-            <a:off x="493357" y="1404147"/>
-            <a:ext cx="2913030" cy="718662"/>
-          </a:xfrm>
-          <a:prstGeom prst="rect">
-            <a:avLst/>
-          </a:prstGeom>
-          <a:solidFill>
-            <a:srgbClr val="000000">
-              <a:alpha val="40000"/>
-            </a:srgbClr>
-          </a:solidFill>
-        </p:spPr>
-        <p:txBody>
-          <a:bodyPr wrap="square" lIns="179259" tIns="143407" rIns="179259" bIns="143407" rtlCol="0" anchor="ctr">
-            <a:noAutofit/>
-          </a:bodyPr>
-          <a:lstStyle/>
-          <a:p>
-            <a:pPr algn="ctr" defTabSz="896042">
-              <a:defRPr/>
-            </a:pPr>
-            <a:r>
-              <a:rPr lang="en-US" sz="1961" b="1" kern="0" dirty="0">
-                <a:gradFill>
-                  <a:gsLst>
-                    <a:gs pos="1250">
-                      <a:srgbClr val="FFFFFF"/>
-                    </a:gs>
-                    <a:gs pos="100000">
-                      <a:srgbClr val="FFFFFF"/>
-                    </a:gs>
-                  </a:gsLst>
-                  <a:lin ang="5400000" scaled="0"/>
-                </a:gradFill>
-                <a:latin typeface="Segoe UI"/>
-                <a:cs typeface="Segoe UI Semibold" panose="020B0702040204020203" pitchFamily="34" charset="0"/>
-              </a:rPr>
-              <a:t>DESKTOP</a:t>
-            </a:r>
-          </a:p>
-        </p:txBody>
-      </p:sp>
-      <p:sp>
-        <p:nvSpPr>
-          <p:cNvPr id="25" name="TextBox 2">
-            <a:extLst>
-              <a:ext uri="{FF2B5EF4-FFF2-40B4-BE49-F238E27FC236}">
-                <a16:creationId xmlns:a16="http://schemas.microsoft.com/office/drawing/2014/main" id="{87028DF4-6A29-4A29-915B-4C5FD6DEC607}"/>
-              </a:ext>
-            </a:extLst>
-          </p:cNvPr>
-          <p:cNvSpPr txBox="1"/>
-          <p:nvPr/>
-        </p:nvSpPr>
-        <p:spPr>
-          <a:xfrm>
-            <a:off x="3451169" y="1406820"/>
-            <a:ext cx="2912968" cy="718662"/>
-          </a:xfrm>
-          <a:prstGeom prst="rect">
-            <a:avLst/>
-          </a:prstGeom>
-          <a:solidFill>
-            <a:srgbClr val="000000">
-              <a:alpha val="40000"/>
-            </a:srgbClr>
-          </a:solidFill>
-        </p:spPr>
-        <p:txBody>
-          <a:bodyPr wrap="square" lIns="179259" tIns="143407" rIns="179259" bIns="143407" rtlCol="0" anchor="ctr">
-            <a:noAutofit/>
-          </a:bodyPr>
-          <a:lstStyle/>
-          <a:p>
-            <a:pPr algn="ctr" defTabSz="896042">
-              <a:defRPr/>
-            </a:pPr>
-            <a:r>
-              <a:rPr lang="en-US" sz="1961" b="1" kern="0" dirty="0">
-                <a:gradFill>
-                  <a:gsLst>
-                    <a:gs pos="1250">
-                      <a:srgbClr val="FFFFFF"/>
-                    </a:gs>
-                    <a:gs pos="100000">
-                      <a:srgbClr val="FFFFFF"/>
-                    </a:gs>
-                  </a:gsLst>
-                  <a:lin ang="5400000" scaled="0"/>
-                </a:gradFill>
-                <a:latin typeface="Segoe UI"/>
-                <a:cs typeface="Segoe UI Semibold" panose="020B0702040204020203" pitchFamily="34" charset="0"/>
-              </a:rPr>
-              <a:t>CLOUD</a:t>
-            </a:r>
-          </a:p>
-        </p:txBody>
-      </p:sp>
-      <p:sp>
-        <p:nvSpPr>
-          <p:cNvPr id="26" name="TextBox 2">
-            <a:extLst>
-              <a:ext uri="{FF2B5EF4-FFF2-40B4-BE49-F238E27FC236}">
-                <a16:creationId xmlns:a16="http://schemas.microsoft.com/office/drawing/2014/main" id="{AA93D4FC-0457-4317-88BC-DEDFF936FEE8}"/>
-              </a:ext>
-            </a:extLst>
-          </p:cNvPr>
-          <p:cNvSpPr txBox="1"/>
-          <p:nvPr/>
-        </p:nvSpPr>
-        <p:spPr>
-          <a:xfrm>
-            <a:off x="6408918" y="1404147"/>
-            <a:ext cx="2912970" cy="718662"/>
-          </a:xfrm>
-          <a:prstGeom prst="rect">
-            <a:avLst/>
-          </a:prstGeom>
-          <a:solidFill>
-            <a:srgbClr val="000000">
-              <a:alpha val="40000"/>
-            </a:srgbClr>
-          </a:solidFill>
-        </p:spPr>
-        <p:txBody>
-          <a:bodyPr wrap="square" lIns="179259" tIns="143407" rIns="179259" bIns="143407" rtlCol="0" anchor="ctr">
-            <a:noAutofit/>
-          </a:bodyPr>
-          <a:lstStyle/>
-          <a:p>
-            <a:pPr algn="ctr" defTabSz="896042">
-              <a:defRPr/>
-            </a:pPr>
-            <a:r>
-              <a:rPr lang="en-US" sz="1961" b="1" kern="0" dirty="0">
-                <a:gradFill>
-                  <a:gsLst>
-                    <a:gs pos="1250">
-                      <a:srgbClr val="FFFFFF"/>
-                    </a:gs>
-                    <a:gs pos="100000">
-                      <a:srgbClr val="FFFFFF"/>
-                    </a:gs>
-                  </a:gsLst>
-                  <a:lin ang="5400000" scaled="0"/>
-                </a:gradFill>
-                <a:latin typeface="Segoe UI"/>
-                <a:cs typeface="Segoe UI Semibold" panose="020B0702040204020203" pitchFamily="34" charset="0"/>
-              </a:rPr>
-              <a:t>MOBILE</a:t>
-            </a:r>
-          </a:p>
-        </p:txBody>
-      </p:sp>
-      <p:pic>
-        <p:nvPicPr>
-          <p:cNvPr id="27" name="Picture 26">
-            <a:extLst>
-              <a:ext uri="{FF2B5EF4-FFF2-40B4-BE49-F238E27FC236}">
-                <a16:creationId xmlns:a16="http://schemas.microsoft.com/office/drawing/2014/main" id="{98153220-4C60-4E2F-A138-D309BD969464}"/>
-              </a:ext>
-            </a:extLst>
-          </p:cNvPr>
-          <p:cNvPicPr>
-            <a:picLocks noChangeAspect="1"/>
-          </p:cNvPicPr>
-          <p:nvPr/>
-        </p:nvPicPr>
-        <p:blipFill>
-          <a:blip r:embed="rId3"/>
-          <a:stretch>
-            <a:fillRect/>
-          </a:stretch>
-        </p:blipFill>
-        <p:spPr>
-          <a:xfrm>
-            <a:off x="9916738" y="3555542"/>
-            <a:ext cx="910616" cy="910616"/>
-          </a:xfrm>
-          <a:prstGeom prst="rect">
-            <a:avLst/>
-          </a:prstGeom>
-        </p:spPr>
-      </p:pic>
-      <p:sp>
-        <p:nvSpPr>
-          <p:cNvPr id="28" name="CasetăText 4">
-            <a:extLst>
-              <a:ext uri="{FF2B5EF4-FFF2-40B4-BE49-F238E27FC236}">
-                <a16:creationId xmlns:a16="http://schemas.microsoft.com/office/drawing/2014/main" id="{F0D295F1-C3F5-4D31-BBA9-28B9BA5F35AC}"/>
-              </a:ext>
-            </a:extLst>
-          </p:cNvPr>
+          <p:cNvPr id="5" name="CasetăText 4"/>
           <p:cNvSpPr txBox="1"/>
           <p:nvPr/>
         </p:nvSpPr>
@@ -27376,13 +27604,7 @@
       </p:sp>
       <p:cxnSp>
         <p:nvCxnSpPr>
-          <p:cNvPr id="29" name="Conector drept 18">
-            <a:extLst>
-              <a:ext uri="{FF2B5EF4-FFF2-40B4-BE49-F238E27FC236}">
-                <a16:creationId xmlns:a16="http://schemas.microsoft.com/office/drawing/2014/main" id="{E3C0092C-361F-45C3-ACF6-DA70DE644C98}"/>
-              </a:ext>
-            </a:extLst>
-          </p:cNvPr>
+          <p:cNvPr id="19" name="Conector drept 18"/>
           <p:cNvCxnSpPr/>
           <p:nvPr/>
         </p:nvCxnSpPr>
@@ -27419,13 +27641,7 @@
       </p:cxnSp>
       <p:cxnSp>
         <p:nvCxnSpPr>
-          <p:cNvPr id="30" name="Conector drept 19">
-            <a:extLst>
-              <a:ext uri="{FF2B5EF4-FFF2-40B4-BE49-F238E27FC236}">
-                <a16:creationId xmlns:a16="http://schemas.microsoft.com/office/drawing/2014/main" id="{DA6BA47A-7D66-4C5F-850B-CD2A306E58CF}"/>
-              </a:ext>
-            </a:extLst>
-          </p:cNvPr>
+          <p:cNvPr id="20" name="Conector drept 19"/>
           <p:cNvCxnSpPr/>
           <p:nvPr/>
         </p:nvCxnSpPr>
@@ -27462,13 +27678,7 @@
       </p:cxnSp>
       <p:cxnSp>
         <p:nvCxnSpPr>
-          <p:cNvPr id="31" name="Conector drept 20">
-            <a:extLst>
-              <a:ext uri="{FF2B5EF4-FFF2-40B4-BE49-F238E27FC236}">
-                <a16:creationId xmlns:a16="http://schemas.microsoft.com/office/drawing/2014/main" id="{F5E31AEA-EC59-45D5-92EC-362DE2001D27}"/>
-              </a:ext>
-            </a:extLst>
-          </p:cNvPr>
+          <p:cNvPr id="21" name="Conector drept 20"/>
           <p:cNvCxnSpPr/>
           <p:nvPr/>
         </p:nvCxnSpPr>
@@ -27503,13 +27713,7 @@
       </p:cxnSp>
       <p:cxnSp>
         <p:nvCxnSpPr>
-          <p:cNvPr id="32" name="Conector drept 21">
-            <a:extLst>
-              <a:ext uri="{FF2B5EF4-FFF2-40B4-BE49-F238E27FC236}">
-                <a16:creationId xmlns:a16="http://schemas.microsoft.com/office/drawing/2014/main" id="{895BFC64-586B-400D-A626-F022D38F3D9F}"/>
-              </a:ext>
-            </a:extLst>
-          </p:cNvPr>
+          <p:cNvPr id="22" name="Conector drept 21"/>
           <p:cNvCxnSpPr/>
           <p:nvPr/>
         </p:nvCxnSpPr>
@@ -27544,10 +27748,152 @@
           </a:fontRef>
         </p:style>
       </p:cxnSp>
+      <p:sp>
+        <p:nvSpPr>
+          <p:cNvPr id="8" name="Text Placeholder 2">
+            <a:extLst>
+              <a:ext uri="{FF2B5EF4-FFF2-40B4-BE49-F238E27FC236}">
+                <a16:creationId xmlns:a16="http://schemas.microsoft.com/office/drawing/2014/main" id="{BA47D2D5-B52F-4C97-8A04-240E074BB356}"/>
+              </a:ext>
+            </a:extLst>
+          </p:cNvPr>
+          <p:cNvSpPr>
+            <a:spLocks noGrp="1"/>
+          </p:cNvSpPr>
+          <p:nvPr>
+            <p:ph type="body" idx="1"/>
+          </p:nvPr>
+        </p:nvSpPr>
+        <p:spPr>
+          <a:xfrm>
+            <a:off x="460119" y="1587500"/>
+            <a:ext cx="9293481" cy="4381500"/>
+          </a:xfrm>
+        </p:spPr>
+        <p:txBody>
+          <a:bodyPr>
+            <a:normAutofit lnSpcReduction="10000"/>
+          </a:bodyPr>
+          <a:lstStyle/>
+          <a:p>
+            <a:pPr marL="342900" indent="-342900">
+              <a:buFont typeface="Arial" panose="020B0604020202020204" pitchFamily="34" charset="0"/>
+              <a:buChar char="•"/>
+            </a:pPr>
+            <a:r>
+              <a:rPr lang="en-US" sz="3200" dirty="0">
+                <a:solidFill>
+                  <a:schemeClr val="tx1"/>
+                </a:solidFill>
+              </a:rPr>
+              <a:t>Open-Source</a:t>
+            </a:r>
+          </a:p>
+          <a:p>
+            <a:pPr marL="342900" indent="-342900">
+              <a:buFont typeface="Arial" panose="020B0604020202020204" pitchFamily="34" charset="0"/>
+              <a:buChar char="•"/>
+            </a:pPr>
+            <a:r>
+              <a:rPr lang="en-US" sz="3200" dirty="0">
+                <a:solidFill>
+                  <a:schemeClr val="tx1"/>
+                </a:solidFill>
+              </a:rPr>
+              <a:t>Cross-platform</a:t>
+            </a:r>
+          </a:p>
+          <a:p>
+            <a:pPr marL="342900" indent="-342900">
+              <a:buFont typeface="Arial" panose="020B0604020202020204" pitchFamily="34" charset="0"/>
+              <a:buChar char="•"/>
+            </a:pPr>
+            <a:r>
+              <a:rPr lang="en-US" sz="3200" dirty="0">
+                <a:solidFill>
+                  <a:schemeClr val="tx1"/>
+                </a:solidFill>
+              </a:rPr>
+              <a:t>Web applications, IOT apps and mobile </a:t>
+            </a:r>
+            <a:r>
+              <a:rPr lang="en-US" sz="3200" dirty="0" err="1">
+                <a:solidFill>
+                  <a:schemeClr val="tx1"/>
+                </a:solidFill>
+              </a:rPr>
+              <a:t>backends</a:t>
+            </a:r>
+            <a:endParaRPr lang="en-US" sz="3200" dirty="0">
+              <a:solidFill>
+                <a:schemeClr val="tx1"/>
+              </a:solidFill>
+            </a:endParaRPr>
+          </a:p>
+          <a:p>
+            <a:pPr marL="342900" indent="-342900">
+              <a:buFont typeface="Arial" panose="020B0604020202020204" pitchFamily="34" charset="0"/>
+              <a:buChar char="•"/>
+            </a:pPr>
+            <a:r>
+              <a:rPr lang="en-US" sz="3200" dirty="0">
+                <a:solidFill>
+                  <a:schemeClr val="tx1"/>
+                </a:solidFill>
+              </a:rPr>
+              <a:t>Cloud ready </a:t>
+            </a:r>
+          </a:p>
+          <a:p>
+            <a:pPr marL="342900" indent="-342900">
+              <a:buFont typeface="Arial" panose="020B0604020202020204" pitchFamily="34" charset="0"/>
+              <a:buChar char="•"/>
+            </a:pPr>
+            <a:r>
+              <a:rPr lang="en-US" sz="3200" dirty="0">
+                <a:solidFill>
+                  <a:schemeClr val="tx1"/>
+                </a:solidFill>
+              </a:rPr>
+              <a:t>Performance</a:t>
+            </a:r>
+          </a:p>
+          <a:p>
+            <a:pPr marL="342900" indent="-342900">
+              <a:buFont typeface="Arial" panose="020B0604020202020204" pitchFamily="34" charset="0"/>
+              <a:buChar char="•"/>
+            </a:pPr>
+            <a:r>
+              <a:rPr lang="en-US" sz="3200" dirty="0">
+                <a:solidFill>
+                  <a:schemeClr val="tx1"/>
+                </a:solidFill>
+              </a:rPr>
+              <a:t>Built-In Dependency Injection</a:t>
+            </a:r>
+            <a:endParaRPr lang="en-US" sz="3200" dirty="0">
+              <a:solidFill>
+                <a:schemeClr val="tx1"/>
+              </a:solidFill>
+              <a:latin typeface="ADAM" pitchFamily="50" charset="0"/>
+            </a:endParaRPr>
+          </a:p>
+          <a:p>
+            <a:pPr marL="342900" indent="-342900">
+              <a:buFont typeface="Arial" panose="020B0604020202020204" pitchFamily="34" charset="0"/>
+              <a:buChar char="•"/>
+            </a:pPr>
+            <a:endParaRPr lang="en-US" sz="3200" dirty="0"/>
+          </a:p>
+          <a:p>
+            <a:endParaRPr lang="en-US" sz="3200" dirty="0"/>
+          </a:p>
+        </p:txBody>
+      </p:sp>
     </p:spTree>
     <p:extLst>
       <p:ext uri="{BB962C8B-B14F-4D97-AF65-F5344CB8AC3E}">
-        <p14:creationId xmlns:p14="http://schemas.microsoft.com/office/powerpoint/2010/main" val="1422998421"/>
+        <p14:creationId xmlns:p14="http://schemas.microsoft.com/office/powerpoint/2010/main" val="4146878334"/>
       </p:ext>
     </p:extLst>
   </p:cSld>

--- a/Asp-net-core PeakIT.pptx
+++ b/Asp-net-core PeakIT.pptx
@@ -5,7 +5,7 @@
     <p:sldMasterId id="2147483648" r:id="rId1"/>
   </p:sldMasterIdLst>
   <p:notesMasterIdLst>
-    <p:notesMasterId r:id="rId42"/>
+    <p:notesMasterId r:id="rId43"/>
   </p:notesMasterIdLst>
   <p:sldIdLst>
     <p:sldId id="256" r:id="rId2"/>
@@ -32,22 +32,23 @@
     <p:sldId id="1685" r:id="rId23"/>
     <p:sldId id="1686" r:id="rId24"/>
     <p:sldId id="1687" r:id="rId25"/>
-    <p:sldId id="1684" r:id="rId26"/>
-    <p:sldId id="1681" r:id="rId27"/>
-    <p:sldId id="1682" r:id="rId28"/>
-    <p:sldId id="1683" r:id="rId29"/>
-    <p:sldId id="1688" r:id="rId30"/>
-    <p:sldId id="1689" r:id="rId31"/>
-    <p:sldId id="1690" r:id="rId32"/>
-    <p:sldId id="1691" r:id="rId33"/>
-    <p:sldId id="1692" r:id="rId34"/>
-    <p:sldId id="1693" r:id="rId35"/>
-    <p:sldId id="1673" r:id="rId36"/>
-    <p:sldId id="262" r:id="rId37"/>
-    <p:sldId id="1675" r:id="rId38"/>
-    <p:sldId id="1694" r:id="rId39"/>
-    <p:sldId id="1696" r:id="rId40"/>
-    <p:sldId id="1695" r:id="rId41"/>
+    <p:sldId id="1688" r:id="rId26"/>
+    <p:sldId id="1684" r:id="rId27"/>
+    <p:sldId id="1681" r:id="rId28"/>
+    <p:sldId id="1682" r:id="rId29"/>
+    <p:sldId id="1683" r:id="rId30"/>
+    <p:sldId id="1704" r:id="rId31"/>
+    <p:sldId id="1689" r:id="rId32"/>
+    <p:sldId id="1690" r:id="rId33"/>
+    <p:sldId id="1691" r:id="rId34"/>
+    <p:sldId id="1692" r:id="rId35"/>
+    <p:sldId id="1693" r:id="rId36"/>
+    <p:sldId id="1673" r:id="rId37"/>
+    <p:sldId id="262" r:id="rId38"/>
+    <p:sldId id="1675" r:id="rId39"/>
+    <p:sldId id="1694" r:id="rId40"/>
+    <p:sldId id="1696" r:id="rId41"/>
+    <p:sldId id="1695" r:id="rId42"/>
   </p:sldIdLst>
   <p:sldSz cx="12192000" cy="6858000"/>
   <p:notesSz cx="6858000" cy="9144000"/>
@@ -2551,7 +2552,7 @@
           <a:p>
             <a:fld id="{4F8AF98A-DDEB-402A-999D-9969AF4724D5}" type="datetimeFigureOut">
               <a:rPr lang="en-US" smtClean="0"/>
-              <a:t>1/19/2019</a:t>
+              <a:t>1/20/2019</a:t>
             </a:fld>
             <a:endParaRPr lang="en-US"/>
           </a:p>
@@ -3485,6 +3486,140 @@
           <a:bodyPr/>
           <a:lstStyle/>
           <a:p>
+            <a:r>
+              <a:rPr lang="en-US" dirty="0" err="1"/>
+              <a:t>logging.AddConsole</a:t>
+            </a:r>
+            <a:r>
+              <a:rPr lang="en-US" dirty="0"/>
+              <a:t>(); </a:t>
+            </a:r>
+            <a:r>
+              <a:rPr lang="en-US" sz="1200" kern="1200" dirty="0">
+                <a:solidFill>
+                  <a:schemeClr val="tx1"/>
+                </a:solidFill>
+                <a:effectLst/>
+                <a:latin typeface="+mn-lt"/>
+                <a:ea typeface="+mn-ea"/>
+                <a:cs typeface="+mn-cs"/>
+              </a:rPr>
+              <a:t>// by default in </a:t>
+            </a:r>
+            <a:r>
+              <a:rPr lang="en-US" sz="1200" kern="1200" dirty="0" err="1">
+                <a:solidFill>
+                  <a:schemeClr val="tx1"/>
+                </a:solidFill>
+                <a:effectLst/>
+                <a:latin typeface="+mn-lt"/>
+                <a:ea typeface="+mn-ea"/>
+                <a:cs typeface="+mn-cs"/>
+              </a:rPr>
+              <a:t>CreateDefaultBuilder</a:t>
+            </a:r>
+            <a:r>
+              <a:rPr lang="en-US" dirty="0"/>
+              <a:t>                  </a:t>
+            </a:r>
+          </a:p>
+          <a:p>
+            <a:r>
+              <a:rPr lang="en-US" dirty="0" err="1"/>
+              <a:t>logging.AddDebug</a:t>
+            </a:r>
+            <a:r>
+              <a:rPr lang="en-US" dirty="0"/>
+              <a:t>(); </a:t>
+            </a:r>
+            <a:r>
+              <a:rPr lang="en-US" sz="1200" kern="1200" dirty="0">
+                <a:solidFill>
+                  <a:schemeClr val="tx1"/>
+                </a:solidFill>
+                <a:effectLst/>
+                <a:latin typeface="+mn-lt"/>
+                <a:ea typeface="+mn-ea"/>
+                <a:cs typeface="+mn-cs"/>
+              </a:rPr>
+              <a:t>// by default in </a:t>
+            </a:r>
+            <a:r>
+              <a:rPr lang="en-US" sz="1200" kern="1200" dirty="0" err="1">
+                <a:solidFill>
+                  <a:schemeClr val="tx1"/>
+                </a:solidFill>
+                <a:effectLst/>
+                <a:latin typeface="+mn-lt"/>
+                <a:ea typeface="+mn-ea"/>
+                <a:cs typeface="+mn-cs"/>
+              </a:rPr>
+              <a:t>CreateDefaultBuilder</a:t>
+            </a:r>
+            <a:r>
+              <a:rPr lang="en-US" dirty="0"/>
+              <a:t>                   </a:t>
+            </a:r>
+          </a:p>
+          <a:p>
+            <a:r>
+              <a:rPr lang="en-US" dirty="0" err="1"/>
+              <a:t>logging.AddEventSourceLogger</a:t>
+            </a:r>
+            <a:r>
+              <a:rPr lang="en-US" dirty="0"/>
+              <a:t>(); </a:t>
+            </a:r>
+            <a:r>
+              <a:rPr lang="en-US" sz="1200" kern="1200" dirty="0">
+                <a:solidFill>
+                  <a:schemeClr val="tx1"/>
+                </a:solidFill>
+                <a:effectLst/>
+                <a:latin typeface="+mn-lt"/>
+                <a:ea typeface="+mn-ea"/>
+                <a:cs typeface="+mn-cs"/>
+              </a:rPr>
+              <a:t>// by default in </a:t>
+            </a:r>
+            <a:r>
+              <a:rPr lang="en-US" sz="1200" kern="1200" dirty="0" err="1">
+                <a:solidFill>
+                  <a:schemeClr val="tx1"/>
+                </a:solidFill>
+                <a:effectLst/>
+                <a:latin typeface="+mn-lt"/>
+                <a:ea typeface="+mn-ea"/>
+                <a:cs typeface="+mn-cs"/>
+              </a:rPr>
+              <a:t>CreateDefaultBuilder</a:t>
+            </a:r>
+            <a:endParaRPr lang="en-US" sz="1200" kern="1200" dirty="0">
+              <a:solidFill>
+                <a:schemeClr val="tx1"/>
+              </a:solidFill>
+              <a:effectLst/>
+              <a:latin typeface="+mn-lt"/>
+              <a:ea typeface="+mn-ea"/>
+              <a:cs typeface="+mn-cs"/>
+            </a:endParaRPr>
+          </a:p>
+          <a:p>
+            <a:endParaRPr lang="en-US" sz="1200" kern="1200" dirty="0">
+              <a:solidFill>
+                <a:schemeClr val="tx1"/>
+              </a:solidFill>
+              <a:effectLst/>
+              <a:latin typeface="+mn-lt"/>
+              <a:ea typeface="+mn-ea"/>
+              <a:cs typeface="+mn-cs"/>
+            </a:endParaRPr>
+          </a:p>
+          <a:p>
+            <a:r>
+              <a:rPr lang="en-US" dirty="0" err="1"/>
+              <a:t>ClearProviders</a:t>
+            </a:r>
             <a:endParaRPr lang="en-US" dirty="0"/>
           </a:p>
         </p:txBody>
@@ -3515,7 +3650,7 @@
     </p:spTree>
     <p:extLst>
       <p:ext uri="{BB962C8B-B14F-4D97-AF65-F5344CB8AC3E}">
-        <p14:creationId xmlns:p14="http://schemas.microsoft.com/office/powerpoint/2010/main" val="1962030772"/>
+        <p14:creationId xmlns:p14="http://schemas.microsoft.com/office/powerpoint/2010/main" val="2491721671"/>
       </p:ext>
     </p:extLst>
   </p:cSld>
@@ -3599,7 +3734,7 @@
     </p:spTree>
     <p:extLst>
       <p:ext uri="{BB962C8B-B14F-4D97-AF65-F5344CB8AC3E}">
-        <p14:creationId xmlns:p14="http://schemas.microsoft.com/office/powerpoint/2010/main" val="2465997791"/>
+        <p14:creationId xmlns:p14="http://schemas.microsoft.com/office/powerpoint/2010/main" val="1962030772"/>
       </p:ext>
     </p:extLst>
   </p:cSld>
@@ -3683,7 +3818,7 @@
     </p:spTree>
     <p:extLst>
       <p:ext uri="{BB962C8B-B14F-4D97-AF65-F5344CB8AC3E}">
-        <p14:creationId xmlns:p14="http://schemas.microsoft.com/office/powerpoint/2010/main" val="4134873798"/>
+        <p14:creationId xmlns:p14="http://schemas.microsoft.com/office/powerpoint/2010/main" val="2465997791"/>
       </p:ext>
     </p:extLst>
   </p:cSld>
@@ -3737,10 +3872,7 @@
           <a:bodyPr/>
           <a:lstStyle/>
           <a:p>
-            <a:r>
-              <a:rPr lang="en-US" dirty="0"/>
-              <a:t>Separate package and can be used in other type of application</a:t>
-            </a:r>
+            <a:endParaRPr lang="en-US" dirty="0"/>
           </a:p>
         </p:txBody>
       </p:sp>
@@ -3770,7 +3902,7 @@
     </p:spTree>
     <p:extLst>
       <p:ext uri="{BB962C8B-B14F-4D97-AF65-F5344CB8AC3E}">
-        <p14:creationId xmlns:p14="http://schemas.microsoft.com/office/powerpoint/2010/main" val="4268821624"/>
+        <p14:creationId xmlns:p14="http://schemas.microsoft.com/office/powerpoint/2010/main" val="4134873798"/>
       </p:ext>
     </p:extLst>
   </p:cSld>
@@ -3910,42 +4042,8 @@
           <a:p>
             <a:r>
               <a:rPr lang="en-US" dirty="0"/>
-              <a:t>ASP.NET Core apps configure and launch a </a:t>
-            </a:r>
-            <a:r>
-              <a:rPr lang="en-US" i="1" dirty="0"/>
-              <a:t>host</a:t>
-            </a:r>
-            <a:r>
-              <a:rPr lang="en-US" dirty="0"/>
-              <a:t>. The host is responsible for app startup and lifetime management. At a minimum, the host configures a server and a request processing pipeline.</a:t>
-            </a:r>
-          </a:p>
-          <a:p>
-            <a:pPr marL="0" marR="0" lvl="0" indent="0" algn="l" defTabSz="914400" rtl="0" eaLnBrk="1" fontAlgn="auto" latinLnBrk="0" hangingPunct="1">
-              <a:lnSpc>
-                <a:spcPct val="100000"/>
-              </a:lnSpc>
-              <a:spcBef>
-                <a:spcPts val="0"/>
-              </a:spcBef>
-              <a:spcAft>
-                <a:spcPts val="0"/>
-              </a:spcAft>
-              <a:buClrTx/>
-              <a:buSzTx/>
-              <a:buFontTx/>
-              <a:buNone/>
-              <a:tabLst/>
-              <a:defRPr/>
-            </a:pPr>
-            <a:r>
-              <a:rPr lang="en-US" dirty="0"/>
-              <a:t>The Generic Host will eventually replace the Web Host.</a:t>
-            </a:r>
-          </a:p>
-          <a:p>
-            <a:endParaRPr lang="en-US" dirty="0"/>
+              <a:t>Separate package and can be used in other type of application</a:t>
+            </a:r>
           </a:p>
         </p:txBody>
       </p:sp>
@@ -3975,7 +4073,7 @@
     </p:spTree>
     <p:extLst>
       <p:ext uri="{BB962C8B-B14F-4D97-AF65-F5344CB8AC3E}">
-        <p14:creationId xmlns:p14="http://schemas.microsoft.com/office/powerpoint/2010/main" val="2491721671"/>
+        <p14:creationId xmlns:p14="http://schemas.microsoft.com/office/powerpoint/2010/main" val="4268821624"/>
       </p:ext>
     </p:extLst>
   </p:cSld>
@@ -4029,6 +4127,43 @@
           <a:bodyPr/>
           <a:lstStyle/>
           <a:p>
+            <a:r>
+              <a:rPr lang="en-US" dirty="0"/>
+              <a:t>ASP.NET Core apps configure and launch a </a:t>
+            </a:r>
+            <a:r>
+              <a:rPr lang="en-US" i="1" dirty="0"/>
+              <a:t>host</a:t>
+            </a:r>
+            <a:r>
+              <a:rPr lang="en-US" dirty="0"/>
+              <a:t>. The host is responsible for app startup and lifetime management. At a minimum, the host configures a server and a request processing pipeline.</a:t>
+            </a:r>
+          </a:p>
+          <a:p>
+            <a:pPr marL="0" marR="0" lvl="0" indent="0" algn="l" defTabSz="914400" rtl="0" eaLnBrk="1" fontAlgn="auto" latinLnBrk="0" hangingPunct="1">
+              <a:lnSpc>
+                <a:spcPct val="100000"/>
+              </a:lnSpc>
+              <a:spcBef>
+                <a:spcPts val="0"/>
+              </a:spcBef>
+              <a:spcAft>
+                <a:spcPts val="0"/>
+              </a:spcAft>
+              <a:buClrTx/>
+              <a:buSzTx/>
+              <a:buFontTx/>
+              <a:buNone/>
+              <a:tabLst/>
+              <a:defRPr/>
+            </a:pPr>
+            <a:r>
+              <a:rPr lang="en-US" dirty="0"/>
+              <a:t>The Generic Host will eventually replace the Web Host.</a:t>
+            </a:r>
+          </a:p>
+          <a:p>
             <a:endParaRPr lang="en-US" dirty="0"/>
           </a:p>
         </p:txBody>
@@ -4059,7 +4194,7 @@
     </p:spTree>
     <p:extLst>
       <p:ext uri="{BB962C8B-B14F-4D97-AF65-F5344CB8AC3E}">
-        <p14:creationId xmlns:p14="http://schemas.microsoft.com/office/powerpoint/2010/main" val="4203467806"/>
+        <p14:creationId xmlns:p14="http://schemas.microsoft.com/office/powerpoint/2010/main" val="3272785764"/>
       </p:ext>
     </p:extLst>
   </p:cSld>
@@ -4113,12 +4248,6 @@
           <a:bodyPr/>
           <a:lstStyle/>
           <a:p>
-            <a:r>
-              <a:rPr lang="en-US" dirty="0"/>
-              <a:t>The goal of the Generic Host is to decouple the HTTP pipeline from the Web Host API to enable a wider array of host scenarios.</a:t>
-            </a:r>
-          </a:p>
-          <a:p>
             <a:endParaRPr lang="en-US" dirty="0"/>
           </a:p>
         </p:txBody>
@@ -4149,7 +4278,7 @@
     </p:spTree>
     <p:extLst>
       <p:ext uri="{BB962C8B-B14F-4D97-AF65-F5344CB8AC3E}">
-        <p14:creationId xmlns:p14="http://schemas.microsoft.com/office/powerpoint/2010/main" val="3419258454"/>
+        <p14:creationId xmlns:p14="http://schemas.microsoft.com/office/powerpoint/2010/main" val="4203467806"/>
       </p:ext>
     </p:extLst>
   </p:cSld>
@@ -4203,6 +4332,12 @@
           <a:bodyPr/>
           <a:lstStyle/>
           <a:p>
+            <a:r>
+              <a:rPr lang="en-US" dirty="0"/>
+              <a:t>The goal of the Generic Host is to decouple the HTTP pipeline from the Web Host API to enable a wider array of host scenarios.</a:t>
+            </a:r>
+          </a:p>
+          <a:p>
             <a:endParaRPr lang="en-US" dirty="0"/>
           </a:p>
         </p:txBody>
@@ -4233,7 +4368,7 @@
     </p:spTree>
     <p:extLst>
       <p:ext uri="{BB962C8B-B14F-4D97-AF65-F5344CB8AC3E}">
-        <p14:creationId xmlns:p14="http://schemas.microsoft.com/office/powerpoint/2010/main" val="251865418"/>
+        <p14:creationId xmlns:p14="http://schemas.microsoft.com/office/powerpoint/2010/main" val="3419258454"/>
       </p:ext>
     </p:extLst>
   </p:cSld>
@@ -4287,10 +4422,7 @@
           <a:bodyPr/>
           <a:lstStyle/>
           <a:p>
-            <a:r>
-              <a:rPr lang="en-US" dirty="0"/>
-              <a:t>Kestrel is generally recommended for best performance.</a:t>
-            </a:r>
+            <a:endParaRPr lang="en-US" dirty="0"/>
           </a:p>
         </p:txBody>
       </p:sp>
@@ -4320,7 +4452,7 @@
     </p:spTree>
     <p:extLst>
       <p:ext uri="{BB962C8B-B14F-4D97-AF65-F5344CB8AC3E}">
-        <p14:creationId xmlns:p14="http://schemas.microsoft.com/office/powerpoint/2010/main" val="889370938"/>
+        <p14:creationId xmlns:p14="http://schemas.microsoft.com/office/powerpoint/2010/main" val="251865418"/>
       </p:ext>
     </p:extLst>
   </p:cSld>
@@ -4374,7 +4506,10 @@
           <a:bodyPr/>
           <a:lstStyle/>
           <a:p>
-            <a:endParaRPr lang="en-US" dirty="0"/>
+            <a:r>
+              <a:rPr lang="en-US" dirty="0"/>
+              <a:t>Kestrel is generally recommended for best performance.</a:t>
+            </a:r>
           </a:p>
         </p:txBody>
       </p:sp>
@@ -4404,7 +4539,7 @@
     </p:spTree>
     <p:extLst>
       <p:ext uri="{BB962C8B-B14F-4D97-AF65-F5344CB8AC3E}">
-        <p14:creationId xmlns:p14="http://schemas.microsoft.com/office/powerpoint/2010/main" val="2651881530"/>
+        <p14:creationId xmlns:p14="http://schemas.microsoft.com/office/powerpoint/2010/main" val="889370938"/>
       </p:ext>
     </p:extLst>
   </p:cSld>
@@ -4469,7 +4604,7 @@
             <a:spLocks noGrp="1"/>
           </p:cNvSpPr>
           <p:nvPr>
-            <p:ph type="sldNum" sz="quarter" idx="10"/>
+            <p:ph type="sldNum" sz="quarter" idx="5"/>
           </p:nvPr>
         </p:nvSpPr>
         <p:spPr/>
@@ -4479,7 +4614,7 @@
           <a:p>
             <a:fld id="{4DB2BA24-A594-42FE-968E-B893334C608F}" type="slidenum">
               <a:rPr lang="en-US" smtClean="0"/>
-              <a:t>36</a:t>
+              <a:t>35</a:t>
             </a:fld>
             <a:endParaRPr lang="en-US"/>
           </a:p>
@@ -4488,7 +4623,7 @@
     </p:spTree>
     <p:extLst>
       <p:ext uri="{BB962C8B-B14F-4D97-AF65-F5344CB8AC3E}">
-        <p14:creationId xmlns:p14="http://schemas.microsoft.com/office/powerpoint/2010/main" val="2560513446"/>
+        <p14:creationId xmlns:p14="http://schemas.microsoft.com/office/powerpoint/2010/main" val="2651881530"/>
       </p:ext>
     </p:extLst>
   </p:cSld>
@@ -4563,7 +4698,7 @@
           <a:p>
             <a:fld id="{4DB2BA24-A594-42FE-968E-B893334C608F}" type="slidenum">
               <a:rPr lang="en-US" smtClean="0"/>
-              <a:t>38</a:t>
+              <a:t>37</a:t>
             </a:fld>
             <a:endParaRPr lang="en-US"/>
           </a:p>
@@ -4572,7 +4707,7 @@
     </p:spTree>
     <p:extLst>
       <p:ext uri="{BB962C8B-B14F-4D97-AF65-F5344CB8AC3E}">
-        <p14:creationId xmlns:p14="http://schemas.microsoft.com/office/powerpoint/2010/main" val="639055866"/>
+        <p14:creationId xmlns:p14="http://schemas.microsoft.com/office/powerpoint/2010/main" val="2560513446"/>
       </p:ext>
     </p:extLst>
   </p:cSld>
@@ -4626,10 +4761,7 @@
           <a:bodyPr/>
           <a:lstStyle/>
           <a:p>
-            <a:r>
-              <a:rPr lang="en-US" dirty="0"/>
-              <a:t>Example with dependency injection into view</a:t>
-            </a:r>
+            <a:endParaRPr lang="en-US" dirty="0"/>
           </a:p>
         </p:txBody>
       </p:sp>
@@ -4659,7 +4791,7 @@
     </p:spTree>
     <p:extLst>
       <p:ext uri="{BB962C8B-B14F-4D97-AF65-F5344CB8AC3E}">
-        <p14:creationId xmlns:p14="http://schemas.microsoft.com/office/powerpoint/2010/main" val="970514146"/>
+        <p14:creationId xmlns:p14="http://schemas.microsoft.com/office/powerpoint/2010/main" val="639055866"/>
       </p:ext>
     </p:extLst>
   </p:cSld>
@@ -4713,7 +4845,10 @@
           <a:bodyPr/>
           <a:lstStyle/>
           <a:p>
-            <a:endParaRPr lang="en-US" dirty="0"/>
+            <a:r>
+              <a:rPr lang="en-US" dirty="0"/>
+              <a:t>Example with dependency injection into view</a:t>
+            </a:r>
           </a:p>
         </p:txBody>
       </p:sp>
@@ -4743,7 +4878,7 @@
     </p:spTree>
     <p:extLst>
       <p:ext uri="{BB962C8B-B14F-4D97-AF65-F5344CB8AC3E}">
-        <p14:creationId xmlns:p14="http://schemas.microsoft.com/office/powerpoint/2010/main" val="1950968221"/>
+        <p14:creationId xmlns:p14="http://schemas.microsoft.com/office/powerpoint/2010/main" val="970514146"/>
       </p:ext>
     </p:extLst>
   </p:cSld>
@@ -4828,6 +4963,90 @@
     <p:extLst>
       <p:ext uri="{BB962C8B-B14F-4D97-AF65-F5344CB8AC3E}">
         <p14:creationId xmlns:p14="http://schemas.microsoft.com/office/powerpoint/2010/main" val="1270124232"/>
+      </p:ext>
+    </p:extLst>
+  </p:cSld>
+  <p:clrMapOvr>
+    <a:masterClrMapping/>
+  </p:clrMapOvr>
+</p:notes>
+</file>
+
+<file path=ppt/notesSlides/notesSlide30.xml><?xml version="1.0" encoding="utf-8"?>
+<p:notes xmlns:a="http://schemas.openxmlformats.org/drawingml/2006/main" xmlns:r="http://schemas.openxmlformats.org/officeDocument/2006/relationships" xmlns:p="http://schemas.openxmlformats.org/presentationml/2006/main">
+  <p:cSld>
+    <p:spTree>
+      <p:nvGrpSpPr>
+        <p:cNvPr id="1" name=""/>
+        <p:cNvGrpSpPr/>
+        <p:nvPr/>
+      </p:nvGrpSpPr>
+      <p:grpSpPr>
+        <a:xfrm>
+          <a:off x="0" y="0"/>
+          <a:ext cx="0" cy="0"/>
+          <a:chOff x="0" y="0"/>
+          <a:chExt cx="0" cy="0"/>
+        </a:xfrm>
+      </p:grpSpPr>
+      <p:sp>
+        <p:nvSpPr>
+          <p:cNvPr id="2" name="Slide Image Placeholder 1"/>
+          <p:cNvSpPr>
+            <a:spLocks noGrp="1" noRot="1" noChangeAspect="1"/>
+          </p:cNvSpPr>
+          <p:nvPr>
+            <p:ph type="sldImg"/>
+          </p:nvPr>
+        </p:nvSpPr>
+        <p:spPr/>
+      </p:sp>
+      <p:sp>
+        <p:nvSpPr>
+          <p:cNvPr id="3" name="Notes Placeholder 2"/>
+          <p:cNvSpPr>
+            <a:spLocks noGrp="1"/>
+          </p:cNvSpPr>
+          <p:nvPr>
+            <p:ph type="body" idx="1"/>
+          </p:nvPr>
+        </p:nvSpPr>
+        <p:spPr/>
+        <p:txBody>
+          <a:bodyPr/>
+          <a:lstStyle/>
+          <a:p>
+            <a:endParaRPr lang="en-US" dirty="0"/>
+          </a:p>
+        </p:txBody>
+      </p:sp>
+      <p:sp>
+        <p:nvSpPr>
+          <p:cNvPr id="4" name="Slide Number Placeholder 3"/>
+          <p:cNvSpPr>
+            <a:spLocks noGrp="1"/>
+          </p:cNvSpPr>
+          <p:nvPr>
+            <p:ph type="sldNum" sz="quarter" idx="10"/>
+          </p:nvPr>
+        </p:nvSpPr>
+        <p:spPr/>
+        <p:txBody>
+          <a:bodyPr/>
+          <a:lstStyle/>
+          <a:p>
+            <a:fld id="{4DB2BA24-A594-42FE-968E-B893334C608F}" type="slidenum">
+              <a:rPr lang="en-US" smtClean="0"/>
+              <a:t>41</a:t>
+            </a:fld>
+            <a:endParaRPr lang="en-US"/>
+          </a:p>
+        </p:txBody>
+      </p:sp>
+    </p:spTree>
+    <p:extLst>
+      <p:ext uri="{BB962C8B-B14F-4D97-AF65-F5344CB8AC3E}">
+        <p14:creationId xmlns:p14="http://schemas.microsoft.com/office/powerpoint/2010/main" val="1950968221"/>
       </p:ext>
     </p:extLst>
   </p:cSld>
@@ -5573,7 +5792,7 @@
             <a:fld id="{B61BEF0D-F0BB-DE4B-95CE-6DB70DBA9567}" type="datetimeFigureOut">
               <a:rPr lang="en-US" dirty="0"/>
               <a:pPr/>
-              <a:t>1/19/2019</a:t>
+              <a:t>1/20/2019</a:t>
             </a:fld>
             <a:endParaRPr lang="en-US" dirty="0"/>
           </a:p>
@@ -6006,7 +6225,7 @@
             <a:fld id="{B61BEF0D-F0BB-DE4B-95CE-6DB70DBA9567}" type="datetimeFigureOut">
               <a:rPr lang="en-US" dirty="0"/>
               <a:pPr/>
-              <a:t>1/19/2019</a:t>
+              <a:t>1/20/2019</a:t>
             </a:fld>
             <a:endParaRPr lang="en-US" dirty="0"/>
           </a:p>
@@ -6253,7 +6472,7 @@
             <a:fld id="{B61BEF0D-F0BB-DE4B-95CE-6DB70DBA9567}" type="datetimeFigureOut">
               <a:rPr lang="en-US" dirty="0"/>
               <a:pPr/>
-              <a:t>1/19/2019</a:t>
+              <a:t>1/20/2019</a:t>
             </a:fld>
             <a:endParaRPr lang="en-US" dirty="0"/>
           </a:p>
@@ -6558,7 +6777,7 @@
             <a:fld id="{B61BEF0D-F0BB-DE4B-95CE-6DB70DBA9567}" type="datetimeFigureOut">
               <a:rPr lang="en-US" dirty="0"/>
               <a:pPr/>
-              <a:t>1/19/2019</a:t>
+              <a:t>1/20/2019</a:t>
             </a:fld>
             <a:endParaRPr lang="en-US" dirty="0"/>
           </a:p>
@@ -6873,7 +7092,7 @@
             <a:fld id="{B61BEF0D-F0BB-DE4B-95CE-6DB70DBA9567}" type="datetimeFigureOut">
               <a:rPr lang="en-US" dirty="0"/>
               <a:pPr/>
-              <a:t>1/19/2019</a:t>
+              <a:t>1/20/2019</a:t>
             </a:fld>
             <a:endParaRPr lang="en-US" dirty="0"/>
           </a:p>
@@ -7172,7 +7391,7 @@
             <a:fld id="{B61BEF0D-F0BB-DE4B-95CE-6DB70DBA9567}" type="datetimeFigureOut">
               <a:rPr lang="en-US" dirty="0"/>
               <a:pPr/>
-              <a:t>1/19/2019</a:t>
+              <a:t>1/20/2019</a:t>
             </a:fld>
             <a:endParaRPr lang="en-US" dirty="0"/>
           </a:p>
@@ -7536,7 +7755,7 @@
             <a:fld id="{B61BEF0D-F0BB-DE4B-95CE-6DB70DBA9567}" type="datetimeFigureOut">
               <a:rPr lang="en-US" dirty="0"/>
               <a:pPr/>
-              <a:t>1/19/2019</a:t>
+              <a:t>1/20/2019</a:t>
             </a:fld>
             <a:endParaRPr lang="en-US" dirty="0"/>
           </a:p>
@@ -7707,7 +7926,7 @@
             <a:fld id="{B61BEF0D-F0BB-DE4B-95CE-6DB70DBA9567}" type="datetimeFigureOut">
               <a:rPr lang="en-US" dirty="0"/>
               <a:pPr/>
-              <a:t>1/19/2019</a:t>
+              <a:t>1/20/2019</a:t>
             </a:fld>
             <a:endParaRPr lang="en-US" dirty="0"/>
           </a:p>
@@ -7884,7 +8103,7 @@
             <a:fld id="{B61BEF0D-F0BB-DE4B-95CE-6DB70DBA9567}" type="datetimeFigureOut">
               <a:rPr lang="en-US" dirty="0"/>
               <a:pPr/>
-              <a:t>1/19/2019</a:t>
+              <a:t>1/20/2019</a:t>
             </a:fld>
             <a:endParaRPr lang="en-US" dirty="0"/>
           </a:p>
@@ -8051,7 +8270,7 @@
             <a:fld id="{B61BEF0D-F0BB-DE4B-95CE-6DB70DBA9567}" type="datetimeFigureOut">
               <a:rPr lang="en-US" dirty="0"/>
               <a:pPr/>
-              <a:t>1/19/2019</a:t>
+              <a:t>1/20/2019</a:t>
             </a:fld>
             <a:endParaRPr lang="en-US" dirty="0"/>
           </a:p>
@@ -8298,7 +8517,7 @@
             <a:fld id="{B61BEF0D-F0BB-DE4B-95CE-6DB70DBA9567}" type="datetimeFigureOut">
               <a:rPr lang="en-US" dirty="0"/>
               <a:pPr/>
-              <a:t>1/19/2019</a:t>
+              <a:t>1/20/2019</a:t>
             </a:fld>
             <a:endParaRPr lang="en-US" dirty="0"/>
           </a:p>
@@ -8531,7 +8750,7 @@
             <a:fld id="{B61BEF0D-F0BB-DE4B-95CE-6DB70DBA9567}" type="datetimeFigureOut">
               <a:rPr lang="en-US" dirty="0"/>
               <a:pPr/>
-              <a:t>1/19/2019</a:t>
+              <a:t>1/20/2019</a:t>
             </a:fld>
             <a:endParaRPr lang="en-US" dirty="0"/>
           </a:p>
@@ -8910,7 +9129,7 @@
             <a:fld id="{B61BEF0D-F0BB-DE4B-95CE-6DB70DBA9567}" type="datetimeFigureOut">
               <a:rPr lang="en-US" dirty="0"/>
               <a:pPr/>
-              <a:t>1/19/2019</a:t>
+              <a:t>1/20/2019</a:t>
             </a:fld>
             <a:endParaRPr lang="en-US" dirty="0"/>
           </a:p>
@@ -9025,7 +9244,7 @@
             <a:fld id="{B61BEF0D-F0BB-DE4B-95CE-6DB70DBA9567}" type="datetimeFigureOut">
               <a:rPr lang="en-US" dirty="0"/>
               <a:pPr/>
-              <a:t>1/19/2019</a:t>
+              <a:t>1/20/2019</a:t>
             </a:fld>
             <a:endParaRPr lang="en-US" dirty="0"/>
           </a:p>
@@ -9117,7 +9336,7 @@
             <a:fld id="{B61BEF0D-F0BB-DE4B-95CE-6DB70DBA9567}" type="datetimeFigureOut">
               <a:rPr lang="en-US" dirty="0"/>
               <a:pPr/>
-              <a:t>1/19/2019</a:t>
+              <a:t>1/20/2019</a:t>
             </a:fld>
             <a:endParaRPr lang="en-US" dirty="0"/>
           </a:p>
@@ -9369,7 +9588,7 @@
             <a:fld id="{B61BEF0D-F0BB-DE4B-95CE-6DB70DBA9567}" type="datetimeFigureOut">
               <a:rPr lang="en-US" dirty="0"/>
               <a:pPr/>
-              <a:t>1/19/2019</a:t>
+              <a:t>1/20/2019</a:t>
             </a:fld>
             <a:endParaRPr lang="en-US" dirty="0"/>
           </a:p>
@@ -9649,7 +9868,7 @@
             <a:fld id="{B61BEF0D-F0BB-DE4B-95CE-6DB70DBA9567}" type="datetimeFigureOut">
               <a:rPr lang="en-US" dirty="0"/>
               <a:pPr/>
-              <a:t>1/19/2019</a:t>
+              <a:t>1/20/2019</a:t>
             </a:fld>
             <a:endParaRPr lang="en-US" dirty="0"/>
           </a:p>
@@ -10052,7 +10271,7 @@
             <a:fld id="{B61BEF0D-F0BB-DE4B-95CE-6DB70DBA9567}" type="datetimeFigureOut">
               <a:rPr lang="en-US" dirty="0"/>
               <a:pPr/>
-              <a:t>1/19/2019</a:t>
+              <a:t>1/20/2019</a:t>
             </a:fld>
             <a:endParaRPr lang="en-US" dirty="0"/>
           </a:p>
@@ -18914,7 +19133,7 @@
                 </a:solidFill>
                 <a:latin typeface="+mj-lt"/>
               </a:rPr>
-              <a:t>Dependency Injection</a:t>
+              <a:t>Logging</a:t>
             </a:r>
           </a:p>
           <a:p>
@@ -19097,6 +19316,999 @@
           </a:fontRef>
         </p:style>
       </p:cxnSp>
+      <p:sp>
+        <p:nvSpPr>
+          <p:cNvPr id="8" name="Text Placeholder 2">
+            <a:extLst>
+              <a:ext uri="{FF2B5EF4-FFF2-40B4-BE49-F238E27FC236}">
+                <a16:creationId xmlns:a16="http://schemas.microsoft.com/office/drawing/2014/main" id="{B4F55279-DDFF-490F-8778-B97C0C7141EA}"/>
+              </a:ext>
+            </a:extLst>
+          </p:cNvPr>
+          <p:cNvSpPr>
+            <a:spLocks noGrp="1"/>
+          </p:cNvSpPr>
+          <p:nvPr>
+            <p:ph type="body" idx="1"/>
+          </p:nvPr>
+        </p:nvSpPr>
+        <p:spPr>
+          <a:xfrm>
+            <a:off x="460118" y="1741542"/>
+            <a:ext cx="4121930" cy="3374915"/>
+          </a:xfrm>
+        </p:spPr>
+        <p:txBody>
+          <a:bodyPr>
+            <a:normAutofit/>
+          </a:bodyPr>
+          <a:lstStyle/>
+          <a:p>
+            <a:pPr marL="342900" indent="-342900">
+              <a:buFont typeface="Arial" panose="020B0604020202020204" pitchFamily="34" charset="0"/>
+              <a:buChar char="•"/>
+            </a:pPr>
+            <a:r>
+              <a:rPr lang="en-US" sz="2500" b="1"/>
+              <a:t>Console</a:t>
+            </a:r>
+            <a:endParaRPr lang="en-US" sz="2500" b="1" dirty="0"/>
+          </a:p>
+          <a:p>
+            <a:pPr marL="342900" indent="-342900">
+              <a:buFont typeface="Arial" panose="020B0604020202020204" pitchFamily="34" charset="0"/>
+              <a:buChar char="•"/>
+            </a:pPr>
+            <a:r>
+              <a:rPr lang="en-US" sz="2500" b="1" dirty="0"/>
+              <a:t>Debug</a:t>
+            </a:r>
+          </a:p>
+          <a:p>
+            <a:pPr marL="342900" indent="-342900">
+              <a:buFont typeface="Arial" panose="020B0604020202020204" pitchFamily="34" charset="0"/>
+              <a:buChar char="•"/>
+            </a:pPr>
+            <a:r>
+              <a:rPr lang="en-US" sz="2500" b="1" dirty="0" err="1"/>
+              <a:t>EventSource</a:t>
+            </a:r>
+            <a:endParaRPr lang="en-US" sz="2500" b="1" dirty="0"/>
+          </a:p>
+          <a:p>
+            <a:pPr marL="342900" indent="-342900">
+              <a:buFont typeface="Arial" panose="020B0604020202020204" pitchFamily="34" charset="0"/>
+              <a:buChar char="•"/>
+            </a:pPr>
+            <a:r>
+              <a:rPr lang="en-US" sz="2500" b="1" dirty="0" err="1"/>
+              <a:t>EventLog</a:t>
+            </a:r>
+            <a:endParaRPr lang="en-US" sz="2500" b="1" dirty="0"/>
+          </a:p>
+          <a:p>
+            <a:pPr marL="342900" indent="-342900">
+              <a:buFont typeface="Arial" panose="020B0604020202020204" pitchFamily="34" charset="0"/>
+              <a:buChar char="•"/>
+            </a:pPr>
+            <a:r>
+              <a:rPr lang="en-US" sz="2500" b="1" dirty="0" err="1"/>
+              <a:t>TraceSource</a:t>
+            </a:r>
+            <a:endParaRPr lang="en-US" sz="2500" b="1" dirty="0"/>
+          </a:p>
+          <a:p>
+            <a:pPr marL="342900" indent="-342900">
+              <a:buFont typeface="Arial" panose="020B0604020202020204" pitchFamily="34" charset="0"/>
+              <a:buChar char="•"/>
+            </a:pPr>
+            <a:r>
+              <a:rPr lang="en-US" sz="2500" b="1" dirty="0"/>
+              <a:t>Azure</a:t>
+            </a:r>
+          </a:p>
+          <a:p>
+            <a:pPr marL="342900" indent="-342900">
+              <a:buFont typeface="Arial" panose="020B0604020202020204" pitchFamily="34" charset="0"/>
+              <a:buChar char="•"/>
+            </a:pPr>
+            <a:endParaRPr lang="en-US" sz="2500" b="1" dirty="0"/>
+          </a:p>
+        </p:txBody>
+      </p:sp>
+      <p:sp>
+        <p:nvSpPr>
+          <p:cNvPr id="13" name="Text Placeholder 2">
+            <a:extLst>
+              <a:ext uri="{FF2B5EF4-FFF2-40B4-BE49-F238E27FC236}">
+                <a16:creationId xmlns:a16="http://schemas.microsoft.com/office/drawing/2014/main" id="{F14971A3-1885-47DB-870A-0A0E09933E5D}"/>
+              </a:ext>
+            </a:extLst>
+          </p:cNvPr>
+          <p:cNvSpPr txBox="1">
+            <a:spLocks/>
+          </p:cNvSpPr>
+          <p:nvPr/>
+        </p:nvSpPr>
+        <p:spPr>
+          <a:xfrm>
+            <a:off x="5084465" y="1805166"/>
+            <a:ext cx="5516859" cy="3374915"/>
+          </a:xfrm>
+          <a:prstGeom prst="rect">
+            <a:avLst/>
+          </a:prstGeom>
+        </p:spPr>
+        <p:txBody>
+          <a:bodyPr vert="horz" lIns="91440" tIns="45720" rIns="91440" bIns="45720" rtlCol="0" anchor="t">
+            <a:normAutofit/>
+          </a:bodyPr>
+          <a:lstStyle>
+            <a:lvl1pPr marL="0" indent="0" algn="l" defTabSz="457200" rtl="0" eaLnBrk="1" latinLnBrk="0" hangingPunct="1">
+              <a:spcBef>
+                <a:spcPct val="20000"/>
+              </a:spcBef>
+              <a:spcAft>
+                <a:spcPts val="600"/>
+              </a:spcAft>
+              <a:buClr>
+                <a:schemeClr val="tx1"/>
+              </a:buClr>
+              <a:buSzPct val="80000"/>
+              <a:buFont typeface="Wingdings 3" panose="05040102010807070707" pitchFamily="18" charset="2"/>
+              <a:buNone/>
+              <a:defRPr sz="2000" kern="1200" cap="none">
+                <a:solidFill>
+                  <a:schemeClr val="bg2">
+                    <a:lumMod val="75000"/>
+                  </a:schemeClr>
+                </a:solidFill>
+                <a:effectLst/>
+                <a:latin typeface="+mn-lt"/>
+                <a:ea typeface="+mn-ea"/>
+                <a:cs typeface="+mn-cs"/>
+              </a:defRPr>
+            </a:lvl1pPr>
+            <a:lvl2pPr marL="457200" indent="0" algn="l" defTabSz="457200" rtl="0" eaLnBrk="1" latinLnBrk="0" hangingPunct="1">
+              <a:spcBef>
+                <a:spcPct val="20000"/>
+              </a:spcBef>
+              <a:spcAft>
+                <a:spcPts val="600"/>
+              </a:spcAft>
+              <a:buClr>
+                <a:schemeClr val="tx1"/>
+              </a:buClr>
+              <a:buSzPct val="80000"/>
+              <a:buFont typeface="Wingdings 3" panose="05040102010807070707" pitchFamily="18" charset="2"/>
+              <a:buNone/>
+              <a:defRPr sz="1800" kern="1200" cap="none">
+                <a:solidFill>
+                  <a:schemeClr val="tx1">
+                    <a:tint val="75000"/>
+                  </a:schemeClr>
+                </a:solidFill>
+                <a:effectLst/>
+                <a:latin typeface="+mn-lt"/>
+                <a:ea typeface="+mn-ea"/>
+                <a:cs typeface="+mn-cs"/>
+              </a:defRPr>
+            </a:lvl2pPr>
+            <a:lvl3pPr marL="914400" indent="0" algn="l" defTabSz="457200" rtl="0" eaLnBrk="1" latinLnBrk="0" hangingPunct="1">
+              <a:spcBef>
+                <a:spcPct val="20000"/>
+              </a:spcBef>
+              <a:spcAft>
+                <a:spcPts val="600"/>
+              </a:spcAft>
+              <a:buClr>
+                <a:schemeClr val="tx1"/>
+              </a:buClr>
+              <a:buSzPct val="80000"/>
+              <a:buFont typeface="Wingdings 3" panose="05040102010807070707" pitchFamily="18" charset="2"/>
+              <a:buNone/>
+              <a:defRPr sz="1600" kern="1200" cap="none">
+                <a:solidFill>
+                  <a:schemeClr val="tx1">
+                    <a:tint val="75000"/>
+                  </a:schemeClr>
+                </a:solidFill>
+                <a:effectLst/>
+                <a:latin typeface="+mn-lt"/>
+                <a:ea typeface="+mn-ea"/>
+                <a:cs typeface="+mn-cs"/>
+              </a:defRPr>
+            </a:lvl3pPr>
+            <a:lvl4pPr marL="1371600" indent="0" algn="l" defTabSz="457200" rtl="0" eaLnBrk="1" latinLnBrk="0" hangingPunct="1">
+              <a:spcBef>
+                <a:spcPct val="20000"/>
+              </a:spcBef>
+              <a:spcAft>
+                <a:spcPts val="600"/>
+              </a:spcAft>
+              <a:buClr>
+                <a:schemeClr val="tx1"/>
+              </a:buClr>
+              <a:buSzPct val="80000"/>
+              <a:buFont typeface="Wingdings 3" panose="05040102010807070707" pitchFamily="18" charset="2"/>
+              <a:buNone/>
+              <a:defRPr sz="1400" kern="1200" cap="none">
+                <a:solidFill>
+                  <a:schemeClr val="tx1">
+                    <a:tint val="75000"/>
+                  </a:schemeClr>
+                </a:solidFill>
+                <a:effectLst/>
+                <a:latin typeface="+mn-lt"/>
+                <a:ea typeface="+mn-ea"/>
+                <a:cs typeface="+mn-cs"/>
+              </a:defRPr>
+            </a:lvl4pPr>
+            <a:lvl5pPr marL="1828800" indent="0" algn="l" defTabSz="457200" rtl="0" eaLnBrk="1" latinLnBrk="0" hangingPunct="1">
+              <a:spcBef>
+                <a:spcPct val="20000"/>
+              </a:spcBef>
+              <a:spcAft>
+                <a:spcPts val="600"/>
+              </a:spcAft>
+              <a:buClr>
+                <a:schemeClr val="tx1"/>
+              </a:buClr>
+              <a:buSzPct val="80000"/>
+              <a:buFont typeface="Wingdings 3" panose="05040102010807070707" pitchFamily="18" charset="2"/>
+              <a:buNone/>
+              <a:defRPr sz="1400" kern="1200" cap="none">
+                <a:solidFill>
+                  <a:schemeClr val="tx1">
+                    <a:tint val="75000"/>
+                  </a:schemeClr>
+                </a:solidFill>
+                <a:effectLst/>
+                <a:latin typeface="+mn-lt"/>
+                <a:ea typeface="+mn-ea"/>
+                <a:cs typeface="+mn-cs"/>
+              </a:defRPr>
+            </a:lvl5pPr>
+            <a:lvl6pPr marL="2286000" indent="0" algn="l" defTabSz="457200" rtl="0" eaLnBrk="1" latinLnBrk="0" hangingPunct="1">
+              <a:spcBef>
+                <a:spcPct val="20000"/>
+              </a:spcBef>
+              <a:spcAft>
+                <a:spcPts val="600"/>
+              </a:spcAft>
+              <a:buClr>
+                <a:schemeClr val="tx1"/>
+              </a:buClr>
+              <a:buSzPct val="80000"/>
+              <a:buFont typeface="Wingdings 3" panose="05040102010807070707" pitchFamily="18" charset="2"/>
+              <a:buNone/>
+              <a:defRPr sz="1400" kern="1200" cap="none">
+                <a:solidFill>
+                  <a:schemeClr val="tx1">
+                    <a:tint val="75000"/>
+                  </a:schemeClr>
+                </a:solidFill>
+                <a:effectLst/>
+                <a:latin typeface="+mn-lt"/>
+                <a:ea typeface="+mn-ea"/>
+                <a:cs typeface="+mn-cs"/>
+              </a:defRPr>
+            </a:lvl6pPr>
+            <a:lvl7pPr marL="2743200" indent="0" algn="l" defTabSz="457200" rtl="0" eaLnBrk="1" latinLnBrk="0" hangingPunct="1">
+              <a:spcBef>
+                <a:spcPct val="20000"/>
+              </a:spcBef>
+              <a:spcAft>
+                <a:spcPts val="600"/>
+              </a:spcAft>
+              <a:buClr>
+                <a:schemeClr val="tx1"/>
+              </a:buClr>
+              <a:buSzPct val="80000"/>
+              <a:buFont typeface="Wingdings 3" panose="05040102010807070707" pitchFamily="18" charset="2"/>
+              <a:buNone/>
+              <a:defRPr sz="1400" kern="1200" cap="none">
+                <a:solidFill>
+                  <a:schemeClr val="tx1">
+                    <a:tint val="75000"/>
+                  </a:schemeClr>
+                </a:solidFill>
+                <a:effectLst/>
+                <a:latin typeface="+mn-lt"/>
+                <a:ea typeface="+mn-ea"/>
+                <a:cs typeface="+mn-cs"/>
+              </a:defRPr>
+            </a:lvl7pPr>
+            <a:lvl8pPr marL="3200400" indent="0" algn="l" defTabSz="457200" rtl="0" eaLnBrk="1" latinLnBrk="0" hangingPunct="1">
+              <a:spcBef>
+                <a:spcPct val="20000"/>
+              </a:spcBef>
+              <a:spcAft>
+                <a:spcPts val="600"/>
+              </a:spcAft>
+              <a:buClr>
+                <a:schemeClr val="tx1"/>
+              </a:buClr>
+              <a:buSzPct val="80000"/>
+              <a:buFont typeface="Wingdings 3" panose="05040102010807070707" pitchFamily="18" charset="2"/>
+              <a:buNone/>
+              <a:defRPr sz="1400" kern="1200" cap="none">
+                <a:solidFill>
+                  <a:schemeClr val="tx1">
+                    <a:tint val="75000"/>
+                  </a:schemeClr>
+                </a:solidFill>
+                <a:effectLst/>
+                <a:latin typeface="+mn-lt"/>
+                <a:ea typeface="+mn-ea"/>
+                <a:cs typeface="+mn-cs"/>
+              </a:defRPr>
+            </a:lvl8pPr>
+            <a:lvl9pPr marL="3657600" indent="0" algn="l" defTabSz="457200" rtl="0" eaLnBrk="1" latinLnBrk="0" hangingPunct="1">
+              <a:spcBef>
+                <a:spcPct val="20000"/>
+              </a:spcBef>
+              <a:spcAft>
+                <a:spcPts val="600"/>
+              </a:spcAft>
+              <a:buClr>
+                <a:schemeClr val="tx1"/>
+              </a:buClr>
+              <a:buSzPct val="80000"/>
+              <a:buFont typeface="Wingdings 3" panose="05040102010807070707" pitchFamily="18" charset="2"/>
+              <a:buNone/>
+              <a:defRPr sz="1400" kern="1200" cap="none">
+                <a:solidFill>
+                  <a:schemeClr val="tx1">
+                    <a:tint val="75000"/>
+                  </a:schemeClr>
+                </a:solidFill>
+                <a:effectLst/>
+                <a:latin typeface="+mn-lt"/>
+                <a:ea typeface="+mn-ea"/>
+                <a:cs typeface="+mn-cs"/>
+              </a:defRPr>
+            </a:lvl9pPr>
+          </a:lstStyle>
+          <a:p>
+            <a:pPr marL="342900" indent="-342900">
+              <a:buFont typeface="Arial" panose="020B0604020202020204" pitchFamily="34" charset="0"/>
+              <a:buChar char="•"/>
+            </a:pPr>
+            <a:endParaRPr lang="en-US" sz="2500" b="1" dirty="0"/>
+          </a:p>
+        </p:txBody>
+      </p:sp>
+    </p:spTree>
+    <p:extLst>
+      <p:ext uri="{BB962C8B-B14F-4D97-AF65-F5344CB8AC3E}">
+        <p14:creationId xmlns:p14="http://schemas.microsoft.com/office/powerpoint/2010/main" val="4018746407"/>
+      </p:ext>
+    </p:extLst>
+  </p:cSld>
+  <p:clrMapOvr>
+    <a:masterClrMapping/>
+  </p:clrMapOvr>
+  <p:timing>
+    <p:tnLst>
+      <p:par>
+        <p:cTn id="1" dur="indefinite" restart="never" nodeType="tmRoot">
+          <p:childTnLst>
+            <p:seq concurrent="1" nextAc="seek">
+              <p:cTn id="2" dur="indefinite" nodeType="mainSeq">
+                <p:childTnLst>
+                  <p:par>
+                    <p:cTn id="3" fill="hold">
+                      <p:stCondLst>
+                        <p:cond delay="indefinite"/>
+                      </p:stCondLst>
+                      <p:childTnLst>
+                        <p:par>
+                          <p:cTn id="4" fill="hold">
+                            <p:stCondLst>
+                              <p:cond delay="0"/>
+                            </p:stCondLst>
+                            <p:childTnLst>
+                              <p:par>
+                                <p:cTn id="5" presetID="1" presetClass="entr" presetSubtype="0" fill="hold" grpId="0" nodeType="clickEffect">
+                                  <p:stCondLst>
+                                    <p:cond delay="0"/>
+                                  </p:stCondLst>
+                                  <p:childTnLst>
+                                    <p:set>
+                                      <p:cBhvr>
+                                        <p:cTn id="6" dur="1" fill="hold">
+                                          <p:stCondLst>
+                                            <p:cond delay="0"/>
+                                          </p:stCondLst>
+                                        </p:cTn>
+                                        <p:tgtEl>
+                                          <p:spTgt spid="8">
+                                            <p:txEl>
+                                              <p:pRg st="0" end="0"/>
+                                            </p:txEl>
+                                          </p:spTgt>
+                                        </p:tgtEl>
+                                        <p:attrNameLst>
+                                          <p:attrName>style.visibility</p:attrName>
+                                        </p:attrNameLst>
+                                      </p:cBhvr>
+                                      <p:to>
+                                        <p:strVal val="visible"/>
+                                      </p:to>
+                                    </p:set>
+                                  </p:childTnLst>
+                                </p:cTn>
+                              </p:par>
+                            </p:childTnLst>
+                          </p:cTn>
+                        </p:par>
+                      </p:childTnLst>
+                    </p:cTn>
+                  </p:par>
+                  <p:par>
+                    <p:cTn id="7" fill="hold">
+                      <p:stCondLst>
+                        <p:cond delay="indefinite"/>
+                      </p:stCondLst>
+                      <p:childTnLst>
+                        <p:par>
+                          <p:cTn id="8" fill="hold">
+                            <p:stCondLst>
+                              <p:cond delay="0"/>
+                            </p:stCondLst>
+                            <p:childTnLst>
+                              <p:par>
+                                <p:cTn id="9" presetID="1" presetClass="entr" presetSubtype="0" fill="hold" grpId="0" nodeType="clickEffect">
+                                  <p:stCondLst>
+                                    <p:cond delay="0"/>
+                                  </p:stCondLst>
+                                  <p:childTnLst>
+                                    <p:set>
+                                      <p:cBhvr>
+                                        <p:cTn id="10" dur="1" fill="hold">
+                                          <p:stCondLst>
+                                            <p:cond delay="0"/>
+                                          </p:stCondLst>
+                                        </p:cTn>
+                                        <p:tgtEl>
+                                          <p:spTgt spid="8">
+                                            <p:txEl>
+                                              <p:pRg st="1" end="1"/>
+                                            </p:txEl>
+                                          </p:spTgt>
+                                        </p:tgtEl>
+                                        <p:attrNameLst>
+                                          <p:attrName>style.visibility</p:attrName>
+                                        </p:attrNameLst>
+                                      </p:cBhvr>
+                                      <p:to>
+                                        <p:strVal val="visible"/>
+                                      </p:to>
+                                    </p:set>
+                                  </p:childTnLst>
+                                </p:cTn>
+                              </p:par>
+                            </p:childTnLst>
+                          </p:cTn>
+                        </p:par>
+                      </p:childTnLst>
+                    </p:cTn>
+                  </p:par>
+                  <p:par>
+                    <p:cTn id="11" fill="hold">
+                      <p:stCondLst>
+                        <p:cond delay="indefinite"/>
+                      </p:stCondLst>
+                      <p:childTnLst>
+                        <p:par>
+                          <p:cTn id="12" fill="hold">
+                            <p:stCondLst>
+                              <p:cond delay="0"/>
+                            </p:stCondLst>
+                            <p:childTnLst>
+                              <p:par>
+                                <p:cTn id="13" presetID="1" presetClass="entr" presetSubtype="0" fill="hold" grpId="0" nodeType="clickEffect">
+                                  <p:stCondLst>
+                                    <p:cond delay="0"/>
+                                  </p:stCondLst>
+                                  <p:childTnLst>
+                                    <p:set>
+                                      <p:cBhvr>
+                                        <p:cTn id="14" dur="1" fill="hold">
+                                          <p:stCondLst>
+                                            <p:cond delay="0"/>
+                                          </p:stCondLst>
+                                        </p:cTn>
+                                        <p:tgtEl>
+                                          <p:spTgt spid="8">
+                                            <p:txEl>
+                                              <p:pRg st="2" end="2"/>
+                                            </p:txEl>
+                                          </p:spTgt>
+                                        </p:tgtEl>
+                                        <p:attrNameLst>
+                                          <p:attrName>style.visibility</p:attrName>
+                                        </p:attrNameLst>
+                                      </p:cBhvr>
+                                      <p:to>
+                                        <p:strVal val="visible"/>
+                                      </p:to>
+                                    </p:set>
+                                  </p:childTnLst>
+                                </p:cTn>
+                              </p:par>
+                            </p:childTnLst>
+                          </p:cTn>
+                        </p:par>
+                      </p:childTnLst>
+                    </p:cTn>
+                  </p:par>
+                  <p:par>
+                    <p:cTn id="15" fill="hold">
+                      <p:stCondLst>
+                        <p:cond delay="indefinite"/>
+                      </p:stCondLst>
+                      <p:childTnLst>
+                        <p:par>
+                          <p:cTn id="16" fill="hold">
+                            <p:stCondLst>
+                              <p:cond delay="0"/>
+                            </p:stCondLst>
+                            <p:childTnLst>
+                              <p:par>
+                                <p:cTn id="17" presetID="1" presetClass="entr" presetSubtype="0" fill="hold" grpId="0" nodeType="clickEffect">
+                                  <p:stCondLst>
+                                    <p:cond delay="0"/>
+                                  </p:stCondLst>
+                                  <p:childTnLst>
+                                    <p:set>
+                                      <p:cBhvr>
+                                        <p:cTn id="18" dur="1" fill="hold">
+                                          <p:stCondLst>
+                                            <p:cond delay="0"/>
+                                          </p:stCondLst>
+                                        </p:cTn>
+                                        <p:tgtEl>
+                                          <p:spTgt spid="8">
+                                            <p:txEl>
+                                              <p:pRg st="3" end="3"/>
+                                            </p:txEl>
+                                          </p:spTgt>
+                                        </p:tgtEl>
+                                        <p:attrNameLst>
+                                          <p:attrName>style.visibility</p:attrName>
+                                        </p:attrNameLst>
+                                      </p:cBhvr>
+                                      <p:to>
+                                        <p:strVal val="visible"/>
+                                      </p:to>
+                                    </p:set>
+                                  </p:childTnLst>
+                                </p:cTn>
+                              </p:par>
+                            </p:childTnLst>
+                          </p:cTn>
+                        </p:par>
+                      </p:childTnLst>
+                    </p:cTn>
+                  </p:par>
+                  <p:par>
+                    <p:cTn id="19" fill="hold">
+                      <p:stCondLst>
+                        <p:cond delay="indefinite"/>
+                      </p:stCondLst>
+                      <p:childTnLst>
+                        <p:par>
+                          <p:cTn id="20" fill="hold">
+                            <p:stCondLst>
+                              <p:cond delay="0"/>
+                            </p:stCondLst>
+                            <p:childTnLst>
+                              <p:par>
+                                <p:cTn id="21" presetID="1" presetClass="entr" presetSubtype="0" fill="hold" grpId="0" nodeType="clickEffect">
+                                  <p:stCondLst>
+                                    <p:cond delay="0"/>
+                                  </p:stCondLst>
+                                  <p:childTnLst>
+                                    <p:set>
+                                      <p:cBhvr>
+                                        <p:cTn id="22" dur="1" fill="hold">
+                                          <p:stCondLst>
+                                            <p:cond delay="0"/>
+                                          </p:stCondLst>
+                                        </p:cTn>
+                                        <p:tgtEl>
+                                          <p:spTgt spid="8">
+                                            <p:txEl>
+                                              <p:pRg st="4" end="4"/>
+                                            </p:txEl>
+                                          </p:spTgt>
+                                        </p:tgtEl>
+                                        <p:attrNameLst>
+                                          <p:attrName>style.visibility</p:attrName>
+                                        </p:attrNameLst>
+                                      </p:cBhvr>
+                                      <p:to>
+                                        <p:strVal val="visible"/>
+                                      </p:to>
+                                    </p:set>
+                                  </p:childTnLst>
+                                </p:cTn>
+                              </p:par>
+                            </p:childTnLst>
+                          </p:cTn>
+                        </p:par>
+                      </p:childTnLst>
+                    </p:cTn>
+                  </p:par>
+                  <p:par>
+                    <p:cTn id="23" fill="hold">
+                      <p:stCondLst>
+                        <p:cond delay="indefinite"/>
+                      </p:stCondLst>
+                      <p:childTnLst>
+                        <p:par>
+                          <p:cTn id="24" fill="hold">
+                            <p:stCondLst>
+                              <p:cond delay="0"/>
+                            </p:stCondLst>
+                            <p:childTnLst>
+                              <p:par>
+                                <p:cTn id="25" presetID="1" presetClass="entr" presetSubtype="0" fill="hold" grpId="0" nodeType="clickEffect">
+                                  <p:stCondLst>
+                                    <p:cond delay="0"/>
+                                  </p:stCondLst>
+                                  <p:childTnLst>
+                                    <p:set>
+                                      <p:cBhvr>
+                                        <p:cTn id="26" dur="1" fill="hold">
+                                          <p:stCondLst>
+                                            <p:cond delay="0"/>
+                                          </p:stCondLst>
+                                        </p:cTn>
+                                        <p:tgtEl>
+                                          <p:spTgt spid="8">
+                                            <p:txEl>
+                                              <p:pRg st="5" end="5"/>
+                                            </p:txEl>
+                                          </p:spTgt>
+                                        </p:tgtEl>
+                                        <p:attrNameLst>
+                                          <p:attrName>style.visibility</p:attrName>
+                                        </p:attrNameLst>
+                                      </p:cBhvr>
+                                      <p:to>
+                                        <p:strVal val="visible"/>
+                                      </p:to>
+                                    </p:set>
+                                  </p:childTnLst>
+                                </p:cTn>
+                              </p:par>
+                            </p:childTnLst>
+                          </p:cTn>
+                        </p:par>
+                      </p:childTnLst>
+                    </p:cTn>
+                  </p:par>
+                  <p:par>
+                    <p:cTn id="27" fill="hold">
+                      <p:stCondLst>
+                        <p:cond delay="indefinite"/>
+                      </p:stCondLst>
+                      <p:childTnLst>
+                        <p:par>
+                          <p:cTn id="28" fill="hold">
+                            <p:stCondLst>
+                              <p:cond delay="0"/>
+                            </p:stCondLst>
+                            <p:childTnLst>
+                              <p:par>
+                                <p:cTn id="29" presetID="1" presetClass="entr" presetSubtype="0" fill="hold" grpId="0" nodeType="clickEffect" nodePh="1">
+                                  <p:stCondLst>
+                                    <p:cond delay="0"/>
+                                  </p:stCondLst>
+                                  <p:endCondLst>
+                                    <p:cond evt="begin" delay="0">
+                                      <p:tn val="29"/>
+                                    </p:cond>
+                                  </p:endCondLst>
+                                  <p:childTnLst>
+                                    <p:set>
+                                      <p:cBhvr>
+                                        <p:cTn id="30" dur="1" fill="hold">
+                                          <p:stCondLst>
+                                            <p:cond delay="0"/>
+                                          </p:stCondLst>
+                                        </p:cTn>
+                                        <p:tgtEl>
+                                          <p:spTgt spid="13">
+                                            <p:txEl>
+                                              <p:pRg st="0" end="0"/>
+                                            </p:txEl>
+                                          </p:spTgt>
+                                        </p:tgtEl>
+                                        <p:attrNameLst>
+                                          <p:attrName>style.visibility</p:attrName>
+                                        </p:attrNameLst>
+                                      </p:cBhvr>
+                                      <p:to>
+                                        <p:strVal val="visible"/>
+                                      </p:to>
+                                    </p:set>
+                                  </p:childTnLst>
+                                </p:cTn>
+                              </p:par>
+                            </p:childTnLst>
+                          </p:cTn>
+                        </p:par>
+                      </p:childTnLst>
+                    </p:cTn>
+                  </p:par>
+                </p:childTnLst>
+              </p:cTn>
+              <p:prevCondLst>
+                <p:cond evt="onPrev" delay="0">
+                  <p:tgtEl>
+                    <p:sldTgt/>
+                  </p:tgtEl>
+                </p:cond>
+              </p:prevCondLst>
+              <p:nextCondLst>
+                <p:cond evt="onNext" delay="0">
+                  <p:tgtEl>
+                    <p:sldTgt/>
+                  </p:tgtEl>
+                </p:cond>
+              </p:nextCondLst>
+            </p:seq>
+          </p:childTnLst>
+        </p:cTn>
+      </p:par>
+    </p:tnLst>
+    <p:bldLst>
+      <p:bldP spid="8" grpId="0" build="p"/>
+      <p:bldP spid="13" grpId="0" build="p"/>
+    </p:bldLst>
+  </p:timing>
+</p:sld>
+</file>
+
+<file path=ppt/slides/slide26.xml><?xml version="1.0" encoding="utf-8"?>
+<p:sld xmlns:a="http://schemas.openxmlformats.org/drawingml/2006/main" xmlns:r="http://schemas.openxmlformats.org/officeDocument/2006/relationships" xmlns:p="http://schemas.openxmlformats.org/presentationml/2006/main">
+  <p:cSld>
+    <p:spTree>
+      <p:nvGrpSpPr>
+        <p:cNvPr id="1" name=""/>
+        <p:cNvGrpSpPr/>
+        <p:nvPr/>
+      </p:nvGrpSpPr>
+      <p:grpSpPr>
+        <a:xfrm>
+          <a:off x="0" y="0"/>
+          <a:ext cx="0" cy="0"/>
+          <a:chOff x="0" y="0"/>
+          <a:chExt cx="0" cy="0"/>
+        </a:xfrm>
+      </p:grpSpPr>
+      <p:sp>
+        <p:nvSpPr>
+          <p:cNvPr id="28" name="CasetăText 4">
+            <a:extLst>
+              <a:ext uri="{FF2B5EF4-FFF2-40B4-BE49-F238E27FC236}">
+                <a16:creationId xmlns:a16="http://schemas.microsoft.com/office/drawing/2014/main" id="{F0D295F1-C3F5-4D31-BBA9-28B9BA5F35AC}"/>
+              </a:ext>
+            </a:extLst>
+          </p:cNvPr>
+          <p:cNvSpPr txBox="1"/>
+          <p:nvPr/>
+        </p:nvSpPr>
+        <p:spPr>
+          <a:xfrm>
+            <a:off x="460119" y="255348"/>
+            <a:ext cx="11594592" cy="1323439"/>
+          </a:xfrm>
+          <a:prstGeom prst="rect">
+            <a:avLst/>
+          </a:prstGeom>
+          <a:noFill/>
+        </p:spPr>
+        <p:txBody>
+          <a:bodyPr wrap="square" rtlCol="0">
+            <a:spAutoFit/>
+          </a:bodyPr>
+          <a:lstStyle/>
+          <a:p>
+            <a:r>
+              <a:rPr lang="nl-NL" sz="4000" dirty="0">
+                <a:solidFill>
+                  <a:srgbClr val="002060"/>
+                </a:solidFill>
+                <a:latin typeface="+mj-lt"/>
+              </a:rPr>
+              <a:t>Dependency Injection</a:t>
+            </a:r>
+          </a:p>
+          <a:p>
+            <a:endParaRPr lang="nl-NL" sz="4000" dirty="0">
+              <a:solidFill>
+                <a:srgbClr val="002060"/>
+              </a:solidFill>
+              <a:latin typeface="+mj-lt"/>
+            </a:endParaRPr>
+          </a:p>
+        </p:txBody>
+      </p:sp>
+      <p:cxnSp>
+        <p:nvCxnSpPr>
+          <p:cNvPr id="9" name="Conector drept 18">
+            <a:extLst>
+              <a:ext uri="{FF2B5EF4-FFF2-40B4-BE49-F238E27FC236}">
+                <a16:creationId xmlns:a16="http://schemas.microsoft.com/office/drawing/2014/main" id="{6C2F65DC-5964-4D4F-B04D-F7F876E45721}"/>
+              </a:ext>
+            </a:extLst>
+          </p:cNvPr>
+          <p:cNvCxnSpPr/>
+          <p:nvPr/>
+        </p:nvCxnSpPr>
+        <p:spPr>
+          <a:xfrm flipV="1">
+            <a:off x="574740" y="1097280"/>
+            <a:ext cx="3430332" cy="36576"/>
+          </a:xfrm>
+          <a:prstGeom prst="line">
+            <a:avLst/>
+          </a:prstGeom>
+          <a:ln>
+            <a:solidFill>
+              <a:schemeClr val="tx1">
+                <a:alpha val="60000"/>
+              </a:schemeClr>
+            </a:solidFill>
+          </a:ln>
+        </p:spPr>
+        <p:style>
+          <a:lnRef idx="1">
+            <a:schemeClr val="accent1"/>
+          </a:lnRef>
+          <a:fillRef idx="0">
+            <a:schemeClr val="accent1"/>
+          </a:fillRef>
+          <a:effectRef idx="0">
+            <a:schemeClr val="accent1"/>
+          </a:effectRef>
+          <a:fontRef idx="minor">
+            <a:schemeClr val="tx1"/>
+          </a:fontRef>
+        </p:style>
+      </p:cxnSp>
+      <p:cxnSp>
+        <p:nvCxnSpPr>
+          <p:cNvPr id="10" name="Conector drept 19">
+            <a:extLst>
+              <a:ext uri="{FF2B5EF4-FFF2-40B4-BE49-F238E27FC236}">
+                <a16:creationId xmlns:a16="http://schemas.microsoft.com/office/drawing/2014/main" id="{B33334A7-038B-4266-8D9C-AF11DD2B4C63}"/>
+              </a:ext>
+            </a:extLst>
+          </p:cNvPr>
+          <p:cNvCxnSpPr/>
+          <p:nvPr/>
+        </p:nvCxnSpPr>
+        <p:spPr>
+          <a:xfrm flipV="1">
+            <a:off x="836868" y="1163200"/>
+            <a:ext cx="3430332" cy="36576"/>
+          </a:xfrm>
+          <a:prstGeom prst="line">
+            <a:avLst/>
+          </a:prstGeom>
+          <a:ln>
+            <a:solidFill>
+              <a:schemeClr val="tx1">
+                <a:alpha val="60000"/>
+              </a:schemeClr>
+            </a:solidFill>
+          </a:ln>
+        </p:spPr>
+        <p:style>
+          <a:lnRef idx="1">
+            <a:schemeClr val="accent1"/>
+          </a:lnRef>
+          <a:fillRef idx="0">
+            <a:schemeClr val="accent1"/>
+          </a:fillRef>
+          <a:effectRef idx="0">
+            <a:schemeClr val="accent1"/>
+          </a:effectRef>
+          <a:fontRef idx="minor">
+            <a:schemeClr val="tx1"/>
+          </a:fontRef>
+        </p:style>
+      </p:cxnSp>
+      <p:cxnSp>
+        <p:nvCxnSpPr>
+          <p:cNvPr id="11" name="Conector drept 20">
+            <a:extLst>
+              <a:ext uri="{FF2B5EF4-FFF2-40B4-BE49-F238E27FC236}">
+                <a16:creationId xmlns:a16="http://schemas.microsoft.com/office/drawing/2014/main" id="{9B187804-42F1-45A6-84BC-7B4AE475690D}"/>
+              </a:ext>
+            </a:extLst>
+          </p:cNvPr>
+          <p:cNvCxnSpPr/>
+          <p:nvPr/>
+        </p:nvCxnSpPr>
+        <p:spPr>
+          <a:xfrm flipV="1">
+            <a:off x="449129" y="1078992"/>
+            <a:ext cx="3430332" cy="36576"/>
+          </a:xfrm>
+          <a:prstGeom prst="line">
+            <a:avLst/>
+          </a:prstGeom>
+          <a:ln>
+            <a:solidFill>
+              <a:schemeClr val="tx1"/>
+            </a:solidFill>
+          </a:ln>
+        </p:spPr>
+        <p:style>
+          <a:lnRef idx="3">
+            <a:schemeClr val="dk1"/>
+          </a:lnRef>
+          <a:fillRef idx="0">
+            <a:schemeClr val="dk1"/>
+          </a:fillRef>
+          <a:effectRef idx="2">
+            <a:schemeClr val="dk1"/>
+          </a:effectRef>
+          <a:fontRef idx="minor">
+            <a:schemeClr val="tx1"/>
+          </a:fontRef>
+        </p:style>
+      </p:cxnSp>
+      <p:cxnSp>
+        <p:nvCxnSpPr>
+          <p:cNvPr id="12" name="Conector drept 21">
+            <a:extLst>
+              <a:ext uri="{FF2B5EF4-FFF2-40B4-BE49-F238E27FC236}">
+                <a16:creationId xmlns:a16="http://schemas.microsoft.com/office/drawing/2014/main" id="{61BB0621-AEAF-4254-B193-354EC1CA8FA1}"/>
+              </a:ext>
+            </a:extLst>
+          </p:cNvPr>
+          <p:cNvCxnSpPr/>
+          <p:nvPr/>
+        </p:nvCxnSpPr>
+        <p:spPr>
+          <a:xfrm flipV="1">
+            <a:off x="836868" y="1011969"/>
+            <a:ext cx="3430332" cy="36576"/>
+          </a:xfrm>
+          <a:prstGeom prst="line">
+            <a:avLst/>
+          </a:prstGeom>
+          <a:ln>
+            <a:solidFill>
+              <a:schemeClr val="tx1">
+                <a:alpha val="60000"/>
+              </a:schemeClr>
+            </a:solidFill>
+          </a:ln>
+        </p:spPr>
+        <p:style>
+          <a:lnRef idx="1">
+            <a:schemeClr val="accent1"/>
+          </a:lnRef>
+          <a:fillRef idx="0">
+            <a:schemeClr val="accent1"/>
+          </a:fillRef>
+          <a:effectRef idx="0">
+            <a:schemeClr val="accent1"/>
+          </a:effectRef>
+          <a:fontRef idx="minor">
+            <a:schemeClr val="tx1"/>
+          </a:fontRef>
+        </p:style>
+      </p:cxnSp>
       <p:pic>
         <p:nvPicPr>
           <p:cNvPr id="3" name="Picture 2">
@@ -19140,7 +20352,7 @@
 </p:sld>
 </file>
 
-<file path=ppt/slides/slide26.xml><?xml version="1.0" encoding="utf-8"?>
+<file path=ppt/slides/slide27.xml><?xml version="1.0" encoding="utf-8"?>
 <p:sld xmlns:a="http://schemas.openxmlformats.org/drawingml/2006/main" xmlns:r="http://schemas.openxmlformats.org/officeDocument/2006/relationships" xmlns:p="http://schemas.openxmlformats.org/presentationml/2006/main">
   <p:cSld>
     <p:spTree>
@@ -19858,7 +21070,7 @@
 </p:sld>
 </file>
 
-<file path=ppt/slides/slide27.xml><?xml version="1.0" encoding="utf-8"?>
+<file path=ppt/slides/slide28.xml><?xml version="1.0" encoding="utf-8"?>
 <p:sld xmlns:a="http://schemas.openxmlformats.org/drawingml/2006/main" xmlns:r="http://schemas.openxmlformats.org/officeDocument/2006/relationships" xmlns:p="http://schemas.openxmlformats.org/presentationml/2006/main">
   <p:cSld>
     <p:spTree>
@@ -20345,7 +21557,7 @@
 </p:sld>
 </file>
 
-<file path=ppt/slides/slide28.xml><?xml version="1.0" encoding="utf-8"?>
+<file path=ppt/slides/slide29.xml><?xml version="1.0" encoding="utf-8"?>
 <p:sld xmlns:a="http://schemas.openxmlformats.org/drawingml/2006/main" xmlns:r="http://schemas.openxmlformats.org/officeDocument/2006/relationships" xmlns:p="http://schemas.openxmlformats.org/presentationml/2006/main">
   <p:cSld>
     <p:spTree>
@@ -20711,7 +21923,303 @@
 </p:sld>
 </file>
 
-<file path=ppt/slides/slide29.xml><?xml version="1.0" encoding="utf-8"?>
+<file path=ppt/slides/slide3.xml><?xml version="1.0" encoding="utf-8"?>
+<p:sld xmlns:a="http://schemas.openxmlformats.org/drawingml/2006/main" xmlns:r="http://schemas.openxmlformats.org/officeDocument/2006/relationships" xmlns:p="http://schemas.openxmlformats.org/presentationml/2006/main">
+  <p:cSld>
+    <p:spTree>
+      <p:nvGrpSpPr>
+        <p:cNvPr id="1" name=""/>
+        <p:cNvGrpSpPr/>
+        <p:nvPr/>
+      </p:nvGrpSpPr>
+      <p:grpSpPr>
+        <a:xfrm>
+          <a:off x="0" y="0"/>
+          <a:ext cx="0" cy="0"/>
+          <a:chOff x="0" y="0"/>
+          <a:chExt cx="0" cy="0"/>
+        </a:xfrm>
+      </p:grpSpPr>
+      <p:sp>
+        <p:nvSpPr>
+          <p:cNvPr id="3" name="Text Placeholder 2">
+            <a:extLst>
+              <a:ext uri="{FF2B5EF4-FFF2-40B4-BE49-F238E27FC236}">
+                <a16:creationId xmlns:a16="http://schemas.microsoft.com/office/drawing/2014/main" id="{BA47D2D5-B52F-4C97-8A04-240E074BB356}"/>
+              </a:ext>
+            </a:extLst>
+          </p:cNvPr>
+          <p:cNvSpPr>
+            <a:spLocks noGrp="1"/>
+          </p:cNvSpPr>
+          <p:nvPr>
+            <p:ph type="body" idx="1"/>
+          </p:nvPr>
+        </p:nvSpPr>
+        <p:spPr>
+          <a:xfrm>
+            <a:off x="460118" y="1646056"/>
+            <a:ext cx="3430332" cy="4446833"/>
+          </a:xfrm>
+        </p:spPr>
+        <p:txBody>
+          <a:bodyPr>
+            <a:normAutofit/>
+          </a:bodyPr>
+          <a:lstStyle/>
+          <a:p>
+            <a:pPr fontAlgn="base"/>
+            <a:r>
+              <a:rPr lang="en-US" dirty="0"/>
+              <a:t>Intro</a:t>
+            </a:r>
+          </a:p>
+          <a:p>
+            <a:pPr marL="742950" lvl="1" indent="-285750" fontAlgn="base">
+              <a:buFont typeface="Arial" panose="020B0604020202020204" pitchFamily="34" charset="0"/>
+              <a:buChar char="•"/>
+            </a:pPr>
+            <a:r>
+              <a:rPr lang="en-US" sz="1700" dirty="0"/>
+              <a:t>History</a:t>
+            </a:r>
+          </a:p>
+          <a:p>
+            <a:pPr marL="742950" lvl="1" indent="-285750" fontAlgn="base">
+              <a:buFont typeface="Arial" panose="020B0604020202020204" pitchFamily="34" charset="0"/>
+              <a:buChar char="•"/>
+            </a:pPr>
+            <a:r>
+              <a:rPr lang="en-US" sz="1700" dirty="0" err="1"/>
+              <a:t>.Net</a:t>
+            </a:r>
+            <a:r>
+              <a:rPr lang="en-US" sz="1700" dirty="0"/>
+              <a:t> Standard</a:t>
+            </a:r>
+          </a:p>
+          <a:p>
+            <a:pPr marL="742950" lvl="1" indent="-285750" fontAlgn="base">
+              <a:buFont typeface="Arial" panose="020B0604020202020204" pitchFamily="34" charset="0"/>
+              <a:buChar char="•"/>
+            </a:pPr>
+            <a:r>
+              <a:rPr lang="en-US" sz="1700" dirty="0"/>
+              <a:t>CLI (command line tooling)</a:t>
+            </a:r>
+          </a:p>
+          <a:p>
+            <a:pPr marL="742950" lvl="1" indent="-285750" fontAlgn="base">
+              <a:buFont typeface="Arial" panose="020B0604020202020204" pitchFamily="34" charset="0"/>
+              <a:buChar char="•"/>
+            </a:pPr>
+            <a:r>
+              <a:rPr lang="en-US" sz="1700" dirty="0"/>
+              <a:t>Project structure</a:t>
+            </a:r>
+          </a:p>
+        </p:txBody>
+      </p:sp>
+      <p:sp>
+        <p:nvSpPr>
+          <p:cNvPr id="5" name="CasetăText 4"/>
+          <p:cNvSpPr txBox="1"/>
+          <p:nvPr/>
+        </p:nvSpPr>
+        <p:spPr>
+          <a:xfrm>
+            <a:off x="460119" y="255348"/>
+            <a:ext cx="11594592" cy="707886"/>
+          </a:xfrm>
+          <a:prstGeom prst="rect">
+            <a:avLst/>
+          </a:prstGeom>
+          <a:noFill/>
+        </p:spPr>
+        <p:txBody>
+          <a:bodyPr wrap="square" rtlCol="0">
+            <a:spAutoFit/>
+          </a:bodyPr>
+          <a:lstStyle/>
+          <a:p>
+            <a:r>
+              <a:rPr lang="ro-RO" sz="4000" dirty="0" err="1">
+                <a:solidFill>
+                  <a:srgbClr val="002060"/>
+                </a:solidFill>
+                <a:latin typeface="+mj-lt"/>
+              </a:rPr>
+              <a:t>Summary</a:t>
+            </a:r>
+            <a:endParaRPr lang="en-US" sz="4000" dirty="0">
+              <a:solidFill>
+                <a:srgbClr val="002060"/>
+              </a:solidFill>
+              <a:latin typeface="+mj-lt"/>
+            </a:endParaRPr>
+          </a:p>
+        </p:txBody>
+      </p:sp>
+      <p:cxnSp>
+        <p:nvCxnSpPr>
+          <p:cNvPr id="19" name="Conector drept 18"/>
+          <p:cNvCxnSpPr/>
+          <p:nvPr/>
+        </p:nvCxnSpPr>
+        <p:spPr>
+          <a:xfrm flipV="1">
+            <a:off x="574740" y="1097280"/>
+            <a:ext cx="3430332" cy="36576"/>
+          </a:xfrm>
+          <a:prstGeom prst="line">
+            <a:avLst/>
+          </a:prstGeom>
+          <a:ln>
+            <a:solidFill>
+              <a:schemeClr val="tx1">
+                <a:alpha val="60000"/>
+              </a:schemeClr>
+            </a:solidFill>
+          </a:ln>
+        </p:spPr>
+        <p:style>
+          <a:lnRef idx="1">
+            <a:schemeClr val="accent1"/>
+          </a:lnRef>
+          <a:fillRef idx="0">
+            <a:schemeClr val="accent1"/>
+          </a:fillRef>
+          <a:effectRef idx="0">
+            <a:schemeClr val="accent1"/>
+          </a:effectRef>
+          <a:fontRef idx="minor">
+            <a:schemeClr val="tx1"/>
+          </a:fontRef>
+        </p:style>
+      </p:cxnSp>
+      <p:cxnSp>
+        <p:nvCxnSpPr>
+          <p:cNvPr id="20" name="Conector drept 19"/>
+          <p:cNvCxnSpPr/>
+          <p:nvPr/>
+        </p:nvCxnSpPr>
+        <p:spPr>
+          <a:xfrm flipV="1">
+            <a:off x="836868" y="1163200"/>
+            <a:ext cx="3430332" cy="36576"/>
+          </a:xfrm>
+          <a:prstGeom prst="line">
+            <a:avLst/>
+          </a:prstGeom>
+          <a:ln>
+            <a:solidFill>
+              <a:schemeClr val="tx1">
+                <a:alpha val="60000"/>
+              </a:schemeClr>
+            </a:solidFill>
+          </a:ln>
+        </p:spPr>
+        <p:style>
+          <a:lnRef idx="1">
+            <a:schemeClr val="accent1"/>
+          </a:lnRef>
+          <a:fillRef idx="0">
+            <a:schemeClr val="accent1"/>
+          </a:fillRef>
+          <a:effectRef idx="0">
+            <a:schemeClr val="accent1"/>
+          </a:effectRef>
+          <a:fontRef idx="minor">
+            <a:schemeClr val="tx1"/>
+          </a:fontRef>
+        </p:style>
+      </p:cxnSp>
+      <p:cxnSp>
+        <p:nvCxnSpPr>
+          <p:cNvPr id="21" name="Conector drept 20"/>
+          <p:cNvCxnSpPr/>
+          <p:nvPr/>
+        </p:nvCxnSpPr>
+        <p:spPr>
+          <a:xfrm flipV="1">
+            <a:off x="449129" y="1078992"/>
+            <a:ext cx="3430332" cy="36576"/>
+          </a:xfrm>
+          <a:prstGeom prst="line">
+            <a:avLst/>
+          </a:prstGeom>
+          <a:ln>
+            <a:solidFill>
+              <a:schemeClr val="tx1"/>
+            </a:solidFill>
+          </a:ln>
+        </p:spPr>
+        <p:style>
+          <a:lnRef idx="3">
+            <a:schemeClr val="dk1"/>
+          </a:lnRef>
+          <a:fillRef idx="0">
+            <a:schemeClr val="dk1"/>
+          </a:fillRef>
+          <a:effectRef idx="2">
+            <a:schemeClr val="dk1"/>
+          </a:effectRef>
+          <a:fontRef idx="minor">
+            <a:schemeClr val="tx1"/>
+          </a:fontRef>
+        </p:style>
+      </p:cxnSp>
+      <p:cxnSp>
+        <p:nvCxnSpPr>
+          <p:cNvPr id="22" name="Conector drept 21"/>
+          <p:cNvCxnSpPr/>
+          <p:nvPr/>
+        </p:nvCxnSpPr>
+        <p:spPr>
+          <a:xfrm flipV="1">
+            <a:off x="836868" y="1011969"/>
+            <a:ext cx="3430332" cy="36576"/>
+          </a:xfrm>
+          <a:prstGeom prst="line">
+            <a:avLst/>
+          </a:prstGeom>
+          <a:ln>
+            <a:solidFill>
+              <a:schemeClr val="tx1">
+                <a:alpha val="60000"/>
+              </a:schemeClr>
+            </a:solidFill>
+          </a:ln>
+        </p:spPr>
+        <p:style>
+          <a:lnRef idx="1">
+            <a:schemeClr val="accent1"/>
+          </a:lnRef>
+          <a:fillRef idx="0">
+            <a:schemeClr val="accent1"/>
+          </a:fillRef>
+          <a:effectRef idx="0">
+            <a:schemeClr val="accent1"/>
+          </a:effectRef>
+          <a:fontRef idx="minor">
+            <a:schemeClr val="tx1"/>
+          </a:fontRef>
+        </p:style>
+      </p:cxnSp>
+    </p:spTree>
+    <p:extLst>
+      <p:ext uri="{BB962C8B-B14F-4D97-AF65-F5344CB8AC3E}">
+        <p14:creationId xmlns:p14="http://schemas.microsoft.com/office/powerpoint/2010/main" val="1883705420"/>
+      </p:ext>
+    </p:extLst>
+  </p:cSld>
+  <p:clrMapOvr>
+    <a:masterClrMapping/>
+  </p:clrMapOvr>
+</p:sld>
+</file>
+
+<file path=ppt/slides/slide30.xml><?xml version="1.0" encoding="utf-8"?>
 <p:sld xmlns:a="http://schemas.openxmlformats.org/drawingml/2006/main" xmlns:r="http://schemas.openxmlformats.org/officeDocument/2006/relationships" xmlns:p="http://schemas.openxmlformats.org/presentationml/2006/main">
   <p:cSld>
     <p:spTree>
@@ -21280,7 +22788,7 @@
     </p:spTree>
     <p:extLst>
       <p:ext uri="{BB962C8B-B14F-4D97-AF65-F5344CB8AC3E}">
-        <p14:creationId xmlns:p14="http://schemas.microsoft.com/office/powerpoint/2010/main" val="4018746407"/>
+        <p14:creationId xmlns:p14="http://schemas.microsoft.com/office/powerpoint/2010/main" val="3543890163"/>
       </p:ext>
     </p:extLst>
   </p:cSld>
@@ -21520,303 +23028,7 @@
 </p:sld>
 </file>
 
-<file path=ppt/slides/slide3.xml><?xml version="1.0" encoding="utf-8"?>
-<p:sld xmlns:a="http://schemas.openxmlformats.org/drawingml/2006/main" xmlns:r="http://schemas.openxmlformats.org/officeDocument/2006/relationships" xmlns:p="http://schemas.openxmlformats.org/presentationml/2006/main">
-  <p:cSld>
-    <p:spTree>
-      <p:nvGrpSpPr>
-        <p:cNvPr id="1" name=""/>
-        <p:cNvGrpSpPr/>
-        <p:nvPr/>
-      </p:nvGrpSpPr>
-      <p:grpSpPr>
-        <a:xfrm>
-          <a:off x="0" y="0"/>
-          <a:ext cx="0" cy="0"/>
-          <a:chOff x="0" y="0"/>
-          <a:chExt cx="0" cy="0"/>
-        </a:xfrm>
-      </p:grpSpPr>
-      <p:sp>
-        <p:nvSpPr>
-          <p:cNvPr id="3" name="Text Placeholder 2">
-            <a:extLst>
-              <a:ext uri="{FF2B5EF4-FFF2-40B4-BE49-F238E27FC236}">
-                <a16:creationId xmlns:a16="http://schemas.microsoft.com/office/drawing/2014/main" id="{BA47D2D5-B52F-4C97-8A04-240E074BB356}"/>
-              </a:ext>
-            </a:extLst>
-          </p:cNvPr>
-          <p:cNvSpPr>
-            <a:spLocks noGrp="1"/>
-          </p:cNvSpPr>
-          <p:nvPr>
-            <p:ph type="body" idx="1"/>
-          </p:nvPr>
-        </p:nvSpPr>
-        <p:spPr>
-          <a:xfrm>
-            <a:off x="460118" y="1646056"/>
-            <a:ext cx="3430332" cy="4446833"/>
-          </a:xfrm>
-        </p:spPr>
-        <p:txBody>
-          <a:bodyPr>
-            <a:normAutofit/>
-          </a:bodyPr>
-          <a:lstStyle/>
-          <a:p>
-            <a:pPr fontAlgn="base"/>
-            <a:r>
-              <a:rPr lang="en-US" dirty="0"/>
-              <a:t>Intro</a:t>
-            </a:r>
-          </a:p>
-          <a:p>
-            <a:pPr marL="742950" lvl="1" indent="-285750" fontAlgn="base">
-              <a:buFont typeface="Arial" panose="020B0604020202020204" pitchFamily="34" charset="0"/>
-              <a:buChar char="•"/>
-            </a:pPr>
-            <a:r>
-              <a:rPr lang="en-US" sz="1700" dirty="0"/>
-              <a:t>History</a:t>
-            </a:r>
-          </a:p>
-          <a:p>
-            <a:pPr marL="742950" lvl="1" indent="-285750" fontAlgn="base">
-              <a:buFont typeface="Arial" panose="020B0604020202020204" pitchFamily="34" charset="0"/>
-              <a:buChar char="•"/>
-            </a:pPr>
-            <a:r>
-              <a:rPr lang="en-US" sz="1700" dirty="0" err="1"/>
-              <a:t>.Net</a:t>
-            </a:r>
-            <a:r>
-              <a:rPr lang="en-US" sz="1700" dirty="0"/>
-              <a:t> Standard</a:t>
-            </a:r>
-          </a:p>
-          <a:p>
-            <a:pPr marL="742950" lvl="1" indent="-285750" fontAlgn="base">
-              <a:buFont typeface="Arial" panose="020B0604020202020204" pitchFamily="34" charset="0"/>
-              <a:buChar char="•"/>
-            </a:pPr>
-            <a:r>
-              <a:rPr lang="en-US" sz="1700" dirty="0"/>
-              <a:t>CLI (command line tooling)</a:t>
-            </a:r>
-          </a:p>
-          <a:p>
-            <a:pPr marL="742950" lvl="1" indent="-285750" fontAlgn="base">
-              <a:buFont typeface="Arial" panose="020B0604020202020204" pitchFamily="34" charset="0"/>
-              <a:buChar char="•"/>
-            </a:pPr>
-            <a:r>
-              <a:rPr lang="en-US" sz="1700" dirty="0"/>
-              <a:t>Project structure</a:t>
-            </a:r>
-          </a:p>
-        </p:txBody>
-      </p:sp>
-      <p:sp>
-        <p:nvSpPr>
-          <p:cNvPr id="5" name="CasetăText 4"/>
-          <p:cNvSpPr txBox="1"/>
-          <p:nvPr/>
-        </p:nvSpPr>
-        <p:spPr>
-          <a:xfrm>
-            <a:off x="460119" y="255348"/>
-            <a:ext cx="11594592" cy="707886"/>
-          </a:xfrm>
-          <a:prstGeom prst="rect">
-            <a:avLst/>
-          </a:prstGeom>
-          <a:noFill/>
-        </p:spPr>
-        <p:txBody>
-          <a:bodyPr wrap="square" rtlCol="0">
-            <a:spAutoFit/>
-          </a:bodyPr>
-          <a:lstStyle/>
-          <a:p>
-            <a:r>
-              <a:rPr lang="ro-RO" sz="4000" dirty="0" err="1">
-                <a:solidFill>
-                  <a:srgbClr val="002060"/>
-                </a:solidFill>
-                <a:latin typeface="+mj-lt"/>
-              </a:rPr>
-              <a:t>Summary</a:t>
-            </a:r>
-            <a:endParaRPr lang="en-US" sz="4000" dirty="0">
-              <a:solidFill>
-                <a:srgbClr val="002060"/>
-              </a:solidFill>
-              <a:latin typeface="+mj-lt"/>
-            </a:endParaRPr>
-          </a:p>
-        </p:txBody>
-      </p:sp>
-      <p:cxnSp>
-        <p:nvCxnSpPr>
-          <p:cNvPr id="19" name="Conector drept 18"/>
-          <p:cNvCxnSpPr/>
-          <p:nvPr/>
-        </p:nvCxnSpPr>
-        <p:spPr>
-          <a:xfrm flipV="1">
-            <a:off x="574740" y="1097280"/>
-            <a:ext cx="3430332" cy="36576"/>
-          </a:xfrm>
-          <a:prstGeom prst="line">
-            <a:avLst/>
-          </a:prstGeom>
-          <a:ln>
-            <a:solidFill>
-              <a:schemeClr val="tx1">
-                <a:alpha val="60000"/>
-              </a:schemeClr>
-            </a:solidFill>
-          </a:ln>
-        </p:spPr>
-        <p:style>
-          <a:lnRef idx="1">
-            <a:schemeClr val="accent1"/>
-          </a:lnRef>
-          <a:fillRef idx="0">
-            <a:schemeClr val="accent1"/>
-          </a:fillRef>
-          <a:effectRef idx="0">
-            <a:schemeClr val="accent1"/>
-          </a:effectRef>
-          <a:fontRef idx="minor">
-            <a:schemeClr val="tx1"/>
-          </a:fontRef>
-        </p:style>
-      </p:cxnSp>
-      <p:cxnSp>
-        <p:nvCxnSpPr>
-          <p:cNvPr id="20" name="Conector drept 19"/>
-          <p:cNvCxnSpPr/>
-          <p:nvPr/>
-        </p:nvCxnSpPr>
-        <p:spPr>
-          <a:xfrm flipV="1">
-            <a:off x="836868" y="1163200"/>
-            <a:ext cx="3430332" cy="36576"/>
-          </a:xfrm>
-          <a:prstGeom prst="line">
-            <a:avLst/>
-          </a:prstGeom>
-          <a:ln>
-            <a:solidFill>
-              <a:schemeClr val="tx1">
-                <a:alpha val="60000"/>
-              </a:schemeClr>
-            </a:solidFill>
-          </a:ln>
-        </p:spPr>
-        <p:style>
-          <a:lnRef idx="1">
-            <a:schemeClr val="accent1"/>
-          </a:lnRef>
-          <a:fillRef idx="0">
-            <a:schemeClr val="accent1"/>
-          </a:fillRef>
-          <a:effectRef idx="0">
-            <a:schemeClr val="accent1"/>
-          </a:effectRef>
-          <a:fontRef idx="minor">
-            <a:schemeClr val="tx1"/>
-          </a:fontRef>
-        </p:style>
-      </p:cxnSp>
-      <p:cxnSp>
-        <p:nvCxnSpPr>
-          <p:cNvPr id="21" name="Conector drept 20"/>
-          <p:cNvCxnSpPr/>
-          <p:nvPr/>
-        </p:nvCxnSpPr>
-        <p:spPr>
-          <a:xfrm flipV="1">
-            <a:off x="449129" y="1078992"/>
-            <a:ext cx="3430332" cy="36576"/>
-          </a:xfrm>
-          <a:prstGeom prst="line">
-            <a:avLst/>
-          </a:prstGeom>
-          <a:ln>
-            <a:solidFill>
-              <a:schemeClr val="tx1"/>
-            </a:solidFill>
-          </a:ln>
-        </p:spPr>
-        <p:style>
-          <a:lnRef idx="3">
-            <a:schemeClr val="dk1"/>
-          </a:lnRef>
-          <a:fillRef idx="0">
-            <a:schemeClr val="dk1"/>
-          </a:fillRef>
-          <a:effectRef idx="2">
-            <a:schemeClr val="dk1"/>
-          </a:effectRef>
-          <a:fontRef idx="minor">
-            <a:schemeClr val="tx1"/>
-          </a:fontRef>
-        </p:style>
-      </p:cxnSp>
-      <p:cxnSp>
-        <p:nvCxnSpPr>
-          <p:cNvPr id="22" name="Conector drept 21"/>
-          <p:cNvCxnSpPr/>
-          <p:nvPr/>
-        </p:nvCxnSpPr>
-        <p:spPr>
-          <a:xfrm flipV="1">
-            <a:off x="836868" y="1011969"/>
-            <a:ext cx="3430332" cy="36576"/>
-          </a:xfrm>
-          <a:prstGeom prst="line">
-            <a:avLst/>
-          </a:prstGeom>
-          <a:ln>
-            <a:solidFill>
-              <a:schemeClr val="tx1">
-                <a:alpha val="60000"/>
-              </a:schemeClr>
-            </a:solidFill>
-          </a:ln>
-        </p:spPr>
-        <p:style>
-          <a:lnRef idx="1">
-            <a:schemeClr val="accent1"/>
-          </a:lnRef>
-          <a:fillRef idx="0">
-            <a:schemeClr val="accent1"/>
-          </a:fillRef>
-          <a:effectRef idx="0">
-            <a:schemeClr val="accent1"/>
-          </a:effectRef>
-          <a:fontRef idx="minor">
-            <a:schemeClr val="tx1"/>
-          </a:fontRef>
-        </p:style>
-      </p:cxnSp>
-    </p:spTree>
-    <p:extLst>
-      <p:ext uri="{BB962C8B-B14F-4D97-AF65-F5344CB8AC3E}">
-        <p14:creationId xmlns:p14="http://schemas.microsoft.com/office/powerpoint/2010/main" val="1883705420"/>
-      </p:ext>
-    </p:extLst>
-  </p:cSld>
-  <p:clrMapOvr>
-    <a:masterClrMapping/>
-  </p:clrMapOvr>
-</p:sld>
-</file>
-
-<file path=ppt/slides/slide30.xml><?xml version="1.0" encoding="utf-8"?>
+<file path=ppt/slides/slide31.xml><?xml version="1.0" encoding="utf-8"?>
 <p:sld xmlns:a="http://schemas.openxmlformats.org/drawingml/2006/main" xmlns:r="http://schemas.openxmlformats.org/officeDocument/2006/relationships" xmlns:p="http://schemas.openxmlformats.org/presentationml/2006/main">
   <p:cSld>
     <p:spTree>
@@ -22227,7 +23439,7 @@
 </p:sld>
 </file>
 
-<file path=ppt/slides/slide31.xml><?xml version="1.0" encoding="utf-8"?>
+<file path=ppt/slides/slide32.xml><?xml version="1.0" encoding="utf-8"?>
 <p:sld xmlns:a="http://schemas.openxmlformats.org/drawingml/2006/main" xmlns:r="http://schemas.openxmlformats.org/officeDocument/2006/relationships" xmlns:p="http://schemas.openxmlformats.org/presentationml/2006/main">
   <p:cSld>
     <p:spTree>
@@ -22641,7 +23853,7 @@
 </p:sld>
 </file>
 
-<file path=ppt/slides/slide32.xml><?xml version="1.0" encoding="utf-8"?>
+<file path=ppt/slides/slide33.xml><?xml version="1.0" encoding="utf-8"?>
 <p:sld xmlns:a="http://schemas.openxmlformats.org/drawingml/2006/main" xmlns:r="http://schemas.openxmlformats.org/officeDocument/2006/relationships" xmlns:p="http://schemas.openxmlformats.org/presentationml/2006/main">
   <p:cSld>
     <p:spTree>
@@ -23339,7 +24551,7 @@
 </p:sld>
 </file>
 
-<file path=ppt/slides/slide33.xml><?xml version="1.0" encoding="utf-8"?>
+<file path=ppt/slides/slide34.xml><?xml version="1.0" encoding="utf-8"?>
 <p:sld xmlns:a="http://schemas.openxmlformats.org/drawingml/2006/main" xmlns:r="http://schemas.openxmlformats.org/officeDocument/2006/relationships" xmlns:p="http://schemas.openxmlformats.org/presentationml/2006/main">
   <p:cSld>
     <p:spTree>
@@ -23647,7 +24859,7 @@
 </p:sld>
 </file>
 
-<file path=ppt/slides/slide34.xml><?xml version="1.0" encoding="utf-8"?>
+<file path=ppt/slides/slide35.xml><?xml version="1.0" encoding="utf-8"?>
 <p:sld xmlns:a="http://schemas.openxmlformats.org/drawingml/2006/main" xmlns:r="http://schemas.openxmlformats.org/officeDocument/2006/relationships" xmlns:p="http://schemas.openxmlformats.org/presentationml/2006/main">
   <p:cSld>
     <p:spTree>
@@ -23944,7 +25156,7 @@
 </p:sld>
 </file>
 
-<file path=ppt/slides/slide35.xml><?xml version="1.0" encoding="utf-8"?>
+<file path=ppt/slides/slide36.xml><?xml version="1.0" encoding="utf-8"?>
 <p:sld xmlns:a="http://schemas.openxmlformats.org/drawingml/2006/main" xmlns:r="http://schemas.openxmlformats.org/officeDocument/2006/relationships" xmlns:p="http://schemas.openxmlformats.org/presentationml/2006/main">
   <p:cSld>
     <p:spTree>
@@ -24105,7 +25317,7 @@
 </p:sld>
 </file>
 
-<file path=ppt/slides/slide36.xml><?xml version="1.0" encoding="utf-8"?>
+<file path=ppt/slides/slide37.xml><?xml version="1.0" encoding="utf-8"?>
 <p:sld xmlns:a="http://schemas.openxmlformats.org/drawingml/2006/main" xmlns:r="http://schemas.openxmlformats.org/officeDocument/2006/relationships" xmlns:p="http://schemas.openxmlformats.org/presentationml/2006/main">
   <p:cSld>
     <p:spTree>
@@ -24377,7 +25589,7 @@
 </p:sld>
 </file>
 
-<file path=ppt/slides/slide37.xml><?xml version="1.0" encoding="utf-8"?>
+<file path=ppt/slides/slide38.xml><?xml version="1.0" encoding="utf-8"?>
 <p:sld xmlns:a="http://schemas.openxmlformats.org/drawingml/2006/main" xmlns:r="http://schemas.openxmlformats.org/officeDocument/2006/relationships" xmlns:p="http://schemas.openxmlformats.org/presentationml/2006/main">
   <p:cSld>
     <p:spTree>
@@ -24571,7 +25783,7 @@
 </p:sld>
 </file>
 
-<file path=ppt/slides/slide38.xml><?xml version="1.0" encoding="utf-8"?>
+<file path=ppt/slides/slide39.xml><?xml version="1.0" encoding="utf-8"?>
 <p:sld xmlns:a="http://schemas.openxmlformats.org/drawingml/2006/main" xmlns:r="http://schemas.openxmlformats.org/officeDocument/2006/relationships" xmlns:p="http://schemas.openxmlformats.org/presentationml/2006/main">
   <p:cSld>
     <p:spTree>
@@ -24787,216 +25999,6 @@
     <p:extLst>
       <p:ext uri="{BB962C8B-B14F-4D97-AF65-F5344CB8AC3E}">
         <p14:creationId xmlns:p14="http://schemas.microsoft.com/office/powerpoint/2010/main" val="3320304962"/>
-      </p:ext>
-    </p:extLst>
-  </p:cSld>
-  <p:clrMapOvr>
-    <a:masterClrMapping/>
-  </p:clrMapOvr>
-</p:sld>
-</file>
-
-<file path=ppt/slides/slide39.xml><?xml version="1.0" encoding="utf-8"?>
-<p:sld xmlns:a="http://schemas.openxmlformats.org/drawingml/2006/main" xmlns:r="http://schemas.openxmlformats.org/officeDocument/2006/relationships" xmlns:p="http://schemas.openxmlformats.org/presentationml/2006/main">
-  <p:cSld>
-    <p:spTree>
-      <p:nvGrpSpPr>
-        <p:cNvPr id="1" name=""/>
-        <p:cNvGrpSpPr/>
-        <p:nvPr/>
-      </p:nvGrpSpPr>
-      <p:grpSpPr>
-        <a:xfrm>
-          <a:off x="0" y="0"/>
-          <a:ext cx="0" cy="0"/>
-          <a:chOff x="0" y="0"/>
-          <a:chExt cx="0" cy="0"/>
-        </a:xfrm>
-      </p:grpSpPr>
-      <p:sp>
-        <p:nvSpPr>
-          <p:cNvPr id="5" name="CasetăText 4"/>
-          <p:cNvSpPr txBox="1"/>
-          <p:nvPr/>
-        </p:nvSpPr>
-        <p:spPr>
-          <a:xfrm>
-            <a:off x="460119" y="255348"/>
-            <a:ext cx="11594592" cy="707886"/>
-          </a:xfrm>
-          <a:prstGeom prst="rect">
-            <a:avLst/>
-          </a:prstGeom>
-          <a:noFill/>
-        </p:spPr>
-        <p:txBody>
-          <a:bodyPr wrap="square" rtlCol="0">
-            <a:spAutoFit/>
-          </a:bodyPr>
-          <a:lstStyle/>
-          <a:p>
-            <a:r>
-              <a:rPr lang="en-US" sz="4000" dirty="0">
-                <a:solidFill>
-                  <a:srgbClr val="002060"/>
-                </a:solidFill>
-                <a:latin typeface="+mj-lt"/>
-              </a:rPr>
-              <a:t>Razor pages</a:t>
-            </a:r>
-          </a:p>
-        </p:txBody>
-      </p:sp>
-      <p:cxnSp>
-        <p:nvCxnSpPr>
-          <p:cNvPr id="19" name="Conector drept 18"/>
-          <p:cNvCxnSpPr/>
-          <p:nvPr/>
-        </p:nvCxnSpPr>
-        <p:spPr>
-          <a:xfrm flipV="1">
-            <a:off x="574740" y="1097280"/>
-            <a:ext cx="3430332" cy="36576"/>
-          </a:xfrm>
-          <a:prstGeom prst="line">
-            <a:avLst/>
-          </a:prstGeom>
-          <a:ln>
-            <a:solidFill>
-              <a:schemeClr val="tx1">
-                <a:alpha val="60000"/>
-              </a:schemeClr>
-            </a:solidFill>
-          </a:ln>
-        </p:spPr>
-        <p:style>
-          <a:lnRef idx="1">
-            <a:schemeClr val="accent1"/>
-          </a:lnRef>
-          <a:fillRef idx="0">
-            <a:schemeClr val="accent1"/>
-          </a:fillRef>
-          <a:effectRef idx="0">
-            <a:schemeClr val="accent1"/>
-          </a:effectRef>
-          <a:fontRef idx="minor">
-            <a:schemeClr val="tx1"/>
-          </a:fontRef>
-        </p:style>
-      </p:cxnSp>
-      <p:cxnSp>
-        <p:nvCxnSpPr>
-          <p:cNvPr id="20" name="Conector drept 19"/>
-          <p:cNvCxnSpPr/>
-          <p:nvPr/>
-        </p:nvCxnSpPr>
-        <p:spPr>
-          <a:xfrm flipV="1">
-            <a:off x="836868" y="1163200"/>
-            <a:ext cx="3430332" cy="36576"/>
-          </a:xfrm>
-          <a:prstGeom prst="line">
-            <a:avLst/>
-          </a:prstGeom>
-          <a:ln>
-            <a:solidFill>
-              <a:schemeClr val="tx1">
-                <a:alpha val="60000"/>
-              </a:schemeClr>
-            </a:solidFill>
-          </a:ln>
-        </p:spPr>
-        <p:style>
-          <a:lnRef idx="1">
-            <a:schemeClr val="accent1"/>
-          </a:lnRef>
-          <a:fillRef idx="0">
-            <a:schemeClr val="accent1"/>
-          </a:fillRef>
-          <a:effectRef idx="0">
-            <a:schemeClr val="accent1"/>
-          </a:effectRef>
-          <a:fontRef idx="minor">
-            <a:schemeClr val="tx1"/>
-          </a:fontRef>
-        </p:style>
-      </p:cxnSp>
-      <p:cxnSp>
-        <p:nvCxnSpPr>
-          <p:cNvPr id="21" name="Conector drept 20"/>
-          <p:cNvCxnSpPr/>
-          <p:nvPr/>
-        </p:nvCxnSpPr>
-        <p:spPr>
-          <a:xfrm flipV="1">
-            <a:off x="449129" y="1078992"/>
-            <a:ext cx="3430332" cy="36576"/>
-          </a:xfrm>
-          <a:prstGeom prst="line">
-            <a:avLst/>
-          </a:prstGeom>
-          <a:ln>
-            <a:solidFill>
-              <a:schemeClr val="tx1"/>
-            </a:solidFill>
-          </a:ln>
-        </p:spPr>
-        <p:style>
-          <a:lnRef idx="3">
-            <a:schemeClr val="dk1"/>
-          </a:lnRef>
-          <a:fillRef idx="0">
-            <a:schemeClr val="dk1"/>
-          </a:fillRef>
-          <a:effectRef idx="2">
-            <a:schemeClr val="dk1"/>
-          </a:effectRef>
-          <a:fontRef idx="minor">
-            <a:schemeClr val="tx1"/>
-          </a:fontRef>
-        </p:style>
-      </p:cxnSp>
-      <p:cxnSp>
-        <p:nvCxnSpPr>
-          <p:cNvPr id="22" name="Conector drept 21"/>
-          <p:cNvCxnSpPr/>
-          <p:nvPr/>
-        </p:nvCxnSpPr>
-        <p:spPr>
-          <a:xfrm flipV="1">
-            <a:off x="836868" y="1011969"/>
-            <a:ext cx="3430332" cy="36576"/>
-          </a:xfrm>
-          <a:prstGeom prst="line">
-            <a:avLst/>
-          </a:prstGeom>
-          <a:ln>
-            <a:solidFill>
-              <a:schemeClr val="tx1">
-                <a:alpha val="60000"/>
-              </a:schemeClr>
-            </a:solidFill>
-          </a:ln>
-        </p:spPr>
-        <p:style>
-          <a:lnRef idx="1">
-            <a:schemeClr val="accent1"/>
-          </a:lnRef>
-          <a:fillRef idx="0">
-            <a:schemeClr val="accent1"/>
-          </a:fillRef>
-          <a:effectRef idx="0">
-            <a:schemeClr val="accent1"/>
-          </a:effectRef>
-          <a:fontRef idx="minor">
-            <a:schemeClr val="tx1"/>
-          </a:fontRef>
-        </p:style>
-      </p:cxnSp>
-    </p:spTree>
-    <p:extLst>
-      <p:ext uri="{BB962C8B-B14F-4D97-AF65-F5344CB8AC3E}">
-        <p14:creationId xmlns:p14="http://schemas.microsoft.com/office/powerpoint/2010/main" val="1369348077"/>
       </p:ext>
     </p:extLst>
   </p:cSld>
@@ -25487,7 +26489,7 @@
             </a:pPr>
             <a:r>
               <a:rPr lang="en-US" dirty="0"/>
-              <a:t>Dependency injection</a:t>
+              <a:t>Application configuration</a:t>
             </a:r>
           </a:p>
           <a:p>
@@ -25497,7 +26499,7 @@
             </a:pPr>
             <a:r>
               <a:rPr lang="en-US" dirty="0"/>
-              <a:t>Application configuration</a:t>
+              <a:t>Logging</a:t>
             </a:r>
           </a:p>
           <a:p>
@@ -25507,7 +26509,7 @@
             </a:pPr>
             <a:r>
               <a:rPr lang="en-US" dirty="0"/>
-              <a:t>Host</a:t>
+              <a:t>Dependency injection</a:t>
             </a:r>
           </a:p>
           <a:p>
@@ -25517,7 +26519,7 @@
             </a:pPr>
             <a:r>
               <a:rPr lang="en-US" dirty="0"/>
-              <a:t>Web servers</a:t>
+              <a:t>Host</a:t>
             </a:r>
           </a:p>
           <a:p>
@@ -25527,7 +26529,7 @@
             </a:pPr>
             <a:r>
               <a:rPr lang="en-US" dirty="0"/>
-              <a:t>Diagnostics</a:t>
+              <a:t>Web servers</a:t>
             </a:r>
           </a:p>
           <a:p>
@@ -25537,7 +26539,7 @@
             </a:pPr>
             <a:r>
               <a:rPr lang="en-US" dirty="0"/>
-              <a:t>Handle errors</a:t>
+              <a:t>Diagnostics</a:t>
             </a:r>
           </a:p>
           <a:p>
@@ -25547,7 +26549,7 @@
             </a:pPr>
             <a:r>
               <a:rPr lang="en-US" dirty="0"/>
-              <a:t>Logging</a:t>
+              <a:t>Handle errors</a:t>
             </a:r>
           </a:p>
           <a:p>
@@ -25692,6 +26694,216 @@
 </file>
 
 <file path=ppt/slides/slide40.xml><?xml version="1.0" encoding="utf-8"?>
+<p:sld xmlns:a="http://schemas.openxmlformats.org/drawingml/2006/main" xmlns:r="http://schemas.openxmlformats.org/officeDocument/2006/relationships" xmlns:p="http://schemas.openxmlformats.org/presentationml/2006/main">
+  <p:cSld>
+    <p:spTree>
+      <p:nvGrpSpPr>
+        <p:cNvPr id="1" name=""/>
+        <p:cNvGrpSpPr/>
+        <p:nvPr/>
+      </p:nvGrpSpPr>
+      <p:grpSpPr>
+        <a:xfrm>
+          <a:off x="0" y="0"/>
+          <a:ext cx="0" cy="0"/>
+          <a:chOff x="0" y="0"/>
+          <a:chExt cx="0" cy="0"/>
+        </a:xfrm>
+      </p:grpSpPr>
+      <p:sp>
+        <p:nvSpPr>
+          <p:cNvPr id="5" name="CasetăText 4"/>
+          <p:cNvSpPr txBox="1"/>
+          <p:nvPr/>
+        </p:nvSpPr>
+        <p:spPr>
+          <a:xfrm>
+            <a:off x="460119" y="255348"/>
+            <a:ext cx="11594592" cy="707886"/>
+          </a:xfrm>
+          <a:prstGeom prst="rect">
+            <a:avLst/>
+          </a:prstGeom>
+          <a:noFill/>
+        </p:spPr>
+        <p:txBody>
+          <a:bodyPr wrap="square" rtlCol="0">
+            <a:spAutoFit/>
+          </a:bodyPr>
+          <a:lstStyle/>
+          <a:p>
+            <a:r>
+              <a:rPr lang="en-US" sz="4000" dirty="0">
+                <a:solidFill>
+                  <a:srgbClr val="002060"/>
+                </a:solidFill>
+                <a:latin typeface="+mj-lt"/>
+              </a:rPr>
+              <a:t>Razor pages</a:t>
+            </a:r>
+          </a:p>
+        </p:txBody>
+      </p:sp>
+      <p:cxnSp>
+        <p:nvCxnSpPr>
+          <p:cNvPr id="19" name="Conector drept 18"/>
+          <p:cNvCxnSpPr/>
+          <p:nvPr/>
+        </p:nvCxnSpPr>
+        <p:spPr>
+          <a:xfrm flipV="1">
+            <a:off x="574740" y="1097280"/>
+            <a:ext cx="3430332" cy="36576"/>
+          </a:xfrm>
+          <a:prstGeom prst="line">
+            <a:avLst/>
+          </a:prstGeom>
+          <a:ln>
+            <a:solidFill>
+              <a:schemeClr val="tx1">
+                <a:alpha val="60000"/>
+              </a:schemeClr>
+            </a:solidFill>
+          </a:ln>
+        </p:spPr>
+        <p:style>
+          <a:lnRef idx="1">
+            <a:schemeClr val="accent1"/>
+          </a:lnRef>
+          <a:fillRef idx="0">
+            <a:schemeClr val="accent1"/>
+          </a:fillRef>
+          <a:effectRef idx="0">
+            <a:schemeClr val="accent1"/>
+          </a:effectRef>
+          <a:fontRef idx="minor">
+            <a:schemeClr val="tx1"/>
+          </a:fontRef>
+        </p:style>
+      </p:cxnSp>
+      <p:cxnSp>
+        <p:nvCxnSpPr>
+          <p:cNvPr id="20" name="Conector drept 19"/>
+          <p:cNvCxnSpPr/>
+          <p:nvPr/>
+        </p:nvCxnSpPr>
+        <p:spPr>
+          <a:xfrm flipV="1">
+            <a:off x="836868" y="1163200"/>
+            <a:ext cx="3430332" cy="36576"/>
+          </a:xfrm>
+          <a:prstGeom prst="line">
+            <a:avLst/>
+          </a:prstGeom>
+          <a:ln>
+            <a:solidFill>
+              <a:schemeClr val="tx1">
+                <a:alpha val="60000"/>
+              </a:schemeClr>
+            </a:solidFill>
+          </a:ln>
+        </p:spPr>
+        <p:style>
+          <a:lnRef idx="1">
+            <a:schemeClr val="accent1"/>
+          </a:lnRef>
+          <a:fillRef idx="0">
+            <a:schemeClr val="accent1"/>
+          </a:fillRef>
+          <a:effectRef idx="0">
+            <a:schemeClr val="accent1"/>
+          </a:effectRef>
+          <a:fontRef idx="minor">
+            <a:schemeClr val="tx1"/>
+          </a:fontRef>
+        </p:style>
+      </p:cxnSp>
+      <p:cxnSp>
+        <p:nvCxnSpPr>
+          <p:cNvPr id="21" name="Conector drept 20"/>
+          <p:cNvCxnSpPr/>
+          <p:nvPr/>
+        </p:nvCxnSpPr>
+        <p:spPr>
+          <a:xfrm flipV="1">
+            <a:off x="449129" y="1078992"/>
+            <a:ext cx="3430332" cy="36576"/>
+          </a:xfrm>
+          <a:prstGeom prst="line">
+            <a:avLst/>
+          </a:prstGeom>
+          <a:ln>
+            <a:solidFill>
+              <a:schemeClr val="tx1"/>
+            </a:solidFill>
+          </a:ln>
+        </p:spPr>
+        <p:style>
+          <a:lnRef idx="3">
+            <a:schemeClr val="dk1"/>
+          </a:lnRef>
+          <a:fillRef idx="0">
+            <a:schemeClr val="dk1"/>
+          </a:fillRef>
+          <a:effectRef idx="2">
+            <a:schemeClr val="dk1"/>
+          </a:effectRef>
+          <a:fontRef idx="minor">
+            <a:schemeClr val="tx1"/>
+          </a:fontRef>
+        </p:style>
+      </p:cxnSp>
+      <p:cxnSp>
+        <p:nvCxnSpPr>
+          <p:cNvPr id="22" name="Conector drept 21"/>
+          <p:cNvCxnSpPr/>
+          <p:nvPr/>
+        </p:nvCxnSpPr>
+        <p:spPr>
+          <a:xfrm flipV="1">
+            <a:off x="836868" y="1011969"/>
+            <a:ext cx="3430332" cy="36576"/>
+          </a:xfrm>
+          <a:prstGeom prst="line">
+            <a:avLst/>
+          </a:prstGeom>
+          <a:ln>
+            <a:solidFill>
+              <a:schemeClr val="tx1">
+                <a:alpha val="60000"/>
+              </a:schemeClr>
+            </a:solidFill>
+          </a:ln>
+        </p:spPr>
+        <p:style>
+          <a:lnRef idx="1">
+            <a:schemeClr val="accent1"/>
+          </a:lnRef>
+          <a:fillRef idx="0">
+            <a:schemeClr val="accent1"/>
+          </a:fillRef>
+          <a:effectRef idx="0">
+            <a:schemeClr val="accent1"/>
+          </a:effectRef>
+          <a:fontRef idx="minor">
+            <a:schemeClr val="tx1"/>
+          </a:fontRef>
+        </p:style>
+      </p:cxnSp>
+    </p:spTree>
+    <p:extLst>
+      <p:ext uri="{BB962C8B-B14F-4D97-AF65-F5344CB8AC3E}">
+        <p14:creationId xmlns:p14="http://schemas.microsoft.com/office/powerpoint/2010/main" val="1369348077"/>
+      </p:ext>
+    </p:extLst>
+  </p:cSld>
+  <p:clrMapOvr>
+    <a:masterClrMapping/>
+  </p:clrMapOvr>
+</p:sld>
+</file>
+
+<file path=ppt/slides/slide41.xml><?xml version="1.0" encoding="utf-8"?>
 <p:sld xmlns:a="http://schemas.openxmlformats.org/drawingml/2006/main" xmlns:r="http://schemas.openxmlformats.org/officeDocument/2006/relationships" xmlns:p="http://schemas.openxmlformats.org/presentationml/2006/main">
   <p:cSld>
     <p:spTree>

--- a/Asp-net-core PeakIT.pptx
+++ b/Asp-net-core PeakIT.pptx
@@ -43,9 +43,9 @@
     <p:sldId id="1691" r:id="rId34"/>
     <p:sldId id="1692" r:id="rId35"/>
     <p:sldId id="1693" r:id="rId36"/>
-    <p:sldId id="1673" r:id="rId37"/>
-    <p:sldId id="262" r:id="rId38"/>
-    <p:sldId id="1675" r:id="rId39"/>
+    <p:sldId id="1705" r:id="rId37"/>
+    <p:sldId id="1673" r:id="rId38"/>
+    <p:sldId id="262" r:id="rId39"/>
     <p:sldId id="1694" r:id="rId40"/>
     <p:sldId id="1696" r:id="rId41"/>
     <p:sldId id="1695" r:id="rId42"/>
@@ -4688,7 +4688,7 @@
             <a:spLocks noGrp="1"/>
           </p:cNvSpPr>
           <p:nvPr>
-            <p:ph type="sldNum" sz="quarter" idx="10"/>
+            <p:ph type="sldNum" sz="quarter" idx="5"/>
           </p:nvPr>
         </p:nvSpPr>
         <p:spPr/>
@@ -4698,7 +4698,7 @@
           <a:p>
             <a:fld id="{4DB2BA24-A594-42FE-968E-B893334C608F}" type="slidenum">
               <a:rPr lang="en-US" smtClean="0"/>
-              <a:t>37</a:t>
+              <a:t>36</a:t>
             </a:fld>
             <a:endParaRPr lang="en-US"/>
           </a:p>
@@ -4707,7 +4707,7 @@
     </p:spTree>
     <p:extLst>
       <p:ext uri="{BB962C8B-B14F-4D97-AF65-F5344CB8AC3E}">
-        <p14:creationId xmlns:p14="http://schemas.microsoft.com/office/powerpoint/2010/main" val="2560513446"/>
+        <p14:creationId xmlns:p14="http://schemas.microsoft.com/office/powerpoint/2010/main" val="1338910784"/>
       </p:ext>
     </p:extLst>
   </p:cSld>
@@ -4782,7 +4782,7 @@
           <a:p>
             <a:fld id="{4DB2BA24-A594-42FE-968E-B893334C608F}" type="slidenum">
               <a:rPr lang="en-US" smtClean="0"/>
-              <a:t>39</a:t>
+              <a:t>38</a:t>
             </a:fld>
             <a:endParaRPr lang="en-US"/>
           </a:p>
@@ -4791,7 +4791,7 @@
     </p:spTree>
     <p:extLst>
       <p:ext uri="{BB962C8B-B14F-4D97-AF65-F5344CB8AC3E}">
-        <p14:creationId xmlns:p14="http://schemas.microsoft.com/office/powerpoint/2010/main" val="639055866"/>
+        <p14:creationId xmlns:p14="http://schemas.microsoft.com/office/powerpoint/2010/main" val="2560513446"/>
       </p:ext>
     </p:extLst>
   </p:cSld>
@@ -4845,10 +4845,7 @@
           <a:bodyPr/>
           <a:lstStyle/>
           <a:p>
-            <a:r>
-              <a:rPr lang="en-US" dirty="0"/>
-              <a:t>Example with dependency injection into view</a:t>
-            </a:r>
+            <a:endParaRPr lang="en-US" dirty="0"/>
           </a:p>
         </p:txBody>
       </p:sp>
@@ -4869,7 +4866,7 @@
           <a:p>
             <a:fld id="{4DB2BA24-A594-42FE-968E-B893334C608F}" type="slidenum">
               <a:rPr lang="en-US" smtClean="0"/>
-              <a:t>40</a:t>
+              <a:t>39</a:t>
             </a:fld>
             <a:endParaRPr lang="en-US"/>
           </a:p>
@@ -4878,7 +4875,7 @@
     </p:spTree>
     <p:extLst>
       <p:ext uri="{BB962C8B-B14F-4D97-AF65-F5344CB8AC3E}">
-        <p14:creationId xmlns:p14="http://schemas.microsoft.com/office/powerpoint/2010/main" val="970514146"/>
+        <p14:creationId xmlns:p14="http://schemas.microsoft.com/office/powerpoint/2010/main" val="639055866"/>
       </p:ext>
     </p:extLst>
   </p:cSld>
@@ -4973,6 +4970,93 @@
 </file>
 
 <file path=ppt/notesSlides/notesSlide30.xml><?xml version="1.0" encoding="utf-8"?>
+<p:notes xmlns:a="http://schemas.openxmlformats.org/drawingml/2006/main" xmlns:r="http://schemas.openxmlformats.org/officeDocument/2006/relationships" xmlns:p="http://schemas.openxmlformats.org/presentationml/2006/main">
+  <p:cSld>
+    <p:spTree>
+      <p:nvGrpSpPr>
+        <p:cNvPr id="1" name=""/>
+        <p:cNvGrpSpPr/>
+        <p:nvPr/>
+      </p:nvGrpSpPr>
+      <p:grpSpPr>
+        <a:xfrm>
+          <a:off x="0" y="0"/>
+          <a:ext cx="0" cy="0"/>
+          <a:chOff x="0" y="0"/>
+          <a:chExt cx="0" cy="0"/>
+        </a:xfrm>
+      </p:grpSpPr>
+      <p:sp>
+        <p:nvSpPr>
+          <p:cNvPr id="2" name="Slide Image Placeholder 1"/>
+          <p:cNvSpPr>
+            <a:spLocks noGrp="1" noRot="1" noChangeAspect="1"/>
+          </p:cNvSpPr>
+          <p:nvPr>
+            <p:ph type="sldImg"/>
+          </p:nvPr>
+        </p:nvSpPr>
+        <p:spPr/>
+      </p:sp>
+      <p:sp>
+        <p:nvSpPr>
+          <p:cNvPr id="3" name="Notes Placeholder 2"/>
+          <p:cNvSpPr>
+            <a:spLocks noGrp="1"/>
+          </p:cNvSpPr>
+          <p:nvPr>
+            <p:ph type="body" idx="1"/>
+          </p:nvPr>
+        </p:nvSpPr>
+        <p:spPr/>
+        <p:txBody>
+          <a:bodyPr/>
+          <a:lstStyle/>
+          <a:p>
+            <a:r>
+              <a:rPr lang="en-US" dirty="0"/>
+              <a:t>Example with dependency injection into view</a:t>
+            </a:r>
+          </a:p>
+        </p:txBody>
+      </p:sp>
+      <p:sp>
+        <p:nvSpPr>
+          <p:cNvPr id="4" name="Slide Number Placeholder 3"/>
+          <p:cNvSpPr>
+            <a:spLocks noGrp="1"/>
+          </p:cNvSpPr>
+          <p:nvPr>
+            <p:ph type="sldNum" sz="quarter" idx="10"/>
+          </p:nvPr>
+        </p:nvSpPr>
+        <p:spPr/>
+        <p:txBody>
+          <a:bodyPr/>
+          <a:lstStyle/>
+          <a:p>
+            <a:fld id="{4DB2BA24-A594-42FE-968E-B893334C608F}" type="slidenum">
+              <a:rPr lang="en-US" smtClean="0"/>
+              <a:t>40</a:t>
+            </a:fld>
+            <a:endParaRPr lang="en-US"/>
+          </a:p>
+        </p:txBody>
+      </p:sp>
+    </p:spTree>
+    <p:extLst>
+      <p:ext uri="{BB962C8B-B14F-4D97-AF65-F5344CB8AC3E}">
+        <p14:creationId xmlns:p14="http://schemas.microsoft.com/office/powerpoint/2010/main" val="970514146"/>
+      </p:ext>
+    </p:extLst>
+  </p:cSld>
+  <p:clrMapOvr>
+    <a:masterClrMapping/>
+  </p:clrMapOvr>
+</p:notes>
+</file>
+
+<file path=ppt/notesSlides/notesSlide31.xml><?xml version="1.0" encoding="utf-8"?>
 <p:notes xmlns:a="http://schemas.openxmlformats.org/drawingml/2006/main" xmlns:r="http://schemas.openxmlformats.org/officeDocument/2006/relationships" xmlns:p="http://schemas.openxmlformats.org/presentationml/2006/main">
   <p:cSld>
     <p:spTree>
@@ -25175,6 +25259,271 @@
       </p:grpSpPr>
       <p:sp>
         <p:nvSpPr>
+          <p:cNvPr id="28" name="CasetăText 4">
+            <a:extLst>
+              <a:ext uri="{FF2B5EF4-FFF2-40B4-BE49-F238E27FC236}">
+                <a16:creationId xmlns:a16="http://schemas.microsoft.com/office/drawing/2014/main" id="{F0D295F1-C3F5-4D31-BBA9-28B9BA5F35AC}"/>
+              </a:ext>
+            </a:extLst>
+          </p:cNvPr>
+          <p:cNvSpPr txBox="1"/>
+          <p:nvPr/>
+        </p:nvSpPr>
+        <p:spPr>
+          <a:xfrm>
+            <a:off x="460119" y="255348"/>
+            <a:ext cx="11594592" cy="707886"/>
+          </a:xfrm>
+          <a:prstGeom prst="rect">
+            <a:avLst/>
+          </a:prstGeom>
+          <a:noFill/>
+        </p:spPr>
+        <p:txBody>
+          <a:bodyPr wrap="square" rtlCol="0">
+            <a:spAutoFit/>
+          </a:bodyPr>
+          <a:lstStyle/>
+          <a:p>
+            <a:r>
+              <a:rPr lang="nl-NL" sz="4000" dirty="0">
+                <a:solidFill>
+                  <a:srgbClr val="002060"/>
+                </a:solidFill>
+                <a:latin typeface="+mj-lt"/>
+              </a:rPr>
+              <a:t>Handler errors</a:t>
+            </a:r>
+          </a:p>
+        </p:txBody>
+      </p:sp>
+      <p:cxnSp>
+        <p:nvCxnSpPr>
+          <p:cNvPr id="9" name="Conector drept 18">
+            <a:extLst>
+              <a:ext uri="{FF2B5EF4-FFF2-40B4-BE49-F238E27FC236}">
+                <a16:creationId xmlns:a16="http://schemas.microsoft.com/office/drawing/2014/main" id="{6C2F65DC-5964-4D4F-B04D-F7F876E45721}"/>
+              </a:ext>
+            </a:extLst>
+          </p:cNvPr>
+          <p:cNvCxnSpPr/>
+          <p:nvPr/>
+        </p:nvCxnSpPr>
+        <p:spPr>
+          <a:xfrm flipV="1">
+            <a:off x="574740" y="1097280"/>
+            <a:ext cx="3430332" cy="36576"/>
+          </a:xfrm>
+          <a:prstGeom prst="line">
+            <a:avLst/>
+          </a:prstGeom>
+          <a:ln>
+            <a:solidFill>
+              <a:schemeClr val="tx1">
+                <a:alpha val="60000"/>
+              </a:schemeClr>
+            </a:solidFill>
+          </a:ln>
+        </p:spPr>
+        <p:style>
+          <a:lnRef idx="1">
+            <a:schemeClr val="accent1"/>
+          </a:lnRef>
+          <a:fillRef idx="0">
+            <a:schemeClr val="accent1"/>
+          </a:fillRef>
+          <a:effectRef idx="0">
+            <a:schemeClr val="accent1"/>
+          </a:effectRef>
+          <a:fontRef idx="minor">
+            <a:schemeClr val="tx1"/>
+          </a:fontRef>
+        </p:style>
+      </p:cxnSp>
+      <p:cxnSp>
+        <p:nvCxnSpPr>
+          <p:cNvPr id="10" name="Conector drept 19">
+            <a:extLst>
+              <a:ext uri="{FF2B5EF4-FFF2-40B4-BE49-F238E27FC236}">
+                <a16:creationId xmlns:a16="http://schemas.microsoft.com/office/drawing/2014/main" id="{B33334A7-038B-4266-8D9C-AF11DD2B4C63}"/>
+              </a:ext>
+            </a:extLst>
+          </p:cNvPr>
+          <p:cNvCxnSpPr/>
+          <p:nvPr/>
+        </p:nvCxnSpPr>
+        <p:spPr>
+          <a:xfrm flipV="1">
+            <a:off x="836868" y="1163200"/>
+            <a:ext cx="3430332" cy="36576"/>
+          </a:xfrm>
+          <a:prstGeom prst="line">
+            <a:avLst/>
+          </a:prstGeom>
+          <a:ln>
+            <a:solidFill>
+              <a:schemeClr val="tx1">
+                <a:alpha val="60000"/>
+              </a:schemeClr>
+            </a:solidFill>
+          </a:ln>
+        </p:spPr>
+        <p:style>
+          <a:lnRef idx="1">
+            <a:schemeClr val="accent1"/>
+          </a:lnRef>
+          <a:fillRef idx="0">
+            <a:schemeClr val="accent1"/>
+          </a:fillRef>
+          <a:effectRef idx="0">
+            <a:schemeClr val="accent1"/>
+          </a:effectRef>
+          <a:fontRef idx="minor">
+            <a:schemeClr val="tx1"/>
+          </a:fontRef>
+        </p:style>
+      </p:cxnSp>
+      <p:cxnSp>
+        <p:nvCxnSpPr>
+          <p:cNvPr id="11" name="Conector drept 20">
+            <a:extLst>
+              <a:ext uri="{FF2B5EF4-FFF2-40B4-BE49-F238E27FC236}">
+                <a16:creationId xmlns:a16="http://schemas.microsoft.com/office/drawing/2014/main" id="{9B187804-42F1-45A6-84BC-7B4AE475690D}"/>
+              </a:ext>
+            </a:extLst>
+          </p:cNvPr>
+          <p:cNvCxnSpPr/>
+          <p:nvPr/>
+        </p:nvCxnSpPr>
+        <p:spPr>
+          <a:xfrm flipV="1">
+            <a:off x="449129" y="1078992"/>
+            <a:ext cx="3430332" cy="36576"/>
+          </a:xfrm>
+          <a:prstGeom prst="line">
+            <a:avLst/>
+          </a:prstGeom>
+          <a:ln>
+            <a:solidFill>
+              <a:schemeClr val="tx1"/>
+            </a:solidFill>
+          </a:ln>
+        </p:spPr>
+        <p:style>
+          <a:lnRef idx="3">
+            <a:schemeClr val="dk1"/>
+          </a:lnRef>
+          <a:fillRef idx="0">
+            <a:schemeClr val="dk1"/>
+          </a:fillRef>
+          <a:effectRef idx="2">
+            <a:schemeClr val="dk1"/>
+          </a:effectRef>
+          <a:fontRef idx="minor">
+            <a:schemeClr val="tx1"/>
+          </a:fontRef>
+        </p:style>
+      </p:cxnSp>
+      <p:cxnSp>
+        <p:nvCxnSpPr>
+          <p:cNvPr id="12" name="Conector drept 21">
+            <a:extLst>
+              <a:ext uri="{FF2B5EF4-FFF2-40B4-BE49-F238E27FC236}">
+                <a16:creationId xmlns:a16="http://schemas.microsoft.com/office/drawing/2014/main" id="{61BB0621-AEAF-4254-B193-354EC1CA8FA1}"/>
+              </a:ext>
+            </a:extLst>
+          </p:cNvPr>
+          <p:cNvCxnSpPr/>
+          <p:nvPr/>
+        </p:nvCxnSpPr>
+        <p:spPr>
+          <a:xfrm flipV="1">
+            <a:off x="836868" y="1011969"/>
+            <a:ext cx="3430332" cy="36576"/>
+          </a:xfrm>
+          <a:prstGeom prst="line">
+            <a:avLst/>
+          </a:prstGeom>
+          <a:ln>
+            <a:solidFill>
+              <a:schemeClr val="tx1">
+                <a:alpha val="60000"/>
+              </a:schemeClr>
+            </a:solidFill>
+          </a:ln>
+        </p:spPr>
+        <p:style>
+          <a:lnRef idx="1">
+            <a:schemeClr val="accent1"/>
+          </a:lnRef>
+          <a:fillRef idx="0">
+            <a:schemeClr val="accent1"/>
+          </a:fillRef>
+          <a:effectRef idx="0">
+            <a:schemeClr val="accent1"/>
+          </a:effectRef>
+          <a:fontRef idx="minor">
+            <a:schemeClr val="tx1"/>
+          </a:fontRef>
+        </p:style>
+      </p:cxnSp>
+      <p:sp>
+        <p:nvSpPr>
+          <p:cNvPr id="3" name="Text Placeholder 2">
+            <a:extLst>
+              <a:ext uri="{FF2B5EF4-FFF2-40B4-BE49-F238E27FC236}">
+                <a16:creationId xmlns:a16="http://schemas.microsoft.com/office/drawing/2014/main" id="{F1589050-CA4E-43ED-8A9C-C02F7216DF2C}"/>
+              </a:ext>
+            </a:extLst>
+          </p:cNvPr>
+          <p:cNvSpPr>
+            <a:spLocks noGrp="1"/>
+          </p:cNvSpPr>
+          <p:nvPr>
+            <p:ph type="body" idx="1"/>
+          </p:nvPr>
+        </p:nvSpPr>
+        <p:spPr/>
+        <p:txBody>
+          <a:bodyPr/>
+          <a:lstStyle/>
+          <a:p>
+            <a:endParaRPr lang="en-US"/>
+          </a:p>
+        </p:txBody>
+      </p:sp>
+    </p:spTree>
+    <p:extLst>
+      <p:ext uri="{BB962C8B-B14F-4D97-AF65-F5344CB8AC3E}">
+        <p14:creationId xmlns:p14="http://schemas.microsoft.com/office/powerpoint/2010/main" val="3800971282"/>
+      </p:ext>
+    </p:extLst>
+  </p:cSld>
+  <p:clrMapOvr>
+    <a:masterClrMapping/>
+  </p:clrMapOvr>
+</p:sld>
+</file>
+
+<file path=ppt/slides/slide37.xml><?xml version="1.0" encoding="utf-8"?>
+<p:sld xmlns:a="http://schemas.openxmlformats.org/drawingml/2006/main" xmlns:r="http://schemas.openxmlformats.org/officeDocument/2006/relationships" xmlns:p="http://schemas.openxmlformats.org/presentationml/2006/main">
+  <p:cSld>
+    <p:spTree>
+      <p:nvGrpSpPr>
+        <p:cNvPr id="1" name=""/>
+        <p:cNvGrpSpPr/>
+        <p:nvPr/>
+      </p:nvGrpSpPr>
+      <p:grpSpPr>
+        <a:xfrm>
+          <a:off x="0" y="0"/>
+          <a:ext cx="0" cy="0"/>
+          <a:chOff x="0" y="0"/>
+          <a:chExt cx="0" cy="0"/>
+        </a:xfrm>
+      </p:grpSpPr>
+      <p:sp>
+        <p:nvSpPr>
           <p:cNvPr id="5" name="Text Placeholder 3">
             <a:extLst>
               <a:ext uri="{FF2B5EF4-FFF2-40B4-BE49-F238E27FC236}">
@@ -25317,7 +25666,7 @@
 </p:sld>
 </file>
 
-<file path=ppt/slides/slide37.xml><?xml version="1.0" encoding="utf-8"?>
+<file path=ppt/slides/slide38.xml><?xml version="1.0" encoding="utf-8"?>
 <p:sld xmlns:a="http://schemas.openxmlformats.org/drawingml/2006/main" xmlns:r="http://schemas.openxmlformats.org/officeDocument/2006/relationships" xmlns:p="http://schemas.openxmlformats.org/presentationml/2006/main">
   <p:cSld>
     <p:spTree>
@@ -25580,200 +25929,6 @@
     <p:extLst>
       <p:ext uri="{BB962C8B-B14F-4D97-AF65-F5344CB8AC3E}">
         <p14:creationId xmlns:p14="http://schemas.microsoft.com/office/powerpoint/2010/main" val="1009619575"/>
-      </p:ext>
-    </p:extLst>
-  </p:cSld>
-  <p:clrMapOvr>
-    <a:masterClrMapping/>
-  </p:clrMapOvr>
-</p:sld>
-</file>
-
-<file path=ppt/slides/slide38.xml><?xml version="1.0" encoding="utf-8"?>
-<p:sld xmlns:a="http://schemas.openxmlformats.org/drawingml/2006/main" xmlns:r="http://schemas.openxmlformats.org/officeDocument/2006/relationships" xmlns:p="http://schemas.openxmlformats.org/presentationml/2006/main">
-  <p:cSld>
-    <p:spTree>
-      <p:nvGrpSpPr>
-        <p:cNvPr id="1" name=""/>
-        <p:cNvGrpSpPr/>
-        <p:nvPr/>
-      </p:nvGrpSpPr>
-      <p:grpSpPr>
-        <a:xfrm>
-          <a:off x="0" y="0"/>
-          <a:ext cx="0" cy="0"/>
-          <a:chOff x="0" y="0"/>
-          <a:chExt cx="0" cy="0"/>
-        </a:xfrm>
-      </p:grpSpPr>
-      <p:sp>
-        <p:nvSpPr>
-          <p:cNvPr id="4" name="Title 2">
-            <a:extLst>
-              <a:ext uri="{FF2B5EF4-FFF2-40B4-BE49-F238E27FC236}">
-                <a16:creationId xmlns:a16="http://schemas.microsoft.com/office/drawing/2014/main" id="{D04D207B-DBA5-438D-AACB-88C19072CC53}"/>
-              </a:ext>
-            </a:extLst>
-          </p:cNvPr>
-          <p:cNvSpPr>
-            <a:spLocks noGrp="1"/>
-          </p:cNvSpPr>
-          <p:nvPr>
-            <p:ph type="title"/>
-          </p:nvPr>
-        </p:nvSpPr>
-        <p:spPr>
-          <a:xfrm>
-            <a:off x="269239" y="2084186"/>
-            <a:ext cx="9859116" cy="1270797"/>
-          </a:xfrm>
-        </p:spPr>
-        <p:txBody>
-          <a:bodyPr/>
-          <a:lstStyle/>
-          <a:p>
-            <a:r>
-              <a:rPr lang="en-US" dirty="0"/>
-              <a:t>Demo</a:t>
-            </a:r>
-          </a:p>
-        </p:txBody>
-      </p:sp>
-      <p:sp>
-        <p:nvSpPr>
-          <p:cNvPr id="5" name="Text Placeholder 3">
-            <a:extLst>
-              <a:ext uri="{FF2B5EF4-FFF2-40B4-BE49-F238E27FC236}">
-                <a16:creationId xmlns:a16="http://schemas.microsoft.com/office/drawing/2014/main" id="{A1080AF1-9933-47D8-9D66-E8B55D8EDCDF}"/>
-              </a:ext>
-            </a:extLst>
-          </p:cNvPr>
-          <p:cNvSpPr txBox="1">
-            <a:spLocks/>
-          </p:cNvSpPr>
-          <p:nvPr/>
-        </p:nvSpPr>
-        <p:spPr>
-          <a:xfrm>
-            <a:off x="269240" y="3850287"/>
-            <a:ext cx="9860674" cy="778226"/>
-          </a:xfrm>
-          <a:prstGeom prst="rect">
-            <a:avLst/>
-          </a:prstGeom>
-        </p:spPr>
-        <p:txBody>
-          <a:bodyPr vert="horz" lIns="91440" tIns="45720" rIns="91440" bIns="45720" rtlCol="0" anchor="b"/>
-          <a:lstStyle>
-            <a:defPPr>
-              <a:defRPr lang="en-US"/>
-            </a:defPPr>
-            <a:lvl1pPr marL="0" algn="r" defTabSz="457200" rtl="0" eaLnBrk="1" latinLnBrk="0" hangingPunct="1">
-              <a:defRPr sz="3200" b="0" i="0" kern="1200">
-                <a:solidFill>
-                  <a:schemeClr val="bg2">
-                    <a:lumMod val="50000"/>
-                  </a:schemeClr>
-                </a:solidFill>
-                <a:effectLst/>
-                <a:latin typeface="+mn-lt"/>
-                <a:ea typeface="+mn-ea"/>
-                <a:cs typeface="+mn-cs"/>
-              </a:defRPr>
-            </a:lvl1pPr>
-            <a:lvl2pPr marL="457200" algn="l" defTabSz="457200" rtl="0" eaLnBrk="1" latinLnBrk="0" hangingPunct="1">
-              <a:defRPr sz="1800" kern="1200">
-                <a:solidFill>
-                  <a:schemeClr val="tx1"/>
-                </a:solidFill>
-                <a:latin typeface="+mn-lt"/>
-                <a:ea typeface="+mn-ea"/>
-                <a:cs typeface="+mn-cs"/>
-              </a:defRPr>
-            </a:lvl2pPr>
-            <a:lvl3pPr marL="914400" algn="l" defTabSz="457200" rtl="0" eaLnBrk="1" latinLnBrk="0" hangingPunct="1">
-              <a:defRPr sz="1800" kern="1200">
-                <a:solidFill>
-                  <a:schemeClr val="tx1"/>
-                </a:solidFill>
-                <a:latin typeface="+mn-lt"/>
-                <a:ea typeface="+mn-ea"/>
-                <a:cs typeface="+mn-cs"/>
-              </a:defRPr>
-            </a:lvl3pPr>
-            <a:lvl4pPr marL="1371600" algn="l" defTabSz="457200" rtl="0" eaLnBrk="1" latinLnBrk="0" hangingPunct="1">
-              <a:defRPr sz="1800" kern="1200">
-                <a:solidFill>
-                  <a:schemeClr val="tx1"/>
-                </a:solidFill>
-                <a:latin typeface="+mn-lt"/>
-                <a:ea typeface="+mn-ea"/>
-                <a:cs typeface="+mn-cs"/>
-              </a:defRPr>
-            </a:lvl4pPr>
-            <a:lvl5pPr marL="1828800" algn="l" defTabSz="457200" rtl="0" eaLnBrk="1" latinLnBrk="0" hangingPunct="1">
-              <a:defRPr sz="1800" kern="1200">
-                <a:solidFill>
-                  <a:schemeClr val="tx1"/>
-                </a:solidFill>
-                <a:latin typeface="+mn-lt"/>
-                <a:ea typeface="+mn-ea"/>
-                <a:cs typeface="+mn-cs"/>
-              </a:defRPr>
-            </a:lvl5pPr>
-            <a:lvl6pPr marL="2286000" algn="l" defTabSz="457200" rtl="0" eaLnBrk="1" latinLnBrk="0" hangingPunct="1">
-              <a:defRPr sz="1800" kern="1200">
-                <a:solidFill>
-                  <a:schemeClr val="tx1"/>
-                </a:solidFill>
-                <a:latin typeface="+mn-lt"/>
-                <a:ea typeface="+mn-ea"/>
-                <a:cs typeface="+mn-cs"/>
-              </a:defRPr>
-            </a:lvl6pPr>
-            <a:lvl7pPr marL="2743200" algn="l" defTabSz="457200" rtl="0" eaLnBrk="1" latinLnBrk="0" hangingPunct="1">
-              <a:defRPr sz="1800" kern="1200">
-                <a:solidFill>
-                  <a:schemeClr val="tx1"/>
-                </a:solidFill>
-                <a:latin typeface="+mn-lt"/>
-                <a:ea typeface="+mn-ea"/>
-                <a:cs typeface="+mn-cs"/>
-              </a:defRPr>
-            </a:lvl7pPr>
-            <a:lvl8pPr marL="3200400" algn="l" defTabSz="457200" rtl="0" eaLnBrk="1" latinLnBrk="0" hangingPunct="1">
-              <a:defRPr sz="1800" kern="1200">
-                <a:solidFill>
-                  <a:schemeClr val="tx1"/>
-                </a:solidFill>
-                <a:latin typeface="+mn-lt"/>
-                <a:ea typeface="+mn-ea"/>
-                <a:cs typeface="+mn-cs"/>
-              </a:defRPr>
-            </a:lvl8pPr>
-            <a:lvl9pPr marL="3657600" algn="l" defTabSz="457200" rtl="0" eaLnBrk="1" latinLnBrk="0" hangingPunct="1">
-              <a:defRPr sz="1800" kern="1200">
-                <a:solidFill>
-                  <a:schemeClr val="tx1"/>
-                </a:solidFill>
-                <a:latin typeface="+mn-lt"/>
-                <a:ea typeface="+mn-ea"/>
-                <a:cs typeface="+mn-cs"/>
-              </a:defRPr>
-            </a:lvl9pPr>
-          </a:lstStyle>
-          <a:p>
-            <a:r>
-              <a:rPr lang="en-US" dirty="0"/>
-              <a:t>MVC</a:t>
-            </a:r>
-          </a:p>
-        </p:txBody>
-      </p:sp>
-    </p:spTree>
-    <p:extLst>
-      <p:ext uri="{BB962C8B-B14F-4D97-AF65-F5344CB8AC3E}">
-        <p14:creationId xmlns:p14="http://schemas.microsoft.com/office/powerpoint/2010/main" val="1664036410"/>
       </p:ext>
     </p:extLst>
   </p:cSld>

--- a/Asp-net-core PeakIT.pptx
+++ b/Asp-net-core PeakIT.pptx
@@ -27045,6 +27045,63 @@
           </a:fontRef>
         </p:style>
       </p:cxnSp>
+      <p:sp>
+        <p:nvSpPr>
+          <p:cNvPr id="7" name="Text Placeholder 2">
+            <a:extLst>
+              <a:ext uri="{FF2B5EF4-FFF2-40B4-BE49-F238E27FC236}">
+                <a16:creationId xmlns:a16="http://schemas.microsoft.com/office/drawing/2014/main" id="{F8676C77-1066-4274-9D30-6D36EBC18919}"/>
+              </a:ext>
+            </a:extLst>
+          </p:cNvPr>
+          <p:cNvSpPr>
+            <a:spLocks noGrp="1"/>
+          </p:cNvSpPr>
+          <p:nvPr>
+            <p:ph type="body" idx="1"/>
+          </p:nvPr>
+        </p:nvSpPr>
+        <p:spPr>
+          <a:xfrm>
+            <a:off x="460118" y="1741542"/>
+            <a:ext cx="10074532" cy="3374915"/>
+          </a:xfrm>
+        </p:spPr>
+        <p:txBody>
+          <a:bodyPr>
+            <a:normAutofit/>
+          </a:bodyPr>
+          <a:lstStyle/>
+          <a:p>
+            <a:pPr marL="342900" indent="-342900">
+              <a:buFont typeface="Arial" panose="020B0604020202020204" pitchFamily="34" charset="0"/>
+              <a:buChar char="•"/>
+            </a:pPr>
+            <a:r>
+              <a:rPr lang="en-US" sz="2500" b="1"/>
+              <a:t>@page</a:t>
+            </a:r>
+            <a:endParaRPr lang="en-US" sz="2500" b="1" dirty="0"/>
+          </a:p>
+          <a:p>
+            <a:pPr marL="342900" indent="-342900">
+              <a:buFont typeface="Arial" panose="020B0604020202020204" pitchFamily="34" charset="0"/>
+              <a:buChar char="•"/>
+            </a:pPr>
+            <a:r>
+              <a:rPr lang="en-US" sz="2500" b="1" dirty="0"/>
+              <a:t>Pages – folder</a:t>
+            </a:r>
+          </a:p>
+          <a:p>
+            <a:pPr marL="342900" indent="-342900">
+              <a:buFont typeface="Arial" panose="020B0604020202020204" pitchFamily="34" charset="0"/>
+              <a:buChar char="•"/>
+            </a:pPr>
+            <a:endParaRPr lang="en-US" sz="2500" b="1" dirty="0"/>
+          </a:p>
+        </p:txBody>
+      </p:sp>
     </p:spTree>
     <p:extLst>
       <p:ext uri="{BB962C8B-B14F-4D97-AF65-F5344CB8AC3E}">

--- a/Asp-net-core PeakIT.pptx
+++ b/Asp-net-core PeakIT.pptx
@@ -27078,10 +27078,9 @@
               <a:buChar char="•"/>
             </a:pPr>
             <a:r>
-              <a:rPr lang="en-US" sz="2500" b="1"/>
+              <a:rPr lang="en-US" sz="2500" b="1" dirty="0"/>
               <a:t>@page</a:t>
             </a:r>
-            <a:endParaRPr lang="en-US" sz="2500" b="1" dirty="0"/>
           </a:p>
           <a:p>
             <a:pPr marL="342900" indent="-342900">
@@ -27092,6 +27091,50 @@
               <a:rPr lang="en-US" sz="2500" b="1" dirty="0"/>
               <a:t>Pages – folder</a:t>
             </a:r>
+          </a:p>
+          <a:p>
+            <a:pPr marL="342900" indent="-342900">
+              <a:buFont typeface="Arial" panose="020B0604020202020204" pitchFamily="34" charset="0"/>
+              <a:buChar char="•"/>
+            </a:pPr>
+            <a:r>
+              <a:rPr lang="en-US" sz="2500" b="1" dirty="0" err="1"/>
+              <a:t>OnGet</a:t>
+            </a:r>
+            <a:endParaRPr lang="en-US" sz="2500" b="1" dirty="0"/>
+          </a:p>
+          <a:p>
+            <a:pPr marL="342900" indent="-342900">
+              <a:buFont typeface="Arial" panose="020B0604020202020204" pitchFamily="34" charset="0"/>
+              <a:buChar char="•"/>
+            </a:pPr>
+            <a:r>
+              <a:rPr lang="en-US" sz="2500" b="1" dirty="0" err="1"/>
+              <a:t>OnPost</a:t>
+            </a:r>
+            <a:endParaRPr lang="en-US" sz="2500" b="1" dirty="0"/>
+          </a:p>
+          <a:p>
+            <a:pPr marL="342900" indent="-342900">
+              <a:buFont typeface="Arial" panose="020B0604020202020204" pitchFamily="34" charset="0"/>
+              <a:buChar char="•"/>
+            </a:pPr>
+            <a:r>
+              <a:rPr lang="en-US" sz="2800" b="1" dirty="0"/>
+              <a:t>XSRF/CSRF – </a:t>
+            </a:r>
+            <a:r>
+              <a:rPr lang="en-US" sz="2800" b="1"/>
+              <a:t>by default</a:t>
+            </a:r>
+            <a:endParaRPr lang="en-US" sz="2500" b="1" dirty="0"/>
+          </a:p>
+          <a:p>
+            <a:pPr marL="342900" indent="-342900">
+              <a:buFont typeface="Arial" panose="020B0604020202020204" pitchFamily="34" charset="0"/>
+              <a:buChar char="•"/>
+            </a:pPr>
+            <a:endParaRPr lang="en-US" sz="2500" b="1" dirty="0"/>
           </a:p>
           <a:p>
             <a:pPr marL="342900" indent="-342900">

--- a/Asp-net-core PeakIT.pptx
+++ b/Asp-net-core PeakIT.pptx
@@ -46,9 +46,9 @@
     <p:sldId id="1705" r:id="rId37"/>
     <p:sldId id="1673" r:id="rId38"/>
     <p:sldId id="262" r:id="rId39"/>
-    <p:sldId id="1694" r:id="rId40"/>
-    <p:sldId id="1696" r:id="rId41"/>
-    <p:sldId id="1695" r:id="rId42"/>
+    <p:sldId id="1696" r:id="rId40"/>
+    <p:sldId id="1695" r:id="rId41"/>
+    <p:sldId id="1694" r:id="rId42"/>
   </p:sldIdLst>
   <p:sldSz cx="12192000" cy="6858000"/>
   <p:notesSz cx="6858000" cy="9144000"/>
@@ -2552,7 +2552,7 @@
           <a:p>
             <a:fld id="{4F8AF98A-DDEB-402A-999D-9969AF4724D5}" type="datetimeFigureOut">
               <a:rPr lang="en-US" smtClean="0"/>
-              <a:t>1/20/2019</a:t>
+              <a:t>1/21/2019</a:t>
             </a:fld>
             <a:endParaRPr lang="en-US"/>
           </a:p>
@@ -4845,7 +4845,16 @@
           <a:bodyPr/>
           <a:lstStyle/>
           <a:p>
-            <a:endParaRPr lang="en-US" dirty="0"/>
+            <a:r>
+              <a:rPr lang="en-US" dirty="0"/>
+              <a:t>Example with dependency injection into view</a:t>
+            </a:r>
+          </a:p>
+          <a:p>
+            <a:r>
+              <a:rPr lang="en-US" dirty="0"/>
+              <a:t>Filters https://docs.microsoft.com/en-us/aspnet/core/razor-pages/filter?view=aspnetcore-2.1</a:t>
+            </a:r>
           </a:p>
         </p:txBody>
       </p:sp>
@@ -4875,7 +4884,7 @@
     </p:spTree>
     <p:extLst>
       <p:ext uri="{BB962C8B-B14F-4D97-AF65-F5344CB8AC3E}">
-        <p14:creationId xmlns:p14="http://schemas.microsoft.com/office/powerpoint/2010/main" val="639055866"/>
+        <p14:creationId xmlns:p14="http://schemas.microsoft.com/office/powerpoint/2010/main" val="970514146"/>
       </p:ext>
     </p:extLst>
   </p:cSld>
@@ -5013,10 +5022,7 @@
           <a:bodyPr/>
           <a:lstStyle/>
           <a:p>
-            <a:r>
-              <a:rPr lang="en-US" dirty="0"/>
-              <a:t>Example with dependency injection into view</a:t>
-            </a:r>
+            <a:endParaRPr lang="en-US" dirty="0"/>
           </a:p>
         </p:txBody>
       </p:sp>
@@ -5046,7 +5052,7 @@
     </p:spTree>
     <p:extLst>
       <p:ext uri="{BB962C8B-B14F-4D97-AF65-F5344CB8AC3E}">
-        <p14:creationId xmlns:p14="http://schemas.microsoft.com/office/powerpoint/2010/main" val="970514146"/>
+        <p14:creationId xmlns:p14="http://schemas.microsoft.com/office/powerpoint/2010/main" val="1950968221"/>
       </p:ext>
     </p:extLst>
   </p:cSld>
@@ -5130,7 +5136,7 @@
     </p:spTree>
     <p:extLst>
       <p:ext uri="{BB962C8B-B14F-4D97-AF65-F5344CB8AC3E}">
-        <p14:creationId xmlns:p14="http://schemas.microsoft.com/office/powerpoint/2010/main" val="1950968221"/>
+        <p14:creationId xmlns:p14="http://schemas.microsoft.com/office/powerpoint/2010/main" val="639055866"/>
       </p:ext>
     </p:extLst>
   </p:cSld>
@@ -5876,7 +5882,7 @@
             <a:fld id="{B61BEF0D-F0BB-DE4B-95CE-6DB70DBA9567}" type="datetimeFigureOut">
               <a:rPr lang="en-US" dirty="0"/>
               <a:pPr/>
-              <a:t>1/20/2019</a:t>
+              <a:t>1/21/2019</a:t>
             </a:fld>
             <a:endParaRPr lang="en-US" dirty="0"/>
           </a:p>
@@ -6309,7 +6315,7 @@
             <a:fld id="{B61BEF0D-F0BB-DE4B-95CE-6DB70DBA9567}" type="datetimeFigureOut">
               <a:rPr lang="en-US" dirty="0"/>
               <a:pPr/>
-              <a:t>1/20/2019</a:t>
+              <a:t>1/21/2019</a:t>
             </a:fld>
             <a:endParaRPr lang="en-US" dirty="0"/>
           </a:p>
@@ -6556,7 +6562,7 @@
             <a:fld id="{B61BEF0D-F0BB-DE4B-95CE-6DB70DBA9567}" type="datetimeFigureOut">
               <a:rPr lang="en-US" dirty="0"/>
               <a:pPr/>
-              <a:t>1/20/2019</a:t>
+              <a:t>1/21/2019</a:t>
             </a:fld>
             <a:endParaRPr lang="en-US" dirty="0"/>
           </a:p>
@@ -6861,7 +6867,7 @@
             <a:fld id="{B61BEF0D-F0BB-DE4B-95CE-6DB70DBA9567}" type="datetimeFigureOut">
               <a:rPr lang="en-US" dirty="0"/>
               <a:pPr/>
-              <a:t>1/20/2019</a:t>
+              <a:t>1/21/2019</a:t>
             </a:fld>
             <a:endParaRPr lang="en-US" dirty="0"/>
           </a:p>
@@ -7176,7 +7182,7 @@
             <a:fld id="{B61BEF0D-F0BB-DE4B-95CE-6DB70DBA9567}" type="datetimeFigureOut">
               <a:rPr lang="en-US" dirty="0"/>
               <a:pPr/>
-              <a:t>1/20/2019</a:t>
+              <a:t>1/21/2019</a:t>
             </a:fld>
             <a:endParaRPr lang="en-US" dirty="0"/>
           </a:p>
@@ -7475,7 +7481,7 @@
             <a:fld id="{B61BEF0D-F0BB-DE4B-95CE-6DB70DBA9567}" type="datetimeFigureOut">
               <a:rPr lang="en-US" dirty="0"/>
               <a:pPr/>
-              <a:t>1/20/2019</a:t>
+              <a:t>1/21/2019</a:t>
             </a:fld>
             <a:endParaRPr lang="en-US" dirty="0"/>
           </a:p>
@@ -7839,7 +7845,7 @@
             <a:fld id="{B61BEF0D-F0BB-DE4B-95CE-6DB70DBA9567}" type="datetimeFigureOut">
               <a:rPr lang="en-US" dirty="0"/>
               <a:pPr/>
-              <a:t>1/20/2019</a:t>
+              <a:t>1/21/2019</a:t>
             </a:fld>
             <a:endParaRPr lang="en-US" dirty="0"/>
           </a:p>
@@ -8010,7 +8016,7 @@
             <a:fld id="{B61BEF0D-F0BB-DE4B-95CE-6DB70DBA9567}" type="datetimeFigureOut">
               <a:rPr lang="en-US" dirty="0"/>
               <a:pPr/>
-              <a:t>1/20/2019</a:t>
+              <a:t>1/21/2019</a:t>
             </a:fld>
             <a:endParaRPr lang="en-US" dirty="0"/>
           </a:p>
@@ -8187,7 +8193,7 @@
             <a:fld id="{B61BEF0D-F0BB-DE4B-95CE-6DB70DBA9567}" type="datetimeFigureOut">
               <a:rPr lang="en-US" dirty="0"/>
               <a:pPr/>
-              <a:t>1/20/2019</a:t>
+              <a:t>1/21/2019</a:t>
             </a:fld>
             <a:endParaRPr lang="en-US" dirty="0"/>
           </a:p>
@@ -8354,7 +8360,7 @@
             <a:fld id="{B61BEF0D-F0BB-DE4B-95CE-6DB70DBA9567}" type="datetimeFigureOut">
               <a:rPr lang="en-US" dirty="0"/>
               <a:pPr/>
-              <a:t>1/20/2019</a:t>
+              <a:t>1/21/2019</a:t>
             </a:fld>
             <a:endParaRPr lang="en-US" dirty="0"/>
           </a:p>
@@ -8601,7 +8607,7 @@
             <a:fld id="{B61BEF0D-F0BB-DE4B-95CE-6DB70DBA9567}" type="datetimeFigureOut">
               <a:rPr lang="en-US" dirty="0"/>
               <a:pPr/>
-              <a:t>1/20/2019</a:t>
+              <a:t>1/21/2019</a:t>
             </a:fld>
             <a:endParaRPr lang="en-US" dirty="0"/>
           </a:p>
@@ -8834,7 +8840,7 @@
             <a:fld id="{B61BEF0D-F0BB-DE4B-95CE-6DB70DBA9567}" type="datetimeFigureOut">
               <a:rPr lang="en-US" dirty="0"/>
               <a:pPr/>
-              <a:t>1/20/2019</a:t>
+              <a:t>1/21/2019</a:t>
             </a:fld>
             <a:endParaRPr lang="en-US" dirty="0"/>
           </a:p>
@@ -9213,7 +9219,7 @@
             <a:fld id="{B61BEF0D-F0BB-DE4B-95CE-6DB70DBA9567}" type="datetimeFigureOut">
               <a:rPr lang="en-US" dirty="0"/>
               <a:pPr/>
-              <a:t>1/20/2019</a:t>
+              <a:t>1/21/2019</a:t>
             </a:fld>
             <a:endParaRPr lang="en-US" dirty="0"/>
           </a:p>
@@ -9328,7 +9334,7 @@
             <a:fld id="{B61BEF0D-F0BB-DE4B-95CE-6DB70DBA9567}" type="datetimeFigureOut">
               <a:rPr lang="en-US" dirty="0"/>
               <a:pPr/>
-              <a:t>1/20/2019</a:t>
+              <a:t>1/21/2019</a:t>
             </a:fld>
             <a:endParaRPr lang="en-US" dirty="0"/>
           </a:p>
@@ -9420,7 +9426,7 @@
             <a:fld id="{B61BEF0D-F0BB-DE4B-95CE-6DB70DBA9567}" type="datetimeFigureOut">
               <a:rPr lang="en-US" dirty="0"/>
               <a:pPr/>
-              <a:t>1/20/2019</a:t>
+              <a:t>1/21/2019</a:t>
             </a:fld>
             <a:endParaRPr lang="en-US" dirty="0"/>
           </a:p>
@@ -9672,7 +9678,7 @@
             <a:fld id="{B61BEF0D-F0BB-DE4B-95CE-6DB70DBA9567}" type="datetimeFigureOut">
               <a:rPr lang="en-US" dirty="0"/>
               <a:pPr/>
-              <a:t>1/20/2019</a:t>
+              <a:t>1/21/2019</a:t>
             </a:fld>
             <a:endParaRPr lang="en-US" dirty="0"/>
           </a:p>
@@ -9952,7 +9958,7 @@
             <a:fld id="{B61BEF0D-F0BB-DE4B-95CE-6DB70DBA9567}" type="datetimeFigureOut">
               <a:rPr lang="en-US" dirty="0"/>
               <a:pPr/>
-              <a:t>1/20/2019</a:t>
+              <a:t>1/21/2019</a:t>
             </a:fld>
             <a:endParaRPr lang="en-US" dirty="0"/>
           </a:p>
@@ -10355,7 +10361,7 @@
             <a:fld id="{B61BEF0D-F0BB-DE4B-95CE-6DB70DBA9567}" type="datetimeFigureOut">
               <a:rPr lang="en-US" dirty="0"/>
               <a:pPr/>
-              <a:t>1/20/2019</a:t>
+              <a:t>1/21/2019</a:t>
             </a:fld>
             <a:endParaRPr lang="en-US" dirty="0"/>
           </a:p>
@@ -25984,23 +25990,8 @@
                 </a:solidFill>
                 <a:latin typeface="+mj-lt"/>
               </a:rPr>
-              <a:t>Controller &amp; </a:t>
-            </a:r>
-            <a:r>
-              <a:rPr lang="en-US" sz="4000" dirty="0" err="1">
-                <a:solidFill>
-                  <a:srgbClr val="002060"/>
-                </a:solidFill>
-                <a:latin typeface="+mj-lt"/>
-              </a:rPr>
-              <a:t>Api</a:t>
-            </a:r>
-            <a:endParaRPr lang="en-US" sz="4000" dirty="0">
-              <a:solidFill>
-                <a:srgbClr val="002060"/>
-              </a:solidFill>
-              <a:latin typeface="+mj-lt"/>
-            </a:endParaRPr>
+              <a:t>Razor pages</a:t>
+            </a:r>
           </a:p>
         </p:txBody>
       </p:sp>
@@ -26150,10 +26141,106 @@
           </a:fontRef>
         </p:style>
       </p:cxnSp>
+      <p:sp>
+        <p:nvSpPr>
+          <p:cNvPr id="7" name="Text Placeholder 2">
+            <a:extLst>
+              <a:ext uri="{FF2B5EF4-FFF2-40B4-BE49-F238E27FC236}">
+                <a16:creationId xmlns:a16="http://schemas.microsoft.com/office/drawing/2014/main" id="{F8676C77-1066-4274-9D30-6D36EBC18919}"/>
+              </a:ext>
+            </a:extLst>
+          </p:cNvPr>
+          <p:cNvSpPr>
+            <a:spLocks noGrp="1"/>
+          </p:cNvSpPr>
+          <p:nvPr>
+            <p:ph type="body" idx="1"/>
+          </p:nvPr>
+        </p:nvSpPr>
+        <p:spPr>
+          <a:xfrm>
+            <a:off x="460118" y="1741542"/>
+            <a:ext cx="10074532" cy="3374915"/>
+          </a:xfrm>
+        </p:spPr>
+        <p:txBody>
+          <a:bodyPr>
+            <a:normAutofit/>
+          </a:bodyPr>
+          <a:lstStyle/>
+          <a:p>
+            <a:pPr marL="342900" indent="-342900">
+              <a:buFont typeface="Arial" panose="020B0604020202020204" pitchFamily="34" charset="0"/>
+              <a:buChar char="•"/>
+            </a:pPr>
+            <a:r>
+              <a:rPr lang="en-US" sz="2500" b="1" dirty="0"/>
+              <a:t>@page</a:t>
+            </a:r>
+          </a:p>
+          <a:p>
+            <a:pPr marL="342900" indent="-342900">
+              <a:buFont typeface="Arial" panose="020B0604020202020204" pitchFamily="34" charset="0"/>
+              <a:buChar char="•"/>
+            </a:pPr>
+            <a:r>
+              <a:rPr lang="en-US" sz="2500" b="1" dirty="0"/>
+              <a:t>Pages – folder</a:t>
+            </a:r>
+          </a:p>
+          <a:p>
+            <a:pPr marL="342900" indent="-342900">
+              <a:buFont typeface="Arial" panose="020B0604020202020204" pitchFamily="34" charset="0"/>
+              <a:buChar char="•"/>
+            </a:pPr>
+            <a:r>
+              <a:rPr lang="en-US" sz="2500" b="1" dirty="0" err="1"/>
+              <a:t>OnGet</a:t>
+            </a:r>
+            <a:endParaRPr lang="en-US" sz="2500" b="1" dirty="0"/>
+          </a:p>
+          <a:p>
+            <a:pPr marL="342900" indent="-342900">
+              <a:buFont typeface="Arial" panose="020B0604020202020204" pitchFamily="34" charset="0"/>
+              <a:buChar char="•"/>
+            </a:pPr>
+            <a:r>
+              <a:rPr lang="en-US" sz="2500" b="1" dirty="0" err="1"/>
+              <a:t>OnPost</a:t>
+            </a:r>
+            <a:endParaRPr lang="en-US" sz="2500" b="1" dirty="0"/>
+          </a:p>
+          <a:p>
+            <a:pPr marL="342900" indent="-342900">
+              <a:buFont typeface="Arial" panose="020B0604020202020204" pitchFamily="34" charset="0"/>
+              <a:buChar char="•"/>
+            </a:pPr>
+            <a:r>
+              <a:rPr lang="en-US" sz="2800" b="1" dirty="0"/>
+              <a:t>XSRF/CSRF – by default</a:t>
+            </a:r>
+            <a:endParaRPr lang="en-US" sz="2500" b="1" dirty="0"/>
+          </a:p>
+          <a:p>
+            <a:pPr marL="342900" indent="-342900">
+              <a:buFont typeface="Arial" panose="020B0604020202020204" pitchFamily="34" charset="0"/>
+              <a:buChar char="•"/>
+            </a:pPr>
+            <a:endParaRPr lang="en-US" sz="2500" b="1" dirty="0"/>
+          </a:p>
+          <a:p>
+            <a:pPr marL="342900" indent="-342900">
+              <a:buFont typeface="Arial" panose="020B0604020202020204" pitchFamily="34" charset="0"/>
+              <a:buChar char="•"/>
+            </a:pPr>
+            <a:endParaRPr lang="en-US" sz="2500" b="1" dirty="0"/>
+          </a:p>
+        </p:txBody>
+      </p:sp>
     </p:spTree>
     <p:extLst>
       <p:ext uri="{BB962C8B-B14F-4D97-AF65-F5344CB8AC3E}">
-        <p14:creationId xmlns:p14="http://schemas.microsoft.com/office/powerpoint/2010/main" val="3320304962"/>
+        <p14:creationId xmlns:p14="http://schemas.microsoft.com/office/powerpoint/2010/main" val="1369348077"/>
       </p:ext>
     </p:extLst>
   </p:cSld>
@@ -26894,7 +26981,7 @@
                 </a:solidFill>
                 <a:latin typeface="+mj-lt"/>
               </a:rPr>
-              <a:t>Razor pages</a:t>
+              <a:t>Tag Helpers</a:t>
             </a:r>
           </a:p>
         </p:txBody>
@@ -27050,7 +27137,7 @@
           <p:cNvPr id="7" name="Text Placeholder 2">
             <a:extLst>
               <a:ext uri="{FF2B5EF4-FFF2-40B4-BE49-F238E27FC236}">
-                <a16:creationId xmlns:a16="http://schemas.microsoft.com/office/drawing/2014/main" id="{F8676C77-1066-4274-9D30-6D36EBC18919}"/>
+                <a16:creationId xmlns:a16="http://schemas.microsoft.com/office/drawing/2014/main" id="{E3F12B91-B6F5-4748-9DFE-BF1351B3D1A8}"/>
               </a:ext>
             </a:extLst>
           </p:cNvPr>
@@ -27073,82 +27160,17 @@
           </a:bodyPr>
           <a:lstStyle/>
           <a:p>
-            <a:pPr marL="342900" indent="-342900">
-              <a:buFont typeface="Arial" panose="020B0604020202020204" pitchFamily="34" charset="0"/>
-              <a:buChar char="•"/>
-            </a:pPr>
             <a:r>
               <a:rPr lang="en-US" sz="2500" b="1" dirty="0"/>
-              <a:t>@page</a:t>
-            </a:r>
-          </a:p>
-          <a:p>
-            <a:pPr marL="342900" indent="-342900">
-              <a:buFont typeface="Arial" panose="020B0604020202020204" pitchFamily="34" charset="0"/>
-              <a:buChar char="•"/>
-            </a:pPr>
-            <a:r>
-              <a:rPr lang="en-US" sz="2500" b="1" dirty="0"/>
-              <a:t>Pages – folder</a:t>
-            </a:r>
-          </a:p>
-          <a:p>
-            <a:pPr marL="342900" indent="-342900">
-              <a:buFont typeface="Arial" panose="020B0604020202020204" pitchFamily="34" charset="0"/>
-              <a:buChar char="•"/>
-            </a:pPr>
-            <a:r>
-              <a:rPr lang="en-US" sz="2500" b="1" dirty="0" err="1"/>
-              <a:t>OnGet</a:t>
-            </a:r>
-            <a:endParaRPr lang="en-US" sz="2500" b="1" dirty="0"/>
-          </a:p>
-          <a:p>
-            <a:pPr marL="342900" indent="-342900">
-              <a:buFont typeface="Arial" panose="020B0604020202020204" pitchFamily="34" charset="0"/>
-              <a:buChar char="•"/>
-            </a:pPr>
-            <a:r>
-              <a:rPr lang="en-US" sz="2500" b="1" dirty="0" err="1"/>
-              <a:t>OnPost</a:t>
-            </a:r>
-            <a:endParaRPr lang="en-US" sz="2500" b="1" dirty="0"/>
-          </a:p>
-          <a:p>
-            <a:pPr marL="342900" indent="-342900">
-              <a:buFont typeface="Arial" panose="020B0604020202020204" pitchFamily="34" charset="0"/>
-              <a:buChar char="•"/>
-            </a:pPr>
-            <a:r>
-              <a:rPr lang="en-US" sz="2800" b="1" dirty="0"/>
-              <a:t>XSRF/CSRF – </a:t>
-            </a:r>
-            <a:r>
-              <a:rPr lang="en-US" sz="2800" b="1"/>
-              <a:t>by default</a:t>
-            </a:r>
-            <a:endParaRPr lang="en-US" sz="2500" b="1" dirty="0"/>
-          </a:p>
-          <a:p>
-            <a:pPr marL="342900" indent="-342900">
-              <a:buFont typeface="Arial" panose="020B0604020202020204" pitchFamily="34" charset="0"/>
-              <a:buChar char="•"/>
-            </a:pPr>
-            <a:endParaRPr lang="en-US" sz="2500" b="1" dirty="0"/>
-          </a:p>
-          <a:p>
-            <a:pPr marL="342900" indent="-342900">
-              <a:buFont typeface="Arial" panose="020B0604020202020204" pitchFamily="34" charset="0"/>
-              <a:buChar char="•"/>
-            </a:pPr>
-            <a:endParaRPr lang="en-US" sz="2500" b="1" dirty="0"/>
+              <a:t>Tag Helpers enable server-side code to participate in creating and rendering HTML elements in Razor files.</a:t>
+            </a:r>
           </a:p>
         </p:txBody>
       </p:sp>
     </p:spTree>
     <p:extLst>
       <p:ext uri="{BB962C8B-B14F-4D97-AF65-F5344CB8AC3E}">
-        <p14:creationId xmlns:p14="http://schemas.microsoft.com/office/powerpoint/2010/main" val="1369348077"/>
+        <p14:creationId xmlns:p14="http://schemas.microsoft.com/office/powerpoint/2010/main" val="4246757676"/>
       </p:ext>
     </p:extLst>
   </p:cSld>
@@ -27204,8 +27226,23 @@
                 </a:solidFill>
                 <a:latin typeface="+mj-lt"/>
               </a:rPr>
-              <a:t>Tag Helpers</a:t>
-            </a:r>
+              <a:t>Controller &amp; </a:t>
+            </a:r>
+            <a:r>
+              <a:rPr lang="en-US" sz="4000" dirty="0" err="1">
+                <a:solidFill>
+                  <a:srgbClr val="002060"/>
+                </a:solidFill>
+                <a:latin typeface="+mj-lt"/>
+              </a:rPr>
+              <a:t>Api</a:t>
+            </a:r>
+            <a:endParaRPr lang="en-US" sz="4000" dirty="0">
+              <a:solidFill>
+                <a:srgbClr val="002060"/>
+              </a:solidFill>
+              <a:latin typeface="+mj-lt"/>
+            </a:endParaRPr>
           </a:p>
         </p:txBody>
       </p:sp>
@@ -27355,45 +27392,10 @@
           </a:fontRef>
         </p:style>
       </p:cxnSp>
-      <p:sp>
-        <p:nvSpPr>
-          <p:cNvPr id="7" name="Text Placeholder 2">
-            <a:extLst>
-              <a:ext uri="{FF2B5EF4-FFF2-40B4-BE49-F238E27FC236}">
-                <a16:creationId xmlns:a16="http://schemas.microsoft.com/office/drawing/2014/main" id="{E3F12B91-B6F5-4748-9DFE-BF1351B3D1A8}"/>
-              </a:ext>
-            </a:extLst>
-          </p:cNvPr>
-          <p:cNvSpPr>
-            <a:spLocks noGrp="1"/>
-          </p:cNvSpPr>
-          <p:nvPr>
-            <p:ph type="body" idx="1"/>
-          </p:nvPr>
-        </p:nvSpPr>
-        <p:spPr>
-          <a:xfrm>
-            <a:off x="460118" y="1741542"/>
-            <a:ext cx="10074532" cy="3374915"/>
-          </a:xfrm>
-        </p:spPr>
-        <p:txBody>
-          <a:bodyPr>
-            <a:normAutofit/>
-          </a:bodyPr>
-          <a:lstStyle/>
-          <a:p>
-            <a:r>
-              <a:rPr lang="en-US" sz="2500" b="1" dirty="0"/>
-              <a:t>Tag Helpers enable server-side code to participate in creating and rendering HTML elements in Razor files.</a:t>
-            </a:r>
-          </a:p>
-        </p:txBody>
-      </p:sp>
     </p:spTree>
     <p:extLst>
       <p:ext uri="{BB962C8B-B14F-4D97-AF65-F5344CB8AC3E}">
-        <p14:creationId xmlns:p14="http://schemas.microsoft.com/office/powerpoint/2010/main" val="4246757676"/>
+        <p14:creationId xmlns:p14="http://schemas.microsoft.com/office/powerpoint/2010/main" val="3320304962"/>
       </p:ext>
     </p:extLst>
   </p:cSld>
@@ -28005,7 +28007,7 @@
 </file>
 
 <file path=ppt/slides/slide6.xml><?xml version="1.0" encoding="utf-8"?>
-<p:sld xmlns:a="http://schemas.openxmlformats.org/drawingml/2006/main" xmlns:r="http://schemas.openxmlformats.org/officeDocument/2006/relationships" xmlns:p="http://schemas.openxmlformats.org/presentationml/2006/main">
+<p:sld xmlns:a="http://schemas.openxmlformats.org/drawingml/2006/main" xmlns:r="http://schemas.openxmlformats.org/officeDocument/2006/relationships" xmlns:p="http://schemas.openxmlformats.org/presentationml/2006/main" show="0">
   <p:cSld>
     <p:spTree>
       <p:nvGrpSpPr>
